--- a/TECH_ENABLERS.pptx
+++ b/TECH_ENABLERS.pptx
@@ -8,10 +8,11 @@
     <p:sldId id="256" r:id="rId2"/>
     <p:sldId id="257" r:id="rId3"/>
     <p:sldId id="258" r:id="rId4"/>
-    <p:sldId id="259" r:id="rId5"/>
-    <p:sldId id="260" r:id="rId6"/>
-    <p:sldId id="261" r:id="rId7"/>
-    <p:sldId id="262" r:id="rId8"/>
+    <p:sldId id="263" r:id="rId5"/>
+    <p:sldId id="259" r:id="rId6"/>
+    <p:sldId id="260" r:id="rId7"/>
+    <p:sldId id="261" r:id="rId8"/>
+    <p:sldId id="262" r:id="rId9"/>
   </p:sldIdLst>
   <p:sldSz cx="12192000" cy="6858000"/>
   <p:notesSz cx="6858000" cy="9144000"/>
@@ -5090,7 +5091,7 @@
           <p:cNvPr id="2" name="Title 1">
             <a:extLst>
               <a:ext uri="{FF2B5EF4-FFF2-40B4-BE49-F238E27FC236}">
-                <a16:creationId xmlns:a16="http://schemas.microsoft.com/office/drawing/2014/main" id="{80418C4C-1007-428F-BC7F-CC7F7C312492}"/>
+                <a16:creationId xmlns:a16="http://schemas.microsoft.com/office/drawing/2014/main" id="{E2C2AFD4-CE6E-4752-A008-0C4EC9862811}"/>
               </a:ext>
             </a:extLst>
           </p:cNvPr>
@@ -5108,7 +5109,7 @@
           <a:p>
             <a:r>
               <a:rPr lang="en-GB" dirty="0"/>
-              <a:t>What are we achieving </a:t>
+              <a:t>architecture</a:t>
             </a:r>
             <a:endParaRPr lang="en-IN" dirty="0"/>
           </a:p>
@@ -5116,10 +5117,10 @@
       </p:sp>
       <p:sp>
         <p:nvSpPr>
-          <p:cNvPr id="4" name="Rectangle 3">
-            <a:extLst>
-              <a:ext uri="{FF2B5EF4-FFF2-40B4-BE49-F238E27FC236}">
-                <a16:creationId xmlns:a16="http://schemas.microsoft.com/office/drawing/2014/main" id="{5906BA86-6B46-4378-8427-534F133F18C1}"/>
+          <p:cNvPr id="4" name="Rectangle: Rounded Corners 3">
+            <a:extLst>
+              <a:ext uri="{FF2B5EF4-FFF2-40B4-BE49-F238E27FC236}">
+                <a16:creationId xmlns:a16="http://schemas.microsoft.com/office/drawing/2014/main" id="{89B2B3F7-4090-4267-88B1-EE2059B004A2}"/>
               </a:ext>
             </a:extLst>
           </p:cNvPr>
@@ -5128,10 +5129,10 @@
         </p:nvSpPr>
         <p:spPr>
           <a:xfrm>
-            <a:off x="801757" y="2875722"/>
-            <a:ext cx="2160104" cy="728870"/>
-          </a:xfrm>
-          <a:prstGeom prst="rect">
+            <a:off x="723177" y="2133500"/>
+            <a:ext cx="969312" cy="728869"/>
+          </a:xfrm>
+          <a:prstGeom prst="roundRect">
             <a:avLst/>
           </a:prstGeom>
         </p:spPr>
@@ -5156,7 +5157,7 @@
             <a:pPr algn="ctr"/>
             <a:r>
               <a:rPr lang="en-GB" dirty="0"/>
-              <a:t>2 Week</a:t>
+              <a:t>Laptop Issued</a:t>
             </a:r>
             <a:endParaRPr lang="en-IN" dirty="0"/>
           </a:p>
@@ -5164,10 +5165,10 @@
       </p:sp>
       <p:sp>
         <p:nvSpPr>
-          <p:cNvPr id="5" name="Rectangle 4">
-            <a:extLst>
-              <a:ext uri="{FF2B5EF4-FFF2-40B4-BE49-F238E27FC236}">
-                <a16:creationId xmlns:a16="http://schemas.microsoft.com/office/drawing/2014/main" id="{CD353850-DD97-47D0-A6AA-1E7DE7D5AC12}"/>
+          <p:cNvPr id="5" name="Rectangle: Rounded Corners 4">
+            <a:extLst>
+              <a:ext uri="{FF2B5EF4-FFF2-40B4-BE49-F238E27FC236}">
+                <a16:creationId xmlns:a16="http://schemas.microsoft.com/office/drawing/2014/main" id="{19EABF29-738B-4DAC-A008-A96260EDDF69}"/>
               </a:ext>
             </a:extLst>
           </p:cNvPr>
@@ -5176,10 +5177,10 @@
         </p:nvSpPr>
         <p:spPr>
           <a:xfrm>
-            <a:off x="3491948" y="2875722"/>
-            <a:ext cx="2160104" cy="728870"/>
-          </a:xfrm>
-          <a:prstGeom prst="rect">
+            <a:off x="8438813" y="3279913"/>
+            <a:ext cx="2361709" cy="728869"/>
+          </a:xfrm>
+          <a:prstGeom prst="roundRect">
             <a:avLst/>
           </a:prstGeom>
         </p:spPr>
@@ -5204,7 +5205,7 @@
             <a:pPr algn="ctr"/>
             <a:r>
               <a:rPr lang="en-GB" dirty="0"/>
-              <a:t>30 Employees</a:t>
+              <a:t>Windows Cloud Machine Configured</a:t>
             </a:r>
             <a:endParaRPr lang="en-IN" dirty="0"/>
           </a:p>
@@ -5212,10 +5213,10 @@
       </p:sp>
       <p:sp>
         <p:nvSpPr>
-          <p:cNvPr id="6" name="Rectangle 5">
-            <a:extLst>
-              <a:ext uri="{FF2B5EF4-FFF2-40B4-BE49-F238E27FC236}">
-                <a16:creationId xmlns:a16="http://schemas.microsoft.com/office/drawing/2014/main" id="{859A25A1-0FD2-4571-B97A-DB5773CAB285}"/>
+          <p:cNvPr id="6" name="Rectangle: Rounded Corners 5">
+            <a:extLst>
+              <a:ext uri="{FF2B5EF4-FFF2-40B4-BE49-F238E27FC236}">
+                <a16:creationId xmlns:a16="http://schemas.microsoft.com/office/drawing/2014/main" id="{DA01F13E-BA8B-4A08-8B9E-0905D88F7BBB}"/>
               </a:ext>
             </a:extLst>
           </p:cNvPr>
@@ -5224,10 +5225,10 @@
         </p:nvSpPr>
         <p:spPr>
           <a:xfrm>
-            <a:off x="6182139" y="2875722"/>
-            <a:ext cx="2160104" cy="728870"/>
-          </a:xfrm>
-          <a:prstGeom prst="rect">
+            <a:off x="5381331" y="3279913"/>
+            <a:ext cx="1995406" cy="728869"/>
+          </a:xfrm>
+          <a:prstGeom prst="roundRect">
             <a:avLst/>
           </a:prstGeom>
         </p:spPr>
@@ -5252,14 +5253,14 @@
             <a:pPr algn="ctr"/>
             <a:r>
               <a:rPr lang="en-GB" dirty="0"/>
-              <a:t>10 Business Days</a:t>
+              <a:t>One Click </a:t>
             </a:r>
           </a:p>
           <a:p>
             <a:pPr algn="ctr"/>
             <a:r>
               <a:rPr lang="en-GB" dirty="0"/>
-              <a:t>2400 Business hours</a:t>
+              <a:t>(Raise Jira Tickets)</a:t>
             </a:r>
             <a:endParaRPr lang="en-IN" dirty="0"/>
           </a:p>
@@ -5267,10 +5268,10 @@
       </p:sp>
       <p:sp>
         <p:nvSpPr>
-          <p:cNvPr id="7" name="Rectangle 6">
-            <a:extLst>
-              <a:ext uri="{FF2B5EF4-FFF2-40B4-BE49-F238E27FC236}">
-                <a16:creationId xmlns:a16="http://schemas.microsoft.com/office/drawing/2014/main" id="{595FA5E7-7F14-4905-9F81-84EA7A00157D}"/>
+          <p:cNvPr id="7" name="Rectangle: Rounded Corners 6">
+            <a:extLst>
+              <a:ext uri="{FF2B5EF4-FFF2-40B4-BE49-F238E27FC236}">
+                <a16:creationId xmlns:a16="http://schemas.microsoft.com/office/drawing/2014/main" id="{FDB22524-5D28-496A-A00B-E42786264762}"/>
               </a:ext>
             </a:extLst>
           </p:cNvPr>
@@ -5279,10 +5280,10 @@
         </p:nvSpPr>
         <p:spPr>
           <a:xfrm>
-            <a:off x="8984974" y="2875722"/>
-            <a:ext cx="2160104" cy="728870"/>
-          </a:xfrm>
-          <a:prstGeom prst="rect">
+            <a:off x="2244339" y="3279914"/>
+            <a:ext cx="2074917" cy="728869"/>
+          </a:xfrm>
+          <a:prstGeom prst="roundRect">
             <a:avLst/>
           </a:prstGeom>
         </p:spPr>
@@ -5307,7 +5308,22 @@
             <a:pPr algn="ctr"/>
             <a:r>
               <a:rPr lang="en-GB" dirty="0"/>
-              <a:t>120,000 Pounds</a:t>
+              <a:t>App Installed</a:t>
+            </a:r>
+          </a:p>
+          <a:p>
+            <a:pPr algn="ctr"/>
+            <a:r>
+              <a:rPr lang="en-GB" dirty="0"/>
+              <a:t>(Java &amp; </a:t>
+            </a:r>
+            <a:r>
+              <a:rPr lang="en-GB" dirty="0" err="1"/>
+              <a:t>Powershell</a:t>
+            </a:r>
+            <a:r>
+              <a:rPr lang="en-GB" dirty="0"/>
+              <a:t>)</a:t>
             </a:r>
             <a:endParaRPr lang="en-IN" dirty="0"/>
           </a:p>
@@ -5315,10 +5331,10 @@
       </p:sp>
       <p:sp>
         <p:nvSpPr>
-          <p:cNvPr id="8" name="Rectangle 7">
-            <a:extLst>
-              <a:ext uri="{FF2B5EF4-FFF2-40B4-BE49-F238E27FC236}">
-                <a16:creationId xmlns:a16="http://schemas.microsoft.com/office/drawing/2014/main" id="{10AAD9DB-BDE6-43EF-AD3F-FF40FA5FC156}"/>
+          <p:cNvPr id="8" name="Rectangle: Rounded Corners 7">
+            <a:extLst>
+              <a:ext uri="{FF2B5EF4-FFF2-40B4-BE49-F238E27FC236}">
+                <a16:creationId xmlns:a16="http://schemas.microsoft.com/office/drawing/2014/main" id="{0609B60F-F4EE-440A-865C-032BD3339B3F}"/>
               </a:ext>
             </a:extLst>
           </p:cNvPr>
@@ -5327,10 +5343,10 @@
         </p:nvSpPr>
         <p:spPr>
           <a:xfrm>
-            <a:off x="801757" y="5294244"/>
-            <a:ext cx="2160104" cy="728870"/>
-          </a:xfrm>
-          <a:prstGeom prst="rect">
+            <a:off x="573614" y="3279915"/>
+            <a:ext cx="1268438" cy="728869"/>
+          </a:xfrm>
+          <a:prstGeom prst="roundRect">
             <a:avLst/>
           </a:prstGeom>
         </p:spPr>
@@ -5355,15 +5371,14 @@
             <a:pPr algn="ctr"/>
             <a:r>
               <a:rPr lang="en-GB" dirty="0"/>
-              <a:t>2</a:t>
-            </a:r>
-            <a:r>
-              <a:rPr lang="en-GB"/>
-              <a:t> </a:t>
-            </a:r>
+              <a:t>One Click</a:t>
+            </a:r>
+          </a:p>
+          <a:p>
+            <a:pPr algn="ctr"/>
             <a:r>
               <a:rPr lang="en-GB" dirty="0"/>
-              <a:t>Week</a:t>
+              <a:t>(React FE)</a:t>
             </a:r>
             <a:endParaRPr lang="en-IN" dirty="0"/>
           </a:p>
@@ -5371,10 +5386,10 @@
       </p:sp>
       <p:sp>
         <p:nvSpPr>
-          <p:cNvPr id="9" name="Rectangle 8">
-            <a:extLst>
-              <a:ext uri="{FF2B5EF4-FFF2-40B4-BE49-F238E27FC236}">
-                <a16:creationId xmlns:a16="http://schemas.microsoft.com/office/drawing/2014/main" id="{204039FC-1A9D-4558-9989-4C616254CB11}"/>
+          <p:cNvPr id="9" name="Rectangle: Rounded Corners 8">
+            <a:extLst>
+              <a:ext uri="{FF2B5EF4-FFF2-40B4-BE49-F238E27FC236}">
+                <a16:creationId xmlns:a16="http://schemas.microsoft.com/office/drawing/2014/main" id="{1BA1A2B8-41ED-45E2-96C2-C18527E0AC8E}"/>
               </a:ext>
             </a:extLst>
           </p:cNvPr>
@@ -5383,10 +5398,10 @@
         </p:nvSpPr>
         <p:spPr>
           <a:xfrm>
-            <a:off x="3491948" y="5294244"/>
-            <a:ext cx="2160104" cy="728870"/>
-          </a:xfrm>
-          <a:prstGeom prst="rect">
+            <a:off x="10053678" y="4635144"/>
+            <a:ext cx="1557130" cy="1013800"/>
+          </a:xfrm>
+          <a:prstGeom prst="roundRect">
             <a:avLst/>
           </a:prstGeom>
         </p:spPr>
@@ -5411,18 +5426,243 @@
             <a:pPr algn="ctr"/>
             <a:r>
               <a:rPr lang="en-GB" dirty="0"/>
-              <a:t>30 Employees</a:t>
+              <a:t>Raise Jira tickets for project </a:t>
             </a:r>
             <a:endParaRPr lang="en-IN" dirty="0"/>
           </a:p>
         </p:txBody>
       </p:sp>
-      <p:sp>
-        <p:nvSpPr>
-          <p:cNvPr id="10" name="Rectangle 9">
-            <a:extLst>
-              <a:ext uri="{FF2B5EF4-FFF2-40B4-BE49-F238E27FC236}">
-                <a16:creationId xmlns:a16="http://schemas.microsoft.com/office/drawing/2014/main" id="{DCF2A78A-84C9-4CF9-8C7F-63C8F9F8A3EB}"/>
+      <p:cxnSp>
+        <p:nvCxnSpPr>
+          <p:cNvPr id="11" name="Straight Arrow Connector 10">
+            <a:extLst>
+              <a:ext uri="{FF2B5EF4-FFF2-40B4-BE49-F238E27FC236}">
+                <a16:creationId xmlns:a16="http://schemas.microsoft.com/office/drawing/2014/main" id="{2A01E80E-6B01-4A91-ADA5-101EA2FB5803}"/>
+              </a:ext>
+            </a:extLst>
+          </p:cNvPr>
+          <p:cNvCxnSpPr>
+            <a:stCxn id="4" idx="2"/>
+            <a:endCxn id="8" idx="0"/>
+          </p:cNvCxnSpPr>
+          <p:nvPr/>
+        </p:nvCxnSpPr>
+        <p:spPr>
+          <a:xfrm>
+            <a:off x="1207833" y="2862369"/>
+            <a:ext cx="0" cy="417546"/>
+          </a:xfrm>
+          <a:prstGeom prst="straightConnector1">
+            <a:avLst/>
+          </a:prstGeom>
+          <a:ln>
+            <a:tailEnd type="triangle"/>
+          </a:ln>
+        </p:spPr>
+        <p:style>
+          <a:lnRef idx="1">
+            <a:schemeClr val="accent1"/>
+          </a:lnRef>
+          <a:fillRef idx="0">
+            <a:schemeClr val="accent1"/>
+          </a:fillRef>
+          <a:effectRef idx="0">
+            <a:schemeClr val="accent1"/>
+          </a:effectRef>
+          <a:fontRef idx="minor">
+            <a:schemeClr val="tx1"/>
+          </a:fontRef>
+        </p:style>
+      </p:cxnSp>
+      <p:cxnSp>
+        <p:nvCxnSpPr>
+          <p:cNvPr id="14" name="Straight Arrow Connector 13">
+            <a:extLst>
+              <a:ext uri="{FF2B5EF4-FFF2-40B4-BE49-F238E27FC236}">
+                <a16:creationId xmlns:a16="http://schemas.microsoft.com/office/drawing/2014/main" id="{68C156A0-AC93-4B14-86FD-B02D0B85475D}"/>
+              </a:ext>
+            </a:extLst>
+          </p:cNvPr>
+          <p:cNvCxnSpPr>
+            <a:stCxn id="8" idx="3"/>
+            <a:endCxn id="7" idx="1"/>
+          </p:cNvCxnSpPr>
+          <p:nvPr/>
+        </p:nvCxnSpPr>
+        <p:spPr>
+          <a:xfrm flipV="1">
+            <a:off x="1842052" y="3644349"/>
+            <a:ext cx="402287" cy="1"/>
+          </a:xfrm>
+          <a:prstGeom prst="straightConnector1">
+            <a:avLst/>
+          </a:prstGeom>
+          <a:ln>
+            <a:tailEnd type="triangle"/>
+          </a:ln>
+        </p:spPr>
+        <p:style>
+          <a:lnRef idx="1">
+            <a:schemeClr val="accent1"/>
+          </a:lnRef>
+          <a:fillRef idx="0">
+            <a:schemeClr val="accent1"/>
+          </a:fillRef>
+          <a:effectRef idx="0">
+            <a:schemeClr val="accent1"/>
+          </a:effectRef>
+          <a:fontRef idx="minor">
+            <a:schemeClr val="tx1"/>
+          </a:fontRef>
+        </p:style>
+      </p:cxnSp>
+      <p:cxnSp>
+        <p:nvCxnSpPr>
+          <p:cNvPr id="16" name="Straight Arrow Connector 15">
+            <a:extLst>
+              <a:ext uri="{FF2B5EF4-FFF2-40B4-BE49-F238E27FC236}">
+                <a16:creationId xmlns:a16="http://schemas.microsoft.com/office/drawing/2014/main" id="{73432A22-B669-4EE0-99CA-22B2DBF83C1D}"/>
+              </a:ext>
+            </a:extLst>
+          </p:cNvPr>
+          <p:cNvCxnSpPr>
+            <a:stCxn id="7" idx="3"/>
+            <a:endCxn id="6" idx="1"/>
+          </p:cNvCxnSpPr>
+          <p:nvPr/>
+        </p:nvCxnSpPr>
+        <p:spPr>
+          <a:xfrm flipV="1">
+            <a:off x="4319256" y="3644348"/>
+            <a:ext cx="1062075" cy="1"/>
+          </a:xfrm>
+          <a:prstGeom prst="straightConnector1">
+            <a:avLst/>
+          </a:prstGeom>
+          <a:ln>
+            <a:tailEnd type="triangle"/>
+          </a:ln>
+        </p:spPr>
+        <p:style>
+          <a:lnRef idx="1">
+            <a:schemeClr val="accent1"/>
+          </a:lnRef>
+          <a:fillRef idx="0">
+            <a:schemeClr val="accent1"/>
+          </a:fillRef>
+          <a:effectRef idx="0">
+            <a:schemeClr val="accent1"/>
+          </a:effectRef>
+          <a:fontRef idx="minor">
+            <a:schemeClr val="tx1"/>
+          </a:fontRef>
+        </p:style>
+      </p:cxnSp>
+      <p:sp>
+        <p:nvSpPr>
+          <p:cNvPr id="20" name="TextBox 19">
+            <a:extLst>
+              <a:ext uri="{FF2B5EF4-FFF2-40B4-BE49-F238E27FC236}">
+                <a16:creationId xmlns:a16="http://schemas.microsoft.com/office/drawing/2014/main" id="{88054BF7-C638-4F6C-9939-B140FEE011E6}"/>
+              </a:ext>
+            </a:extLst>
+          </p:cNvPr>
+          <p:cNvSpPr txBox="1"/>
+          <p:nvPr/>
+        </p:nvSpPr>
+        <p:spPr>
+          <a:xfrm>
+            <a:off x="4357144" y="3321181"/>
+            <a:ext cx="974947" cy="646331"/>
+          </a:xfrm>
+          <a:prstGeom prst="rect">
+            <a:avLst/>
+          </a:prstGeom>
+          <a:noFill/>
+        </p:spPr>
+        <p:txBody>
+          <a:bodyPr wrap="none" rtlCol="0">
+            <a:spAutoFit/>
+          </a:bodyPr>
+          <a:lstStyle/>
+          <a:p>
+            <a:pPr algn="ctr"/>
+            <a:r>
+              <a:rPr lang="en-GB" dirty="0">
+                <a:solidFill>
+                  <a:srgbClr val="FF0000"/>
+                </a:solidFill>
+              </a:rPr>
+              <a:t>Mobile</a:t>
+            </a:r>
+          </a:p>
+          <a:p>
+            <a:pPr algn="ctr"/>
+            <a:r>
+              <a:rPr lang="en-GB" dirty="0">
+                <a:solidFill>
+                  <a:srgbClr val="FF0000"/>
+                </a:solidFill>
+              </a:rPr>
+              <a:t>Number</a:t>
+            </a:r>
+            <a:endParaRPr lang="en-IN" dirty="0">
+              <a:solidFill>
+                <a:srgbClr val="FF0000"/>
+              </a:solidFill>
+            </a:endParaRPr>
+          </a:p>
+        </p:txBody>
+      </p:sp>
+      <p:cxnSp>
+        <p:nvCxnSpPr>
+          <p:cNvPr id="22" name="Straight Arrow Connector 21">
+            <a:extLst>
+              <a:ext uri="{FF2B5EF4-FFF2-40B4-BE49-F238E27FC236}">
+                <a16:creationId xmlns:a16="http://schemas.microsoft.com/office/drawing/2014/main" id="{D5BB0851-1F2B-442B-AF86-358994C2C98A}"/>
+              </a:ext>
+            </a:extLst>
+          </p:cNvPr>
+          <p:cNvCxnSpPr>
+            <a:cxnSpLocks/>
+            <a:stCxn id="6" idx="3"/>
+            <a:endCxn id="5" idx="1"/>
+          </p:cNvCxnSpPr>
+          <p:nvPr/>
+        </p:nvCxnSpPr>
+        <p:spPr>
+          <a:xfrm>
+            <a:off x="7376737" y="3644348"/>
+            <a:ext cx="1062076" cy="0"/>
+          </a:xfrm>
+          <a:prstGeom prst="straightConnector1">
+            <a:avLst/>
+          </a:prstGeom>
+          <a:ln>
+            <a:tailEnd type="triangle"/>
+          </a:ln>
+        </p:spPr>
+        <p:style>
+          <a:lnRef idx="1">
+            <a:schemeClr val="accent1"/>
+          </a:lnRef>
+          <a:fillRef idx="0">
+            <a:schemeClr val="accent1"/>
+          </a:fillRef>
+          <a:effectRef idx="0">
+            <a:schemeClr val="accent1"/>
+          </a:effectRef>
+          <a:fontRef idx="minor">
+            <a:schemeClr val="tx1"/>
+          </a:fontRef>
+        </p:style>
+      </p:cxnSp>
+      <p:sp>
+        <p:nvSpPr>
+          <p:cNvPr id="24" name="Rectangle: Rounded Corners 23">
+            <a:extLst>
+              <a:ext uri="{FF2B5EF4-FFF2-40B4-BE49-F238E27FC236}">
+                <a16:creationId xmlns:a16="http://schemas.microsoft.com/office/drawing/2014/main" id="{604CEFB0-16DE-4F00-9340-46E41C1BC963}"/>
               </a:ext>
             </a:extLst>
           </p:cNvPr>
@@ -5431,10 +5671,10 @@
         </p:nvSpPr>
         <p:spPr>
           <a:xfrm>
-            <a:off x="6182139" y="5284305"/>
-            <a:ext cx="2160104" cy="728870"/>
-          </a:xfrm>
-          <a:prstGeom prst="rect">
+            <a:off x="7666383" y="4777610"/>
+            <a:ext cx="1557130" cy="728869"/>
+          </a:xfrm>
+          <a:prstGeom prst="roundRect">
             <a:avLst/>
           </a:prstGeom>
         </p:spPr>
@@ -5458,19 +5698,8 @@
           <a:p>
             <a:pPr algn="ctr"/>
             <a:r>
-              <a:rPr lang="en-GB"/>
-              <a:t>2 </a:t>
-            </a:r>
-            <a:r>
               <a:rPr lang="en-GB" dirty="0"/>
-              <a:t>Business Days</a:t>
-            </a:r>
-          </a:p>
-          <a:p>
-            <a:pPr algn="ctr"/>
-            <a:r>
-              <a:rPr lang="en-GB" dirty="0"/>
-              <a:t>10 Business hours</a:t>
+              <a:t>Application Installation</a:t>
             </a:r>
             <a:endParaRPr lang="en-IN" dirty="0"/>
           </a:p>
@@ -5478,10 +5707,10 @@
       </p:sp>
       <p:sp>
         <p:nvSpPr>
-          <p:cNvPr id="11" name="Rectangle 10">
-            <a:extLst>
-              <a:ext uri="{FF2B5EF4-FFF2-40B4-BE49-F238E27FC236}">
-                <a16:creationId xmlns:a16="http://schemas.microsoft.com/office/drawing/2014/main" id="{8C3CB5AC-52AA-48F7-95C4-7BBEBE318FDB}"/>
+          <p:cNvPr id="25" name="Rectangle: Rounded Corners 24">
+            <a:extLst>
+              <a:ext uri="{FF2B5EF4-FFF2-40B4-BE49-F238E27FC236}">
+                <a16:creationId xmlns:a16="http://schemas.microsoft.com/office/drawing/2014/main" id="{007C4646-9A5B-42E9-8618-BB839F9642CF}"/>
               </a:ext>
             </a:extLst>
           </p:cNvPr>
@@ -5490,10 +5719,10 @@
         </p:nvSpPr>
         <p:spPr>
           <a:xfrm>
-            <a:off x="8984974" y="5294244"/>
-            <a:ext cx="2160104" cy="728870"/>
-          </a:xfrm>
-          <a:prstGeom prst="rect">
+            <a:off x="8565657" y="5910871"/>
+            <a:ext cx="2108020" cy="728869"/>
+          </a:xfrm>
+          <a:prstGeom prst="roundRect">
             <a:avLst/>
           </a:prstGeom>
         </p:spPr>
@@ -5517,173 +5746,42 @@
           <a:p>
             <a:pPr algn="ctr"/>
             <a:r>
-              <a:rPr lang="en-GB" dirty="0"/>
-              <a:t>500 Pounds</a:t>
-            </a:r>
-            <a:endParaRPr lang="en-IN" dirty="0"/>
+              <a:rPr lang="en-GB" dirty="0">
+                <a:solidFill>
+                  <a:srgbClr val="00B050"/>
+                </a:solidFill>
+              </a:rPr>
+              <a:t>Employee productivity begins</a:t>
+            </a:r>
+            <a:endParaRPr lang="en-IN" dirty="0">
+              <a:solidFill>
+                <a:srgbClr val="00B050"/>
+              </a:solidFill>
+            </a:endParaRPr>
           </a:p>
         </p:txBody>
       </p:sp>
       <p:cxnSp>
         <p:nvCxnSpPr>
-          <p:cNvPr id="13" name="Straight Arrow Connector 12">
-            <a:extLst>
-              <a:ext uri="{FF2B5EF4-FFF2-40B4-BE49-F238E27FC236}">
-                <a16:creationId xmlns:a16="http://schemas.microsoft.com/office/drawing/2014/main" id="{297D23AE-8A93-4FA4-992D-EFECB1ACC656}"/>
+          <p:cNvPr id="27" name="Connector: Elbow 26">
+            <a:extLst>
+              <a:ext uri="{FF2B5EF4-FFF2-40B4-BE49-F238E27FC236}">
+                <a16:creationId xmlns:a16="http://schemas.microsoft.com/office/drawing/2014/main" id="{2AC9417F-55F4-4CDA-AF4D-EF80C4A81F69}"/>
               </a:ext>
             </a:extLst>
           </p:cNvPr>
           <p:cNvCxnSpPr>
-            <a:stCxn id="7" idx="2"/>
-            <a:endCxn id="11" idx="0"/>
+            <a:stCxn id="5" idx="2"/>
+            <a:endCxn id="24" idx="0"/>
           </p:cNvCxnSpPr>
           <p:nvPr/>
         </p:nvCxnSpPr>
         <p:spPr>
-          <a:xfrm>
-            <a:off x="10065026" y="3604592"/>
-            <a:ext cx="0" cy="1679713"/>
-          </a:xfrm>
-          <a:prstGeom prst="straightConnector1">
-            <a:avLst/>
-          </a:prstGeom>
-          <a:ln>
-            <a:headEnd type="triangle"/>
-            <a:tailEnd type="triangle"/>
-          </a:ln>
-        </p:spPr>
-        <p:style>
-          <a:lnRef idx="1">
-            <a:schemeClr val="accent1"/>
-          </a:lnRef>
-          <a:fillRef idx="0">
-            <a:schemeClr val="accent1"/>
-          </a:fillRef>
-          <a:effectRef idx="0">
-            <a:schemeClr val="accent1"/>
-          </a:effectRef>
-          <a:fontRef idx="minor">
-            <a:schemeClr val="tx1"/>
-          </a:fontRef>
-        </p:style>
-      </p:cxnSp>
-      <p:sp>
-        <p:nvSpPr>
-          <p:cNvPr id="14" name="Oval 13">
-            <a:extLst>
-              <a:ext uri="{FF2B5EF4-FFF2-40B4-BE49-F238E27FC236}">
-                <a16:creationId xmlns:a16="http://schemas.microsoft.com/office/drawing/2014/main" id="{5EA9E0A8-8FF5-4946-9556-A6B8B043D150}"/>
-              </a:ext>
-            </a:extLst>
-          </p:cNvPr>
-          <p:cNvSpPr/>
-          <p:nvPr/>
-        </p:nvSpPr>
-        <p:spPr>
-          <a:xfrm>
-            <a:off x="10071655" y="3976180"/>
-            <a:ext cx="1716155" cy="728870"/>
-          </a:xfrm>
-          <a:prstGeom prst="ellipse">
-            <a:avLst/>
-          </a:prstGeom>
-        </p:spPr>
-        <p:style>
-          <a:lnRef idx="2">
-            <a:schemeClr val="accent6"/>
-          </a:lnRef>
-          <a:fillRef idx="1">
-            <a:schemeClr val="lt1"/>
-          </a:fillRef>
-          <a:effectRef idx="0">
-            <a:schemeClr val="accent6"/>
-          </a:effectRef>
-          <a:fontRef idx="minor">
-            <a:schemeClr val="dk1"/>
-          </a:fontRef>
-        </p:style>
-        <p:txBody>
-          <a:bodyPr rtlCol="0" anchor="ctr"/>
-          <a:lstStyle/>
-          <a:p>
-            <a:pPr algn="ctr"/>
-            <a:r>
-              <a:rPr lang="en-GB" dirty="0"/>
-              <a:t>119500 Pounds </a:t>
-            </a:r>
-            <a:endParaRPr lang="en-IN" dirty="0"/>
-          </a:p>
-        </p:txBody>
-      </p:sp>
-      <p:sp>
-        <p:nvSpPr>
-          <p:cNvPr id="15" name="Oval 14">
-            <a:extLst>
-              <a:ext uri="{FF2B5EF4-FFF2-40B4-BE49-F238E27FC236}">
-                <a16:creationId xmlns:a16="http://schemas.microsoft.com/office/drawing/2014/main" id="{0557BB5C-02A6-412C-B689-C45CBBA1A8B7}"/>
-              </a:ext>
-            </a:extLst>
-          </p:cNvPr>
-          <p:cNvSpPr/>
-          <p:nvPr/>
-        </p:nvSpPr>
-        <p:spPr>
-          <a:xfrm>
-            <a:off x="10310194" y="4627194"/>
-            <a:ext cx="1278833" cy="369404"/>
-          </a:xfrm>
-          <a:prstGeom prst="ellipse">
-            <a:avLst/>
-          </a:prstGeom>
-        </p:spPr>
-        <p:style>
-          <a:lnRef idx="2">
-            <a:schemeClr val="accent6"/>
-          </a:lnRef>
-          <a:fillRef idx="1">
-            <a:schemeClr val="lt1"/>
-          </a:fillRef>
-          <a:effectRef idx="0">
-            <a:schemeClr val="accent6"/>
-          </a:effectRef>
-          <a:fontRef idx="minor">
-            <a:schemeClr val="dk1"/>
-          </a:fontRef>
-        </p:style>
-        <p:txBody>
-          <a:bodyPr rtlCol="0" anchor="ctr"/>
-          <a:lstStyle/>
-          <a:p>
-            <a:pPr algn="ctr"/>
-            <a:r>
-              <a:rPr lang="en-GB" dirty="0"/>
-              <a:t>SAVED</a:t>
-            </a:r>
-            <a:endParaRPr lang="en-IN" dirty="0"/>
-          </a:p>
-        </p:txBody>
-      </p:sp>
-      <p:cxnSp>
-        <p:nvCxnSpPr>
-          <p:cNvPr id="17" name="Straight Arrow Connector 16">
-            <a:extLst>
-              <a:ext uri="{FF2B5EF4-FFF2-40B4-BE49-F238E27FC236}">
-                <a16:creationId xmlns:a16="http://schemas.microsoft.com/office/drawing/2014/main" id="{6DD170E5-C04F-4B34-83E9-E570D2E262F6}"/>
-              </a:ext>
-            </a:extLst>
-          </p:cNvPr>
-          <p:cNvCxnSpPr>
-            <a:stCxn id="4" idx="3"/>
-            <a:endCxn id="5" idx="1"/>
-          </p:cNvCxnSpPr>
-          <p:nvPr/>
-        </p:nvCxnSpPr>
-        <p:spPr>
-          <a:xfrm>
-            <a:off x="2961861" y="3240157"/>
-            <a:ext cx="530087" cy="0"/>
-          </a:xfrm>
-          <a:prstGeom prst="straightConnector1">
+          <a:xfrm rot="5400000">
+            <a:off x="8647894" y="3805836"/>
+            <a:ext cx="768828" cy="1174720"/>
+          </a:xfrm>
+          <a:prstGeom prst="bentConnector3">
             <a:avLst/>
           </a:prstGeom>
           <a:ln>
@@ -5707,26 +5805,28 @@
       </p:cxnSp>
       <p:cxnSp>
         <p:nvCxnSpPr>
-          <p:cNvPr id="19" name="Straight Arrow Connector 18">
-            <a:extLst>
-              <a:ext uri="{FF2B5EF4-FFF2-40B4-BE49-F238E27FC236}">
-                <a16:creationId xmlns:a16="http://schemas.microsoft.com/office/drawing/2014/main" id="{EB246197-CC61-4453-88E7-ABAE160E1D06}"/>
+          <p:cNvPr id="29" name="Connector: Elbow 28">
+            <a:extLst>
+              <a:ext uri="{FF2B5EF4-FFF2-40B4-BE49-F238E27FC236}">
+                <a16:creationId xmlns:a16="http://schemas.microsoft.com/office/drawing/2014/main" id="{F09D36A3-9FE6-4B93-8CCF-AA62CE1A46CE}"/>
               </a:ext>
             </a:extLst>
           </p:cNvPr>
           <p:cNvCxnSpPr>
-            <a:stCxn id="5" idx="3"/>
-            <a:endCxn id="6" idx="1"/>
+            <a:stCxn id="5" idx="2"/>
+            <a:endCxn id="9" idx="0"/>
           </p:cNvCxnSpPr>
           <p:nvPr/>
         </p:nvCxnSpPr>
         <p:spPr>
-          <a:xfrm>
-            <a:off x="5652052" y="3240157"/>
-            <a:ext cx="530087" cy="0"/>
-          </a:xfrm>
-          <a:prstGeom prst="straightConnector1">
-            <a:avLst/>
+          <a:xfrm rot="16200000" flipH="1">
+            <a:off x="9912774" y="3715675"/>
+            <a:ext cx="626362" cy="1212575"/>
+          </a:xfrm>
+          <a:prstGeom prst="bentConnector3">
+            <a:avLst>
+              <a:gd name="adj1" fmla="val 60578"/>
+            </a:avLst>
           </a:prstGeom>
           <a:ln>
             <a:tailEnd type="triangle"/>
@@ -5749,25 +5849,25 @@
       </p:cxnSp>
       <p:cxnSp>
         <p:nvCxnSpPr>
-          <p:cNvPr id="21" name="Straight Arrow Connector 20">
-            <a:extLst>
-              <a:ext uri="{FF2B5EF4-FFF2-40B4-BE49-F238E27FC236}">
-                <a16:creationId xmlns:a16="http://schemas.microsoft.com/office/drawing/2014/main" id="{7BC8075D-EB05-434A-BD45-A8A73DCE93D7}"/>
+          <p:cNvPr id="33" name="Connector: Elbow 32">
+            <a:extLst>
+              <a:ext uri="{FF2B5EF4-FFF2-40B4-BE49-F238E27FC236}">
+                <a16:creationId xmlns:a16="http://schemas.microsoft.com/office/drawing/2014/main" id="{CC1DC71D-C4D0-494F-BA74-413098AA66F0}"/>
               </a:ext>
             </a:extLst>
           </p:cNvPr>
           <p:cNvCxnSpPr>
-            <a:stCxn id="6" idx="3"/>
-            <a:endCxn id="7" idx="1"/>
+            <a:stCxn id="24" idx="2"/>
+            <a:endCxn id="25" idx="0"/>
           </p:cNvCxnSpPr>
           <p:nvPr/>
         </p:nvCxnSpPr>
         <p:spPr>
-          <a:xfrm>
-            <a:off x="8342243" y="3240157"/>
-            <a:ext cx="642731" cy="0"/>
-          </a:xfrm>
-          <a:prstGeom prst="straightConnector1">
+          <a:xfrm rot="16200000" flipH="1">
+            <a:off x="8830111" y="5121315"/>
+            <a:ext cx="404392" cy="1174719"/>
+          </a:xfrm>
+          <a:prstGeom prst="bentConnector3">
             <a:avLst/>
           </a:prstGeom>
           <a:ln>
@@ -5791,26 +5891,28 @@
       </p:cxnSp>
       <p:cxnSp>
         <p:nvCxnSpPr>
-          <p:cNvPr id="23" name="Straight Arrow Connector 22">
-            <a:extLst>
-              <a:ext uri="{FF2B5EF4-FFF2-40B4-BE49-F238E27FC236}">
-                <a16:creationId xmlns:a16="http://schemas.microsoft.com/office/drawing/2014/main" id="{6DC34F64-96FC-49F1-B240-F3FAD5457283}"/>
+          <p:cNvPr id="35" name="Connector: Elbow 34">
+            <a:extLst>
+              <a:ext uri="{FF2B5EF4-FFF2-40B4-BE49-F238E27FC236}">
+                <a16:creationId xmlns:a16="http://schemas.microsoft.com/office/drawing/2014/main" id="{AC121EC4-AE27-4763-98B4-AF1453632E02}"/>
               </a:ext>
             </a:extLst>
           </p:cNvPr>
           <p:cNvCxnSpPr>
-            <a:stCxn id="8" idx="3"/>
-            <a:endCxn id="9" idx="1"/>
+            <a:stCxn id="9" idx="2"/>
+            <a:endCxn id="25" idx="0"/>
           </p:cNvCxnSpPr>
           <p:nvPr/>
         </p:nvCxnSpPr>
         <p:spPr>
-          <a:xfrm>
-            <a:off x="2961861" y="5658679"/>
-            <a:ext cx="530087" cy="0"/>
-          </a:xfrm>
-          <a:prstGeom prst="straightConnector1">
-            <a:avLst/>
+          <a:xfrm rot="5400000">
+            <a:off x="10094992" y="5173619"/>
+            <a:ext cx="261927" cy="1212576"/>
+          </a:xfrm>
+          <a:prstGeom prst="bentConnector3">
+            <a:avLst>
+              <a:gd name="adj1" fmla="val 29761"/>
+            </a:avLst>
           </a:prstGeom>
           <a:ln>
             <a:tailEnd type="triangle"/>
@@ -5831,96 +5933,12 @@
           </a:fontRef>
         </p:style>
       </p:cxnSp>
-      <p:cxnSp>
-        <p:nvCxnSpPr>
-          <p:cNvPr id="25" name="Straight Arrow Connector 24">
-            <a:extLst>
-              <a:ext uri="{FF2B5EF4-FFF2-40B4-BE49-F238E27FC236}">
-                <a16:creationId xmlns:a16="http://schemas.microsoft.com/office/drawing/2014/main" id="{40D9659F-532A-46AF-A4A8-94F8F08A9E72}"/>
-              </a:ext>
-            </a:extLst>
-          </p:cNvPr>
-          <p:cNvCxnSpPr>
-            <a:stCxn id="9" idx="3"/>
-            <a:endCxn id="10" idx="1"/>
-          </p:cNvCxnSpPr>
-          <p:nvPr/>
-        </p:nvCxnSpPr>
-        <p:spPr>
-          <a:xfrm flipV="1">
-            <a:off x="5652052" y="5648740"/>
-            <a:ext cx="530087" cy="9939"/>
-          </a:xfrm>
-          <a:prstGeom prst="straightConnector1">
-            <a:avLst/>
-          </a:prstGeom>
-          <a:ln>
-            <a:tailEnd type="triangle"/>
-          </a:ln>
-        </p:spPr>
-        <p:style>
-          <a:lnRef idx="1">
-            <a:schemeClr val="accent1"/>
-          </a:lnRef>
-          <a:fillRef idx="0">
-            <a:schemeClr val="accent1"/>
-          </a:fillRef>
-          <a:effectRef idx="0">
-            <a:schemeClr val="accent1"/>
-          </a:effectRef>
-          <a:fontRef idx="minor">
-            <a:schemeClr val="tx1"/>
-          </a:fontRef>
-        </p:style>
-      </p:cxnSp>
-      <p:cxnSp>
-        <p:nvCxnSpPr>
-          <p:cNvPr id="27" name="Straight Arrow Connector 26">
-            <a:extLst>
-              <a:ext uri="{FF2B5EF4-FFF2-40B4-BE49-F238E27FC236}">
-                <a16:creationId xmlns:a16="http://schemas.microsoft.com/office/drawing/2014/main" id="{BFCE5CD4-8226-44A0-9521-291FD0F334FB}"/>
-              </a:ext>
-            </a:extLst>
-          </p:cNvPr>
-          <p:cNvCxnSpPr>
-            <a:stCxn id="10" idx="3"/>
-            <a:endCxn id="11" idx="1"/>
-          </p:cNvCxnSpPr>
-          <p:nvPr/>
-        </p:nvCxnSpPr>
-        <p:spPr>
-          <a:xfrm>
-            <a:off x="8342243" y="5648740"/>
-            <a:ext cx="642731" cy="9939"/>
-          </a:xfrm>
-          <a:prstGeom prst="straightConnector1">
-            <a:avLst/>
-          </a:prstGeom>
-          <a:ln>
-            <a:tailEnd type="triangle"/>
-          </a:ln>
-        </p:spPr>
-        <p:style>
-          <a:lnRef idx="1">
-            <a:schemeClr val="accent1"/>
-          </a:lnRef>
-          <a:fillRef idx="0">
-            <a:schemeClr val="accent1"/>
-          </a:fillRef>
-          <a:effectRef idx="0">
-            <a:schemeClr val="accent1"/>
-          </a:effectRef>
-          <a:fontRef idx="minor">
-            <a:schemeClr val="tx1"/>
-          </a:fontRef>
-        </p:style>
-      </p:cxnSp>
-      <p:sp>
-        <p:nvSpPr>
-          <p:cNvPr id="28" name="TextBox 27">
-            <a:extLst>
-              <a:ext uri="{FF2B5EF4-FFF2-40B4-BE49-F238E27FC236}">
-                <a16:creationId xmlns:a16="http://schemas.microsoft.com/office/drawing/2014/main" id="{1169F9C5-BC80-4844-BAB8-A9B3DC4A2CAA}"/>
+      <p:sp>
+        <p:nvSpPr>
+          <p:cNvPr id="38" name="TextBox 37">
+            <a:extLst>
+              <a:ext uri="{FF2B5EF4-FFF2-40B4-BE49-F238E27FC236}">
+                <a16:creationId xmlns:a16="http://schemas.microsoft.com/office/drawing/2014/main" id="{EF0E47DC-0CDF-464B-B721-9EFA4EF63C54}"/>
               </a:ext>
             </a:extLst>
           </p:cNvPr>
@@ -5929,8 +5947,8 @@
         </p:nvSpPr>
         <p:spPr>
           <a:xfrm>
-            <a:off x="7129670" y="3594654"/>
-            <a:ext cx="1417982" cy="923330"/>
+            <a:off x="9619666" y="4048356"/>
+            <a:ext cx="1465209" cy="646331"/>
           </a:xfrm>
           <a:prstGeom prst="rect">
             <a:avLst/>
@@ -5938,259 +5956,42 @@
           <a:noFill/>
         </p:spPr>
         <p:txBody>
-          <a:bodyPr wrap="square" rtlCol="0">
+          <a:bodyPr wrap="none" rtlCol="0">
             <a:spAutoFit/>
           </a:bodyPr>
           <a:lstStyle/>
           <a:p>
             <a:r>
-              <a:rPr lang="en-GB" dirty="0"/>
-              <a:t>*50 Pounds for each hour approx.</a:t>
-            </a:r>
-            <a:endParaRPr lang="en-IN" dirty="0"/>
-          </a:p>
-        </p:txBody>
-      </p:sp>
-      <p:sp>
-        <p:nvSpPr>
-          <p:cNvPr id="29" name="Rectangle: Rounded Corners 28">
-            <a:extLst>
-              <a:ext uri="{FF2B5EF4-FFF2-40B4-BE49-F238E27FC236}">
-                <a16:creationId xmlns:a16="http://schemas.microsoft.com/office/drawing/2014/main" id="{5531D0E6-0C60-4487-BDF8-4C625AD17A59}"/>
-              </a:ext>
-            </a:extLst>
-          </p:cNvPr>
-          <p:cNvSpPr/>
-          <p:nvPr/>
-        </p:nvSpPr>
-        <p:spPr>
-          <a:xfrm>
-            <a:off x="801756" y="2080391"/>
-            <a:ext cx="2299253" cy="530279"/>
-          </a:xfrm>
-          <a:prstGeom prst="roundRect">
-            <a:avLst/>
-          </a:prstGeom>
-        </p:spPr>
-        <p:style>
-          <a:lnRef idx="2">
-            <a:schemeClr val="accent1">
-              <a:shade val="50000"/>
-            </a:schemeClr>
-          </a:lnRef>
-          <a:fillRef idx="1">
-            <a:schemeClr val="accent1"/>
-          </a:fillRef>
-          <a:effectRef idx="0">
-            <a:schemeClr val="accent1"/>
-          </a:effectRef>
-          <a:fontRef idx="minor">
-            <a:schemeClr val="lt1"/>
-          </a:fontRef>
-        </p:style>
-        <p:txBody>
-          <a:bodyPr rtlCol="0" anchor="ctr"/>
-          <a:lstStyle/>
+              <a:rPr lang="en-GB" dirty="0">
+                <a:solidFill>
+                  <a:srgbClr val="FF0000"/>
+                </a:solidFill>
+              </a:rPr>
+              <a:t>Device Serial </a:t>
+            </a:r>
+          </a:p>
           <a:p>
             <a:pPr algn="ctr"/>
             <a:r>
-              <a:rPr lang="en-GB" dirty="0"/>
-              <a:t>Without our Solution</a:t>
-            </a:r>
-            <a:endParaRPr lang="en-IN" dirty="0"/>
-          </a:p>
-        </p:txBody>
-      </p:sp>
-      <p:sp>
-        <p:nvSpPr>
-          <p:cNvPr id="31" name="Rectangle: Rounded Corners 30">
-            <a:extLst>
-              <a:ext uri="{FF2B5EF4-FFF2-40B4-BE49-F238E27FC236}">
-                <a16:creationId xmlns:a16="http://schemas.microsoft.com/office/drawing/2014/main" id="{7B7CD201-76A5-4770-B0C0-8D4FDCD38B9A}"/>
-              </a:ext>
-            </a:extLst>
-          </p:cNvPr>
-          <p:cNvSpPr/>
-          <p:nvPr/>
-        </p:nvSpPr>
-        <p:spPr>
-          <a:xfrm>
-            <a:off x="801757" y="4604940"/>
-            <a:ext cx="2020956" cy="530279"/>
-          </a:xfrm>
-          <a:prstGeom prst="roundRect">
-            <a:avLst/>
-          </a:prstGeom>
-        </p:spPr>
-        <p:style>
-          <a:lnRef idx="2">
-            <a:schemeClr val="accent1">
-              <a:shade val="50000"/>
-            </a:schemeClr>
-          </a:lnRef>
-          <a:fillRef idx="1">
-            <a:schemeClr val="accent1"/>
-          </a:fillRef>
-          <a:effectRef idx="0">
-            <a:schemeClr val="accent1"/>
-          </a:effectRef>
-          <a:fontRef idx="minor">
-            <a:schemeClr val="lt1"/>
-          </a:fontRef>
-        </p:style>
-        <p:txBody>
-          <a:bodyPr rtlCol="0" anchor="ctr"/>
-          <a:lstStyle/>
-          <a:p>
-            <a:pPr algn="ctr"/>
-            <a:r>
-              <a:rPr lang="en-GB" dirty="0"/>
-              <a:t>With our Solution</a:t>
-            </a:r>
-            <a:endParaRPr lang="en-IN" dirty="0"/>
-          </a:p>
-        </p:txBody>
-      </p:sp>
-      <p:cxnSp>
-        <p:nvCxnSpPr>
-          <p:cNvPr id="33" name="Straight Arrow Connector 32">
-            <a:extLst>
-              <a:ext uri="{FF2B5EF4-FFF2-40B4-BE49-F238E27FC236}">
-                <a16:creationId xmlns:a16="http://schemas.microsoft.com/office/drawing/2014/main" id="{E9001F28-7253-4556-B703-99C0424021FA}"/>
-              </a:ext>
-            </a:extLst>
-          </p:cNvPr>
-          <p:cNvCxnSpPr/>
-          <p:nvPr/>
-        </p:nvCxnSpPr>
-        <p:spPr>
-          <a:xfrm>
-            <a:off x="7129670" y="3594654"/>
-            <a:ext cx="0" cy="1689651"/>
-          </a:xfrm>
-          <a:prstGeom prst="straightConnector1">
-            <a:avLst/>
-          </a:prstGeom>
-          <a:ln>
-            <a:headEnd type="triangle"/>
-            <a:tailEnd type="triangle"/>
-          </a:ln>
-        </p:spPr>
-        <p:style>
-          <a:lnRef idx="1">
-            <a:schemeClr val="accent1"/>
-          </a:lnRef>
-          <a:fillRef idx="0">
-            <a:schemeClr val="accent1"/>
-          </a:fillRef>
-          <a:effectRef idx="0">
-            <a:schemeClr val="accent1"/>
-          </a:effectRef>
-          <a:fontRef idx="minor">
-            <a:schemeClr val="tx1"/>
-          </a:fontRef>
-        </p:style>
-      </p:cxnSp>
-      <p:sp>
-        <p:nvSpPr>
-          <p:cNvPr id="34" name="Oval 33">
-            <a:extLst>
-              <a:ext uri="{FF2B5EF4-FFF2-40B4-BE49-F238E27FC236}">
-                <a16:creationId xmlns:a16="http://schemas.microsoft.com/office/drawing/2014/main" id="{02EAF874-3FEE-472F-BEE0-1467FFA191E7}"/>
-              </a:ext>
-            </a:extLst>
-          </p:cNvPr>
-          <p:cNvSpPr/>
-          <p:nvPr/>
-        </p:nvSpPr>
-        <p:spPr>
-          <a:xfrm>
-            <a:off x="5612296" y="3951332"/>
-            <a:ext cx="1510746" cy="419564"/>
-          </a:xfrm>
-          <a:prstGeom prst="ellipse">
-            <a:avLst/>
-          </a:prstGeom>
-        </p:spPr>
-        <p:style>
-          <a:lnRef idx="2">
-            <a:schemeClr val="accent6"/>
-          </a:lnRef>
-          <a:fillRef idx="1">
-            <a:schemeClr val="lt1"/>
-          </a:fillRef>
-          <a:effectRef idx="0">
-            <a:schemeClr val="accent6"/>
-          </a:effectRef>
-          <a:fontRef idx="minor">
-            <a:schemeClr val="dk1"/>
-          </a:fontRef>
-        </p:style>
-        <p:txBody>
-          <a:bodyPr rtlCol="0" anchor="ctr"/>
-          <a:lstStyle/>
-          <a:p>
-            <a:pPr algn="ctr"/>
-            <a:r>
-              <a:rPr lang="en-GB" dirty="0"/>
-              <a:t>2390 Hrs </a:t>
-            </a:r>
-            <a:endParaRPr lang="en-IN" dirty="0"/>
-          </a:p>
-        </p:txBody>
-      </p:sp>
-      <p:sp>
-        <p:nvSpPr>
-          <p:cNvPr id="35" name="Oval 34">
-            <a:extLst>
-              <a:ext uri="{FF2B5EF4-FFF2-40B4-BE49-F238E27FC236}">
-                <a16:creationId xmlns:a16="http://schemas.microsoft.com/office/drawing/2014/main" id="{A274A189-8246-43F1-874B-FB1D795D2009}"/>
-              </a:ext>
-            </a:extLst>
-          </p:cNvPr>
-          <p:cNvSpPr/>
-          <p:nvPr/>
-        </p:nvSpPr>
-        <p:spPr>
-          <a:xfrm>
-            <a:off x="5744818" y="4310798"/>
-            <a:ext cx="1278833" cy="369404"/>
-          </a:xfrm>
-          <a:prstGeom prst="ellipse">
-            <a:avLst/>
-          </a:prstGeom>
-        </p:spPr>
-        <p:style>
-          <a:lnRef idx="2">
-            <a:schemeClr val="accent6"/>
-          </a:lnRef>
-          <a:fillRef idx="1">
-            <a:schemeClr val="lt1"/>
-          </a:fillRef>
-          <a:effectRef idx="0">
-            <a:schemeClr val="accent6"/>
-          </a:effectRef>
-          <a:fontRef idx="minor">
-            <a:schemeClr val="dk1"/>
-          </a:fontRef>
-        </p:style>
-        <p:txBody>
-          <a:bodyPr rtlCol="0" anchor="ctr"/>
-          <a:lstStyle/>
-          <a:p>
-            <a:pPr algn="ctr"/>
-            <a:r>
-              <a:rPr lang="en-GB" dirty="0"/>
-              <a:t>SAVED</a:t>
-            </a:r>
-            <a:endParaRPr lang="en-IN" dirty="0"/>
+              <a:rPr lang="en-GB" dirty="0">
+                <a:solidFill>
+                  <a:srgbClr val="FF0000"/>
+                </a:solidFill>
+              </a:rPr>
+              <a:t>Number</a:t>
+            </a:r>
+            <a:endParaRPr lang="en-IN" dirty="0">
+              <a:solidFill>
+                <a:srgbClr val="FF0000"/>
+              </a:solidFill>
+            </a:endParaRPr>
           </a:p>
         </p:txBody>
       </p:sp>
     </p:spTree>
     <p:extLst>
       <p:ext uri="{BB962C8B-B14F-4D97-AF65-F5344CB8AC3E}">
-        <p14:creationId xmlns:p14="http://schemas.microsoft.com/office/powerpoint/2010/main" val="2548067499"/>
+        <p14:creationId xmlns:p14="http://schemas.microsoft.com/office/powerpoint/2010/main" val="3194559775"/>
       </p:ext>
     </p:extLst>
   </p:cSld>
@@ -6222,7 +6023,7 @@
           <p:cNvPr id="2" name="Title 1">
             <a:extLst>
               <a:ext uri="{FF2B5EF4-FFF2-40B4-BE49-F238E27FC236}">
-                <a16:creationId xmlns:a16="http://schemas.microsoft.com/office/drawing/2014/main" id="{DCF6E103-5F68-4BC5-B6E4-B0B34D460CB2}"/>
+                <a16:creationId xmlns:a16="http://schemas.microsoft.com/office/drawing/2014/main" id="{80418C4C-1007-428F-BC7F-CC7F7C312492}"/>
               </a:ext>
             </a:extLst>
           </p:cNvPr>
@@ -6240,7 +6041,7 @@
           <a:p>
             <a:r>
               <a:rPr lang="en-GB" dirty="0"/>
-              <a:t>Our future  vision </a:t>
+              <a:t>What are we achieving </a:t>
             </a:r>
             <a:endParaRPr lang="en-IN" dirty="0"/>
           </a:p>
@@ -6248,10 +6049,10 @@
       </p:sp>
       <p:sp>
         <p:nvSpPr>
-          <p:cNvPr id="4" name="Rectangle: Rounded Corners 3">
-            <a:extLst>
-              <a:ext uri="{FF2B5EF4-FFF2-40B4-BE49-F238E27FC236}">
-                <a16:creationId xmlns:a16="http://schemas.microsoft.com/office/drawing/2014/main" id="{80079FEE-7216-472D-9932-47F15447B564}"/>
+          <p:cNvPr id="4" name="Rectangle 3">
+            <a:extLst>
+              <a:ext uri="{FF2B5EF4-FFF2-40B4-BE49-F238E27FC236}">
+                <a16:creationId xmlns:a16="http://schemas.microsoft.com/office/drawing/2014/main" id="{5906BA86-6B46-4378-8427-534F133F18C1}"/>
               </a:ext>
             </a:extLst>
           </p:cNvPr>
@@ -6260,10 +6061,10 @@
         </p:nvSpPr>
         <p:spPr>
           <a:xfrm>
-            <a:off x="638336" y="2196447"/>
-            <a:ext cx="1402371" cy="609600"/>
-          </a:xfrm>
-          <a:prstGeom prst="roundRect">
+            <a:off x="801757" y="2875722"/>
+            <a:ext cx="2160104" cy="728870"/>
+          </a:xfrm>
+          <a:prstGeom prst="rect">
             <a:avLst/>
           </a:prstGeom>
         </p:spPr>
@@ -6288,7 +6089,7 @@
             <a:pPr algn="ctr"/>
             <a:r>
               <a:rPr lang="en-GB" dirty="0"/>
-              <a:t>PERSONAS</a:t>
+              <a:t>2 Week</a:t>
             </a:r>
             <a:endParaRPr lang="en-IN" dirty="0"/>
           </a:p>
@@ -6296,10 +6097,10 @@
       </p:sp>
       <p:sp>
         <p:nvSpPr>
-          <p:cNvPr id="6" name="Rectangle: Rounded Corners 5">
-            <a:extLst>
-              <a:ext uri="{FF2B5EF4-FFF2-40B4-BE49-F238E27FC236}">
-                <a16:creationId xmlns:a16="http://schemas.microsoft.com/office/drawing/2014/main" id="{2B649645-605B-48EA-97BF-B791CA040129}"/>
+          <p:cNvPr id="5" name="Rectangle 4">
+            <a:extLst>
+              <a:ext uri="{FF2B5EF4-FFF2-40B4-BE49-F238E27FC236}">
+                <a16:creationId xmlns:a16="http://schemas.microsoft.com/office/drawing/2014/main" id="{CD353850-DD97-47D0-A6AA-1E7DE7D5AC12}"/>
               </a:ext>
             </a:extLst>
           </p:cNvPr>
@@ -6308,10 +6109,10 @@
         </p:nvSpPr>
         <p:spPr>
           <a:xfrm>
-            <a:off x="2365512" y="5473558"/>
-            <a:ext cx="1596887" cy="609600"/>
-          </a:xfrm>
-          <a:prstGeom prst="roundRect">
+            <a:off x="3491948" y="2875722"/>
+            <a:ext cx="2160104" cy="728870"/>
+          </a:xfrm>
+          <a:prstGeom prst="rect">
             <a:avLst/>
           </a:prstGeom>
         </p:spPr>
@@ -6336,7 +6137,7 @@
             <a:pPr algn="ctr"/>
             <a:r>
               <a:rPr lang="en-GB" dirty="0"/>
-              <a:t>CIBP&amp;M</a:t>
+              <a:t>30 Employees</a:t>
             </a:r>
             <a:endParaRPr lang="en-IN" dirty="0"/>
           </a:p>
@@ -6344,10 +6145,10 @@
       </p:sp>
       <p:sp>
         <p:nvSpPr>
-          <p:cNvPr id="7" name="Rectangle: Rounded Corners 6">
-            <a:extLst>
-              <a:ext uri="{FF2B5EF4-FFF2-40B4-BE49-F238E27FC236}">
-                <a16:creationId xmlns:a16="http://schemas.microsoft.com/office/drawing/2014/main" id="{4A132ECA-C733-428F-9A81-1D55952536B7}"/>
+          <p:cNvPr id="6" name="Rectangle 5">
+            <a:extLst>
+              <a:ext uri="{FF2B5EF4-FFF2-40B4-BE49-F238E27FC236}">
+                <a16:creationId xmlns:a16="http://schemas.microsoft.com/office/drawing/2014/main" id="{859A25A1-0FD2-4571-B97A-DB5773CAB285}"/>
               </a:ext>
             </a:extLst>
           </p:cNvPr>
@@ -6356,10 +6157,10 @@
         </p:nvSpPr>
         <p:spPr>
           <a:xfrm>
-            <a:off x="2365512" y="3419060"/>
-            <a:ext cx="1596887" cy="609600"/>
-          </a:xfrm>
-          <a:prstGeom prst="roundRect">
+            <a:off x="6182139" y="2875722"/>
+            <a:ext cx="2160104" cy="728870"/>
+          </a:xfrm>
+          <a:prstGeom prst="rect">
             <a:avLst/>
           </a:prstGeom>
         </p:spPr>
@@ -6384,7 +6185,14 @@
             <a:pPr algn="ctr"/>
             <a:r>
               <a:rPr lang="en-GB" dirty="0"/>
-              <a:t>DATA &amp; ML</a:t>
+              <a:t>10 Business Days</a:t>
+            </a:r>
+          </a:p>
+          <a:p>
+            <a:pPr algn="ctr"/>
+            <a:r>
+              <a:rPr lang="en-GB" dirty="0"/>
+              <a:t>2400 Business hours</a:t>
             </a:r>
             <a:endParaRPr lang="en-IN" dirty="0"/>
           </a:p>
@@ -6392,10 +6200,10 @@
       </p:sp>
       <p:sp>
         <p:nvSpPr>
-          <p:cNvPr id="8" name="Rectangle: Rounded Corners 7">
-            <a:extLst>
-              <a:ext uri="{FF2B5EF4-FFF2-40B4-BE49-F238E27FC236}">
-                <a16:creationId xmlns:a16="http://schemas.microsoft.com/office/drawing/2014/main" id="{2FCE15F3-770C-49AF-A8BE-9FBA6A734BBA}"/>
+          <p:cNvPr id="7" name="Rectangle 6">
+            <a:extLst>
+              <a:ext uri="{FF2B5EF4-FFF2-40B4-BE49-F238E27FC236}">
+                <a16:creationId xmlns:a16="http://schemas.microsoft.com/office/drawing/2014/main" id="{595FA5E7-7F14-4905-9F81-84EA7A00157D}"/>
               </a:ext>
             </a:extLst>
           </p:cNvPr>
@@ -6404,10 +6212,10 @@
         </p:nvSpPr>
         <p:spPr>
           <a:xfrm>
-            <a:off x="541079" y="3419061"/>
-            <a:ext cx="1596887" cy="609600"/>
-          </a:xfrm>
-          <a:prstGeom prst="roundRect">
+            <a:off x="8984974" y="2875722"/>
+            <a:ext cx="2160104" cy="728870"/>
+          </a:xfrm>
+          <a:prstGeom prst="rect">
             <a:avLst/>
           </a:prstGeom>
         </p:spPr>
@@ -6432,7 +6240,7 @@
             <a:pPr algn="ctr"/>
             <a:r>
               <a:rPr lang="en-GB" dirty="0"/>
-              <a:t>PLATFORM</a:t>
+              <a:t>120,000 Pounds</a:t>
             </a:r>
             <a:endParaRPr lang="en-IN" dirty="0"/>
           </a:p>
@@ -6440,10 +6248,10 @@
       </p:sp>
       <p:sp>
         <p:nvSpPr>
-          <p:cNvPr id="9" name="Rectangle: Rounded Corners 8">
-            <a:extLst>
-              <a:ext uri="{FF2B5EF4-FFF2-40B4-BE49-F238E27FC236}">
-                <a16:creationId xmlns:a16="http://schemas.microsoft.com/office/drawing/2014/main" id="{8E6C53D3-6484-450C-9511-BD1D4E5E3312}"/>
+          <p:cNvPr id="8" name="Rectangle 7">
+            <a:extLst>
+              <a:ext uri="{FF2B5EF4-FFF2-40B4-BE49-F238E27FC236}">
+                <a16:creationId xmlns:a16="http://schemas.microsoft.com/office/drawing/2014/main" id="{10AAD9DB-BDE6-43EF-AD3F-FF40FA5FC156}"/>
               </a:ext>
             </a:extLst>
           </p:cNvPr>
@@ -6452,10 +6260,10 @@
         </p:nvSpPr>
         <p:spPr>
           <a:xfrm>
-            <a:off x="2365512" y="4456248"/>
-            <a:ext cx="1596887" cy="609600"/>
-          </a:xfrm>
-          <a:prstGeom prst="roundRect">
+            <a:off x="801757" y="5294244"/>
+            <a:ext cx="2160104" cy="728870"/>
+          </a:xfrm>
+          <a:prstGeom prst="rect">
             <a:avLst/>
           </a:prstGeom>
         </p:spPr>
@@ -6480,7 +6288,15 @@
             <a:pPr algn="ctr"/>
             <a:r>
               <a:rPr lang="en-GB" dirty="0"/>
-              <a:t>CHANNEL ENABLING</a:t>
+              <a:t>2</a:t>
+            </a:r>
+            <a:r>
+              <a:rPr lang="en-GB"/>
+              <a:t> </a:t>
+            </a:r>
+            <a:r>
+              <a:rPr lang="en-GB" dirty="0"/>
+              <a:t>Week</a:t>
             </a:r>
             <a:endParaRPr lang="en-IN" dirty="0"/>
           </a:p>
@@ -6488,10 +6304,10 @@
       </p:sp>
       <p:sp>
         <p:nvSpPr>
-          <p:cNvPr id="10" name="Rectangle: Rounded Corners 9">
-            <a:extLst>
-              <a:ext uri="{FF2B5EF4-FFF2-40B4-BE49-F238E27FC236}">
-                <a16:creationId xmlns:a16="http://schemas.microsoft.com/office/drawing/2014/main" id="{57B73731-D5B6-44AD-9012-5EDFE6EB7A1B}"/>
+          <p:cNvPr id="9" name="Rectangle 8">
+            <a:extLst>
+              <a:ext uri="{FF2B5EF4-FFF2-40B4-BE49-F238E27FC236}">
+                <a16:creationId xmlns:a16="http://schemas.microsoft.com/office/drawing/2014/main" id="{204039FC-1A9D-4558-9989-4C616254CB11}"/>
               </a:ext>
             </a:extLst>
           </p:cNvPr>
@@ -6500,10 +6316,10 @@
         </p:nvSpPr>
         <p:spPr>
           <a:xfrm>
-            <a:off x="4620991" y="2365460"/>
-            <a:ext cx="1596887" cy="609600"/>
-          </a:xfrm>
-          <a:prstGeom prst="roundRect">
+            <a:off x="3491948" y="5294244"/>
+            <a:ext cx="2160104" cy="728870"/>
+          </a:xfrm>
+          <a:prstGeom prst="rect">
             <a:avLst/>
           </a:prstGeom>
         </p:spPr>
@@ -6528,7 +6344,7 @@
             <a:pPr algn="ctr"/>
             <a:r>
               <a:rPr lang="en-GB" dirty="0"/>
-              <a:t>AI &amp; ANALYTICS</a:t>
+              <a:t>30 Employees</a:t>
             </a:r>
             <a:endParaRPr lang="en-IN" dirty="0"/>
           </a:p>
@@ -6536,10 +6352,10 @@
       </p:sp>
       <p:sp>
         <p:nvSpPr>
-          <p:cNvPr id="11" name="Rectangle: Rounded Corners 10">
-            <a:extLst>
-              <a:ext uri="{FF2B5EF4-FFF2-40B4-BE49-F238E27FC236}">
-                <a16:creationId xmlns:a16="http://schemas.microsoft.com/office/drawing/2014/main" id="{8BC05A65-9F4E-45D6-9446-5D7776EBAFF8}"/>
+          <p:cNvPr id="10" name="Rectangle 9">
+            <a:extLst>
+              <a:ext uri="{FF2B5EF4-FFF2-40B4-BE49-F238E27FC236}">
+                <a16:creationId xmlns:a16="http://schemas.microsoft.com/office/drawing/2014/main" id="{DCF2A78A-84C9-4CF9-8C7F-63C8F9F8A3EB}"/>
               </a:ext>
             </a:extLst>
           </p:cNvPr>
@@ -6548,10 +6364,10 @@
         </p:nvSpPr>
         <p:spPr>
           <a:xfrm>
-            <a:off x="4483973" y="3226852"/>
-            <a:ext cx="1870922" cy="994017"/>
-          </a:xfrm>
-          <a:prstGeom prst="roundRect">
+            <a:off x="6182139" y="5284305"/>
+            <a:ext cx="2160104" cy="728870"/>
+          </a:xfrm>
+          <a:prstGeom prst="rect">
             <a:avLst/>
           </a:prstGeom>
         </p:spPr>
@@ -6575,8 +6391,19 @@
           <a:p>
             <a:pPr algn="ctr"/>
             <a:r>
+              <a:rPr lang="en-GB"/>
+              <a:t>2 </a:t>
+            </a:r>
+            <a:r>
               <a:rPr lang="en-GB" dirty="0"/>
-              <a:t>ENTERPRISE DATA PROVISIONING</a:t>
+              <a:t>Business Days</a:t>
+            </a:r>
+          </a:p>
+          <a:p>
+            <a:pPr algn="ctr"/>
+            <a:r>
+              <a:rPr lang="en-GB" dirty="0"/>
+              <a:t>10 Business hours</a:t>
             </a:r>
             <a:endParaRPr lang="en-IN" dirty="0"/>
           </a:p>
@@ -6584,10 +6411,10 @@
       </p:sp>
       <p:sp>
         <p:nvSpPr>
-          <p:cNvPr id="12" name="Rectangle: Rounded Corners 11">
-            <a:extLst>
-              <a:ext uri="{FF2B5EF4-FFF2-40B4-BE49-F238E27FC236}">
-                <a16:creationId xmlns:a16="http://schemas.microsoft.com/office/drawing/2014/main" id="{D9ABD476-2A20-4995-848A-A54F318878BE}"/>
+          <p:cNvPr id="11" name="Rectangle 10">
+            <a:extLst>
+              <a:ext uri="{FF2B5EF4-FFF2-40B4-BE49-F238E27FC236}">
+                <a16:creationId xmlns:a16="http://schemas.microsoft.com/office/drawing/2014/main" id="{8C3CB5AC-52AA-48F7-95C4-7BBEBE318FDB}"/>
               </a:ext>
             </a:extLst>
           </p:cNvPr>
@@ -6596,10 +6423,10 @@
         </p:nvSpPr>
         <p:spPr>
           <a:xfrm>
-            <a:off x="9285047" y="1891647"/>
-            <a:ext cx="2325759" cy="609600"/>
-          </a:xfrm>
-          <a:prstGeom prst="roundRect">
+            <a:off x="8984974" y="5294244"/>
+            <a:ext cx="2160104" cy="728870"/>
+          </a:xfrm>
+          <a:prstGeom prst="rect">
             <a:avLst/>
           </a:prstGeom>
         </p:spPr>
@@ -6624,18 +6451,61 @@
             <a:pPr algn="ctr"/>
             <a:r>
               <a:rPr lang="en-GB" dirty="0"/>
-              <a:t>Tools: MySQL, Python, Java, etc</a:t>
+              <a:t>500 Pounds</a:t>
             </a:r>
             <a:endParaRPr lang="en-IN" dirty="0"/>
           </a:p>
         </p:txBody>
       </p:sp>
-      <p:sp>
-        <p:nvSpPr>
-          <p:cNvPr id="13" name="Rectangle: Rounded Corners 12">
-            <a:extLst>
-              <a:ext uri="{FF2B5EF4-FFF2-40B4-BE49-F238E27FC236}">
-                <a16:creationId xmlns:a16="http://schemas.microsoft.com/office/drawing/2014/main" id="{AF30BF20-7B54-4620-8B89-BE40FB0F163B}"/>
+      <p:cxnSp>
+        <p:nvCxnSpPr>
+          <p:cNvPr id="13" name="Straight Arrow Connector 12">
+            <a:extLst>
+              <a:ext uri="{FF2B5EF4-FFF2-40B4-BE49-F238E27FC236}">
+                <a16:creationId xmlns:a16="http://schemas.microsoft.com/office/drawing/2014/main" id="{297D23AE-8A93-4FA4-992D-EFECB1ACC656}"/>
+              </a:ext>
+            </a:extLst>
+          </p:cNvPr>
+          <p:cNvCxnSpPr>
+            <a:stCxn id="7" idx="2"/>
+            <a:endCxn id="11" idx="0"/>
+          </p:cNvCxnSpPr>
+          <p:nvPr/>
+        </p:nvCxnSpPr>
+        <p:spPr>
+          <a:xfrm>
+            <a:off x="10065026" y="3604592"/>
+            <a:ext cx="0" cy="1679713"/>
+          </a:xfrm>
+          <a:prstGeom prst="straightConnector1">
+            <a:avLst/>
+          </a:prstGeom>
+          <a:ln>
+            <a:headEnd type="triangle"/>
+            <a:tailEnd type="triangle"/>
+          </a:ln>
+        </p:spPr>
+        <p:style>
+          <a:lnRef idx="1">
+            <a:schemeClr val="accent1"/>
+          </a:lnRef>
+          <a:fillRef idx="0">
+            <a:schemeClr val="accent1"/>
+          </a:fillRef>
+          <a:effectRef idx="0">
+            <a:schemeClr val="accent1"/>
+          </a:effectRef>
+          <a:fontRef idx="minor">
+            <a:schemeClr val="tx1"/>
+          </a:fontRef>
+        </p:style>
+      </p:cxnSp>
+      <p:sp>
+        <p:nvSpPr>
+          <p:cNvPr id="14" name="Oval 13">
+            <a:extLst>
+              <a:ext uri="{FF2B5EF4-FFF2-40B4-BE49-F238E27FC236}">
+                <a16:creationId xmlns:a16="http://schemas.microsoft.com/office/drawing/2014/main" id="{5EA9E0A8-8FF5-4946-9556-A6B8B043D150}"/>
               </a:ext>
             </a:extLst>
           </p:cNvPr>
@@ -6644,10 +6514,10 @@
         </p:nvSpPr>
         <p:spPr>
           <a:xfrm>
-            <a:off x="9285049" y="2676939"/>
-            <a:ext cx="2325759" cy="609600"/>
-          </a:xfrm>
-          <a:prstGeom prst="roundRect">
+            <a:off x="10071655" y="3976180"/>
+            <a:ext cx="1716155" cy="728870"/>
+          </a:xfrm>
+          <a:prstGeom prst="ellipse">
             <a:avLst/>
           </a:prstGeom>
         </p:spPr>
@@ -6672,7 +6542,7 @@
             <a:pPr algn="ctr"/>
             <a:r>
               <a:rPr lang="en-GB" dirty="0"/>
-              <a:t>Tickets: Win365, GCP DA Personas, etc</a:t>
+              <a:t>119500 Pounds </a:t>
             </a:r>
             <a:endParaRPr lang="en-IN" dirty="0"/>
           </a:p>
@@ -6680,10 +6550,10 @@
       </p:sp>
       <p:sp>
         <p:nvSpPr>
-          <p:cNvPr id="14" name="Rectangle: Rounded Corners 13">
-            <a:extLst>
-              <a:ext uri="{FF2B5EF4-FFF2-40B4-BE49-F238E27FC236}">
-                <a16:creationId xmlns:a16="http://schemas.microsoft.com/office/drawing/2014/main" id="{8A833FFF-E301-40F4-9988-361FFDA7A067}"/>
+          <p:cNvPr id="15" name="Oval 14">
+            <a:extLst>
+              <a:ext uri="{FF2B5EF4-FFF2-40B4-BE49-F238E27FC236}">
+                <a16:creationId xmlns:a16="http://schemas.microsoft.com/office/drawing/2014/main" id="{0557BB5C-02A6-412C-B689-C45CBBA1A8B7}"/>
               </a:ext>
             </a:extLst>
           </p:cNvPr>
@@ -6692,10 +6562,10 @@
         </p:nvSpPr>
         <p:spPr>
           <a:xfrm>
-            <a:off x="9285048" y="4247522"/>
-            <a:ext cx="2325759" cy="609600"/>
-          </a:xfrm>
-          <a:prstGeom prst="roundRect">
+            <a:off x="10310194" y="4627194"/>
+            <a:ext cx="1278833" cy="369404"/>
+          </a:xfrm>
+          <a:prstGeom prst="ellipse">
             <a:avLst/>
           </a:prstGeom>
         </p:spPr>
@@ -6720,18 +6590,306 @@
             <a:pPr algn="ctr"/>
             <a:r>
               <a:rPr lang="en-GB" dirty="0"/>
-              <a:t>Tickets: Win365, GCP DE Personas, etc</a:t>
+              <a:t>SAVED</a:t>
             </a:r>
             <a:endParaRPr lang="en-IN" dirty="0"/>
           </a:p>
         </p:txBody>
       </p:sp>
-      <p:sp>
-        <p:nvSpPr>
-          <p:cNvPr id="15" name="Rectangle: Rounded Corners 14">
-            <a:extLst>
-              <a:ext uri="{FF2B5EF4-FFF2-40B4-BE49-F238E27FC236}">
-                <a16:creationId xmlns:a16="http://schemas.microsoft.com/office/drawing/2014/main" id="{7CEB6E63-6D76-42E9-BDCE-83E2C5FA3B74}"/>
+      <p:cxnSp>
+        <p:nvCxnSpPr>
+          <p:cNvPr id="17" name="Straight Arrow Connector 16">
+            <a:extLst>
+              <a:ext uri="{FF2B5EF4-FFF2-40B4-BE49-F238E27FC236}">
+                <a16:creationId xmlns:a16="http://schemas.microsoft.com/office/drawing/2014/main" id="{6DD170E5-C04F-4B34-83E9-E570D2E262F6}"/>
+              </a:ext>
+            </a:extLst>
+          </p:cNvPr>
+          <p:cNvCxnSpPr>
+            <a:stCxn id="4" idx="3"/>
+            <a:endCxn id="5" idx="1"/>
+          </p:cNvCxnSpPr>
+          <p:nvPr/>
+        </p:nvCxnSpPr>
+        <p:spPr>
+          <a:xfrm>
+            <a:off x="2961861" y="3240157"/>
+            <a:ext cx="530087" cy="0"/>
+          </a:xfrm>
+          <a:prstGeom prst="straightConnector1">
+            <a:avLst/>
+          </a:prstGeom>
+          <a:ln>
+            <a:tailEnd type="triangle"/>
+          </a:ln>
+        </p:spPr>
+        <p:style>
+          <a:lnRef idx="1">
+            <a:schemeClr val="accent1"/>
+          </a:lnRef>
+          <a:fillRef idx="0">
+            <a:schemeClr val="accent1"/>
+          </a:fillRef>
+          <a:effectRef idx="0">
+            <a:schemeClr val="accent1"/>
+          </a:effectRef>
+          <a:fontRef idx="minor">
+            <a:schemeClr val="tx1"/>
+          </a:fontRef>
+        </p:style>
+      </p:cxnSp>
+      <p:cxnSp>
+        <p:nvCxnSpPr>
+          <p:cNvPr id="19" name="Straight Arrow Connector 18">
+            <a:extLst>
+              <a:ext uri="{FF2B5EF4-FFF2-40B4-BE49-F238E27FC236}">
+                <a16:creationId xmlns:a16="http://schemas.microsoft.com/office/drawing/2014/main" id="{EB246197-CC61-4453-88E7-ABAE160E1D06}"/>
+              </a:ext>
+            </a:extLst>
+          </p:cNvPr>
+          <p:cNvCxnSpPr>
+            <a:stCxn id="5" idx="3"/>
+            <a:endCxn id="6" idx="1"/>
+          </p:cNvCxnSpPr>
+          <p:nvPr/>
+        </p:nvCxnSpPr>
+        <p:spPr>
+          <a:xfrm>
+            <a:off x="5652052" y="3240157"/>
+            <a:ext cx="530087" cy="0"/>
+          </a:xfrm>
+          <a:prstGeom prst="straightConnector1">
+            <a:avLst/>
+          </a:prstGeom>
+          <a:ln>
+            <a:tailEnd type="triangle"/>
+          </a:ln>
+        </p:spPr>
+        <p:style>
+          <a:lnRef idx="1">
+            <a:schemeClr val="accent1"/>
+          </a:lnRef>
+          <a:fillRef idx="0">
+            <a:schemeClr val="accent1"/>
+          </a:fillRef>
+          <a:effectRef idx="0">
+            <a:schemeClr val="accent1"/>
+          </a:effectRef>
+          <a:fontRef idx="minor">
+            <a:schemeClr val="tx1"/>
+          </a:fontRef>
+        </p:style>
+      </p:cxnSp>
+      <p:cxnSp>
+        <p:nvCxnSpPr>
+          <p:cNvPr id="21" name="Straight Arrow Connector 20">
+            <a:extLst>
+              <a:ext uri="{FF2B5EF4-FFF2-40B4-BE49-F238E27FC236}">
+                <a16:creationId xmlns:a16="http://schemas.microsoft.com/office/drawing/2014/main" id="{7BC8075D-EB05-434A-BD45-A8A73DCE93D7}"/>
+              </a:ext>
+            </a:extLst>
+          </p:cNvPr>
+          <p:cNvCxnSpPr>
+            <a:stCxn id="6" idx="3"/>
+            <a:endCxn id="7" idx="1"/>
+          </p:cNvCxnSpPr>
+          <p:nvPr/>
+        </p:nvCxnSpPr>
+        <p:spPr>
+          <a:xfrm>
+            <a:off x="8342243" y="3240157"/>
+            <a:ext cx="642731" cy="0"/>
+          </a:xfrm>
+          <a:prstGeom prst="straightConnector1">
+            <a:avLst/>
+          </a:prstGeom>
+          <a:ln>
+            <a:tailEnd type="triangle"/>
+          </a:ln>
+        </p:spPr>
+        <p:style>
+          <a:lnRef idx="1">
+            <a:schemeClr val="accent1"/>
+          </a:lnRef>
+          <a:fillRef idx="0">
+            <a:schemeClr val="accent1"/>
+          </a:fillRef>
+          <a:effectRef idx="0">
+            <a:schemeClr val="accent1"/>
+          </a:effectRef>
+          <a:fontRef idx="minor">
+            <a:schemeClr val="tx1"/>
+          </a:fontRef>
+        </p:style>
+      </p:cxnSp>
+      <p:cxnSp>
+        <p:nvCxnSpPr>
+          <p:cNvPr id="23" name="Straight Arrow Connector 22">
+            <a:extLst>
+              <a:ext uri="{FF2B5EF4-FFF2-40B4-BE49-F238E27FC236}">
+                <a16:creationId xmlns:a16="http://schemas.microsoft.com/office/drawing/2014/main" id="{6DC34F64-96FC-49F1-B240-F3FAD5457283}"/>
+              </a:ext>
+            </a:extLst>
+          </p:cNvPr>
+          <p:cNvCxnSpPr>
+            <a:stCxn id="8" idx="3"/>
+            <a:endCxn id="9" idx="1"/>
+          </p:cNvCxnSpPr>
+          <p:nvPr/>
+        </p:nvCxnSpPr>
+        <p:spPr>
+          <a:xfrm>
+            <a:off x="2961861" y="5658679"/>
+            <a:ext cx="530087" cy="0"/>
+          </a:xfrm>
+          <a:prstGeom prst="straightConnector1">
+            <a:avLst/>
+          </a:prstGeom>
+          <a:ln>
+            <a:tailEnd type="triangle"/>
+          </a:ln>
+        </p:spPr>
+        <p:style>
+          <a:lnRef idx="1">
+            <a:schemeClr val="accent1"/>
+          </a:lnRef>
+          <a:fillRef idx="0">
+            <a:schemeClr val="accent1"/>
+          </a:fillRef>
+          <a:effectRef idx="0">
+            <a:schemeClr val="accent1"/>
+          </a:effectRef>
+          <a:fontRef idx="minor">
+            <a:schemeClr val="tx1"/>
+          </a:fontRef>
+        </p:style>
+      </p:cxnSp>
+      <p:cxnSp>
+        <p:nvCxnSpPr>
+          <p:cNvPr id="25" name="Straight Arrow Connector 24">
+            <a:extLst>
+              <a:ext uri="{FF2B5EF4-FFF2-40B4-BE49-F238E27FC236}">
+                <a16:creationId xmlns:a16="http://schemas.microsoft.com/office/drawing/2014/main" id="{40D9659F-532A-46AF-A4A8-94F8F08A9E72}"/>
+              </a:ext>
+            </a:extLst>
+          </p:cNvPr>
+          <p:cNvCxnSpPr>
+            <a:stCxn id="9" idx="3"/>
+            <a:endCxn id="10" idx="1"/>
+          </p:cNvCxnSpPr>
+          <p:nvPr/>
+        </p:nvCxnSpPr>
+        <p:spPr>
+          <a:xfrm flipV="1">
+            <a:off x="5652052" y="5648740"/>
+            <a:ext cx="530087" cy="9939"/>
+          </a:xfrm>
+          <a:prstGeom prst="straightConnector1">
+            <a:avLst/>
+          </a:prstGeom>
+          <a:ln>
+            <a:tailEnd type="triangle"/>
+          </a:ln>
+        </p:spPr>
+        <p:style>
+          <a:lnRef idx="1">
+            <a:schemeClr val="accent1"/>
+          </a:lnRef>
+          <a:fillRef idx="0">
+            <a:schemeClr val="accent1"/>
+          </a:fillRef>
+          <a:effectRef idx="0">
+            <a:schemeClr val="accent1"/>
+          </a:effectRef>
+          <a:fontRef idx="minor">
+            <a:schemeClr val="tx1"/>
+          </a:fontRef>
+        </p:style>
+      </p:cxnSp>
+      <p:cxnSp>
+        <p:nvCxnSpPr>
+          <p:cNvPr id="27" name="Straight Arrow Connector 26">
+            <a:extLst>
+              <a:ext uri="{FF2B5EF4-FFF2-40B4-BE49-F238E27FC236}">
+                <a16:creationId xmlns:a16="http://schemas.microsoft.com/office/drawing/2014/main" id="{BFCE5CD4-8226-44A0-9521-291FD0F334FB}"/>
+              </a:ext>
+            </a:extLst>
+          </p:cNvPr>
+          <p:cNvCxnSpPr>
+            <a:stCxn id="10" idx="3"/>
+            <a:endCxn id="11" idx="1"/>
+          </p:cNvCxnSpPr>
+          <p:nvPr/>
+        </p:nvCxnSpPr>
+        <p:spPr>
+          <a:xfrm>
+            <a:off x="8342243" y="5648740"/>
+            <a:ext cx="642731" cy="9939"/>
+          </a:xfrm>
+          <a:prstGeom prst="straightConnector1">
+            <a:avLst/>
+          </a:prstGeom>
+          <a:ln>
+            <a:tailEnd type="triangle"/>
+          </a:ln>
+        </p:spPr>
+        <p:style>
+          <a:lnRef idx="1">
+            <a:schemeClr val="accent1"/>
+          </a:lnRef>
+          <a:fillRef idx="0">
+            <a:schemeClr val="accent1"/>
+          </a:fillRef>
+          <a:effectRef idx="0">
+            <a:schemeClr val="accent1"/>
+          </a:effectRef>
+          <a:fontRef idx="minor">
+            <a:schemeClr val="tx1"/>
+          </a:fontRef>
+        </p:style>
+      </p:cxnSp>
+      <p:sp>
+        <p:nvSpPr>
+          <p:cNvPr id="28" name="TextBox 27">
+            <a:extLst>
+              <a:ext uri="{FF2B5EF4-FFF2-40B4-BE49-F238E27FC236}">
+                <a16:creationId xmlns:a16="http://schemas.microsoft.com/office/drawing/2014/main" id="{1169F9C5-BC80-4844-BAB8-A9B3DC4A2CAA}"/>
+              </a:ext>
+            </a:extLst>
+          </p:cNvPr>
+          <p:cNvSpPr txBox="1"/>
+          <p:nvPr/>
+        </p:nvSpPr>
+        <p:spPr>
+          <a:xfrm>
+            <a:off x="7129670" y="3594654"/>
+            <a:ext cx="1417982" cy="923330"/>
+          </a:xfrm>
+          <a:prstGeom prst="rect">
+            <a:avLst/>
+          </a:prstGeom>
+          <a:noFill/>
+        </p:spPr>
+        <p:txBody>
+          <a:bodyPr wrap="square" rtlCol="0">
+            <a:spAutoFit/>
+          </a:bodyPr>
+          <a:lstStyle/>
+          <a:p>
+            <a:r>
+              <a:rPr lang="en-GB" dirty="0"/>
+              <a:t>*50 Pounds for each hour approx.</a:t>
+            </a:r>
+            <a:endParaRPr lang="en-IN" dirty="0"/>
+          </a:p>
+        </p:txBody>
+      </p:sp>
+      <p:sp>
+        <p:nvSpPr>
+          <p:cNvPr id="29" name="Rectangle: Rounded Corners 28">
+            <a:extLst>
+              <a:ext uri="{FF2B5EF4-FFF2-40B4-BE49-F238E27FC236}">
+                <a16:creationId xmlns:a16="http://schemas.microsoft.com/office/drawing/2014/main" id="{5531D0E6-0C60-4487-BDF8-4C625AD17A59}"/>
               </a:ext>
             </a:extLst>
           </p:cNvPr>
@@ -6740,10 +6898,150 @@
         </p:nvSpPr>
         <p:spPr>
           <a:xfrm>
-            <a:off x="9285048" y="3462231"/>
-            <a:ext cx="2325759" cy="609600"/>
+            <a:off x="801756" y="2080391"/>
+            <a:ext cx="2299253" cy="530279"/>
           </a:xfrm>
           <a:prstGeom prst="roundRect">
+            <a:avLst/>
+          </a:prstGeom>
+        </p:spPr>
+        <p:style>
+          <a:lnRef idx="2">
+            <a:schemeClr val="accent1">
+              <a:shade val="50000"/>
+            </a:schemeClr>
+          </a:lnRef>
+          <a:fillRef idx="1">
+            <a:schemeClr val="accent1"/>
+          </a:fillRef>
+          <a:effectRef idx="0">
+            <a:schemeClr val="accent1"/>
+          </a:effectRef>
+          <a:fontRef idx="minor">
+            <a:schemeClr val="lt1"/>
+          </a:fontRef>
+        </p:style>
+        <p:txBody>
+          <a:bodyPr rtlCol="0" anchor="ctr"/>
+          <a:lstStyle/>
+          <a:p>
+            <a:pPr algn="ctr"/>
+            <a:r>
+              <a:rPr lang="en-GB" dirty="0"/>
+              <a:t>Without our Solution</a:t>
+            </a:r>
+            <a:endParaRPr lang="en-IN" dirty="0"/>
+          </a:p>
+        </p:txBody>
+      </p:sp>
+      <p:sp>
+        <p:nvSpPr>
+          <p:cNvPr id="31" name="Rectangle: Rounded Corners 30">
+            <a:extLst>
+              <a:ext uri="{FF2B5EF4-FFF2-40B4-BE49-F238E27FC236}">
+                <a16:creationId xmlns:a16="http://schemas.microsoft.com/office/drawing/2014/main" id="{7B7CD201-76A5-4770-B0C0-8D4FDCD38B9A}"/>
+              </a:ext>
+            </a:extLst>
+          </p:cNvPr>
+          <p:cNvSpPr/>
+          <p:nvPr/>
+        </p:nvSpPr>
+        <p:spPr>
+          <a:xfrm>
+            <a:off x="801757" y="4604940"/>
+            <a:ext cx="2020956" cy="530279"/>
+          </a:xfrm>
+          <a:prstGeom prst="roundRect">
+            <a:avLst/>
+          </a:prstGeom>
+        </p:spPr>
+        <p:style>
+          <a:lnRef idx="2">
+            <a:schemeClr val="accent1">
+              <a:shade val="50000"/>
+            </a:schemeClr>
+          </a:lnRef>
+          <a:fillRef idx="1">
+            <a:schemeClr val="accent1"/>
+          </a:fillRef>
+          <a:effectRef idx="0">
+            <a:schemeClr val="accent1"/>
+          </a:effectRef>
+          <a:fontRef idx="minor">
+            <a:schemeClr val="lt1"/>
+          </a:fontRef>
+        </p:style>
+        <p:txBody>
+          <a:bodyPr rtlCol="0" anchor="ctr"/>
+          <a:lstStyle/>
+          <a:p>
+            <a:pPr algn="ctr"/>
+            <a:r>
+              <a:rPr lang="en-GB" dirty="0"/>
+              <a:t>With our Solution</a:t>
+            </a:r>
+            <a:endParaRPr lang="en-IN" dirty="0"/>
+          </a:p>
+        </p:txBody>
+      </p:sp>
+      <p:cxnSp>
+        <p:nvCxnSpPr>
+          <p:cNvPr id="33" name="Straight Arrow Connector 32">
+            <a:extLst>
+              <a:ext uri="{FF2B5EF4-FFF2-40B4-BE49-F238E27FC236}">
+                <a16:creationId xmlns:a16="http://schemas.microsoft.com/office/drawing/2014/main" id="{E9001F28-7253-4556-B703-99C0424021FA}"/>
+              </a:ext>
+            </a:extLst>
+          </p:cNvPr>
+          <p:cNvCxnSpPr/>
+          <p:nvPr/>
+        </p:nvCxnSpPr>
+        <p:spPr>
+          <a:xfrm>
+            <a:off x="7129670" y="3594654"/>
+            <a:ext cx="0" cy="1689651"/>
+          </a:xfrm>
+          <a:prstGeom prst="straightConnector1">
+            <a:avLst/>
+          </a:prstGeom>
+          <a:ln>
+            <a:headEnd type="triangle"/>
+            <a:tailEnd type="triangle"/>
+          </a:ln>
+        </p:spPr>
+        <p:style>
+          <a:lnRef idx="1">
+            <a:schemeClr val="accent1"/>
+          </a:lnRef>
+          <a:fillRef idx="0">
+            <a:schemeClr val="accent1"/>
+          </a:fillRef>
+          <a:effectRef idx="0">
+            <a:schemeClr val="accent1"/>
+          </a:effectRef>
+          <a:fontRef idx="minor">
+            <a:schemeClr val="tx1"/>
+          </a:fontRef>
+        </p:style>
+      </p:cxnSp>
+      <p:sp>
+        <p:nvSpPr>
+          <p:cNvPr id="34" name="Oval 33">
+            <a:extLst>
+              <a:ext uri="{FF2B5EF4-FFF2-40B4-BE49-F238E27FC236}">
+                <a16:creationId xmlns:a16="http://schemas.microsoft.com/office/drawing/2014/main" id="{02EAF874-3FEE-472F-BEE0-1467FFA191E7}"/>
+              </a:ext>
+            </a:extLst>
+          </p:cNvPr>
+          <p:cNvSpPr/>
+          <p:nvPr/>
+        </p:nvSpPr>
+        <p:spPr>
+          <a:xfrm>
+            <a:off x="5612296" y="3951332"/>
+            <a:ext cx="1510746" cy="419564"/>
+          </a:xfrm>
+          <a:prstGeom prst="ellipse">
             <a:avLst/>
           </a:prstGeom>
         </p:spPr>
@@ -6768,15 +7066,7 @@
             <a:pPr algn="ctr"/>
             <a:r>
               <a:rPr lang="en-GB" dirty="0"/>
-              <a:t>Tools: Git, Python, Java, Ms </a:t>
-            </a:r>
-            <a:r>
-              <a:rPr lang="en-GB" dirty="0" err="1"/>
-              <a:t>VsCode</a:t>
-            </a:r>
-            <a:r>
-              <a:rPr lang="en-GB" dirty="0"/>
-              <a:t>, etc</a:t>
+              <a:t>2390 Hrs </a:t>
             </a:r>
             <a:endParaRPr lang="en-IN" dirty="0"/>
           </a:p>
@@ -6784,10 +7074,10 @@
       </p:sp>
       <p:sp>
         <p:nvSpPr>
-          <p:cNvPr id="16" name="Rectangle: Rounded Corners 15">
-            <a:extLst>
-              <a:ext uri="{FF2B5EF4-FFF2-40B4-BE49-F238E27FC236}">
-                <a16:creationId xmlns:a16="http://schemas.microsoft.com/office/drawing/2014/main" id="{40A794F3-6024-4A31-96A6-347661BE1361}"/>
+          <p:cNvPr id="35" name="Oval 34">
+            <a:extLst>
+              <a:ext uri="{FF2B5EF4-FFF2-40B4-BE49-F238E27FC236}">
+                <a16:creationId xmlns:a16="http://schemas.microsoft.com/office/drawing/2014/main" id="{A274A189-8246-43F1-874B-FB1D795D2009}"/>
               </a:ext>
             </a:extLst>
           </p:cNvPr>
@@ -6796,10 +7086,10 @@
         </p:nvSpPr>
         <p:spPr>
           <a:xfrm>
-            <a:off x="6953018" y="2372139"/>
-            <a:ext cx="1596887" cy="609600"/>
-          </a:xfrm>
-          <a:prstGeom prst="roundRect">
+            <a:off x="5744818" y="4310798"/>
+            <a:ext cx="1278833" cy="369404"/>
+          </a:xfrm>
+          <a:prstGeom prst="ellipse">
             <a:avLst/>
           </a:prstGeom>
         </p:spPr>
@@ -6824,839 +7114,16 @@
             <a:pPr algn="ctr"/>
             <a:r>
               <a:rPr lang="en-GB" dirty="0"/>
-              <a:t>Data Analysts</a:t>
+              <a:t>SAVED</a:t>
             </a:r>
             <a:endParaRPr lang="en-IN" dirty="0"/>
           </a:p>
         </p:txBody>
       </p:sp>
-      <p:sp>
-        <p:nvSpPr>
-          <p:cNvPr id="17" name="Rectangle: Rounded Corners 16">
-            <a:extLst>
-              <a:ext uri="{FF2B5EF4-FFF2-40B4-BE49-F238E27FC236}">
-                <a16:creationId xmlns:a16="http://schemas.microsoft.com/office/drawing/2014/main" id="{B3984026-55AF-4880-9A18-AFA6A022FFF7}"/>
-              </a:ext>
-            </a:extLst>
-          </p:cNvPr>
-          <p:cNvSpPr/>
-          <p:nvPr/>
-        </p:nvSpPr>
-        <p:spPr>
-          <a:xfrm>
-            <a:off x="6953018" y="3916069"/>
-            <a:ext cx="1747884" cy="609600"/>
-          </a:xfrm>
-          <a:prstGeom prst="roundRect">
-            <a:avLst/>
-          </a:prstGeom>
-        </p:spPr>
-        <p:style>
-          <a:lnRef idx="2">
-            <a:schemeClr val="accent6"/>
-          </a:lnRef>
-          <a:fillRef idx="1">
-            <a:schemeClr val="lt1"/>
-          </a:fillRef>
-          <a:effectRef idx="0">
-            <a:schemeClr val="accent6"/>
-          </a:effectRef>
-          <a:fontRef idx="minor">
-            <a:schemeClr val="dk1"/>
-          </a:fontRef>
-        </p:style>
-        <p:txBody>
-          <a:bodyPr rtlCol="0" anchor="ctr"/>
-          <a:lstStyle/>
-          <a:p>
-            <a:pPr algn="ctr"/>
-            <a:r>
-              <a:rPr lang="en-GB" dirty="0"/>
-              <a:t>Data Engineers</a:t>
-            </a:r>
-            <a:endParaRPr lang="en-IN" dirty="0"/>
-          </a:p>
-        </p:txBody>
-      </p:sp>
-      <p:sp>
-        <p:nvSpPr>
-          <p:cNvPr id="19" name="Rectangle: Rounded Corners 18">
-            <a:extLst>
-              <a:ext uri="{FF2B5EF4-FFF2-40B4-BE49-F238E27FC236}">
-                <a16:creationId xmlns:a16="http://schemas.microsoft.com/office/drawing/2014/main" id="{8F3FBC51-074A-4025-9EC7-31B4B82DA810}"/>
-              </a:ext>
-            </a:extLst>
-          </p:cNvPr>
-          <p:cNvSpPr/>
-          <p:nvPr/>
-        </p:nvSpPr>
-        <p:spPr>
-          <a:xfrm>
-            <a:off x="6953018" y="5549762"/>
-            <a:ext cx="2031956" cy="609600"/>
-          </a:xfrm>
-          <a:prstGeom prst="roundRect">
-            <a:avLst/>
-          </a:prstGeom>
-        </p:spPr>
-        <p:style>
-          <a:lnRef idx="2">
-            <a:schemeClr val="accent6"/>
-          </a:lnRef>
-          <a:fillRef idx="1">
-            <a:schemeClr val="lt1"/>
-          </a:fillRef>
-          <a:effectRef idx="0">
-            <a:schemeClr val="accent6"/>
-          </a:effectRef>
-          <a:fontRef idx="minor">
-            <a:schemeClr val="dk1"/>
-          </a:fontRef>
-        </p:style>
-        <p:txBody>
-          <a:bodyPr rtlCol="0" anchor="ctr"/>
-          <a:lstStyle/>
-          <a:p>
-            <a:pPr algn="ctr"/>
-            <a:r>
-              <a:rPr lang="en-GB" dirty="0"/>
-              <a:t>Platform Engineers</a:t>
-            </a:r>
-            <a:endParaRPr lang="en-IN" dirty="0"/>
-          </a:p>
-        </p:txBody>
-      </p:sp>
-      <p:sp>
-        <p:nvSpPr>
-          <p:cNvPr id="20" name="Rectangle: Rounded Corners 19">
-            <a:extLst>
-              <a:ext uri="{FF2B5EF4-FFF2-40B4-BE49-F238E27FC236}">
-                <a16:creationId xmlns:a16="http://schemas.microsoft.com/office/drawing/2014/main" id="{934A3F3B-45CF-482A-8374-908DD2A2A041}"/>
-              </a:ext>
-            </a:extLst>
-          </p:cNvPr>
-          <p:cNvSpPr/>
-          <p:nvPr/>
-        </p:nvSpPr>
-        <p:spPr>
-          <a:xfrm>
-            <a:off x="9285045" y="5884174"/>
-            <a:ext cx="2325759" cy="609600"/>
-          </a:xfrm>
-          <a:prstGeom prst="roundRect">
-            <a:avLst/>
-          </a:prstGeom>
-        </p:spPr>
-        <p:style>
-          <a:lnRef idx="2">
-            <a:schemeClr val="accent6"/>
-          </a:lnRef>
-          <a:fillRef idx="1">
-            <a:schemeClr val="lt1"/>
-          </a:fillRef>
-          <a:effectRef idx="0">
-            <a:schemeClr val="accent6"/>
-          </a:effectRef>
-          <a:fontRef idx="minor">
-            <a:schemeClr val="dk1"/>
-          </a:fontRef>
-        </p:style>
-        <p:txBody>
-          <a:bodyPr rtlCol="0" anchor="ctr"/>
-          <a:lstStyle/>
-          <a:p>
-            <a:pPr algn="ctr"/>
-            <a:r>
-              <a:rPr lang="en-GB" dirty="0"/>
-              <a:t>Tickets: Win365. GCP PE Personas, etc</a:t>
-            </a:r>
-            <a:endParaRPr lang="en-IN" dirty="0"/>
-          </a:p>
-        </p:txBody>
-      </p:sp>
-      <p:sp>
-        <p:nvSpPr>
-          <p:cNvPr id="21" name="Rectangle: Rounded Corners 20">
-            <a:extLst>
-              <a:ext uri="{FF2B5EF4-FFF2-40B4-BE49-F238E27FC236}">
-                <a16:creationId xmlns:a16="http://schemas.microsoft.com/office/drawing/2014/main" id="{19DE95FF-3D95-4734-9DE7-7993E0B38FEA}"/>
-              </a:ext>
-            </a:extLst>
-          </p:cNvPr>
-          <p:cNvSpPr/>
-          <p:nvPr/>
-        </p:nvSpPr>
-        <p:spPr>
-          <a:xfrm>
-            <a:off x="9285046" y="5065848"/>
-            <a:ext cx="2429876" cy="609600"/>
-          </a:xfrm>
-          <a:prstGeom prst="roundRect">
-            <a:avLst/>
-          </a:prstGeom>
-        </p:spPr>
-        <p:style>
-          <a:lnRef idx="2">
-            <a:schemeClr val="accent6"/>
-          </a:lnRef>
-          <a:fillRef idx="1">
-            <a:schemeClr val="lt1"/>
-          </a:fillRef>
-          <a:effectRef idx="0">
-            <a:schemeClr val="accent6"/>
-          </a:effectRef>
-          <a:fontRef idx="minor">
-            <a:schemeClr val="dk1"/>
-          </a:fontRef>
-        </p:style>
-        <p:txBody>
-          <a:bodyPr rtlCol="0" anchor="ctr"/>
-          <a:lstStyle/>
-          <a:p>
-            <a:pPr algn="ctr"/>
-            <a:r>
-              <a:rPr lang="en-GB" dirty="0"/>
-              <a:t>Tools: Git, Docker, Java, Terraform, IntelliJ, etc</a:t>
-            </a:r>
-            <a:endParaRPr lang="en-IN" dirty="0"/>
-          </a:p>
-        </p:txBody>
-      </p:sp>
-      <p:cxnSp>
-        <p:nvCxnSpPr>
-          <p:cNvPr id="23" name="Straight Arrow Connector 22">
-            <a:extLst>
-              <a:ext uri="{FF2B5EF4-FFF2-40B4-BE49-F238E27FC236}">
-                <a16:creationId xmlns:a16="http://schemas.microsoft.com/office/drawing/2014/main" id="{B1C81CF5-54C8-479E-8BED-2B708A012B12}"/>
-              </a:ext>
-            </a:extLst>
-          </p:cNvPr>
-          <p:cNvCxnSpPr>
-            <a:stCxn id="4" idx="2"/>
-            <a:endCxn id="8" idx="0"/>
-          </p:cNvCxnSpPr>
-          <p:nvPr/>
-        </p:nvCxnSpPr>
-        <p:spPr>
-          <a:xfrm>
-            <a:off x="1339522" y="2806047"/>
-            <a:ext cx="1" cy="613014"/>
-          </a:xfrm>
-          <a:prstGeom prst="straightConnector1">
-            <a:avLst/>
-          </a:prstGeom>
-          <a:ln>
-            <a:tailEnd type="triangle"/>
-          </a:ln>
-        </p:spPr>
-        <p:style>
-          <a:lnRef idx="1">
-            <a:schemeClr val="accent1"/>
-          </a:lnRef>
-          <a:fillRef idx="0">
-            <a:schemeClr val="accent1"/>
-          </a:fillRef>
-          <a:effectRef idx="0">
-            <a:schemeClr val="accent1"/>
-          </a:effectRef>
-          <a:fontRef idx="minor">
-            <a:schemeClr val="tx1"/>
-          </a:fontRef>
-        </p:style>
-      </p:cxnSp>
-      <p:cxnSp>
-        <p:nvCxnSpPr>
-          <p:cNvPr id="25" name="Straight Arrow Connector 24">
-            <a:extLst>
-              <a:ext uri="{FF2B5EF4-FFF2-40B4-BE49-F238E27FC236}">
-                <a16:creationId xmlns:a16="http://schemas.microsoft.com/office/drawing/2014/main" id="{E83FC331-FCED-4E39-B93F-AFB6506B02D7}"/>
-              </a:ext>
-            </a:extLst>
-          </p:cNvPr>
-          <p:cNvCxnSpPr>
-            <a:stCxn id="8" idx="3"/>
-            <a:endCxn id="7" idx="1"/>
-          </p:cNvCxnSpPr>
-          <p:nvPr/>
-        </p:nvCxnSpPr>
-        <p:spPr>
-          <a:xfrm flipV="1">
-            <a:off x="2137966" y="3723860"/>
-            <a:ext cx="227546" cy="1"/>
-          </a:xfrm>
-          <a:prstGeom prst="straightConnector1">
-            <a:avLst/>
-          </a:prstGeom>
-          <a:ln>
-            <a:tailEnd type="triangle"/>
-          </a:ln>
-        </p:spPr>
-        <p:style>
-          <a:lnRef idx="1">
-            <a:schemeClr val="accent1"/>
-          </a:lnRef>
-          <a:fillRef idx="0">
-            <a:schemeClr val="accent1"/>
-          </a:fillRef>
-          <a:effectRef idx="0">
-            <a:schemeClr val="accent1"/>
-          </a:effectRef>
-          <a:fontRef idx="minor">
-            <a:schemeClr val="tx1"/>
-          </a:fontRef>
-        </p:style>
-      </p:cxnSp>
-      <p:cxnSp>
-        <p:nvCxnSpPr>
-          <p:cNvPr id="27" name="Connector: Elbow 26">
-            <a:extLst>
-              <a:ext uri="{FF2B5EF4-FFF2-40B4-BE49-F238E27FC236}">
-                <a16:creationId xmlns:a16="http://schemas.microsoft.com/office/drawing/2014/main" id="{14E1E0EE-0174-4EA2-BF61-893A5F7B4ABF}"/>
-              </a:ext>
-            </a:extLst>
-          </p:cNvPr>
-          <p:cNvCxnSpPr>
-            <a:cxnSpLocks/>
-          </p:cNvCxnSpPr>
-          <p:nvPr/>
-        </p:nvCxnSpPr>
-        <p:spPr>
-          <a:xfrm rot="16200000" flipH="1">
-            <a:off x="1456455" y="3881860"/>
-            <a:ext cx="732387" cy="1025989"/>
-          </a:xfrm>
-          <a:prstGeom prst="bentConnector2">
-            <a:avLst/>
-          </a:prstGeom>
-          <a:ln>
-            <a:tailEnd type="triangle"/>
-          </a:ln>
-        </p:spPr>
-        <p:style>
-          <a:lnRef idx="1">
-            <a:schemeClr val="accent1"/>
-          </a:lnRef>
-          <a:fillRef idx="0">
-            <a:schemeClr val="accent1"/>
-          </a:fillRef>
-          <a:effectRef idx="0">
-            <a:schemeClr val="accent1"/>
-          </a:effectRef>
-          <a:fontRef idx="minor">
-            <a:schemeClr val="tx1"/>
-          </a:fontRef>
-        </p:style>
-      </p:cxnSp>
-      <p:cxnSp>
-        <p:nvCxnSpPr>
-          <p:cNvPr id="31" name="Connector: Elbow 30">
-            <a:extLst>
-              <a:ext uri="{FF2B5EF4-FFF2-40B4-BE49-F238E27FC236}">
-                <a16:creationId xmlns:a16="http://schemas.microsoft.com/office/drawing/2014/main" id="{D9B106F3-DE6C-488A-8937-DCB0B56E9734}"/>
-              </a:ext>
-            </a:extLst>
-          </p:cNvPr>
-          <p:cNvCxnSpPr>
-            <a:endCxn id="6" idx="1"/>
-          </p:cNvCxnSpPr>
-          <p:nvPr/>
-        </p:nvCxnSpPr>
-        <p:spPr>
-          <a:xfrm>
-            <a:off x="1309653" y="4761048"/>
-            <a:ext cx="1055859" cy="1017310"/>
-          </a:xfrm>
-          <a:prstGeom prst="bentConnector3">
-            <a:avLst>
-              <a:gd name="adj1" fmla="val -204"/>
-            </a:avLst>
-          </a:prstGeom>
-          <a:ln>
-            <a:tailEnd type="triangle"/>
-          </a:ln>
-        </p:spPr>
-        <p:style>
-          <a:lnRef idx="1">
-            <a:schemeClr val="accent1"/>
-          </a:lnRef>
-          <a:fillRef idx="0">
-            <a:schemeClr val="accent1"/>
-          </a:fillRef>
-          <a:effectRef idx="0">
-            <a:schemeClr val="accent1"/>
-          </a:effectRef>
-          <a:fontRef idx="minor">
-            <a:schemeClr val="tx1"/>
-          </a:fontRef>
-        </p:style>
-      </p:cxnSp>
-      <p:cxnSp>
-        <p:nvCxnSpPr>
-          <p:cNvPr id="35" name="Straight Arrow Connector 34">
-            <a:extLst>
-              <a:ext uri="{FF2B5EF4-FFF2-40B4-BE49-F238E27FC236}">
-                <a16:creationId xmlns:a16="http://schemas.microsoft.com/office/drawing/2014/main" id="{96C51EAF-EDDA-4BF9-A2DA-C48BD6BA6E44}"/>
-              </a:ext>
-            </a:extLst>
-          </p:cNvPr>
-          <p:cNvCxnSpPr>
-            <a:stCxn id="7" idx="3"/>
-            <a:endCxn id="11" idx="1"/>
-          </p:cNvCxnSpPr>
-          <p:nvPr/>
-        </p:nvCxnSpPr>
-        <p:spPr>
-          <a:xfrm>
-            <a:off x="3962399" y="3723860"/>
-            <a:ext cx="521574" cy="1"/>
-          </a:xfrm>
-          <a:prstGeom prst="straightConnector1">
-            <a:avLst/>
-          </a:prstGeom>
-          <a:ln>
-            <a:tailEnd type="triangle"/>
-          </a:ln>
-        </p:spPr>
-        <p:style>
-          <a:lnRef idx="1">
-            <a:schemeClr val="accent1"/>
-          </a:lnRef>
-          <a:fillRef idx="0">
-            <a:schemeClr val="accent1"/>
-          </a:fillRef>
-          <a:effectRef idx="0">
-            <a:schemeClr val="accent1"/>
-          </a:effectRef>
-          <a:fontRef idx="minor">
-            <a:schemeClr val="tx1"/>
-          </a:fontRef>
-        </p:style>
-      </p:cxnSp>
-      <p:cxnSp>
-        <p:nvCxnSpPr>
-          <p:cNvPr id="37" name="Connector: Elbow 36">
-            <a:extLst>
-              <a:ext uri="{FF2B5EF4-FFF2-40B4-BE49-F238E27FC236}">
-                <a16:creationId xmlns:a16="http://schemas.microsoft.com/office/drawing/2014/main" id="{59B9318D-EEEA-40EB-80A8-54C083980B70}"/>
-              </a:ext>
-            </a:extLst>
-          </p:cNvPr>
-          <p:cNvCxnSpPr>
-            <a:stCxn id="7" idx="0"/>
-            <a:endCxn id="10" idx="1"/>
-          </p:cNvCxnSpPr>
-          <p:nvPr/>
-        </p:nvCxnSpPr>
-        <p:spPr>
-          <a:xfrm rot="5400000" flipH="1" flipV="1">
-            <a:off x="3518073" y="2316143"/>
-            <a:ext cx="748800" cy="1457035"/>
-          </a:xfrm>
-          <a:prstGeom prst="bentConnector2">
-            <a:avLst/>
-          </a:prstGeom>
-          <a:ln>
-            <a:tailEnd type="triangle"/>
-          </a:ln>
-        </p:spPr>
-        <p:style>
-          <a:lnRef idx="1">
-            <a:schemeClr val="accent1"/>
-          </a:lnRef>
-          <a:fillRef idx="0">
-            <a:schemeClr val="accent1"/>
-          </a:fillRef>
-          <a:effectRef idx="0">
-            <a:schemeClr val="accent1"/>
-          </a:effectRef>
-          <a:fontRef idx="minor">
-            <a:schemeClr val="tx1"/>
-          </a:fontRef>
-        </p:style>
-      </p:cxnSp>
-      <p:cxnSp>
-        <p:nvCxnSpPr>
-          <p:cNvPr id="39" name="Straight Arrow Connector 38">
-            <a:extLst>
-              <a:ext uri="{FF2B5EF4-FFF2-40B4-BE49-F238E27FC236}">
-                <a16:creationId xmlns:a16="http://schemas.microsoft.com/office/drawing/2014/main" id="{7AB80B82-58B1-4AD9-BF3F-0FA13C9BC057}"/>
-              </a:ext>
-            </a:extLst>
-          </p:cNvPr>
-          <p:cNvCxnSpPr>
-            <a:stCxn id="10" idx="3"/>
-            <a:endCxn id="16" idx="1"/>
-          </p:cNvCxnSpPr>
-          <p:nvPr/>
-        </p:nvCxnSpPr>
-        <p:spPr>
-          <a:xfrm>
-            <a:off x="6217878" y="2670260"/>
-            <a:ext cx="735140" cy="6679"/>
-          </a:xfrm>
-          <a:prstGeom prst="straightConnector1">
-            <a:avLst/>
-          </a:prstGeom>
-          <a:ln>
-            <a:tailEnd type="triangle"/>
-          </a:ln>
-        </p:spPr>
-        <p:style>
-          <a:lnRef idx="1">
-            <a:schemeClr val="accent1"/>
-          </a:lnRef>
-          <a:fillRef idx="0">
-            <a:schemeClr val="accent1"/>
-          </a:fillRef>
-          <a:effectRef idx="0">
-            <a:schemeClr val="accent1"/>
-          </a:effectRef>
-          <a:fontRef idx="minor">
-            <a:schemeClr val="tx1"/>
-          </a:fontRef>
-        </p:style>
-      </p:cxnSp>
-      <p:cxnSp>
-        <p:nvCxnSpPr>
-          <p:cNvPr id="43" name="Connector: Elbow 42">
-            <a:extLst>
-              <a:ext uri="{FF2B5EF4-FFF2-40B4-BE49-F238E27FC236}">
-                <a16:creationId xmlns:a16="http://schemas.microsoft.com/office/drawing/2014/main" id="{AE2CF788-17C4-4D69-9CC1-2CABB0D63A28}"/>
-              </a:ext>
-            </a:extLst>
-          </p:cNvPr>
-          <p:cNvCxnSpPr>
-            <a:stCxn id="11" idx="3"/>
-            <a:endCxn id="17" idx="0"/>
-          </p:cNvCxnSpPr>
-          <p:nvPr/>
-        </p:nvCxnSpPr>
-        <p:spPr>
-          <a:xfrm>
-            <a:off x="6354895" y="3723861"/>
-            <a:ext cx="1472065" cy="192208"/>
-          </a:xfrm>
-          <a:prstGeom prst="bentConnector2">
-            <a:avLst/>
-          </a:prstGeom>
-          <a:ln>
-            <a:tailEnd type="triangle"/>
-          </a:ln>
-        </p:spPr>
-        <p:style>
-          <a:lnRef idx="1">
-            <a:schemeClr val="accent1"/>
-          </a:lnRef>
-          <a:fillRef idx="0">
-            <a:schemeClr val="accent1"/>
-          </a:fillRef>
-          <a:effectRef idx="0">
-            <a:schemeClr val="accent1"/>
-          </a:effectRef>
-          <a:fontRef idx="minor">
-            <a:schemeClr val="tx1"/>
-          </a:fontRef>
-        </p:style>
-      </p:cxnSp>
-      <p:cxnSp>
-        <p:nvCxnSpPr>
-          <p:cNvPr id="45" name="Connector: Elbow 44">
-            <a:extLst>
-              <a:ext uri="{FF2B5EF4-FFF2-40B4-BE49-F238E27FC236}">
-                <a16:creationId xmlns:a16="http://schemas.microsoft.com/office/drawing/2014/main" id="{98D5BFE5-C7FF-48F3-88D6-A0C1550EC0D3}"/>
-              </a:ext>
-            </a:extLst>
-          </p:cNvPr>
-          <p:cNvCxnSpPr>
-            <a:stCxn id="11" idx="2"/>
-            <a:endCxn id="19" idx="1"/>
-          </p:cNvCxnSpPr>
-          <p:nvPr/>
-        </p:nvCxnSpPr>
-        <p:spPr>
-          <a:xfrm rot="16200000" flipH="1">
-            <a:off x="5369380" y="4270923"/>
-            <a:ext cx="1633693" cy="1533584"/>
-          </a:xfrm>
-          <a:prstGeom prst="bentConnector2">
-            <a:avLst/>
-          </a:prstGeom>
-          <a:ln>
-            <a:tailEnd type="triangle"/>
-          </a:ln>
-        </p:spPr>
-        <p:style>
-          <a:lnRef idx="1">
-            <a:schemeClr val="accent1"/>
-          </a:lnRef>
-          <a:fillRef idx="0">
-            <a:schemeClr val="accent1"/>
-          </a:fillRef>
-          <a:effectRef idx="0">
-            <a:schemeClr val="accent1"/>
-          </a:effectRef>
-          <a:fontRef idx="minor">
-            <a:schemeClr val="tx1"/>
-          </a:fontRef>
-        </p:style>
-      </p:cxnSp>
-      <p:cxnSp>
-        <p:nvCxnSpPr>
-          <p:cNvPr id="47" name="Connector: Elbow 46">
-            <a:extLst>
-              <a:ext uri="{FF2B5EF4-FFF2-40B4-BE49-F238E27FC236}">
-                <a16:creationId xmlns:a16="http://schemas.microsoft.com/office/drawing/2014/main" id="{3CCB6E92-634C-47D3-9409-3424438DD826}"/>
-              </a:ext>
-            </a:extLst>
-          </p:cNvPr>
-          <p:cNvCxnSpPr>
-            <a:stCxn id="16" idx="3"/>
-            <a:endCxn id="12" idx="1"/>
-          </p:cNvCxnSpPr>
-          <p:nvPr/>
-        </p:nvCxnSpPr>
-        <p:spPr>
-          <a:xfrm flipV="1">
-            <a:off x="8549905" y="2196447"/>
-            <a:ext cx="735142" cy="480492"/>
-          </a:xfrm>
-          <a:prstGeom prst="bentConnector3">
-            <a:avLst/>
-          </a:prstGeom>
-          <a:ln>
-            <a:tailEnd type="triangle"/>
-          </a:ln>
-        </p:spPr>
-        <p:style>
-          <a:lnRef idx="1">
-            <a:schemeClr val="accent1"/>
-          </a:lnRef>
-          <a:fillRef idx="0">
-            <a:schemeClr val="accent1"/>
-          </a:fillRef>
-          <a:effectRef idx="0">
-            <a:schemeClr val="accent1"/>
-          </a:effectRef>
-          <a:fontRef idx="minor">
-            <a:schemeClr val="tx1"/>
-          </a:fontRef>
-        </p:style>
-      </p:cxnSp>
-      <p:cxnSp>
-        <p:nvCxnSpPr>
-          <p:cNvPr id="53" name="Connector: Elbow 52">
-            <a:extLst>
-              <a:ext uri="{FF2B5EF4-FFF2-40B4-BE49-F238E27FC236}">
-                <a16:creationId xmlns:a16="http://schemas.microsoft.com/office/drawing/2014/main" id="{78E3F84E-0B33-4194-A564-0B9E89F741A0}"/>
-              </a:ext>
-            </a:extLst>
-          </p:cNvPr>
-          <p:cNvCxnSpPr>
-            <a:stCxn id="17" idx="3"/>
-            <a:endCxn id="15" idx="1"/>
-          </p:cNvCxnSpPr>
-          <p:nvPr/>
-        </p:nvCxnSpPr>
-        <p:spPr>
-          <a:xfrm flipV="1">
-            <a:off x="8700902" y="3767031"/>
-            <a:ext cx="584146" cy="453838"/>
-          </a:xfrm>
-          <a:prstGeom prst="bentConnector3">
-            <a:avLst/>
-          </a:prstGeom>
-          <a:ln>
-            <a:tailEnd type="triangle"/>
-          </a:ln>
-        </p:spPr>
-        <p:style>
-          <a:lnRef idx="1">
-            <a:schemeClr val="accent1"/>
-          </a:lnRef>
-          <a:fillRef idx="0">
-            <a:schemeClr val="accent1"/>
-          </a:fillRef>
-          <a:effectRef idx="0">
-            <a:schemeClr val="accent1"/>
-          </a:effectRef>
-          <a:fontRef idx="minor">
-            <a:schemeClr val="tx1"/>
-          </a:fontRef>
-        </p:style>
-      </p:cxnSp>
-      <p:cxnSp>
-        <p:nvCxnSpPr>
-          <p:cNvPr id="55" name="Connector: Elbow 54">
-            <a:extLst>
-              <a:ext uri="{FF2B5EF4-FFF2-40B4-BE49-F238E27FC236}">
-                <a16:creationId xmlns:a16="http://schemas.microsoft.com/office/drawing/2014/main" id="{2E29DA6B-25B7-4DF2-8C95-54EE988C1DE6}"/>
-              </a:ext>
-            </a:extLst>
-          </p:cNvPr>
-          <p:cNvCxnSpPr>
-            <a:stCxn id="17" idx="3"/>
-            <a:endCxn id="14" idx="1"/>
-          </p:cNvCxnSpPr>
-          <p:nvPr/>
-        </p:nvCxnSpPr>
-        <p:spPr>
-          <a:xfrm>
-            <a:off x="8700902" y="4220869"/>
-            <a:ext cx="584146" cy="331453"/>
-          </a:xfrm>
-          <a:prstGeom prst="bentConnector3">
-            <a:avLst/>
-          </a:prstGeom>
-          <a:ln>
-            <a:tailEnd type="triangle"/>
-          </a:ln>
-        </p:spPr>
-        <p:style>
-          <a:lnRef idx="1">
-            <a:schemeClr val="accent1"/>
-          </a:lnRef>
-          <a:fillRef idx="0">
-            <a:schemeClr val="accent1"/>
-          </a:fillRef>
-          <a:effectRef idx="0">
-            <a:schemeClr val="accent1"/>
-          </a:effectRef>
-          <a:fontRef idx="minor">
-            <a:schemeClr val="tx1"/>
-          </a:fontRef>
-        </p:style>
-      </p:cxnSp>
-      <p:cxnSp>
-        <p:nvCxnSpPr>
-          <p:cNvPr id="57" name="Connector: Elbow 56">
-            <a:extLst>
-              <a:ext uri="{FF2B5EF4-FFF2-40B4-BE49-F238E27FC236}">
-                <a16:creationId xmlns:a16="http://schemas.microsoft.com/office/drawing/2014/main" id="{94C95BE0-FBE9-433F-89EB-7952E727F529}"/>
-              </a:ext>
-            </a:extLst>
-          </p:cNvPr>
-          <p:cNvCxnSpPr>
-            <a:stCxn id="16" idx="3"/>
-            <a:endCxn id="13" idx="1"/>
-          </p:cNvCxnSpPr>
-          <p:nvPr/>
-        </p:nvCxnSpPr>
-        <p:spPr>
-          <a:xfrm>
-            <a:off x="8549905" y="2676939"/>
-            <a:ext cx="735144" cy="304800"/>
-          </a:xfrm>
-          <a:prstGeom prst="bentConnector3">
-            <a:avLst/>
-          </a:prstGeom>
-          <a:ln>
-            <a:tailEnd type="triangle"/>
-          </a:ln>
-        </p:spPr>
-        <p:style>
-          <a:lnRef idx="1">
-            <a:schemeClr val="accent1"/>
-          </a:lnRef>
-          <a:fillRef idx="0">
-            <a:schemeClr val="accent1"/>
-          </a:fillRef>
-          <a:effectRef idx="0">
-            <a:schemeClr val="accent1"/>
-          </a:effectRef>
-          <a:fontRef idx="minor">
-            <a:schemeClr val="tx1"/>
-          </a:fontRef>
-        </p:style>
-      </p:cxnSp>
-      <p:cxnSp>
-        <p:nvCxnSpPr>
-          <p:cNvPr id="59" name="Connector: Elbow 58">
-            <a:extLst>
-              <a:ext uri="{FF2B5EF4-FFF2-40B4-BE49-F238E27FC236}">
-                <a16:creationId xmlns:a16="http://schemas.microsoft.com/office/drawing/2014/main" id="{72D69DDB-44A0-48C6-A23D-6B9CDCDC44A5}"/>
-              </a:ext>
-            </a:extLst>
-          </p:cNvPr>
-          <p:cNvCxnSpPr>
-            <a:cxnSpLocks/>
-            <a:stCxn id="19" idx="3"/>
-            <a:endCxn id="21" idx="1"/>
-          </p:cNvCxnSpPr>
-          <p:nvPr/>
-        </p:nvCxnSpPr>
-        <p:spPr>
-          <a:xfrm flipV="1">
-            <a:off x="8984974" y="5370648"/>
-            <a:ext cx="300072" cy="483914"/>
-          </a:xfrm>
-          <a:prstGeom prst="bentConnector3">
-            <a:avLst/>
-          </a:prstGeom>
-          <a:ln>
-            <a:tailEnd type="triangle"/>
-          </a:ln>
-        </p:spPr>
-        <p:style>
-          <a:lnRef idx="1">
-            <a:schemeClr val="accent1"/>
-          </a:lnRef>
-          <a:fillRef idx="0">
-            <a:schemeClr val="accent1"/>
-          </a:fillRef>
-          <a:effectRef idx="0">
-            <a:schemeClr val="accent1"/>
-          </a:effectRef>
-          <a:fontRef idx="minor">
-            <a:schemeClr val="tx1"/>
-          </a:fontRef>
-        </p:style>
-      </p:cxnSp>
-      <p:cxnSp>
-        <p:nvCxnSpPr>
-          <p:cNvPr id="61" name="Connector: Elbow 60">
-            <a:extLst>
-              <a:ext uri="{FF2B5EF4-FFF2-40B4-BE49-F238E27FC236}">
-                <a16:creationId xmlns:a16="http://schemas.microsoft.com/office/drawing/2014/main" id="{E42A8575-3F9E-4917-89C3-5B8007370C57}"/>
-              </a:ext>
-            </a:extLst>
-          </p:cNvPr>
-          <p:cNvCxnSpPr>
-            <a:stCxn id="19" idx="3"/>
-            <a:endCxn id="20" idx="1"/>
-          </p:cNvCxnSpPr>
-          <p:nvPr/>
-        </p:nvCxnSpPr>
-        <p:spPr>
-          <a:xfrm>
-            <a:off x="8984974" y="5854562"/>
-            <a:ext cx="300071" cy="334412"/>
-          </a:xfrm>
-          <a:prstGeom prst="bentConnector3">
-            <a:avLst/>
-          </a:prstGeom>
-          <a:ln>
-            <a:tailEnd type="triangle"/>
-          </a:ln>
-        </p:spPr>
-        <p:style>
-          <a:lnRef idx="1">
-            <a:schemeClr val="accent1"/>
-          </a:lnRef>
-          <a:fillRef idx="0">
-            <a:schemeClr val="accent1"/>
-          </a:fillRef>
-          <a:effectRef idx="0">
-            <a:schemeClr val="accent1"/>
-          </a:effectRef>
-          <a:fontRef idx="minor">
-            <a:schemeClr val="tx1"/>
-          </a:fontRef>
-        </p:style>
-      </p:cxnSp>
     </p:spTree>
     <p:extLst>
       <p:ext uri="{BB962C8B-B14F-4D97-AF65-F5344CB8AC3E}">
-        <p14:creationId xmlns:p14="http://schemas.microsoft.com/office/powerpoint/2010/main" val="1229178898"/>
+        <p14:creationId xmlns:p14="http://schemas.microsoft.com/office/powerpoint/2010/main" val="2548067499"/>
       </p:ext>
     </p:extLst>
   </p:cSld>
@@ -7688,6 +7155,1472 @@
           <p:cNvPr id="2" name="Title 1">
             <a:extLst>
               <a:ext uri="{FF2B5EF4-FFF2-40B4-BE49-F238E27FC236}">
+                <a16:creationId xmlns:a16="http://schemas.microsoft.com/office/drawing/2014/main" id="{DCF6E103-5F68-4BC5-B6E4-B0B34D460CB2}"/>
+              </a:ext>
+            </a:extLst>
+          </p:cNvPr>
+          <p:cNvSpPr>
+            <a:spLocks noGrp="1"/>
+          </p:cNvSpPr>
+          <p:nvPr>
+            <p:ph type="title"/>
+          </p:nvPr>
+        </p:nvSpPr>
+        <p:spPr/>
+        <p:txBody>
+          <a:bodyPr/>
+          <a:lstStyle/>
+          <a:p>
+            <a:r>
+              <a:rPr lang="en-GB" dirty="0"/>
+              <a:t>Our future  vision </a:t>
+            </a:r>
+            <a:endParaRPr lang="en-IN" dirty="0"/>
+          </a:p>
+        </p:txBody>
+      </p:sp>
+      <p:sp>
+        <p:nvSpPr>
+          <p:cNvPr id="4" name="Rectangle: Rounded Corners 3">
+            <a:extLst>
+              <a:ext uri="{FF2B5EF4-FFF2-40B4-BE49-F238E27FC236}">
+                <a16:creationId xmlns:a16="http://schemas.microsoft.com/office/drawing/2014/main" id="{80079FEE-7216-472D-9932-47F15447B564}"/>
+              </a:ext>
+            </a:extLst>
+          </p:cNvPr>
+          <p:cNvSpPr/>
+          <p:nvPr/>
+        </p:nvSpPr>
+        <p:spPr>
+          <a:xfrm>
+            <a:off x="638336" y="2196447"/>
+            <a:ext cx="1402371" cy="609600"/>
+          </a:xfrm>
+          <a:prstGeom prst="roundRect">
+            <a:avLst/>
+          </a:prstGeom>
+        </p:spPr>
+        <p:style>
+          <a:lnRef idx="2">
+            <a:schemeClr val="accent6"/>
+          </a:lnRef>
+          <a:fillRef idx="1">
+            <a:schemeClr val="lt1"/>
+          </a:fillRef>
+          <a:effectRef idx="0">
+            <a:schemeClr val="accent6"/>
+          </a:effectRef>
+          <a:fontRef idx="minor">
+            <a:schemeClr val="dk1"/>
+          </a:fontRef>
+        </p:style>
+        <p:txBody>
+          <a:bodyPr rtlCol="0" anchor="ctr"/>
+          <a:lstStyle/>
+          <a:p>
+            <a:pPr algn="ctr"/>
+            <a:r>
+              <a:rPr lang="en-GB" dirty="0"/>
+              <a:t>PERSONAS</a:t>
+            </a:r>
+            <a:endParaRPr lang="en-IN" dirty="0"/>
+          </a:p>
+        </p:txBody>
+      </p:sp>
+      <p:sp>
+        <p:nvSpPr>
+          <p:cNvPr id="6" name="Rectangle: Rounded Corners 5">
+            <a:extLst>
+              <a:ext uri="{FF2B5EF4-FFF2-40B4-BE49-F238E27FC236}">
+                <a16:creationId xmlns:a16="http://schemas.microsoft.com/office/drawing/2014/main" id="{2B649645-605B-48EA-97BF-B791CA040129}"/>
+              </a:ext>
+            </a:extLst>
+          </p:cNvPr>
+          <p:cNvSpPr/>
+          <p:nvPr/>
+        </p:nvSpPr>
+        <p:spPr>
+          <a:xfrm>
+            <a:off x="2365512" y="5473558"/>
+            <a:ext cx="1596887" cy="609600"/>
+          </a:xfrm>
+          <a:prstGeom prst="roundRect">
+            <a:avLst/>
+          </a:prstGeom>
+        </p:spPr>
+        <p:style>
+          <a:lnRef idx="2">
+            <a:schemeClr val="accent6"/>
+          </a:lnRef>
+          <a:fillRef idx="1">
+            <a:schemeClr val="lt1"/>
+          </a:fillRef>
+          <a:effectRef idx="0">
+            <a:schemeClr val="accent6"/>
+          </a:effectRef>
+          <a:fontRef idx="minor">
+            <a:schemeClr val="dk1"/>
+          </a:fontRef>
+        </p:style>
+        <p:txBody>
+          <a:bodyPr rtlCol="0" anchor="ctr"/>
+          <a:lstStyle/>
+          <a:p>
+            <a:pPr algn="ctr"/>
+            <a:r>
+              <a:rPr lang="en-GB" dirty="0"/>
+              <a:t>CIBP&amp;M</a:t>
+            </a:r>
+            <a:endParaRPr lang="en-IN" dirty="0"/>
+          </a:p>
+        </p:txBody>
+      </p:sp>
+      <p:sp>
+        <p:nvSpPr>
+          <p:cNvPr id="7" name="Rectangle: Rounded Corners 6">
+            <a:extLst>
+              <a:ext uri="{FF2B5EF4-FFF2-40B4-BE49-F238E27FC236}">
+                <a16:creationId xmlns:a16="http://schemas.microsoft.com/office/drawing/2014/main" id="{4A132ECA-C733-428F-9A81-1D55952536B7}"/>
+              </a:ext>
+            </a:extLst>
+          </p:cNvPr>
+          <p:cNvSpPr/>
+          <p:nvPr/>
+        </p:nvSpPr>
+        <p:spPr>
+          <a:xfrm>
+            <a:off x="2365512" y="3419060"/>
+            <a:ext cx="1596887" cy="609600"/>
+          </a:xfrm>
+          <a:prstGeom prst="roundRect">
+            <a:avLst/>
+          </a:prstGeom>
+        </p:spPr>
+        <p:style>
+          <a:lnRef idx="2">
+            <a:schemeClr val="accent6"/>
+          </a:lnRef>
+          <a:fillRef idx="1">
+            <a:schemeClr val="lt1"/>
+          </a:fillRef>
+          <a:effectRef idx="0">
+            <a:schemeClr val="accent6"/>
+          </a:effectRef>
+          <a:fontRef idx="minor">
+            <a:schemeClr val="dk1"/>
+          </a:fontRef>
+        </p:style>
+        <p:txBody>
+          <a:bodyPr rtlCol="0" anchor="ctr"/>
+          <a:lstStyle/>
+          <a:p>
+            <a:pPr algn="ctr"/>
+            <a:r>
+              <a:rPr lang="en-GB" dirty="0"/>
+              <a:t>DATA &amp; ML</a:t>
+            </a:r>
+            <a:endParaRPr lang="en-IN" dirty="0"/>
+          </a:p>
+        </p:txBody>
+      </p:sp>
+      <p:sp>
+        <p:nvSpPr>
+          <p:cNvPr id="8" name="Rectangle: Rounded Corners 7">
+            <a:extLst>
+              <a:ext uri="{FF2B5EF4-FFF2-40B4-BE49-F238E27FC236}">
+                <a16:creationId xmlns:a16="http://schemas.microsoft.com/office/drawing/2014/main" id="{2FCE15F3-770C-49AF-A8BE-9FBA6A734BBA}"/>
+              </a:ext>
+            </a:extLst>
+          </p:cNvPr>
+          <p:cNvSpPr/>
+          <p:nvPr/>
+        </p:nvSpPr>
+        <p:spPr>
+          <a:xfrm>
+            <a:off x="541079" y="3419061"/>
+            <a:ext cx="1596887" cy="609600"/>
+          </a:xfrm>
+          <a:prstGeom prst="roundRect">
+            <a:avLst/>
+          </a:prstGeom>
+        </p:spPr>
+        <p:style>
+          <a:lnRef idx="2">
+            <a:schemeClr val="accent6"/>
+          </a:lnRef>
+          <a:fillRef idx="1">
+            <a:schemeClr val="lt1"/>
+          </a:fillRef>
+          <a:effectRef idx="0">
+            <a:schemeClr val="accent6"/>
+          </a:effectRef>
+          <a:fontRef idx="minor">
+            <a:schemeClr val="dk1"/>
+          </a:fontRef>
+        </p:style>
+        <p:txBody>
+          <a:bodyPr rtlCol="0" anchor="ctr"/>
+          <a:lstStyle/>
+          <a:p>
+            <a:pPr algn="ctr"/>
+            <a:r>
+              <a:rPr lang="en-GB" dirty="0"/>
+              <a:t>PLATFORM</a:t>
+            </a:r>
+            <a:endParaRPr lang="en-IN" dirty="0"/>
+          </a:p>
+        </p:txBody>
+      </p:sp>
+      <p:sp>
+        <p:nvSpPr>
+          <p:cNvPr id="9" name="Rectangle: Rounded Corners 8">
+            <a:extLst>
+              <a:ext uri="{FF2B5EF4-FFF2-40B4-BE49-F238E27FC236}">
+                <a16:creationId xmlns:a16="http://schemas.microsoft.com/office/drawing/2014/main" id="{8E6C53D3-6484-450C-9511-BD1D4E5E3312}"/>
+              </a:ext>
+            </a:extLst>
+          </p:cNvPr>
+          <p:cNvSpPr/>
+          <p:nvPr/>
+        </p:nvSpPr>
+        <p:spPr>
+          <a:xfrm>
+            <a:off x="2365512" y="4456248"/>
+            <a:ext cx="1596887" cy="609600"/>
+          </a:xfrm>
+          <a:prstGeom prst="roundRect">
+            <a:avLst/>
+          </a:prstGeom>
+        </p:spPr>
+        <p:style>
+          <a:lnRef idx="2">
+            <a:schemeClr val="accent6"/>
+          </a:lnRef>
+          <a:fillRef idx="1">
+            <a:schemeClr val="lt1"/>
+          </a:fillRef>
+          <a:effectRef idx="0">
+            <a:schemeClr val="accent6"/>
+          </a:effectRef>
+          <a:fontRef idx="minor">
+            <a:schemeClr val="dk1"/>
+          </a:fontRef>
+        </p:style>
+        <p:txBody>
+          <a:bodyPr rtlCol="0" anchor="ctr"/>
+          <a:lstStyle/>
+          <a:p>
+            <a:pPr algn="ctr"/>
+            <a:r>
+              <a:rPr lang="en-GB" dirty="0"/>
+              <a:t>CHANNEL ENABLING</a:t>
+            </a:r>
+            <a:endParaRPr lang="en-IN" dirty="0"/>
+          </a:p>
+        </p:txBody>
+      </p:sp>
+      <p:sp>
+        <p:nvSpPr>
+          <p:cNvPr id="10" name="Rectangle: Rounded Corners 9">
+            <a:extLst>
+              <a:ext uri="{FF2B5EF4-FFF2-40B4-BE49-F238E27FC236}">
+                <a16:creationId xmlns:a16="http://schemas.microsoft.com/office/drawing/2014/main" id="{57B73731-D5B6-44AD-9012-5EDFE6EB7A1B}"/>
+              </a:ext>
+            </a:extLst>
+          </p:cNvPr>
+          <p:cNvSpPr/>
+          <p:nvPr/>
+        </p:nvSpPr>
+        <p:spPr>
+          <a:xfrm>
+            <a:off x="4620991" y="2365460"/>
+            <a:ext cx="1596887" cy="609600"/>
+          </a:xfrm>
+          <a:prstGeom prst="roundRect">
+            <a:avLst/>
+          </a:prstGeom>
+        </p:spPr>
+        <p:style>
+          <a:lnRef idx="2">
+            <a:schemeClr val="accent6"/>
+          </a:lnRef>
+          <a:fillRef idx="1">
+            <a:schemeClr val="lt1"/>
+          </a:fillRef>
+          <a:effectRef idx="0">
+            <a:schemeClr val="accent6"/>
+          </a:effectRef>
+          <a:fontRef idx="minor">
+            <a:schemeClr val="dk1"/>
+          </a:fontRef>
+        </p:style>
+        <p:txBody>
+          <a:bodyPr rtlCol="0" anchor="ctr"/>
+          <a:lstStyle/>
+          <a:p>
+            <a:pPr algn="ctr"/>
+            <a:r>
+              <a:rPr lang="en-GB" dirty="0"/>
+              <a:t>AI &amp; ANALYTICS</a:t>
+            </a:r>
+            <a:endParaRPr lang="en-IN" dirty="0"/>
+          </a:p>
+        </p:txBody>
+      </p:sp>
+      <p:sp>
+        <p:nvSpPr>
+          <p:cNvPr id="11" name="Rectangle: Rounded Corners 10">
+            <a:extLst>
+              <a:ext uri="{FF2B5EF4-FFF2-40B4-BE49-F238E27FC236}">
+                <a16:creationId xmlns:a16="http://schemas.microsoft.com/office/drawing/2014/main" id="{8BC05A65-9F4E-45D6-9446-5D7776EBAFF8}"/>
+              </a:ext>
+            </a:extLst>
+          </p:cNvPr>
+          <p:cNvSpPr/>
+          <p:nvPr/>
+        </p:nvSpPr>
+        <p:spPr>
+          <a:xfrm>
+            <a:off x="4483973" y="3226852"/>
+            <a:ext cx="1870922" cy="994017"/>
+          </a:xfrm>
+          <a:prstGeom prst="roundRect">
+            <a:avLst/>
+          </a:prstGeom>
+        </p:spPr>
+        <p:style>
+          <a:lnRef idx="2">
+            <a:schemeClr val="accent6"/>
+          </a:lnRef>
+          <a:fillRef idx="1">
+            <a:schemeClr val="lt1"/>
+          </a:fillRef>
+          <a:effectRef idx="0">
+            <a:schemeClr val="accent6"/>
+          </a:effectRef>
+          <a:fontRef idx="minor">
+            <a:schemeClr val="dk1"/>
+          </a:fontRef>
+        </p:style>
+        <p:txBody>
+          <a:bodyPr rtlCol="0" anchor="ctr"/>
+          <a:lstStyle/>
+          <a:p>
+            <a:pPr algn="ctr"/>
+            <a:r>
+              <a:rPr lang="en-GB" dirty="0"/>
+              <a:t>ENTERPRISE DATA PROVISIONING</a:t>
+            </a:r>
+            <a:endParaRPr lang="en-IN" dirty="0"/>
+          </a:p>
+        </p:txBody>
+      </p:sp>
+      <p:sp>
+        <p:nvSpPr>
+          <p:cNvPr id="12" name="Rectangle: Rounded Corners 11">
+            <a:extLst>
+              <a:ext uri="{FF2B5EF4-FFF2-40B4-BE49-F238E27FC236}">
+                <a16:creationId xmlns:a16="http://schemas.microsoft.com/office/drawing/2014/main" id="{D9ABD476-2A20-4995-848A-A54F318878BE}"/>
+              </a:ext>
+            </a:extLst>
+          </p:cNvPr>
+          <p:cNvSpPr/>
+          <p:nvPr/>
+        </p:nvSpPr>
+        <p:spPr>
+          <a:xfrm>
+            <a:off x="9285047" y="1891647"/>
+            <a:ext cx="2325759" cy="609600"/>
+          </a:xfrm>
+          <a:prstGeom prst="roundRect">
+            <a:avLst/>
+          </a:prstGeom>
+        </p:spPr>
+        <p:style>
+          <a:lnRef idx="2">
+            <a:schemeClr val="accent6"/>
+          </a:lnRef>
+          <a:fillRef idx="1">
+            <a:schemeClr val="lt1"/>
+          </a:fillRef>
+          <a:effectRef idx="0">
+            <a:schemeClr val="accent6"/>
+          </a:effectRef>
+          <a:fontRef idx="minor">
+            <a:schemeClr val="dk1"/>
+          </a:fontRef>
+        </p:style>
+        <p:txBody>
+          <a:bodyPr rtlCol="0" anchor="ctr"/>
+          <a:lstStyle/>
+          <a:p>
+            <a:pPr algn="ctr"/>
+            <a:r>
+              <a:rPr lang="en-GB" dirty="0"/>
+              <a:t>Tools: MySQL, Python, Java, etc</a:t>
+            </a:r>
+            <a:endParaRPr lang="en-IN" dirty="0"/>
+          </a:p>
+        </p:txBody>
+      </p:sp>
+      <p:sp>
+        <p:nvSpPr>
+          <p:cNvPr id="13" name="Rectangle: Rounded Corners 12">
+            <a:extLst>
+              <a:ext uri="{FF2B5EF4-FFF2-40B4-BE49-F238E27FC236}">
+                <a16:creationId xmlns:a16="http://schemas.microsoft.com/office/drawing/2014/main" id="{AF30BF20-7B54-4620-8B89-BE40FB0F163B}"/>
+              </a:ext>
+            </a:extLst>
+          </p:cNvPr>
+          <p:cNvSpPr/>
+          <p:nvPr/>
+        </p:nvSpPr>
+        <p:spPr>
+          <a:xfrm>
+            <a:off x="9285049" y="2676939"/>
+            <a:ext cx="2325759" cy="609600"/>
+          </a:xfrm>
+          <a:prstGeom prst="roundRect">
+            <a:avLst/>
+          </a:prstGeom>
+        </p:spPr>
+        <p:style>
+          <a:lnRef idx="2">
+            <a:schemeClr val="accent6"/>
+          </a:lnRef>
+          <a:fillRef idx="1">
+            <a:schemeClr val="lt1"/>
+          </a:fillRef>
+          <a:effectRef idx="0">
+            <a:schemeClr val="accent6"/>
+          </a:effectRef>
+          <a:fontRef idx="minor">
+            <a:schemeClr val="dk1"/>
+          </a:fontRef>
+        </p:style>
+        <p:txBody>
+          <a:bodyPr rtlCol="0" anchor="ctr"/>
+          <a:lstStyle/>
+          <a:p>
+            <a:pPr algn="ctr"/>
+            <a:r>
+              <a:rPr lang="en-GB" dirty="0"/>
+              <a:t>Tickets: Win365, GCP DA Personas, etc</a:t>
+            </a:r>
+            <a:endParaRPr lang="en-IN" dirty="0"/>
+          </a:p>
+        </p:txBody>
+      </p:sp>
+      <p:sp>
+        <p:nvSpPr>
+          <p:cNvPr id="14" name="Rectangle: Rounded Corners 13">
+            <a:extLst>
+              <a:ext uri="{FF2B5EF4-FFF2-40B4-BE49-F238E27FC236}">
+                <a16:creationId xmlns:a16="http://schemas.microsoft.com/office/drawing/2014/main" id="{8A833FFF-E301-40F4-9988-361FFDA7A067}"/>
+              </a:ext>
+            </a:extLst>
+          </p:cNvPr>
+          <p:cNvSpPr/>
+          <p:nvPr/>
+        </p:nvSpPr>
+        <p:spPr>
+          <a:xfrm>
+            <a:off x="9285048" y="4247522"/>
+            <a:ext cx="2325759" cy="609600"/>
+          </a:xfrm>
+          <a:prstGeom prst="roundRect">
+            <a:avLst/>
+          </a:prstGeom>
+        </p:spPr>
+        <p:style>
+          <a:lnRef idx="2">
+            <a:schemeClr val="accent6"/>
+          </a:lnRef>
+          <a:fillRef idx="1">
+            <a:schemeClr val="lt1"/>
+          </a:fillRef>
+          <a:effectRef idx="0">
+            <a:schemeClr val="accent6"/>
+          </a:effectRef>
+          <a:fontRef idx="minor">
+            <a:schemeClr val="dk1"/>
+          </a:fontRef>
+        </p:style>
+        <p:txBody>
+          <a:bodyPr rtlCol="0" anchor="ctr"/>
+          <a:lstStyle/>
+          <a:p>
+            <a:pPr algn="ctr"/>
+            <a:r>
+              <a:rPr lang="en-GB" dirty="0"/>
+              <a:t>Tickets: Win365, GCP DE Personas, etc</a:t>
+            </a:r>
+            <a:endParaRPr lang="en-IN" dirty="0"/>
+          </a:p>
+        </p:txBody>
+      </p:sp>
+      <p:sp>
+        <p:nvSpPr>
+          <p:cNvPr id="15" name="Rectangle: Rounded Corners 14">
+            <a:extLst>
+              <a:ext uri="{FF2B5EF4-FFF2-40B4-BE49-F238E27FC236}">
+                <a16:creationId xmlns:a16="http://schemas.microsoft.com/office/drawing/2014/main" id="{7CEB6E63-6D76-42E9-BDCE-83E2C5FA3B74}"/>
+              </a:ext>
+            </a:extLst>
+          </p:cNvPr>
+          <p:cNvSpPr/>
+          <p:nvPr/>
+        </p:nvSpPr>
+        <p:spPr>
+          <a:xfrm>
+            <a:off x="9285048" y="3462231"/>
+            <a:ext cx="2325759" cy="609600"/>
+          </a:xfrm>
+          <a:prstGeom prst="roundRect">
+            <a:avLst/>
+          </a:prstGeom>
+        </p:spPr>
+        <p:style>
+          <a:lnRef idx="2">
+            <a:schemeClr val="accent6"/>
+          </a:lnRef>
+          <a:fillRef idx="1">
+            <a:schemeClr val="lt1"/>
+          </a:fillRef>
+          <a:effectRef idx="0">
+            <a:schemeClr val="accent6"/>
+          </a:effectRef>
+          <a:fontRef idx="minor">
+            <a:schemeClr val="dk1"/>
+          </a:fontRef>
+        </p:style>
+        <p:txBody>
+          <a:bodyPr rtlCol="0" anchor="ctr"/>
+          <a:lstStyle/>
+          <a:p>
+            <a:pPr algn="ctr"/>
+            <a:r>
+              <a:rPr lang="en-GB" dirty="0"/>
+              <a:t>Tools: Git, Python, Java, Ms </a:t>
+            </a:r>
+            <a:r>
+              <a:rPr lang="en-GB" dirty="0" err="1"/>
+              <a:t>VsCode</a:t>
+            </a:r>
+            <a:r>
+              <a:rPr lang="en-GB" dirty="0"/>
+              <a:t>, etc</a:t>
+            </a:r>
+            <a:endParaRPr lang="en-IN" dirty="0"/>
+          </a:p>
+        </p:txBody>
+      </p:sp>
+      <p:sp>
+        <p:nvSpPr>
+          <p:cNvPr id="16" name="Rectangle: Rounded Corners 15">
+            <a:extLst>
+              <a:ext uri="{FF2B5EF4-FFF2-40B4-BE49-F238E27FC236}">
+                <a16:creationId xmlns:a16="http://schemas.microsoft.com/office/drawing/2014/main" id="{40A794F3-6024-4A31-96A6-347661BE1361}"/>
+              </a:ext>
+            </a:extLst>
+          </p:cNvPr>
+          <p:cNvSpPr/>
+          <p:nvPr/>
+        </p:nvSpPr>
+        <p:spPr>
+          <a:xfrm>
+            <a:off x="6953018" y="2372139"/>
+            <a:ext cx="1596887" cy="609600"/>
+          </a:xfrm>
+          <a:prstGeom prst="roundRect">
+            <a:avLst/>
+          </a:prstGeom>
+        </p:spPr>
+        <p:style>
+          <a:lnRef idx="2">
+            <a:schemeClr val="accent6"/>
+          </a:lnRef>
+          <a:fillRef idx="1">
+            <a:schemeClr val="lt1"/>
+          </a:fillRef>
+          <a:effectRef idx="0">
+            <a:schemeClr val="accent6"/>
+          </a:effectRef>
+          <a:fontRef idx="minor">
+            <a:schemeClr val="dk1"/>
+          </a:fontRef>
+        </p:style>
+        <p:txBody>
+          <a:bodyPr rtlCol="0" anchor="ctr"/>
+          <a:lstStyle/>
+          <a:p>
+            <a:pPr algn="ctr"/>
+            <a:r>
+              <a:rPr lang="en-GB" dirty="0"/>
+              <a:t>Data Analysts</a:t>
+            </a:r>
+            <a:endParaRPr lang="en-IN" dirty="0"/>
+          </a:p>
+        </p:txBody>
+      </p:sp>
+      <p:sp>
+        <p:nvSpPr>
+          <p:cNvPr id="17" name="Rectangle: Rounded Corners 16">
+            <a:extLst>
+              <a:ext uri="{FF2B5EF4-FFF2-40B4-BE49-F238E27FC236}">
+                <a16:creationId xmlns:a16="http://schemas.microsoft.com/office/drawing/2014/main" id="{B3984026-55AF-4880-9A18-AFA6A022FFF7}"/>
+              </a:ext>
+            </a:extLst>
+          </p:cNvPr>
+          <p:cNvSpPr/>
+          <p:nvPr/>
+        </p:nvSpPr>
+        <p:spPr>
+          <a:xfrm>
+            <a:off x="6953018" y="3916069"/>
+            <a:ext cx="1747884" cy="609600"/>
+          </a:xfrm>
+          <a:prstGeom prst="roundRect">
+            <a:avLst/>
+          </a:prstGeom>
+        </p:spPr>
+        <p:style>
+          <a:lnRef idx="2">
+            <a:schemeClr val="accent6"/>
+          </a:lnRef>
+          <a:fillRef idx="1">
+            <a:schemeClr val="lt1"/>
+          </a:fillRef>
+          <a:effectRef idx="0">
+            <a:schemeClr val="accent6"/>
+          </a:effectRef>
+          <a:fontRef idx="minor">
+            <a:schemeClr val="dk1"/>
+          </a:fontRef>
+        </p:style>
+        <p:txBody>
+          <a:bodyPr rtlCol="0" anchor="ctr"/>
+          <a:lstStyle/>
+          <a:p>
+            <a:pPr algn="ctr"/>
+            <a:r>
+              <a:rPr lang="en-GB" dirty="0"/>
+              <a:t>Data Engineers</a:t>
+            </a:r>
+            <a:endParaRPr lang="en-IN" dirty="0"/>
+          </a:p>
+        </p:txBody>
+      </p:sp>
+      <p:sp>
+        <p:nvSpPr>
+          <p:cNvPr id="19" name="Rectangle: Rounded Corners 18">
+            <a:extLst>
+              <a:ext uri="{FF2B5EF4-FFF2-40B4-BE49-F238E27FC236}">
+                <a16:creationId xmlns:a16="http://schemas.microsoft.com/office/drawing/2014/main" id="{8F3FBC51-074A-4025-9EC7-31B4B82DA810}"/>
+              </a:ext>
+            </a:extLst>
+          </p:cNvPr>
+          <p:cNvSpPr/>
+          <p:nvPr/>
+        </p:nvSpPr>
+        <p:spPr>
+          <a:xfrm>
+            <a:off x="6953018" y="5549762"/>
+            <a:ext cx="2031956" cy="609600"/>
+          </a:xfrm>
+          <a:prstGeom prst="roundRect">
+            <a:avLst/>
+          </a:prstGeom>
+        </p:spPr>
+        <p:style>
+          <a:lnRef idx="2">
+            <a:schemeClr val="accent6"/>
+          </a:lnRef>
+          <a:fillRef idx="1">
+            <a:schemeClr val="lt1"/>
+          </a:fillRef>
+          <a:effectRef idx="0">
+            <a:schemeClr val="accent6"/>
+          </a:effectRef>
+          <a:fontRef idx="minor">
+            <a:schemeClr val="dk1"/>
+          </a:fontRef>
+        </p:style>
+        <p:txBody>
+          <a:bodyPr rtlCol="0" anchor="ctr"/>
+          <a:lstStyle/>
+          <a:p>
+            <a:pPr algn="ctr"/>
+            <a:r>
+              <a:rPr lang="en-GB" dirty="0"/>
+              <a:t>Platform Engineers</a:t>
+            </a:r>
+            <a:endParaRPr lang="en-IN" dirty="0"/>
+          </a:p>
+        </p:txBody>
+      </p:sp>
+      <p:sp>
+        <p:nvSpPr>
+          <p:cNvPr id="20" name="Rectangle: Rounded Corners 19">
+            <a:extLst>
+              <a:ext uri="{FF2B5EF4-FFF2-40B4-BE49-F238E27FC236}">
+                <a16:creationId xmlns:a16="http://schemas.microsoft.com/office/drawing/2014/main" id="{934A3F3B-45CF-482A-8374-908DD2A2A041}"/>
+              </a:ext>
+            </a:extLst>
+          </p:cNvPr>
+          <p:cNvSpPr/>
+          <p:nvPr/>
+        </p:nvSpPr>
+        <p:spPr>
+          <a:xfrm>
+            <a:off x="9285045" y="5884174"/>
+            <a:ext cx="2325759" cy="609600"/>
+          </a:xfrm>
+          <a:prstGeom prst="roundRect">
+            <a:avLst/>
+          </a:prstGeom>
+        </p:spPr>
+        <p:style>
+          <a:lnRef idx="2">
+            <a:schemeClr val="accent6"/>
+          </a:lnRef>
+          <a:fillRef idx="1">
+            <a:schemeClr val="lt1"/>
+          </a:fillRef>
+          <a:effectRef idx="0">
+            <a:schemeClr val="accent6"/>
+          </a:effectRef>
+          <a:fontRef idx="minor">
+            <a:schemeClr val="dk1"/>
+          </a:fontRef>
+        </p:style>
+        <p:txBody>
+          <a:bodyPr rtlCol="0" anchor="ctr"/>
+          <a:lstStyle/>
+          <a:p>
+            <a:pPr algn="ctr"/>
+            <a:r>
+              <a:rPr lang="en-GB" dirty="0"/>
+              <a:t>Tickets: Win365. GCP PE Personas, etc</a:t>
+            </a:r>
+            <a:endParaRPr lang="en-IN" dirty="0"/>
+          </a:p>
+        </p:txBody>
+      </p:sp>
+      <p:sp>
+        <p:nvSpPr>
+          <p:cNvPr id="21" name="Rectangle: Rounded Corners 20">
+            <a:extLst>
+              <a:ext uri="{FF2B5EF4-FFF2-40B4-BE49-F238E27FC236}">
+                <a16:creationId xmlns:a16="http://schemas.microsoft.com/office/drawing/2014/main" id="{19DE95FF-3D95-4734-9DE7-7993E0B38FEA}"/>
+              </a:ext>
+            </a:extLst>
+          </p:cNvPr>
+          <p:cNvSpPr/>
+          <p:nvPr/>
+        </p:nvSpPr>
+        <p:spPr>
+          <a:xfrm>
+            <a:off x="9285046" y="5065848"/>
+            <a:ext cx="2429876" cy="609600"/>
+          </a:xfrm>
+          <a:prstGeom prst="roundRect">
+            <a:avLst/>
+          </a:prstGeom>
+        </p:spPr>
+        <p:style>
+          <a:lnRef idx="2">
+            <a:schemeClr val="accent6"/>
+          </a:lnRef>
+          <a:fillRef idx="1">
+            <a:schemeClr val="lt1"/>
+          </a:fillRef>
+          <a:effectRef idx="0">
+            <a:schemeClr val="accent6"/>
+          </a:effectRef>
+          <a:fontRef idx="minor">
+            <a:schemeClr val="dk1"/>
+          </a:fontRef>
+        </p:style>
+        <p:txBody>
+          <a:bodyPr rtlCol="0" anchor="ctr"/>
+          <a:lstStyle/>
+          <a:p>
+            <a:pPr algn="ctr"/>
+            <a:r>
+              <a:rPr lang="en-GB" dirty="0"/>
+              <a:t>Tools: Git, Docker, Java, Terraform, IntelliJ, etc</a:t>
+            </a:r>
+            <a:endParaRPr lang="en-IN" dirty="0"/>
+          </a:p>
+        </p:txBody>
+      </p:sp>
+      <p:cxnSp>
+        <p:nvCxnSpPr>
+          <p:cNvPr id="23" name="Straight Arrow Connector 22">
+            <a:extLst>
+              <a:ext uri="{FF2B5EF4-FFF2-40B4-BE49-F238E27FC236}">
+                <a16:creationId xmlns:a16="http://schemas.microsoft.com/office/drawing/2014/main" id="{B1C81CF5-54C8-479E-8BED-2B708A012B12}"/>
+              </a:ext>
+            </a:extLst>
+          </p:cNvPr>
+          <p:cNvCxnSpPr>
+            <a:stCxn id="4" idx="2"/>
+            <a:endCxn id="8" idx="0"/>
+          </p:cNvCxnSpPr>
+          <p:nvPr/>
+        </p:nvCxnSpPr>
+        <p:spPr>
+          <a:xfrm>
+            <a:off x="1339522" y="2806047"/>
+            <a:ext cx="1" cy="613014"/>
+          </a:xfrm>
+          <a:prstGeom prst="straightConnector1">
+            <a:avLst/>
+          </a:prstGeom>
+          <a:ln>
+            <a:tailEnd type="triangle"/>
+          </a:ln>
+        </p:spPr>
+        <p:style>
+          <a:lnRef idx="1">
+            <a:schemeClr val="accent1"/>
+          </a:lnRef>
+          <a:fillRef idx="0">
+            <a:schemeClr val="accent1"/>
+          </a:fillRef>
+          <a:effectRef idx="0">
+            <a:schemeClr val="accent1"/>
+          </a:effectRef>
+          <a:fontRef idx="minor">
+            <a:schemeClr val="tx1"/>
+          </a:fontRef>
+        </p:style>
+      </p:cxnSp>
+      <p:cxnSp>
+        <p:nvCxnSpPr>
+          <p:cNvPr id="25" name="Straight Arrow Connector 24">
+            <a:extLst>
+              <a:ext uri="{FF2B5EF4-FFF2-40B4-BE49-F238E27FC236}">
+                <a16:creationId xmlns:a16="http://schemas.microsoft.com/office/drawing/2014/main" id="{E83FC331-FCED-4E39-B93F-AFB6506B02D7}"/>
+              </a:ext>
+            </a:extLst>
+          </p:cNvPr>
+          <p:cNvCxnSpPr>
+            <a:stCxn id="8" idx="3"/>
+            <a:endCxn id="7" idx="1"/>
+          </p:cNvCxnSpPr>
+          <p:nvPr/>
+        </p:nvCxnSpPr>
+        <p:spPr>
+          <a:xfrm flipV="1">
+            <a:off x="2137966" y="3723860"/>
+            <a:ext cx="227546" cy="1"/>
+          </a:xfrm>
+          <a:prstGeom prst="straightConnector1">
+            <a:avLst/>
+          </a:prstGeom>
+          <a:ln>
+            <a:tailEnd type="triangle"/>
+          </a:ln>
+        </p:spPr>
+        <p:style>
+          <a:lnRef idx="1">
+            <a:schemeClr val="accent1"/>
+          </a:lnRef>
+          <a:fillRef idx="0">
+            <a:schemeClr val="accent1"/>
+          </a:fillRef>
+          <a:effectRef idx="0">
+            <a:schemeClr val="accent1"/>
+          </a:effectRef>
+          <a:fontRef idx="minor">
+            <a:schemeClr val="tx1"/>
+          </a:fontRef>
+        </p:style>
+      </p:cxnSp>
+      <p:cxnSp>
+        <p:nvCxnSpPr>
+          <p:cNvPr id="27" name="Connector: Elbow 26">
+            <a:extLst>
+              <a:ext uri="{FF2B5EF4-FFF2-40B4-BE49-F238E27FC236}">
+                <a16:creationId xmlns:a16="http://schemas.microsoft.com/office/drawing/2014/main" id="{14E1E0EE-0174-4EA2-BF61-893A5F7B4ABF}"/>
+              </a:ext>
+            </a:extLst>
+          </p:cNvPr>
+          <p:cNvCxnSpPr>
+            <a:cxnSpLocks/>
+          </p:cNvCxnSpPr>
+          <p:nvPr/>
+        </p:nvCxnSpPr>
+        <p:spPr>
+          <a:xfrm rot="16200000" flipH="1">
+            <a:off x="1456455" y="3881860"/>
+            <a:ext cx="732387" cy="1025989"/>
+          </a:xfrm>
+          <a:prstGeom prst="bentConnector2">
+            <a:avLst/>
+          </a:prstGeom>
+          <a:ln>
+            <a:tailEnd type="triangle"/>
+          </a:ln>
+        </p:spPr>
+        <p:style>
+          <a:lnRef idx="1">
+            <a:schemeClr val="accent1"/>
+          </a:lnRef>
+          <a:fillRef idx="0">
+            <a:schemeClr val="accent1"/>
+          </a:fillRef>
+          <a:effectRef idx="0">
+            <a:schemeClr val="accent1"/>
+          </a:effectRef>
+          <a:fontRef idx="minor">
+            <a:schemeClr val="tx1"/>
+          </a:fontRef>
+        </p:style>
+      </p:cxnSp>
+      <p:cxnSp>
+        <p:nvCxnSpPr>
+          <p:cNvPr id="31" name="Connector: Elbow 30">
+            <a:extLst>
+              <a:ext uri="{FF2B5EF4-FFF2-40B4-BE49-F238E27FC236}">
+                <a16:creationId xmlns:a16="http://schemas.microsoft.com/office/drawing/2014/main" id="{D9B106F3-DE6C-488A-8937-DCB0B56E9734}"/>
+              </a:ext>
+            </a:extLst>
+          </p:cNvPr>
+          <p:cNvCxnSpPr>
+            <a:endCxn id="6" idx="1"/>
+          </p:cNvCxnSpPr>
+          <p:nvPr/>
+        </p:nvCxnSpPr>
+        <p:spPr>
+          <a:xfrm>
+            <a:off x="1309653" y="4761048"/>
+            <a:ext cx="1055859" cy="1017310"/>
+          </a:xfrm>
+          <a:prstGeom prst="bentConnector3">
+            <a:avLst>
+              <a:gd name="adj1" fmla="val -204"/>
+            </a:avLst>
+          </a:prstGeom>
+          <a:ln>
+            <a:tailEnd type="triangle"/>
+          </a:ln>
+        </p:spPr>
+        <p:style>
+          <a:lnRef idx="1">
+            <a:schemeClr val="accent1"/>
+          </a:lnRef>
+          <a:fillRef idx="0">
+            <a:schemeClr val="accent1"/>
+          </a:fillRef>
+          <a:effectRef idx="0">
+            <a:schemeClr val="accent1"/>
+          </a:effectRef>
+          <a:fontRef idx="minor">
+            <a:schemeClr val="tx1"/>
+          </a:fontRef>
+        </p:style>
+      </p:cxnSp>
+      <p:cxnSp>
+        <p:nvCxnSpPr>
+          <p:cNvPr id="35" name="Straight Arrow Connector 34">
+            <a:extLst>
+              <a:ext uri="{FF2B5EF4-FFF2-40B4-BE49-F238E27FC236}">
+                <a16:creationId xmlns:a16="http://schemas.microsoft.com/office/drawing/2014/main" id="{96C51EAF-EDDA-4BF9-A2DA-C48BD6BA6E44}"/>
+              </a:ext>
+            </a:extLst>
+          </p:cNvPr>
+          <p:cNvCxnSpPr>
+            <a:stCxn id="7" idx="3"/>
+            <a:endCxn id="11" idx="1"/>
+          </p:cNvCxnSpPr>
+          <p:nvPr/>
+        </p:nvCxnSpPr>
+        <p:spPr>
+          <a:xfrm>
+            <a:off x="3962399" y="3723860"/>
+            <a:ext cx="521574" cy="1"/>
+          </a:xfrm>
+          <a:prstGeom prst="straightConnector1">
+            <a:avLst/>
+          </a:prstGeom>
+          <a:ln>
+            <a:tailEnd type="triangle"/>
+          </a:ln>
+        </p:spPr>
+        <p:style>
+          <a:lnRef idx="1">
+            <a:schemeClr val="accent1"/>
+          </a:lnRef>
+          <a:fillRef idx="0">
+            <a:schemeClr val="accent1"/>
+          </a:fillRef>
+          <a:effectRef idx="0">
+            <a:schemeClr val="accent1"/>
+          </a:effectRef>
+          <a:fontRef idx="minor">
+            <a:schemeClr val="tx1"/>
+          </a:fontRef>
+        </p:style>
+      </p:cxnSp>
+      <p:cxnSp>
+        <p:nvCxnSpPr>
+          <p:cNvPr id="37" name="Connector: Elbow 36">
+            <a:extLst>
+              <a:ext uri="{FF2B5EF4-FFF2-40B4-BE49-F238E27FC236}">
+                <a16:creationId xmlns:a16="http://schemas.microsoft.com/office/drawing/2014/main" id="{59B9318D-EEEA-40EB-80A8-54C083980B70}"/>
+              </a:ext>
+            </a:extLst>
+          </p:cNvPr>
+          <p:cNvCxnSpPr>
+            <a:stCxn id="7" idx="0"/>
+            <a:endCxn id="10" idx="1"/>
+          </p:cNvCxnSpPr>
+          <p:nvPr/>
+        </p:nvCxnSpPr>
+        <p:spPr>
+          <a:xfrm rot="5400000" flipH="1" flipV="1">
+            <a:off x="3518073" y="2316143"/>
+            <a:ext cx="748800" cy="1457035"/>
+          </a:xfrm>
+          <a:prstGeom prst="bentConnector2">
+            <a:avLst/>
+          </a:prstGeom>
+          <a:ln>
+            <a:tailEnd type="triangle"/>
+          </a:ln>
+        </p:spPr>
+        <p:style>
+          <a:lnRef idx="1">
+            <a:schemeClr val="accent1"/>
+          </a:lnRef>
+          <a:fillRef idx="0">
+            <a:schemeClr val="accent1"/>
+          </a:fillRef>
+          <a:effectRef idx="0">
+            <a:schemeClr val="accent1"/>
+          </a:effectRef>
+          <a:fontRef idx="minor">
+            <a:schemeClr val="tx1"/>
+          </a:fontRef>
+        </p:style>
+      </p:cxnSp>
+      <p:cxnSp>
+        <p:nvCxnSpPr>
+          <p:cNvPr id="39" name="Straight Arrow Connector 38">
+            <a:extLst>
+              <a:ext uri="{FF2B5EF4-FFF2-40B4-BE49-F238E27FC236}">
+                <a16:creationId xmlns:a16="http://schemas.microsoft.com/office/drawing/2014/main" id="{7AB80B82-58B1-4AD9-BF3F-0FA13C9BC057}"/>
+              </a:ext>
+            </a:extLst>
+          </p:cNvPr>
+          <p:cNvCxnSpPr>
+            <a:stCxn id="10" idx="3"/>
+            <a:endCxn id="16" idx="1"/>
+          </p:cNvCxnSpPr>
+          <p:nvPr/>
+        </p:nvCxnSpPr>
+        <p:spPr>
+          <a:xfrm>
+            <a:off x="6217878" y="2670260"/>
+            <a:ext cx="735140" cy="6679"/>
+          </a:xfrm>
+          <a:prstGeom prst="straightConnector1">
+            <a:avLst/>
+          </a:prstGeom>
+          <a:ln>
+            <a:tailEnd type="triangle"/>
+          </a:ln>
+        </p:spPr>
+        <p:style>
+          <a:lnRef idx="1">
+            <a:schemeClr val="accent1"/>
+          </a:lnRef>
+          <a:fillRef idx="0">
+            <a:schemeClr val="accent1"/>
+          </a:fillRef>
+          <a:effectRef idx="0">
+            <a:schemeClr val="accent1"/>
+          </a:effectRef>
+          <a:fontRef idx="minor">
+            <a:schemeClr val="tx1"/>
+          </a:fontRef>
+        </p:style>
+      </p:cxnSp>
+      <p:cxnSp>
+        <p:nvCxnSpPr>
+          <p:cNvPr id="43" name="Connector: Elbow 42">
+            <a:extLst>
+              <a:ext uri="{FF2B5EF4-FFF2-40B4-BE49-F238E27FC236}">
+                <a16:creationId xmlns:a16="http://schemas.microsoft.com/office/drawing/2014/main" id="{AE2CF788-17C4-4D69-9CC1-2CABB0D63A28}"/>
+              </a:ext>
+            </a:extLst>
+          </p:cNvPr>
+          <p:cNvCxnSpPr>
+            <a:stCxn id="11" idx="3"/>
+            <a:endCxn id="17" idx="0"/>
+          </p:cNvCxnSpPr>
+          <p:nvPr/>
+        </p:nvCxnSpPr>
+        <p:spPr>
+          <a:xfrm>
+            <a:off x="6354895" y="3723861"/>
+            <a:ext cx="1472065" cy="192208"/>
+          </a:xfrm>
+          <a:prstGeom prst="bentConnector2">
+            <a:avLst/>
+          </a:prstGeom>
+          <a:ln>
+            <a:tailEnd type="triangle"/>
+          </a:ln>
+        </p:spPr>
+        <p:style>
+          <a:lnRef idx="1">
+            <a:schemeClr val="accent1"/>
+          </a:lnRef>
+          <a:fillRef idx="0">
+            <a:schemeClr val="accent1"/>
+          </a:fillRef>
+          <a:effectRef idx="0">
+            <a:schemeClr val="accent1"/>
+          </a:effectRef>
+          <a:fontRef idx="minor">
+            <a:schemeClr val="tx1"/>
+          </a:fontRef>
+        </p:style>
+      </p:cxnSp>
+      <p:cxnSp>
+        <p:nvCxnSpPr>
+          <p:cNvPr id="45" name="Connector: Elbow 44">
+            <a:extLst>
+              <a:ext uri="{FF2B5EF4-FFF2-40B4-BE49-F238E27FC236}">
+                <a16:creationId xmlns:a16="http://schemas.microsoft.com/office/drawing/2014/main" id="{98D5BFE5-C7FF-48F3-88D6-A0C1550EC0D3}"/>
+              </a:ext>
+            </a:extLst>
+          </p:cNvPr>
+          <p:cNvCxnSpPr>
+            <a:stCxn id="11" idx="2"/>
+            <a:endCxn id="19" idx="1"/>
+          </p:cNvCxnSpPr>
+          <p:nvPr/>
+        </p:nvCxnSpPr>
+        <p:spPr>
+          <a:xfrm rot="16200000" flipH="1">
+            <a:off x="5369380" y="4270923"/>
+            <a:ext cx="1633693" cy="1533584"/>
+          </a:xfrm>
+          <a:prstGeom prst="bentConnector2">
+            <a:avLst/>
+          </a:prstGeom>
+          <a:ln>
+            <a:tailEnd type="triangle"/>
+          </a:ln>
+        </p:spPr>
+        <p:style>
+          <a:lnRef idx="1">
+            <a:schemeClr val="accent1"/>
+          </a:lnRef>
+          <a:fillRef idx="0">
+            <a:schemeClr val="accent1"/>
+          </a:fillRef>
+          <a:effectRef idx="0">
+            <a:schemeClr val="accent1"/>
+          </a:effectRef>
+          <a:fontRef idx="minor">
+            <a:schemeClr val="tx1"/>
+          </a:fontRef>
+        </p:style>
+      </p:cxnSp>
+      <p:cxnSp>
+        <p:nvCxnSpPr>
+          <p:cNvPr id="47" name="Connector: Elbow 46">
+            <a:extLst>
+              <a:ext uri="{FF2B5EF4-FFF2-40B4-BE49-F238E27FC236}">
+                <a16:creationId xmlns:a16="http://schemas.microsoft.com/office/drawing/2014/main" id="{3CCB6E92-634C-47D3-9409-3424438DD826}"/>
+              </a:ext>
+            </a:extLst>
+          </p:cNvPr>
+          <p:cNvCxnSpPr>
+            <a:stCxn id="16" idx="3"/>
+            <a:endCxn id="12" idx="1"/>
+          </p:cNvCxnSpPr>
+          <p:nvPr/>
+        </p:nvCxnSpPr>
+        <p:spPr>
+          <a:xfrm flipV="1">
+            <a:off x="8549905" y="2196447"/>
+            <a:ext cx="735142" cy="480492"/>
+          </a:xfrm>
+          <a:prstGeom prst="bentConnector3">
+            <a:avLst/>
+          </a:prstGeom>
+          <a:ln>
+            <a:tailEnd type="triangle"/>
+          </a:ln>
+        </p:spPr>
+        <p:style>
+          <a:lnRef idx="1">
+            <a:schemeClr val="accent1"/>
+          </a:lnRef>
+          <a:fillRef idx="0">
+            <a:schemeClr val="accent1"/>
+          </a:fillRef>
+          <a:effectRef idx="0">
+            <a:schemeClr val="accent1"/>
+          </a:effectRef>
+          <a:fontRef idx="minor">
+            <a:schemeClr val="tx1"/>
+          </a:fontRef>
+        </p:style>
+      </p:cxnSp>
+      <p:cxnSp>
+        <p:nvCxnSpPr>
+          <p:cNvPr id="53" name="Connector: Elbow 52">
+            <a:extLst>
+              <a:ext uri="{FF2B5EF4-FFF2-40B4-BE49-F238E27FC236}">
+                <a16:creationId xmlns:a16="http://schemas.microsoft.com/office/drawing/2014/main" id="{78E3F84E-0B33-4194-A564-0B9E89F741A0}"/>
+              </a:ext>
+            </a:extLst>
+          </p:cNvPr>
+          <p:cNvCxnSpPr>
+            <a:stCxn id="17" idx="3"/>
+            <a:endCxn id="15" idx="1"/>
+          </p:cNvCxnSpPr>
+          <p:nvPr/>
+        </p:nvCxnSpPr>
+        <p:spPr>
+          <a:xfrm flipV="1">
+            <a:off x="8700902" y="3767031"/>
+            <a:ext cx="584146" cy="453838"/>
+          </a:xfrm>
+          <a:prstGeom prst="bentConnector3">
+            <a:avLst/>
+          </a:prstGeom>
+          <a:ln>
+            <a:tailEnd type="triangle"/>
+          </a:ln>
+        </p:spPr>
+        <p:style>
+          <a:lnRef idx="1">
+            <a:schemeClr val="accent1"/>
+          </a:lnRef>
+          <a:fillRef idx="0">
+            <a:schemeClr val="accent1"/>
+          </a:fillRef>
+          <a:effectRef idx="0">
+            <a:schemeClr val="accent1"/>
+          </a:effectRef>
+          <a:fontRef idx="minor">
+            <a:schemeClr val="tx1"/>
+          </a:fontRef>
+        </p:style>
+      </p:cxnSp>
+      <p:cxnSp>
+        <p:nvCxnSpPr>
+          <p:cNvPr id="55" name="Connector: Elbow 54">
+            <a:extLst>
+              <a:ext uri="{FF2B5EF4-FFF2-40B4-BE49-F238E27FC236}">
+                <a16:creationId xmlns:a16="http://schemas.microsoft.com/office/drawing/2014/main" id="{2E29DA6B-25B7-4DF2-8C95-54EE988C1DE6}"/>
+              </a:ext>
+            </a:extLst>
+          </p:cNvPr>
+          <p:cNvCxnSpPr>
+            <a:stCxn id="17" idx="3"/>
+            <a:endCxn id="14" idx="1"/>
+          </p:cNvCxnSpPr>
+          <p:nvPr/>
+        </p:nvCxnSpPr>
+        <p:spPr>
+          <a:xfrm>
+            <a:off x="8700902" y="4220869"/>
+            <a:ext cx="584146" cy="331453"/>
+          </a:xfrm>
+          <a:prstGeom prst="bentConnector3">
+            <a:avLst/>
+          </a:prstGeom>
+          <a:ln>
+            <a:tailEnd type="triangle"/>
+          </a:ln>
+        </p:spPr>
+        <p:style>
+          <a:lnRef idx="1">
+            <a:schemeClr val="accent1"/>
+          </a:lnRef>
+          <a:fillRef idx="0">
+            <a:schemeClr val="accent1"/>
+          </a:fillRef>
+          <a:effectRef idx="0">
+            <a:schemeClr val="accent1"/>
+          </a:effectRef>
+          <a:fontRef idx="minor">
+            <a:schemeClr val="tx1"/>
+          </a:fontRef>
+        </p:style>
+      </p:cxnSp>
+      <p:cxnSp>
+        <p:nvCxnSpPr>
+          <p:cNvPr id="57" name="Connector: Elbow 56">
+            <a:extLst>
+              <a:ext uri="{FF2B5EF4-FFF2-40B4-BE49-F238E27FC236}">
+                <a16:creationId xmlns:a16="http://schemas.microsoft.com/office/drawing/2014/main" id="{94C95BE0-FBE9-433F-89EB-7952E727F529}"/>
+              </a:ext>
+            </a:extLst>
+          </p:cNvPr>
+          <p:cNvCxnSpPr>
+            <a:stCxn id="16" idx="3"/>
+            <a:endCxn id="13" idx="1"/>
+          </p:cNvCxnSpPr>
+          <p:nvPr/>
+        </p:nvCxnSpPr>
+        <p:spPr>
+          <a:xfrm>
+            <a:off x="8549905" y="2676939"/>
+            <a:ext cx="735144" cy="304800"/>
+          </a:xfrm>
+          <a:prstGeom prst="bentConnector3">
+            <a:avLst/>
+          </a:prstGeom>
+          <a:ln>
+            <a:tailEnd type="triangle"/>
+          </a:ln>
+        </p:spPr>
+        <p:style>
+          <a:lnRef idx="1">
+            <a:schemeClr val="accent1"/>
+          </a:lnRef>
+          <a:fillRef idx="0">
+            <a:schemeClr val="accent1"/>
+          </a:fillRef>
+          <a:effectRef idx="0">
+            <a:schemeClr val="accent1"/>
+          </a:effectRef>
+          <a:fontRef idx="minor">
+            <a:schemeClr val="tx1"/>
+          </a:fontRef>
+        </p:style>
+      </p:cxnSp>
+      <p:cxnSp>
+        <p:nvCxnSpPr>
+          <p:cNvPr id="59" name="Connector: Elbow 58">
+            <a:extLst>
+              <a:ext uri="{FF2B5EF4-FFF2-40B4-BE49-F238E27FC236}">
+                <a16:creationId xmlns:a16="http://schemas.microsoft.com/office/drawing/2014/main" id="{72D69DDB-44A0-48C6-A23D-6B9CDCDC44A5}"/>
+              </a:ext>
+            </a:extLst>
+          </p:cNvPr>
+          <p:cNvCxnSpPr>
+            <a:cxnSpLocks/>
+            <a:stCxn id="19" idx="3"/>
+            <a:endCxn id="21" idx="1"/>
+          </p:cNvCxnSpPr>
+          <p:nvPr/>
+        </p:nvCxnSpPr>
+        <p:spPr>
+          <a:xfrm flipV="1">
+            <a:off x="8984974" y="5370648"/>
+            <a:ext cx="300072" cy="483914"/>
+          </a:xfrm>
+          <a:prstGeom prst="bentConnector3">
+            <a:avLst/>
+          </a:prstGeom>
+          <a:ln>
+            <a:tailEnd type="triangle"/>
+          </a:ln>
+        </p:spPr>
+        <p:style>
+          <a:lnRef idx="1">
+            <a:schemeClr val="accent1"/>
+          </a:lnRef>
+          <a:fillRef idx="0">
+            <a:schemeClr val="accent1"/>
+          </a:fillRef>
+          <a:effectRef idx="0">
+            <a:schemeClr val="accent1"/>
+          </a:effectRef>
+          <a:fontRef idx="minor">
+            <a:schemeClr val="tx1"/>
+          </a:fontRef>
+        </p:style>
+      </p:cxnSp>
+      <p:cxnSp>
+        <p:nvCxnSpPr>
+          <p:cNvPr id="61" name="Connector: Elbow 60">
+            <a:extLst>
+              <a:ext uri="{FF2B5EF4-FFF2-40B4-BE49-F238E27FC236}">
+                <a16:creationId xmlns:a16="http://schemas.microsoft.com/office/drawing/2014/main" id="{E42A8575-3F9E-4917-89C3-5B8007370C57}"/>
+              </a:ext>
+            </a:extLst>
+          </p:cNvPr>
+          <p:cNvCxnSpPr>
+            <a:stCxn id="19" idx="3"/>
+            <a:endCxn id="20" idx="1"/>
+          </p:cNvCxnSpPr>
+          <p:nvPr/>
+        </p:nvCxnSpPr>
+        <p:spPr>
+          <a:xfrm>
+            <a:off x="8984974" y="5854562"/>
+            <a:ext cx="300071" cy="334412"/>
+          </a:xfrm>
+          <a:prstGeom prst="bentConnector3">
+            <a:avLst/>
+          </a:prstGeom>
+          <a:ln>
+            <a:tailEnd type="triangle"/>
+          </a:ln>
+        </p:spPr>
+        <p:style>
+          <a:lnRef idx="1">
+            <a:schemeClr val="accent1"/>
+          </a:lnRef>
+          <a:fillRef idx="0">
+            <a:schemeClr val="accent1"/>
+          </a:fillRef>
+          <a:effectRef idx="0">
+            <a:schemeClr val="accent1"/>
+          </a:effectRef>
+          <a:fontRef idx="minor">
+            <a:schemeClr val="tx1"/>
+          </a:fontRef>
+        </p:style>
+      </p:cxnSp>
+    </p:spTree>
+    <p:extLst>
+      <p:ext uri="{BB962C8B-B14F-4D97-AF65-F5344CB8AC3E}">
+        <p14:creationId xmlns:p14="http://schemas.microsoft.com/office/powerpoint/2010/main" val="1229178898"/>
+      </p:ext>
+    </p:extLst>
+  </p:cSld>
+  <p:clrMapOvr>
+    <a:masterClrMapping/>
+  </p:clrMapOvr>
+</p:sld>
+</file>
+
+<file path=ppt/slides/slide7.xml><?xml version="1.0" encoding="utf-8"?>
+<p:sld xmlns:a="http://schemas.openxmlformats.org/drawingml/2006/main" xmlns:r="http://schemas.openxmlformats.org/officeDocument/2006/relationships" xmlns:p="http://schemas.openxmlformats.org/presentationml/2006/main">
+  <p:cSld>
+    <p:spTree>
+      <p:nvGrpSpPr>
+        <p:cNvPr id="1" name=""/>
+        <p:cNvGrpSpPr/>
+        <p:nvPr/>
+      </p:nvGrpSpPr>
+      <p:grpSpPr>
+        <a:xfrm>
+          <a:off x="0" y="0"/>
+          <a:ext cx="0" cy="0"/>
+          <a:chOff x="0" y="0"/>
+          <a:chExt cx="0" cy="0"/>
+        </a:xfrm>
+      </p:grpSpPr>
+      <p:sp>
+        <p:nvSpPr>
+          <p:cNvPr id="2" name="Title 1">
+            <a:extLst>
+              <a:ext uri="{FF2B5EF4-FFF2-40B4-BE49-F238E27FC236}">
                 <a16:creationId xmlns:a16="http://schemas.microsoft.com/office/drawing/2014/main" id="{EE9701BD-298B-449B-956F-060BEA3FF60C}"/>
               </a:ext>
             </a:extLst>
@@ -7832,7 +8765,7 @@
 </p:sld>
 </file>
 
-<file path=ppt/slides/slide7.xml><?xml version="1.0" encoding="utf-8"?>
+<file path=ppt/slides/slide8.xml><?xml version="1.0" encoding="utf-8"?>
 <p:sld xmlns:a="http://schemas.openxmlformats.org/drawingml/2006/main" xmlns:r="http://schemas.openxmlformats.org/officeDocument/2006/relationships" xmlns:p="http://schemas.openxmlformats.org/presentationml/2006/main">
   <p:cSld>
     <p:spTree>

--- a/TECH_ENABLERS.pptx
+++ b/TECH_ENABLERS.pptx
@@ -5988,6 +5988,405 @@
           </a:p>
         </p:txBody>
       </p:sp>
+      <p:pic>
+        <p:nvPicPr>
+          <p:cNvPr id="1026" name="Picture 2" descr="Java Logo, symbol, meaning, history, PNG, brand">
+            <a:extLst>
+              <a:ext uri="{FF2B5EF4-FFF2-40B4-BE49-F238E27FC236}">
+                <a16:creationId xmlns:a16="http://schemas.microsoft.com/office/drawing/2014/main" id="{C2F3A1E4-0283-46F0-AB4F-8ECE51BB322A}"/>
+              </a:ext>
+            </a:extLst>
+          </p:cNvPr>
+          <p:cNvPicPr>
+            <a:picLocks noChangeAspect="1" noChangeArrowheads="1"/>
+          </p:cNvPicPr>
+          <p:nvPr/>
+        </p:nvPicPr>
+        <p:blipFill>
+          <a:blip r:embed="rId2">
+            <a:extLst>
+              <a:ext uri="{28A0092B-C50C-407E-A947-70E740481C1C}">
+                <a14:useLocalDpi xmlns:a14="http://schemas.microsoft.com/office/drawing/2010/main" val="0"/>
+              </a:ext>
+            </a:extLst>
+          </a:blip>
+          <a:srcRect/>
+          <a:stretch>
+            <a:fillRect/>
+          </a:stretch>
+        </p:blipFill>
+        <p:spPr bwMode="auto">
+          <a:xfrm>
+            <a:off x="1950937" y="4048356"/>
+            <a:ext cx="1784274" cy="1003654"/>
+          </a:xfrm>
+          <a:prstGeom prst="rect">
+            <a:avLst/>
+          </a:prstGeom>
+          <a:noFill/>
+          <a:extLst>
+            <a:ext uri="{909E8E84-426E-40DD-AFC4-6F175D3DCCD1}">
+              <a14:hiddenFill xmlns:a14="http://schemas.microsoft.com/office/drawing/2010/main">
+                <a:solidFill>
+                  <a:srgbClr val="FFFFFF"/>
+                </a:solidFill>
+              </a14:hiddenFill>
+            </a:ext>
+          </a:extLst>
+        </p:spPr>
+      </p:pic>
+      <p:pic>
+        <p:nvPicPr>
+          <p:cNvPr id="1030" name="Picture 6">
+            <a:extLst>
+              <a:ext uri="{FF2B5EF4-FFF2-40B4-BE49-F238E27FC236}">
+                <a16:creationId xmlns:a16="http://schemas.microsoft.com/office/drawing/2014/main" id="{EAFF6852-07B3-4962-B79B-5175A0B37CC1}"/>
+              </a:ext>
+            </a:extLst>
+          </p:cNvPr>
+          <p:cNvPicPr>
+            <a:picLocks noChangeAspect="1" noChangeArrowheads="1"/>
+          </p:cNvPicPr>
+          <p:nvPr/>
+        </p:nvPicPr>
+        <p:blipFill>
+          <a:blip r:embed="rId3">
+            <a:extLst>
+              <a:ext uri="{28A0092B-C50C-407E-A947-70E740481C1C}">
+                <a14:useLocalDpi xmlns:a14="http://schemas.microsoft.com/office/drawing/2010/main" val="0"/>
+              </a:ext>
+            </a:extLst>
+          </a:blip>
+          <a:srcRect/>
+          <a:stretch>
+            <a:fillRect/>
+          </a:stretch>
+        </p:blipFill>
+        <p:spPr bwMode="auto">
+          <a:xfrm>
+            <a:off x="3281797" y="4163484"/>
+            <a:ext cx="773397" cy="773397"/>
+          </a:xfrm>
+          <a:prstGeom prst="rect">
+            <a:avLst/>
+          </a:prstGeom>
+          <a:noFill/>
+          <a:extLst>
+            <a:ext uri="{909E8E84-426E-40DD-AFC4-6F175D3DCCD1}">
+              <a14:hiddenFill xmlns:a14="http://schemas.microsoft.com/office/drawing/2010/main">
+                <a:solidFill>
+                  <a:srgbClr val="FFFFFF"/>
+                </a:solidFill>
+              </a14:hiddenFill>
+            </a:ext>
+          </a:extLst>
+        </p:spPr>
+      </p:pic>
+      <p:pic>
+        <p:nvPicPr>
+          <p:cNvPr id="1032" name="Picture 8" descr="React native, reactjs, javascript, react, atom, atomic, library icon -  Download on Iconfinder">
+            <a:extLst>
+              <a:ext uri="{FF2B5EF4-FFF2-40B4-BE49-F238E27FC236}">
+                <a16:creationId xmlns:a16="http://schemas.microsoft.com/office/drawing/2014/main" id="{5BD7AF47-DEAC-4D58-905F-5B442C115FE7}"/>
+              </a:ext>
+            </a:extLst>
+          </p:cNvPr>
+          <p:cNvPicPr>
+            <a:picLocks noChangeAspect="1" noChangeArrowheads="1"/>
+          </p:cNvPicPr>
+          <p:nvPr/>
+        </p:nvPicPr>
+        <p:blipFill>
+          <a:blip r:embed="rId4">
+            <a:extLst>
+              <a:ext uri="{28A0092B-C50C-407E-A947-70E740481C1C}">
+                <a14:useLocalDpi xmlns:a14="http://schemas.microsoft.com/office/drawing/2010/main" val="0"/>
+              </a:ext>
+            </a:extLst>
+          </a:blip>
+          <a:srcRect/>
+          <a:stretch>
+            <a:fillRect/>
+          </a:stretch>
+        </p:blipFill>
+        <p:spPr bwMode="auto">
+          <a:xfrm>
+            <a:off x="754022" y="4048356"/>
+            <a:ext cx="937135" cy="937135"/>
+          </a:xfrm>
+          <a:prstGeom prst="rect">
+            <a:avLst/>
+          </a:prstGeom>
+          <a:noFill/>
+          <a:extLst>
+            <a:ext uri="{909E8E84-426E-40DD-AFC4-6F175D3DCCD1}">
+              <a14:hiddenFill xmlns:a14="http://schemas.microsoft.com/office/drawing/2010/main">
+                <a:solidFill>
+                  <a:srgbClr val="FFFFFF"/>
+                </a:solidFill>
+              </a14:hiddenFill>
+            </a:ext>
+          </a:extLst>
+        </p:spPr>
+      </p:pic>
+      <p:pic>
+        <p:nvPicPr>
+          <p:cNvPr id="26" name="Picture 2" descr="Jira Logo and symbol, meaning, history, PNG">
+            <a:extLst>
+              <a:ext uri="{FF2B5EF4-FFF2-40B4-BE49-F238E27FC236}">
+                <a16:creationId xmlns:a16="http://schemas.microsoft.com/office/drawing/2014/main" id="{E24E4867-0549-4AF1-99DE-E83AA53227CB}"/>
+              </a:ext>
+            </a:extLst>
+          </p:cNvPr>
+          <p:cNvPicPr>
+            <a:picLocks noChangeAspect="1" noChangeArrowheads="1"/>
+          </p:cNvPicPr>
+          <p:nvPr/>
+        </p:nvPicPr>
+        <p:blipFill>
+          <a:blip r:embed="rId5">
+            <a:extLst>
+              <a:ext uri="{28A0092B-C50C-407E-A947-70E740481C1C}">
+                <a14:useLocalDpi xmlns:a14="http://schemas.microsoft.com/office/drawing/2010/main" val="0"/>
+              </a:ext>
+            </a:extLst>
+          </a:blip>
+          <a:srcRect/>
+          <a:stretch>
+            <a:fillRect/>
+          </a:stretch>
+        </p:blipFill>
+        <p:spPr bwMode="auto">
+          <a:xfrm>
+            <a:off x="5297757" y="3937237"/>
+            <a:ext cx="1280533" cy="868567"/>
+          </a:xfrm>
+          <a:prstGeom prst="rect">
+            <a:avLst/>
+          </a:prstGeom>
+          <a:noFill/>
+          <a:extLst>
+            <a:ext uri="{909E8E84-426E-40DD-AFC4-6F175D3DCCD1}">
+              <a14:hiddenFill xmlns:a14="http://schemas.microsoft.com/office/drawing/2010/main">
+                <a:solidFill>
+                  <a:srgbClr val="FFFFFF"/>
+                </a:solidFill>
+              </a14:hiddenFill>
+            </a:ext>
+          </a:extLst>
+        </p:spPr>
+      </p:pic>
+      <p:pic>
+        <p:nvPicPr>
+          <p:cNvPr id="28" name="Picture 27">
+            <a:extLst>
+              <a:ext uri="{FF2B5EF4-FFF2-40B4-BE49-F238E27FC236}">
+                <a16:creationId xmlns:a16="http://schemas.microsoft.com/office/drawing/2014/main" id="{45D7A238-E43C-4ABC-97FC-DB8043125304}"/>
+              </a:ext>
+            </a:extLst>
+          </p:cNvPr>
+          <p:cNvPicPr>
+            <a:picLocks noChangeAspect="1"/>
+          </p:cNvPicPr>
+          <p:nvPr/>
+        </p:nvPicPr>
+        <p:blipFill>
+          <a:blip r:embed="rId6"/>
+          <a:stretch>
+            <a:fillRect/>
+          </a:stretch>
+        </p:blipFill>
+        <p:spPr>
+          <a:xfrm>
+            <a:off x="10419707" y="2961948"/>
+            <a:ext cx="675861" cy="675861"/>
+          </a:xfrm>
+          <a:prstGeom prst="rect">
+            <a:avLst/>
+          </a:prstGeom>
+        </p:spPr>
+      </p:pic>
+      <p:pic>
+        <p:nvPicPr>
+          <p:cNvPr id="1034" name="Picture 10" descr="Employee - Free user icons">
+            <a:extLst>
+              <a:ext uri="{FF2B5EF4-FFF2-40B4-BE49-F238E27FC236}">
+                <a16:creationId xmlns:a16="http://schemas.microsoft.com/office/drawing/2014/main" id="{F3C45FFD-9B09-44A6-B4DC-B283698B7FFB}"/>
+              </a:ext>
+            </a:extLst>
+          </p:cNvPr>
+          <p:cNvPicPr>
+            <a:picLocks noChangeAspect="1" noChangeArrowheads="1"/>
+          </p:cNvPicPr>
+          <p:nvPr/>
+        </p:nvPicPr>
+        <p:blipFill>
+          <a:blip r:embed="rId7">
+            <a:extLst>
+              <a:ext uri="{28A0092B-C50C-407E-A947-70E740481C1C}">
+                <a14:useLocalDpi xmlns:a14="http://schemas.microsoft.com/office/drawing/2010/main" val="0"/>
+              </a:ext>
+            </a:extLst>
+          </a:blip>
+          <a:srcRect/>
+          <a:stretch>
+            <a:fillRect/>
+          </a:stretch>
+        </p:blipFill>
+        <p:spPr bwMode="auto">
+          <a:xfrm>
+            <a:off x="10717141" y="5864012"/>
+            <a:ext cx="822586" cy="822586"/>
+          </a:xfrm>
+          <a:prstGeom prst="rect">
+            <a:avLst/>
+          </a:prstGeom>
+          <a:noFill/>
+          <a:extLst>
+            <a:ext uri="{909E8E84-426E-40DD-AFC4-6F175D3DCCD1}">
+              <a14:hiddenFill xmlns:a14="http://schemas.microsoft.com/office/drawing/2010/main">
+                <a:solidFill>
+                  <a:srgbClr val="FFFFFF"/>
+                </a:solidFill>
+              </a14:hiddenFill>
+            </a:ext>
+          </a:extLst>
+        </p:spPr>
+      </p:pic>
+      <p:pic>
+        <p:nvPicPr>
+          <p:cNvPr id="1036" name="Picture 12">
+            <a:extLst>
+              <a:ext uri="{FF2B5EF4-FFF2-40B4-BE49-F238E27FC236}">
+                <a16:creationId xmlns:a16="http://schemas.microsoft.com/office/drawing/2014/main" id="{08CCDEC5-A18B-4717-BC9B-5EA25B01C0F8}"/>
+              </a:ext>
+            </a:extLst>
+          </p:cNvPr>
+          <p:cNvPicPr>
+            <a:picLocks noChangeAspect="1" noChangeArrowheads="1"/>
+          </p:cNvPicPr>
+          <p:nvPr/>
+        </p:nvPicPr>
+        <p:blipFill>
+          <a:blip r:embed="rId8">
+            <a:extLst>
+              <a:ext uri="{28A0092B-C50C-407E-A947-70E740481C1C}">
+                <a14:useLocalDpi xmlns:a14="http://schemas.microsoft.com/office/drawing/2010/main" val="0"/>
+              </a:ext>
+            </a:extLst>
+          </a:blip>
+          <a:srcRect/>
+          <a:stretch>
+            <a:fillRect/>
+          </a:stretch>
+        </p:blipFill>
+        <p:spPr bwMode="auto">
+          <a:xfrm>
+            <a:off x="6788249" y="4091393"/>
+            <a:ext cx="520340" cy="543751"/>
+          </a:xfrm>
+          <a:prstGeom prst="rect">
+            <a:avLst/>
+          </a:prstGeom>
+          <a:noFill/>
+          <a:extLst>
+            <a:ext uri="{909E8E84-426E-40DD-AFC4-6F175D3DCCD1}">
+              <a14:hiddenFill xmlns:a14="http://schemas.microsoft.com/office/drawing/2010/main">
+                <a:solidFill>
+                  <a:srgbClr val="FFFFFF"/>
+                </a:solidFill>
+              </a14:hiddenFill>
+            </a:ext>
+          </a:extLst>
+        </p:spPr>
+      </p:pic>
+      <p:pic>
+        <p:nvPicPr>
+          <p:cNvPr id="30" name="Picture 29">
+            <a:extLst>
+              <a:ext uri="{FF2B5EF4-FFF2-40B4-BE49-F238E27FC236}">
+                <a16:creationId xmlns:a16="http://schemas.microsoft.com/office/drawing/2014/main" id="{72106204-8D4E-4439-8A7E-83CE34501750}"/>
+              </a:ext>
+            </a:extLst>
+          </p:cNvPr>
+          <p:cNvPicPr>
+            <a:picLocks noChangeAspect="1"/>
+          </p:cNvPicPr>
+          <p:nvPr/>
+        </p:nvPicPr>
+        <p:blipFill rotWithShape="1">
+          <a:blip r:embed="rId9"/>
+          <a:srcRect l="13836" t="20766" r="8060" b="20719"/>
+          <a:stretch/>
+        </p:blipFill>
+        <p:spPr>
+          <a:xfrm>
+            <a:off x="1757906" y="2133500"/>
+            <a:ext cx="972866" cy="728867"/>
+          </a:xfrm>
+          <a:prstGeom prst="rect">
+            <a:avLst/>
+          </a:prstGeom>
+        </p:spPr>
+      </p:pic>
+      <p:pic>
+        <p:nvPicPr>
+          <p:cNvPr id="31" name="Picture 30">
+            <a:extLst>
+              <a:ext uri="{FF2B5EF4-FFF2-40B4-BE49-F238E27FC236}">
+                <a16:creationId xmlns:a16="http://schemas.microsoft.com/office/drawing/2014/main" id="{E083BDFB-6AB7-4E59-9410-BB3BEA179CE8}"/>
+              </a:ext>
+            </a:extLst>
+          </p:cNvPr>
+          <p:cNvPicPr>
+            <a:picLocks noChangeAspect="1"/>
+          </p:cNvPicPr>
+          <p:nvPr/>
+        </p:nvPicPr>
+        <p:blipFill rotWithShape="1">
+          <a:blip r:embed="rId10"/>
+          <a:srcRect l="6805" t="6985" r="6804" b="6697"/>
+          <a:stretch/>
+        </p:blipFill>
+        <p:spPr>
+          <a:xfrm>
+            <a:off x="9004693" y="4694687"/>
+            <a:ext cx="321191" cy="323058"/>
+          </a:xfrm>
+          <a:prstGeom prst="rect">
+            <a:avLst/>
+          </a:prstGeom>
+        </p:spPr>
+      </p:pic>
+      <p:pic>
+        <p:nvPicPr>
+          <p:cNvPr id="32" name="Picture 31">
+            <a:extLst>
+              <a:ext uri="{FF2B5EF4-FFF2-40B4-BE49-F238E27FC236}">
+                <a16:creationId xmlns:a16="http://schemas.microsoft.com/office/drawing/2014/main" id="{F85FDBC7-8251-4CB8-98DA-9F39DB24D915}"/>
+              </a:ext>
+            </a:extLst>
+          </p:cNvPr>
+          <p:cNvPicPr>
+            <a:picLocks noChangeAspect="1"/>
+          </p:cNvPicPr>
+          <p:nvPr/>
+        </p:nvPicPr>
+        <p:blipFill rotWithShape="1">
+          <a:blip r:embed="rId10"/>
+          <a:srcRect l="6805" t="6985" r="6804" b="6697"/>
+          <a:stretch/>
+        </p:blipFill>
+        <p:spPr>
+          <a:xfrm>
+            <a:off x="11358289" y="4550182"/>
+            <a:ext cx="321191" cy="323058"/>
+          </a:xfrm>
+          <a:prstGeom prst="rect">
+            <a:avLst/>
+          </a:prstGeom>
+        </p:spPr>
+      </p:pic>
     </p:spTree>
     <p:extLst>
       <p:ext uri="{BB962C8B-B14F-4D97-AF65-F5344CB8AC3E}">

--- a/TECH_ENABLERS.pptx
+++ b/TECH_ENABLERS.pptx
@@ -8,10 +8,10 @@
     <p:sldId id="256" r:id="rId2"/>
     <p:sldId id="257" r:id="rId3"/>
     <p:sldId id="258" r:id="rId4"/>
-    <p:sldId id="263" r:id="rId5"/>
-    <p:sldId id="259" r:id="rId6"/>
-    <p:sldId id="260" r:id="rId7"/>
-    <p:sldId id="261" r:id="rId8"/>
+    <p:sldId id="259" r:id="rId5"/>
+    <p:sldId id="263" r:id="rId6"/>
+    <p:sldId id="261" r:id="rId7"/>
+    <p:sldId id="260" r:id="rId8"/>
     <p:sldId id="262" r:id="rId9"/>
   </p:sldIdLst>
   <p:sldSz cx="12192000" cy="6858000"/>
@@ -5091,7 +5091,7 @@
           <p:cNvPr id="2" name="Title 1">
             <a:extLst>
               <a:ext uri="{FF2B5EF4-FFF2-40B4-BE49-F238E27FC236}">
-                <a16:creationId xmlns:a16="http://schemas.microsoft.com/office/drawing/2014/main" id="{E2C2AFD4-CE6E-4752-A008-0C4EC9862811}"/>
+                <a16:creationId xmlns:a16="http://schemas.microsoft.com/office/drawing/2014/main" id="{80418C4C-1007-428F-BC7F-CC7F7C312492}"/>
               </a:ext>
             </a:extLst>
           </p:cNvPr>
@@ -5109,7 +5109,7 @@
           <a:p>
             <a:r>
               <a:rPr lang="en-GB" dirty="0"/>
-              <a:t>architecture</a:t>
+              <a:t>What are we achieving </a:t>
             </a:r>
             <a:endParaRPr lang="en-IN" dirty="0"/>
           </a:p>
@@ -5117,10 +5117,10 @@
       </p:sp>
       <p:sp>
         <p:nvSpPr>
-          <p:cNvPr id="4" name="Rectangle: Rounded Corners 3">
-            <a:extLst>
-              <a:ext uri="{FF2B5EF4-FFF2-40B4-BE49-F238E27FC236}">
-                <a16:creationId xmlns:a16="http://schemas.microsoft.com/office/drawing/2014/main" id="{89B2B3F7-4090-4267-88B1-EE2059B004A2}"/>
+          <p:cNvPr id="4" name="Rectangle 3">
+            <a:extLst>
+              <a:ext uri="{FF2B5EF4-FFF2-40B4-BE49-F238E27FC236}">
+                <a16:creationId xmlns:a16="http://schemas.microsoft.com/office/drawing/2014/main" id="{5906BA86-6B46-4378-8427-534F133F18C1}"/>
               </a:ext>
             </a:extLst>
           </p:cNvPr>
@@ -5129,10 +5129,10 @@
         </p:nvSpPr>
         <p:spPr>
           <a:xfrm>
-            <a:off x="723177" y="2133500"/>
-            <a:ext cx="969312" cy="728869"/>
-          </a:xfrm>
-          <a:prstGeom prst="roundRect">
+            <a:off x="801757" y="2875722"/>
+            <a:ext cx="2160104" cy="728870"/>
+          </a:xfrm>
+          <a:prstGeom prst="rect">
             <a:avLst/>
           </a:prstGeom>
         </p:spPr>
@@ -5157,7 +5157,7 @@
             <a:pPr algn="ctr"/>
             <a:r>
               <a:rPr lang="en-GB" dirty="0"/>
-              <a:t>Laptop Issued</a:t>
+              <a:t>2 Week</a:t>
             </a:r>
             <a:endParaRPr lang="en-IN" dirty="0"/>
           </a:p>
@@ -5165,10 +5165,10 @@
       </p:sp>
       <p:sp>
         <p:nvSpPr>
-          <p:cNvPr id="5" name="Rectangle: Rounded Corners 4">
-            <a:extLst>
-              <a:ext uri="{FF2B5EF4-FFF2-40B4-BE49-F238E27FC236}">
-                <a16:creationId xmlns:a16="http://schemas.microsoft.com/office/drawing/2014/main" id="{19EABF29-738B-4DAC-A008-A96260EDDF69}"/>
+          <p:cNvPr id="5" name="Rectangle 4">
+            <a:extLst>
+              <a:ext uri="{FF2B5EF4-FFF2-40B4-BE49-F238E27FC236}">
+                <a16:creationId xmlns:a16="http://schemas.microsoft.com/office/drawing/2014/main" id="{CD353850-DD97-47D0-A6AA-1E7DE7D5AC12}"/>
               </a:ext>
             </a:extLst>
           </p:cNvPr>
@@ -5177,10 +5177,10 @@
         </p:nvSpPr>
         <p:spPr>
           <a:xfrm>
-            <a:off x="8438813" y="3279913"/>
-            <a:ext cx="2361709" cy="728869"/>
-          </a:xfrm>
-          <a:prstGeom prst="roundRect">
+            <a:off x="3491948" y="2875722"/>
+            <a:ext cx="2160104" cy="728870"/>
+          </a:xfrm>
+          <a:prstGeom prst="rect">
             <a:avLst/>
           </a:prstGeom>
         </p:spPr>
@@ -5205,7 +5205,7 @@
             <a:pPr algn="ctr"/>
             <a:r>
               <a:rPr lang="en-GB" dirty="0"/>
-              <a:t>Windows Cloud Machine Configured</a:t>
+              <a:t>30 Employees</a:t>
             </a:r>
             <a:endParaRPr lang="en-IN" dirty="0"/>
           </a:p>
@@ -5213,10 +5213,10 @@
       </p:sp>
       <p:sp>
         <p:nvSpPr>
-          <p:cNvPr id="6" name="Rectangle: Rounded Corners 5">
-            <a:extLst>
-              <a:ext uri="{FF2B5EF4-FFF2-40B4-BE49-F238E27FC236}">
-                <a16:creationId xmlns:a16="http://schemas.microsoft.com/office/drawing/2014/main" id="{DA01F13E-BA8B-4A08-8B9E-0905D88F7BBB}"/>
+          <p:cNvPr id="6" name="Rectangle 5">
+            <a:extLst>
+              <a:ext uri="{FF2B5EF4-FFF2-40B4-BE49-F238E27FC236}">
+                <a16:creationId xmlns:a16="http://schemas.microsoft.com/office/drawing/2014/main" id="{859A25A1-0FD2-4571-B97A-DB5773CAB285}"/>
               </a:ext>
             </a:extLst>
           </p:cNvPr>
@@ -5225,10 +5225,10 @@
         </p:nvSpPr>
         <p:spPr>
           <a:xfrm>
-            <a:off x="5381331" y="3279913"/>
-            <a:ext cx="1995406" cy="728869"/>
-          </a:xfrm>
-          <a:prstGeom prst="roundRect">
+            <a:off x="6182139" y="2875722"/>
+            <a:ext cx="2160104" cy="728870"/>
+          </a:xfrm>
+          <a:prstGeom prst="rect">
             <a:avLst/>
           </a:prstGeom>
         </p:spPr>
@@ -5253,14 +5253,14 @@
             <a:pPr algn="ctr"/>
             <a:r>
               <a:rPr lang="en-GB" dirty="0"/>
-              <a:t>One Click </a:t>
+              <a:t>10 Business Days</a:t>
             </a:r>
           </a:p>
           <a:p>
             <a:pPr algn="ctr"/>
             <a:r>
               <a:rPr lang="en-GB" dirty="0"/>
-              <a:t>(Raise Jira Tickets)</a:t>
+              <a:t>2400 Business hours</a:t>
             </a:r>
             <a:endParaRPr lang="en-IN" dirty="0"/>
           </a:p>
@@ -5268,10 +5268,10 @@
       </p:sp>
       <p:sp>
         <p:nvSpPr>
-          <p:cNvPr id="7" name="Rectangle: Rounded Corners 6">
-            <a:extLst>
-              <a:ext uri="{FF2B5EF4-FFF2-40B4-BE49-F238E27FC236}">
-                <a16:creationId xmlns:a16="http://schemas.microsoft.com/office/drawing/2014/main" id="{FDB22524-5D28-496A-A00B-E42786264762}"/>
+          <p:cNvPr id="7" name="Rectangle 6">
+            <a:extLst>
+              <a:ext uri="{FF2B5EF4-FFF2-40B4-BE49-F238E27FC236}">
+                <a16:creationId xmlns:a16="http://schemas.microsoft.com/office/drawing/2014/main" id="{595FA5E7-7F14-4905-9F81-84EA7A00157D}"/>
               </a:ext>
             </a:extLst>
           </p:cNvPr>
@@ -5280,10 +5280,10 @@
         </p:nvSpPr>
         <p:spPr>
           <a:xfrm>
-            <a:off x="2244339" y="3279914"/>
-            <a:ext cx="2074917" cy="728869"/>
-          </a:xfrm>
-          <a:prstGeom prst="roundRect">
+            <a:off x="8984974" y="2875722"/>
+            <a:ext cx="2160104" cy="728870"/>
+          </a:xfrm>
+          <a:prstGeom prst="rect">
             <a:avLst/>
           </a:prstGeom>
         </p:spPr>
@@ -5308,22 +5308,7 @@
             <a:pPr algn="ctr"/>
             <a:r>
               <a:rPr lang="en-GB" dirty="0"/>
-              <a:t>App Installed</a:t>
-            </a:r>
-          </a:p>
-          <a:p>
-            <a:pPr algn="ctr"/>
-            <a:r>
-              <a:rPr lang="en-GB" dirty="0"/>
-              <a:t>(Java &amp; </a:t>
-            </a:r>
-            <a:r>
-              <a:rPr lang="en-GB" dirty="0" err="1"/>
-              <a:t>Powershell</a:t>
-            </a:r>
-            <a:r>
-              <a:rPr lang="en-GB" dirty="0"/>
-              <a:t>)</a:t>
+              <a:t>120,000 Pounds</a:t>
             </a:r>
             <a:endParaRPr lang="en-IN" dirty="0"/>
           </a:p>
@@ -5331,10 +5316,10 @@
       </p:sp>
       <p:sp>
         <p:nvSpPr>
-          <p:cNvPr id="8" name="Rectangle: Rounded Corners 7">
-            <a:extLst>
-              <a:ext uri="{FF2B5EF4-FFF2-40B4-BE49-F238E27FC236}">
-                <a16:creationId xmlns:a16="http://schemas.microsoft.com/office/drawing/2014/main" id="{0609B60F-F4EE-440A-865C-032BD3339B3F}"/>
+          <p:cNvPr id="8" name="Rectangle 7">
+            <a:extLst>
+              <a:ext uri="{FF2B5EF4-FFF2-40B4-BE49-F238E27FC236}">
+                <a16:creationId xmlns:a16="http://schemas.microsoft.com/office/drawing/2014/main" id="{10AAD9DB-BDE6-43EF-AD3F-FF40FA5FC156}"/>
               </a:ext>
             </a:extLst>
           </p:cNvPr>
@@ -5343,10 +5328,10 @@
         </p:nvSpPr>
         <p:spPr>
           <a:xfrm>
-            <a:off x="573614" y="3279915"/>
-            <a:ext cx="1268438" cy="728869"/>
-          </a:xfrm>
-          <a:prstGeom prst="roundRect">
+            <a:off x="801757" y="5294244"/>
+            <a:ext cx="2160104" cy="728870"/>
+          </a:xfrm>
+          <a:prstGeom prst="rect">
             <a:avLst/>
           </a:prstGeom>
         </p:spPr>
@@ -5371,14 +5356,15 @@
             <a:pPr algn="ctr"/>
             <a:r>
               <a:rPr lang="en-GB" dirty="0"/>
-              <a:t>One Click</a:t>
-            </a:r>
-          </a:p>
-          <a:p>
-            <a:pPr algn="ctr"/>
+              <a:t>2</a:t>
+            </a:r>
+            <a:r>
+              <a:rPr lang="en-GB"/>
+              <a:t> </a:t>
+            </a:r>
             <a:r>
               <a:rPr lang="en-GB" dirty="0"/>
-              <a:t>(React FE)</a:t>
+              <a:t>Week</a:t>
             </a:r>
             <a:endParaRPr lang="en-IN" dirty="0"/>
           </a:p>
@@ -5386,10 +5372,10 @@
       </p:sp>
       <p:sp>
         <p:nvSpPr>
-          <p:cNvPr id="9" name="Rectangle: Rounded Corners 8">
-            <a:extLst>
-              <a:ext uri="{FF2B5EF4-FFF2-40B4-BE49-F238E27FC236}">
-                <a16:creationId xmlns:a16="http://schemas.microsoft.com/office/drawing/2014/main" id="{1BA1A2B8-41ED-45E2-96C2-C18527E0AC8E}"/>
+          <p:cNvPr id="9" name="Rectangle 8">
+            <a:extLst>
+              <a:ext uri="{FF2B5EF4-FFF2-40B4-BE49-F238E27FC236}">
+                <a16:creationId xmlns:a16="http://schemas.microsoft.com/office/drawing/2014/main" id="{204039FC-1A9D-4558-9989-4C616254CB11}"/>
               </a:ext>
             </a:extLst>
           </p:cNvPr>
@@ -5398,10 +5384,10 @@
         </p:nvSpPr>
         <p:spPr>
           <a:xfrm>
-            <a:off x="10053678" y="4635144"/>
-            <a:ext cx="1557130" cy="1013800"/>
-          </a:xfrm>
-          <a:prstGeom prst="roundRect">
+            <a:off x="3491948" y="5294244"/>
+            <a:ext cx="2160104" cy="728870"/>
+          </a:xfrm>
+          <a:prstGeom prst="rect">
             <a:avLst/>
           </a:prstGeom>
         </p:spPr>
@@ -5426,255 +5412,30 @@
             <a:pPr algn="ctr"/>
             <a:r>
               <a:rPr lang="en-GB" dirty="0"/>
-              <a:t>Raise Jira tickets for project </a:t>
+              <a:t>30 Employees</a:t>
             </a:r>
             <a:endParaRPr lang="en-IN" dirty="0"/>
           </a:p>
         </p:txBody>
       </p:sp>
-      <p:cxnSp>
-        <p:nvCxnSpPr>
-          <p:cNvPr id="11" name="Straight Arrow Connector 10">
-            <a:extLst>
-              <a:ext uri="{FF2B5EF4-FFF2-40B4-BE49-F238E27FC236}">
-                <a16:creationId xmlns:a16="http://schemas.microsoft.com/office/drawing/2014/main" id="{2A01E80E-6B01-4A91-ADA5-101EA2FB5803}"/>
-              </a:ext>
-            </a:extLst>
-          </p:cNvPr>
-          <p:cNvCxnSpPr>
-            <a:stCxn id="4" idx="2"/>
-            <a:endCxn id="8" idx="0"/>
-          </p:cNvCxnSpPr>
-          <p:nvPr/>
-        </p:nvCxnSpPr>
-        <p:spPr>
-          <a:xfrm>
-            <a:off x="1207833" y="2862369"/>
-            <a:ext cx="0" cy="417546"/>
-          </a:xfrm>
-          <a:prstGeom prst="straightConnector1">
-            <a:avLst/>
-          </a:prstGeom>
-          <a:ln>
-            <a:tailEnd type="triangle"/>
-          </a:ln>
-        </p:spPr>
-        <p:style>
-          <a:lnRef idx="1">
-            <a:schemeClr val="accent1"/>
-          </a:lnRef>
-          <a:fillRef idx="0">
-            <a:schemeClr val="accent1"/>
-          </a:fillRef>
-          <a:effectRef idx="0">
-            <a:schemeClr val="accent1"/>
-          </a:effectRef>
-          <a:fontRef idx="minor">
-            <a:schemeClr val="tx1"/>
-          </a:fontRef>
-        </p:style>
-      </p:cxnSp>
-      <p:cxnSp>
-        <p:nvCxnSpPr>
-          <p:cNvPr id="14" name="Straight Arrow Connector 13">
-            <a:extLst>
-              <a:ext uri="{FF2B5EF4-FFF2-40B4-BE49-F238E27FC236}">
-                <a16:creationId xmlns:a16="http://schemas.microsoft.com/office/drawing/2014/main" id="{68C156A0-AC93-4B14-86FD-B02D0B85475D}"/>
-              </a:ext>
-            </a:extLst>
-          </p:cNvPr>
-          <p:cNvCxnSpPr>
-            <a:stCxn id="8" idx="3"/>
-            <a:endCxn id="7" idx="1"/>
-          </p:cNvCxnSpPr>
-          <p:nvPr/>
-        </p:nvCxnSpPr>
-        <p:spPr>
-          <a:xfrm flipV="1">
-            <a:off x="1842052" y="3644349"/>
-            <a:ext cx="402287" cy="1"/>
-          </a:xfrm>
-          <a:prstGeom prst="straightConnector1">
-            <a:avLst/>
-          </a:prstGeom>
-          <a:ln>
-            <a:tailEnd type="triangle"/>
-          </a:ln>
-        </p:spPr>
-        <p:style>
-          <a:lnRef idx="1">
-            <a:schemeClr val="accent1"/>
-          </a:lnRef>
-          <a:fillRef idx="0">
-            <a:schemeClr val="accent1"/>
-          </a:fillRef>
-          <a:effectRef idx="0">
-            <a:schemeClr val="accent1"/>
-          </a:effectRef>
-          <a:fontRef idx="minor">
-            <a:schemeClr val="tx1"/>
-          </a:fontRef>
-        </p:style>
-      </p:cxnSp>
-      <p:cxnSp>
-        <p:nvCxnSpPr>
-          <p:cNvPr id="16" name="Straight Arrow Connector 15">
-            <a:extLst>
-              <a:ext uri="{FF2B5EF4-FFF2-40B4-BE49-F238E27FC236}">
-                <a16:creationId xmlns:a16="http://schemas.microsoft.com/office/drawing/2014/main" id="{73432A22-B669-4EE0-99CA-22B2DBF83C1D}"/>
-              </a:ext>
-            </a:extLst>
-          </p:cNvPr>
-          <p:cNvCxnSpPr>
-            <a:stCxn id="7" idx="3"/>
-            <a:endCxn id="6" idx="1"/>
-          </p:cNvCxnSpPr>
-          <p:nvPr/>
-        </p:nvCxnSpPr>
-        <p:spPr>
-          <a:xfrm flipV="1">
-            <a:off x="4319256" y="3644348"/>
-            <a:ext cx="1062075" cy="1"/>
-          </a:xfrm>
-          <a:prstGeom prst="straightConnector1">
-            <a:avLst/>
-          </a:prstGeom>
-          <a:ln>
-            <a:tailEnd type="triangle"/>
-          </a:ln>
-        </p:spPr>
-        <p:style>
-          <a:lnRef idx="1">
-            <a:schemeClr val="accent1"/>
-          </a:lnRef>
-          <a:fillRef idx="0">
-            <a:schemeClr val="accent1"/>
-          </a:fillRef>
-          <a:effectRef idx="0">
-            <a:schemeClr val="accent1"/>
-          </a:effectRef>
-          <a:fontRef idx="minor">
-            <a:schemeClr val="tx1"/>
-          </a:fontRef>
-        </p:style>
-      </p:cxnSp>
-      <p:sp>
-        <p:nvSpPr>
-          <p:cNvPr id="20" name="TextBox 19">
-            <a:extLst>
-              <a:ext uri="{FF2B5EF4-FFF2-40B4-BE49-F238E27FC236}">
-                <a16:creationId xmlns:a16="http://schemas.microsoft.com/office/drawing/2014/main" id="{88054BF7-C638-4F6C-9939-B140FEE011E6}"/>
-              </a:ext>
-            </a:extLst>
-          </p:cNvPr>
-          <p:cNvSpPr txBox="1"/>
-          <p:nvPr/>
-        </p:nvSpPr>
-        <p:spPr>
-          <a:xfrm>
-            <a:off x="4357144" y="3321181"/>
-            <a:ext cx="974947" cy="646331"/>
+      <p:sp>
+        <p:nvSpPr>
+          <p:cNvPr id="10" name="Rectangle 9">
+            <a:extLst>
+              <a:ext uri="{FF2B5EF4-FFF2-40B4-BE49-F238E27FC236}">
+                <a16:creationId xmlns:a16="http://schemas.microsoft.com/office/drawing/2014/main" id="{DCF2A78A-84C9-4CF9-8C7F-63C8F9F8A3EB}"/>
+              </a:ext>
+            </a:extLst>
+          </p:cNvPr>
+          <p:cNvSpPr/>
+          <p:nvPr/>
+        </p:nvSpPr>
+        <p:spPr>
+          <a:xfrm>
+            <a:off x="6182139" y="5284305"/>
+            <a:ext cx="2160104" cy="728870"/>
           </a:xfrm>
           <a:prstGeom prst="rect">
-            <a:avLst/>
-          </a:prstGeom>
-          <a:noFill/>
-        </p:spPr>
-        <p:txBody>
-          <a:bodyPr wrap="none" rtlCol="0">
-            <a:spAutoFit/>
-          </a:bodyPr>
-          <a:lstStyle/>
-          <a:p>
-            <a:pPr algn="ctr"/>
-            <a:r>
-              <a:rPr lang="en-GB" dirty="0">
-                <a:solidFill>
-                  <a:srgbClr val="FF0000"/>
-                </a:solidFill>
-              </a:rPr>
-              <a:t>Mobile</a:t>
-            </a:r>
-          </a:p>
-          <a:p>
-            <a:pPr algn="ctr"/>
-            <a:r>
-              <a:rPr lang="en-GB" dirty="0">
-                <a:solidFill>
-                  <a:srgbClr val="FF0000"/>
-                </a:solidFill>
-              </a:rPr>
-              <a:t>Number</a:t>
-            </a:r>
-            <a:endParaRPr lang="en-IN" dirty="0">
-              <a:solidFill>
-                <a:srgbClr val="FF0000"/>
-              </a:solidFill>
-            </a:endParaRPr>
-          </a:p>
-        </p:txBody>
-      </p:sp>
-      <p:cxnSp>
-        <p:nvCxnSpPr>
-          <p:cNvPr id="22" name="Straight Arrow Connector 21">
-            <a:extLst>
-              <a:ext uri="{FF2B5EF4-FFF2-40B4-BE49-F238E27FC236}">
-                <a16:creationId xmlns:a16="http://schemas.microsoft.com/office/drawing/2014/main" id="{D5BB0851-1F2B-442B-AF86-358994C2C98A}"/>
-              </a:ext>
-            </a:extLst>
-          </p:cNvPr>
-          <p:cNvCxnSpPr>
-            <a:cxnSpLocks/>
-            <a:stCxn id="6" idx="3"/>
-            <a:endCxn id="5" idx="1"/>
-          </p:cNvCxnSpPr>
-          <p:nvPr/>
-        </p:nvCxnSpPr>
-        <p:spPr>
-          <a:xfrm>
-            <a:off x="7376737" y="3644348"/>
-            <a:ext cx="1062076" cy="0"/>
-          </a:xfrm>
-          <a:prstGeom prst="straightConnector1">
-            <a:avLst/>
-          </a:prstGeom>
-          <a:ln>
-            <a:tailEnd type="triangle"/>
-          </a:ln>
-        </p:spPr>
-        <p:style>
-          <a:lnRef idx="1">
-            <a:schemeClr val="accent1"/>
-          </a:lnRef>
-          <a:fillRef idx="0">
-            <a:schemeClr val="accent1"/>
-          </a:fillRef>
-          <a:effectRef idx="0">
-            <a:schemeClr val="accent1"/>
-          </a:effectRef>
-          <a:fontRef idx="minor">
-            <a:schemeClr val="tx1"/>
-          </a:fontRef>
-        </p:style>
-      </p:cxnSp>
-      <p:sp>
-        <p:nvSpPr>
-          <p:cNvPr id="24" name="Rectangle: Rounded Corners 23">
-            <a:extLst>
-              <a:ext uri="{FF2B5EF4-FFF2-40B4-BE49-F238E27FC236}">
-                <a16:creationId xmlns:a16="http://schemas.microsoft.com/office/drawing/2014/main" id="{604CEFB0-16DE-4F00-9340-46E41C1BC963}"/>
-              </a:ext>
-            </a:extLst>
-          </p:cNvPr>
-          <p:cNvSpPr/>
-          <p:nvPr/>
-        </p:nvSpPr>
-        <p:spPr>
-          <a:xfrm>
-            <a:off x="7666383" y="4777610"/>
-            <a:ext cx="1557130" cy="728869"/>
-          </a:xfrm>
-          <a:prstGeom prst="roundRect">
             <a:avLst/>
           </a:prstGeom>
         </p:spPr>
@@ -5698,8 +5459,19 @@
           <a:p>
             <a:pPr algn="ctr"/>
             <a:r>
+              <a:rPr lang="en-GB"/>
+              <a:t>2 </a:t>
+            </a:r>
+            <a:r>
               <a:rPr lang="en-GB" dirty="0"/>
-              <a:t>Application Installation</a:t>
+              <a:t>Business Days</a:t>
+            </a:r>
+          </a:p>
+          <a:p>
+            <a:pPr algn="ctr"/>
+            <a:r>
+              <a:rPr lang="en-GB" dirty="0"/>
+              <a:t>10 Business hours</a:t>
             </a:r>
             <a:endParaRPr lang="en-IN" dirty="0"/>
           </a:p>
@@ -5707,10 +5479,10 @@
       </p:sp>
       <p:sp>
         <p:nvSpPr>
-          <p:cNvPr id="25" name="Rectangle: Rounded Corners 24">
-            <a:extLst>
-              <a:ext uri="{FF2B5EF4-FFF2-40B4-BE49-F238E27FC236}">
-                <a16:creationId xmlns:a16="http://schemas.microsoft.com/office/drawing/2014/main" id="{007C4646-9A5B-42E9-8618-BB839F9642CF}"/>
+          <p:cNvPr id="11" name="Rectangle 10">
+            <a:extLst>
+              <a:ext uri="{FF2B5EF4-FFF2-40B4-BE49-F238E27FC236}">
+                <a16:creationId xmlns:a16="http://schemas.microsoft.com/office/drawing/2014/main" id="{8C3CB5AC-52AA-48F7-95C4-7BBEBE318FDB}"/>
               </a:ext>
             </a:extLst>
           </p:cNvPr>
@@ -5719,10 +5491,10 @@
         </p:nvSpPr>
         <p:spPr>
           <a:xfrm>
-            <a:off x="8565657" y="5910871"/>
-            <a:ext cx="2108020" cy="728869"/>
-          </a:xfrm>
-          <a:prstGeom prst="roundRect">
+            <a:off x="8984974" y="5294244"/>
+            <a:ext cx="2160104" cy="728870"/>
+          </a:xfrm>
+          <a:prstGeom prst="rect">
             <a:avLst/>
           </a:prstGeom>
         </p:spPr>
@@ -5746,42 +5518,173 @@
           <a:p>
             <a:pPr algn="ctr"/>
             <a:r>
-              <a:rPr lang="en-GB" dirty="0">
-                <a:solidFill>
-                  <a:srgbClr val="00B050"/>
-                </a:solidFill>
-              </a:rPr>
-              <a:t>Employee productivity begins</a:t>
-            </a:r>
-            <a:endParaRPr lang="en-IN" dirty="0">
-              <a:solidFill>
-                <a:srgbClr val="00B050"/>
-              </a:solidFill>
-            </a:endParaRPr>
+              <a:rPr lang="en-GB" dirty="0"/>
+              <a:t>500 Pounds</a:t>
+            </a:r>
+            <a:endParaRPr lang="en-IN" dirty="0"/>
           </a:p>
         </p:txBody>
       </p:sp>
       <p:cxnSp>
         <p:nvCxnSpPr>
-          <p:cNvPr id="27" name="Connector: Elbow 26">
-            <a:extLst>
-              <a:ext uri="{FF2B5EF4-FFF2-40B4-BE49-F238E27FC236}">
-                <a16:creationId xmlns:a16="http://schemas.microsoft.com/office/drawing/2014/main" id="{2AC9417F-55F4-4CDA-AF4D-EF80C4A81F69}"/>
+          <p:cNvPr id="13" name="Straight Arrow Connector 12">
+            <a:extLst>
+              <a:ext uri="{FF2B5EF4-FFF2-40B4-BE49-F238E27FC236}">
+                <a16:creationId xmlns:a16="http://schemas.microsoft.com/office/drawing/2014/main" id="{297D23AE-8A93-4FA4-992D-EFECB1ACC656}"/>
               </a:ext>
             </a:extLst>
           </p:cNvPr>
           <p:cNvCxnSpPr>
-            <a:stCxn id="5" idx="2"/>
-            <a:endCxn id="24" idx="0"/>
+            <a:stCxn id="7" idx="2"/>
+            <a:endCxn id="11" idx="0"/>
           </p:cNvCxnSpPr>
           <p:nvPr/>
         </p:nvCxnSpPr>
         <p:spPr>
-          <a:xfrm rot="5400000">
-            <a:off x="8647894" y="3805836"/>
-            <a:ext cx="768828" cy="1174720"/>
-          </a:xfrm>
-          <a:prstGeom prst="bentConnector3">
+          <a:xfrm>
+            <a:off x="10065026" y="3604592"/>
+            <a:ext cx="0" cy="1679713"/>
+          </a:xfrm>
+          <a:prstGeom prst="straightConnector1">
+            <a:avLst/>
+          </a:prstGeom>
+          <a:ln>
+            <a:headEnd type="triangle"/>
+            <a:tailEnd type="triangle"/>
+          </a:ln>
+        </p:spPr>
+        <p:style>
+          <a:lnRef idx="1">
+            <a:schemeClr val="accent1"/>
+          </a:lnRef>
+          <a:fillRef idx="0">
+            <a:schemeClr val="accent1"/>
+          </a:fillRef>
+          <a:effectRef idx="0">
+            <a:schemeClr val="accent1"/>
+          </a:effectRef>
+          <a:fontRef idx="minor">
+            <a:schemeClr val="tx1"/>
+          </a:fontRef>
+        </p:style>
+      </p:cxnSp>
+      <p:sp>
+        <p:nvSpPr>
+          <p:cNvPr id="14" name="Oval 13">
+            <a:extLst>
+              <a:ext uri="{FF2B5EF4-FFF2-40B4-BE49-F238E27FC236}">
+                <a16:creationId xmlns:a16="http://schemas.microsoft.com/office/drawing/2014/main" id="{5EA9E0A8-8FF5-4946-9556-A6B8B043D150}"/>
+              </a:ext>
+            </a:extLst>
+          </p:cNvPr>
+          <p:cNvSpPr/>
+          <p:nvPr/>
+        </p:nvSpPr>
+        <p:spPr>
+          <a:xfrm>
+            <a:off x="10071655" y="3976180"/>
+            <a:ext cx="1716155" cy="728870"/>
+          </a:xfrm>
+          <a:prstGeom prst="ellipse">
+            <a:avLst/>
+          </a:prstGeom>
+        </p:spPr>
+        <p:style>
+          <a:lnRef idx="2">
+            <a:schemeClr val="accent6"/>
+          </a:lnRef>
+          <a:fillRef idx="1">
+            <a:schemeClr val="lt1"/>
+          </a:fillRef>
+          <a:effectRef idx="0">
+            <a:schemeClr val="accent6"/>
+          </a:effectRef>
+          <a:fontRef idx="minor">
+            <a:schemeClr val="dk1"/>
+          </a:fontRef>
+        </p:style>
+        <p:txBody>
+          <a:bodyPr rtlCol="0" anchor="ctr"/>
+          <a:lstStyle/>
+          <a:p>
+            <a:pPr algn="ctr"/>
+            <a:r>
+              <a:rPr lang="en-GB" dirty="0"/>
+              <a:t>119500 Pounds </a:t>
+            </a:r>
+            <a:endParaRPr lang="en-IN" dirty="0"/>
+          </a:p>
+        </p:txBody>
+      </p:sp>
+      <p:sp>
+        <p:nvSpPr>
+          <p:cNvPr id="15" name="Oval 14">
+            <a:extLst>
+              <a:ext uri="{FF2B5EF4-FFF2-40B4-BE49-F238E27FC236}">
+                <a16:creationId xmlns:a16="http://schemas.microsoft.com/office/drawing/2014/main" id="{0557BB5C-02A6-412C-B689-C45CBBA1A8B7}"/>
+              </a:ext>
+            </a:extLst>
+          </p:cNvPr>
+          <p:cNvSpPr/>
+          <p:nvPr/>
+        </p:nvSpPr>
+        <p:spPr>
+          <a:xfrm>
+            <a:off x="10310194" y="4627194"/>
+            <a:ext cx="1278833" cy="369404"/>
+          </a:xfrm>
+          <a:prstGeom prst="ellipse">
+            <a:avLst/>
+          </a:prstGeom>
+        </p:spPr>
+        <p:style>
+          <a:lnRef idx="2">
+            <a:schemeClr val="accent6"/>
+          </a:lnRef>
+          <a:fillRef idx="1">
+            <a:schemeClr val="lt1"/>
+          </a:fillRef>
+          <a:effectRef idx="0">
+            <a:schemeClr val="accent6"/>
+          </a:effectRef>
+          <a:fontRef idx="minor">
+            <a:schemeClr val="dk1"/>
+          </a:fontRef>
+        </p:style>
+        <p:txBody>
+          <a:bodyPr rtlCol="0" anchor="ctr"/>
+          <a:lstStyle/>
+          <a:p>
+            <a:pPr algn="ctr"/>
+            <a:r>
+              <a:rPr lang="en-GB" dirty="0"/>
+              <a:t>SAVED</a:t>
+            </a:r>
+            <a:endParaRPr lang="en-IN" dirty="0"/>
+          </a:p>
+        </p:txBody>
+      </p:sp>
+      <p:cxnSp>
+        <p:nvCxnSpPr>
+          <p:cNvPr id="17" name="Straight Arrow Connector 16">
+            <a:extLst>
+              <a:ext uri="{FF2B5EF4-FFF2-40B4-BE49-F238E27FC236}">
+                <a16:creationId xmlns:a16="http://schemas.microsoft.com/office/drawing/2014/main" id="{6DD170E5-C04F-4B34-83E9-E570D2E262F6}"/>
+              </a:ext>
+            </a:extLst>
+          </p:cNvPr>
+          <p:cNvCxnSpPr>
+            <a:stCxn id="4" idx="3"/>
+            <a:endCxn id="5" idx="1"/>
+          </p:cNvCxnSpPr>
+          <p:nvPr/>
+        </p:nvCxnSpPr>
+        <p:spPr>
+          <a:xfrm>
+            <a:off x="2961861" y="3240157"/>
+            <a:ext cx="530087" cy="0"/>
+          </a:xfrm>
+          <a:prstGeom prst="straightConnector1">
             <a:avLst/>
           </a:prstGeom>
           <a:ln>
@@ -5805,28 +5708,26 @@
       </p:cxnSp>
       <p:cxnSp>
         <p:nvCxnSpPr>
-          <p:cNvPr id="29" name="Connector: Elbow 28">
-            <a:extLst>
-              <a:ext uri="{FF2B5EF4-FFF2-40B4-BE49-F238E27FC236}">
-                <a16:creationId xmlns:a16="http://schemas.microsoft.com/office/drawing/2014/main" id="{F09D36A3-9FE6-4B93-8CCF-AA62CE1A46CE}"/>
+          <p:cNvPr id="19" name="Straight Arrow Connector 18">
+            <a:extLst>
+              <a:ext uri="{FF2B5EF4-FFF2-40B4-BE49-F238E27FC236}">
+                <a16:creationId xmlns:a16="http://schemas.microsoft.com/office/drawing/2014/main" id="{EB246197-CC61-4453-88E7-ABAE160E1D06}"/>
               </a:ext>
             </a:extLst>
           </p:cNvPr>
           <p:cNvCxnSpPr>
-            <a:stCxn id="5" idx="2"/>
-            <a:endCxn id="9" idx="0"/>
+            <a:stCxn id="5" idx="3"/>
+            <a:endCxn id="6" idx="1"/>
           </p:cNvCxnSpPr>
           <p:nvPr/>
         </p:nvCxnSpPr>
         <p:spPr>
-          <a:xfrm rot="16200000" flipH="1">
-            <a:off x="9912774" y="3715675"/>
-            <a:ext cx="626362" cy="1212575"/>
-          </a:xfrm>
-          <a:prstGeom prst="bentConnector3">
-            <a:avLst>
-              <a:gd name="adj1" fmla="val 60578"/>
-            </a:avLst>
+          <a:xfrm>
+            <a:off x="5652052" y="3240157"/>
+            <a:ext cx="530087" cy="0"/>
+          </a:xfrm>
+          <a:prstGeom prst="straightConnector1">
+            <a:avLst/>
           </a:prstGeom>
           <a:ln>
             <a:tailEnd type="triangle"/>
@@ -5849,25 +5750,25 @@
       </p:cxnSp>
       <p:cxnSp>
         <p:nvCxnSpPr>
-          <p:cNvPr id="33" name="Connector: Elbow 32">
-            <a:extLst>
-              <a:ext uri="{FF2B5EF4-FFF2-40B4-BE49-F238E27FC236}">
-                <a16:creationId xmlns:a16="http://schemas.microsoft.com/office/drawing/2014/main" id="{CC1DC71D-C4D0-494F-BA74-413098AA66F0}"/>
+          <p:cNvPr id="21" name="Straight Arrow Connector 20">
+            <a:extLst>
+              <a:ext uri="{FF2B5EF4-FFF2-40B4-BE49-F238E27FC236}">
+                <a16:creationId xmlns:a16="http://schemas.microsoft.com/office/drawing/2014/main" id="{7BC8075D-EB05-434A-BD45-A8A73DCE93D7}"/>
               </a:ext>
             </a:extLst>
           </p:cNvPr>
           <p:cNvCxnSpPr>
-            <a:stCxn id="24" idx="2"/>
-            <a:endCxn id="25" idx="0"/>
+            <a:stCxn id="6" idx="3"/>
+            <a:endCxn id="7" idx="1"/>
           </p:cNvCxnSpPr>
           <p:nvPr/>
         </p:nvCxnSpPr>
         <p:spPr>
-          <a:xfrm rot="16200000" flipH="1">
-            <a:off x="8830111" y="5121315"/>
-            <a:ext cx="404392" cy="1174719"/>
-          </a:xfrm>
-          <a:prstGeom prst="bentConnector3">
+          <a:xfrm>
+            <a:off x="8342243" y="3240157"/>
+            <a:ext cx="642731" cy="0"/>
+          </a:xfrm>
+          <a:prstGeom prst="straightConnector1">
             <a:avLst/>
           </a:prstGeom>
           <a:ln>
@@ -5891,28 +5792,26 @@
       </p:cxnSp>
       <p:cxnSp>
         <p:nvCxnSpPr>
-          <p:cNvPr id="35" name="Connector: Elbow 34">
-            <a:extLst>
-              <a:ext uri="{FF2B5EF4-FFF2-40B4-BE49-F238E27FC236}">
-                <a16:creationId xmlns:a16="http://schemas.microsoft.com/office/drawing/2014/main" id="{AC121EC4-AE27-4763-98B4-AF1453632E02}"/>
+          <p:cNvPr id="23" name="Straight Arrow Connector 22">
+            <a:extLst>
+              <a:ext uri="{FF2B5EF4-FFF2-40B4-BE49-F238E27FC236}">
+                <a16:creationId xmlns:a16="http://schemas.microsoft.com/office/drawing/2014/main" id="{6DC34F64-96FC-49F1-B240-F3FAD5457283}"/>
               </a:ext>
             </a:extLst>
           </p:cNvPr>
           <p:cNvCxnSpPr>
-            <a:stCxn id="9" idx="2"/>
-            <a:endCxn id="25" idx="0"/>
+            <a:stCxn id="8" idx="3"/>
+            <a:endCxn id="9" idx="1"/>
           </p:cNvCxnSpPr>
           <p:nvPr/>
         </p:nvCxnSpPr>
         <p:spPr>
-          <a:xfrm rot="5400000">
-            <a:off x="10094992" y="5173619"/>
-            <a:ext cx="261927" cy="1212576"/>
-          </a:xfrm>
-          <a:prstGeom prst="bentConnector3">
-            <a:avLst>
-              <a:gd name="adj1" fmla="val 29761"/>
-            </a:avLst>
+          <a:xfrm>
+            <a:off x="2961861" y="5658679"/>
+            <a:ext cx="530087" cy="0"/>
+          </a:xfrm>
+          <a:prstGeom prst="straightConnector1">
+            <a:avLst/>
           </a:prstGeom>
           <a:ln>
             <a:tailEnd type="triangle"/>
@@ -5933,12 +5832,96 @@
           </a:fontRef>
         </p:style>
       </p:cxnSp>
-      <p:sp>
-        <p:nvSpPr>
-          <p:cNvPr id="38" name="TextBox 37">
-            <a:extLst>
-              <a:ext uri="{FF2B5EF4-FFF2-40B4-BE49-F238E27FC236}">
-                <a16:creationId xmlns:a16="http://schemas.microsoft.com/office/drawing/2014/main" id="{EF0E47DC-0CDF-464B-B721-9EFA4EF63C54}"/>
+      <p:cxnSp>
+        <p:nvCxnSpPr>
+          <p:cNvPr id="25" name="Straight Arrow Connector 24">
+            <a:extLst>
+              <a:ext uri="{FF2B5EF4-FFF2-40B4-BE49-F238E27FC236}">
+                <a16:creationId xmlns:a16="http://schemas.microsoft.com/office/drawing/2014/main" id="{40D9659F-532A-46AF-A4A8-94F8F08A9E72}"/>
+              </a:ext>
+            </a:extLst>
+          </p:cNvPr>
+          <p:cNvCxnSpPr>
+            <a:stCxn id="9" idx="3"/>
+            <a:endCxn id="10" idx="1"/>
+          </p:cNvCxnSpPr>
+          <p:nvPr/>
+        </p:nvCxnSpPr>
+        <p:spPr>
+          <a:xfrm flipV="1">
+            <a:off x="5652052" y="5648740"/>
+            <a:ext cx="530087" cy="9939"/>
+          </a:xfrm>
+          <a:prstGeom prst="straightConnector1">
+            <a:avLst/>
+          </a:prstGeom>
+          <a:ln>
+            <a:tailEnd type="triangle"/>
+          </a:ln>
+        </p:spPr>
+        <p:style>
+          <a:lnRef idx="1">
+            <a:schemeClr val="accent1"/>
+          </a:lnRef>
+          <a:fillRef idx="0">
+            <a:schemeClr val="accent1"/>
+          </a:fillRef>
+          <a:effectRef idx="0">
+            <a:schemeClr val="accent1"/>
+          </a:effectRef>
+          <a:fontRef idx="minor">
+            <a:schemeClr val="tx1"/>
+          </a:fontRef>
+        </p:style>
+      </p:cxnSp>
+      <p:cxnSp>
+        <p:nvCxnSpPr>
+          <p:cNvPr id="27" name="Straight Arrow Connector 26">
+            <a:extLst>
+              <a:ext uri="{FF2B5EF4-FFF2-40B4-BE49-F238E27FC236}">
+                <a16:creationId xmlns:a16="http://schemas.microsoft.com/office/drawing/2014/main" id="{BFCE5CD4-8226-44A0-9521-291FD0F334FB}"/>
+              </a:ext>
+            </a:extLst>
+          </p:cNvPr>
+          <p:cNvCxnSpPr>
+            <a:stCxn id="10" idx="3"/>
+            <a:endCxn id="11" idx="1"/>
+          </p:cNvCxnSpPr>
+          <p:nvPr/>
+        </p:nvCxnSpPr>
+        <p:spPr>
+          <a:xfrm>
+            <a:off x="8342243" y="5648740"/>
+            <a:ext cx="642731" cy="9939"/>
+          </a:xfrm>
+          <a:prstGeom prst="straightConnector1">
+            <a:avLst/>
+          </a:prstGeom>
+          <a:ln>
+            <a:tailEnd type="triangle"/>
+          </a:ln>
+        </p:spPr>
+        <p:style>
+          <a:lnRef idx="1">
+            <a:schemeClr val="accent1"/>
+          </a:lnRef>
+          <a:fillRef idx="0">
+            <a:schemeClr val="accent1"/>
+          </a:fillRef>
+          <a:effectRef idx="0">
+            <a:schemeClr val="accent1"/>
+          </a:effectRef>
+          <a:fontRef idx="minor">
+            <a:schemeClr val="tx1"/>
+          </a:fontRef>
+        </p:style>
+      </p:cxnSp>
+      <p:sp>
+        <p:nvSpPr>
+          <p:cNvPr id="28" name="TextBox 27">
+            <a:extLst>
+              <a:ext uri="{FF2B5EF4-FFF2-40B4-BE49-F238E27FC236}">
+                <a16:creationId xmlns:a16="http://schemas.microsoft.com/office/drawing/2014/main" id="{1169F9C5-BC80-4844-BAB8-A9B3DC4A2CAA}"/>
               </a:ext>
             </a:extLst>
           </p:cNvPr>
@@ -5947,8 +5930,8 @@
         </p:nvSpPr>
         <p:spPr>
           <a:xfrm>
-            <a:off x="9619666" y="4048356"/>
-            <a:ext cx="1465209" cy="646331"/>
+            <a:off x="7129670" y="3594654"/>
+            <a:ext cx="1417982" cy="923330"/>
           </a:xfrm>
           <a:prstGeom prst="rect">
             <a:avLst/>
@@ -5956,441 +5939,259 @@
           <a:noFill/>
         </p:spPr>
         <p:txBody>
-          <a:bodyPr wrap="none" rtlCol="0">
+          <a:bodyPr wrap="square" rtlCol="0">
             <a:spAutoFit/>
           </a:bodyPr>
           <a:lstStyle/>
           <a:p>
             <a:r>
-              <a:rPr lang="en-GB" dirty="0">
-                <a:solidFill>
-                  <a:srgbClr val="FF0000"/>
-                </a:solidFill>
-              </a:rPr>
-              <a:t>Device Serial </a:t>
-            </a:r>
-          </a:p>
+              <a:rPr lang="en-GB" dirty="0"/>
+              <a:t>*50 Pounds for each hour approx.</a:t>
+            </a:r>
+            <a:endParaRPr lang="en-IN" dirty="0"/>
+          </a:p>
+        </p:txBody>
+      </p:sp>
+      <p:sp>
+        <p:nvSpPr>
+          <p:cNvPr id="29" name="Rectangle: Rounded Corners 28">
+            <a:extLst>
+              <a:ext uri="{FF2B5EF4-FFF2-40B4-BE49-F238E27FC236}">
+                <a16:creationId xmlns:a16="http://schemas.microsoft.com/office/drawing/2014/main" id="{5531D0E6-0C60-4487-BDF8-4C625AD17A59}"/>
+              </a:ext>
+            </a:extLst>
+          </p:cNvPr>
+          <p:cNvSpPr/>
+          <p:nvPr/>
+        </p:nvSpPr>
+        <p:spPr>
+          <a:xfrm>
+            <a:off x="801756" y="2080391"/>
+            <a:ext cx="2299253" cy="530279"/>
+          </a:xfrm>
+          <a:prstGeom prst="roundRect">
+            <a:avLst/>
+          </a:prstGeom>
+        </p:spPr>
+        <p:style>
+          <a:lnRef idx="2">
+            <a:schemeClr val="accent1">
+              <a:shade val="50000"/>
+            </a:schemeClr>
+          </a:lnRef>
+          <a:fillRef idx="1">
+            <a:schemeClr val="accent1"/>
+          </a:fillRef>
+          <a:effectRef idx="0">
+            <a:schemeClr val="accent1"/>
+          </a:effectRef>
+          <a:fontRef idx="minor">
+            <a:schemeClr val="lt1"/>
+          </a:fontRef>
+        </p:style>
+        <p:txBody>
+          <a:bodyPr rtlCol="0" anchor="ctr"/>
+          <a:lstStyle/>
           <a:p>
             <a:pPr algn="ctr"/>
             <a:r>
-              <a:rPr lang="en-GB" dirty="0">
-                <a:solidFill>
-                  <a:srgbClr val="FF0000"/>
-                </a:solidFill>
-              </a:rPr>
-              <a:t>Number</a:t>
-            </a:r>
-            <a:endParaRPr lang="en-IN" dirty="0">
-              <a:solidFill>
-                <a:srgbClr val="FF0000"/>
-              </a:solidFill>
-            </a:endParaRPr>
-          </a:p>
-        </p:txBody>
-      </p:sp>
-      <p:pic>
-        <p:nvPicPr>
-          <p:cNvPr id="1026" name="Picture 2" descr="Java Logo, symbol, meaning, history, PNG, brand">
-            <a:extLst>
-              <a:ext uri="{FF2B5EF4-FFF2-40B4-BE49-F238E27FC236}">
-                <a16:creationId xmlns:a16="http://schemas.microsoft.com/office/drawing/2014/main" id="{C2F3A1E4-0283-46F0-AB4F-8ECE51BB322A}"/>
-              </a:ext>
-            </a:extLst>
-          </p:cNvPr>
-          <p:cNvPicPr>
-            <a:picLocks noChangeAspect="1" noChangeArrowheads="1"/>
-          </p:cNvPicPr>
-          <p:nvPr/>
-        </p:nvPicPr>
-        <p:blipFill>
-          <a:blip r:embed="rId2">
-            <a:extLst>
-              <a:ext uri="{28A0092B-C50C-407E-A947-70E740481C1C}">
-                <a14:useLocalDpi xmlns:a14="http://schemas.microsoft.com/office/drawing/2010/main" val="0"/>
-              </a:ext>
-            </a:extLst>
-          </a:blip>
-          <a:srcRect/>
-          <a:stretch>
-            <a:fillRect/>
-          </a:stretch>
-        </p:blipFill>
-        <p:spPr bwMode="auto">
-          <a:xfrm>
-            <a:off x="1950937" y="4048356"/>
-            <a:ext cx="1784274" cy="1003654"/>
-          </a:xfrm>
-          <a:prstGeom prst="rect">
-            <a:avLst/>
-          </a:prstGeom>
-          <a:noFill/>
-          <a:extLst>
-            <a:ext uri="{909E8E84-426E-40DD-AFC4-6F175D3DCCD1}">
-              <a14:hiddenFill xmlns:a14="http://schemas.microsoft.com/office/drawing/2010/main">
-                <a:solidFill>
-                  <a:srgbClr val="FFFFFF"/>
-                </a:solidFill>
-              </a14:hiddenFill>
-            </a:ext>
-          </a:extLst>
-        </p:spPr>
-      </p:pic>
-      <p:pic>
-        <p:nvPicPr>
-          <p:cNvPr id="1030" name="Picture 6">
-            <a:extLst>
-              <a:ext uri="{FF2B5EF4-FFF2-40B4-BE49-F238E27FC236}">
-                <a16:creationId xmlns:a16="http://schemas.microsoft.com/office/drawing/2014/main" id="{EAFF6852-07B3-4962-B79B-5175A0B37CC1}"/>
-              </a:ext>
-            </a:extLst>
-          </p:cNvPr>
-          <p:cNvPicPr>
-            <a:picLocks noChangeAspect="1" noChangeArrowheads="1"/>
-          </p:cNvPicPr>
-          <p:nvPr/>
-        </p:nvPicPr>
-        <p:blipFill>
-          <a:blip r:embed="rId3">
-            <a:extLst>
-              <a:ext uri="{28A0092B-C50C-407E-A947-70E740481C1C}">
-                <a14:useLocalDpi xmlns:a14="http://schemas.microsoft.com/office/drawing/2010/main" val="0"/>
-              </a:ext>
-            </a:extLst>
-          </a:blip>
-          <a:srcRect/>
-          <a:stretch>
-            <a:fillRect/>
-          </a:stretch>
-        </p:blipFill>
-        <p:spPr bwMode="auto">
-          <a:xfrm>
-            <a:off x="3281797" y="4163484"/>
-            <a:ext cx="773397" cy="773397"/>
-          </a:xfrm>
-          <a:prstGeom prst="rect">
-            <a:avLst/>
-          </a:prstGeom>
-          <a:noFill/>
-          <a:extLst>
-            <a:ext uri="{909E8E84-426E-40DD-AFC4-6F175D3DCCD1}">
-              <a14:hiddenFill xmlns:a14="http://schemas.microsoft.com/office/drawing/2010/main">
-                <a:solidFill>
-                  <a:srgbClr val="FFFFFF"/>
-                </a:solidFill>
-              </a14:hiddenFill>
-            </a:ext>
-          </a:extLst>
-        </p:spPr>
-      </p:pic>
-      <p:pic>
-        <p:nvPicPr>
-          <p:cNvPr id="1032" name="Picture 8" descr="React native, reactjs, javascript, react, atom, atomic, library icon -  Download on Iconfinder">
-            <a:extLst>
-              <a:ext uri="{FF2B5EF4-FFF2-40B4-BE49-F238E27FC236}">
-                <a16:creationId xmlns:a16="http://schemas.microsoft.com/office/drawing/2014/main" id="{5BD7AF47-DEAC-4D58-905F-5B442C115FE7}"/>
-              </a:ext>
-            </a:extLst>
-          </p:cNvPr>
-          <p:cNvPicPr>
-            <a:picLocks noChangeAspect="1" noChangeArrowheads="1"/>
-          </p:cNvPicPr>
-          <p:nvPr/>
-        </p:nvPicPr>
-        <p:blipFill>
-          <a:blip r:embed="rId4">
-            <a:extLst>
-              <a:ext uri="{28A0092B-C50C-407E-A947-70E740481C1C}">
-                <a14:useLocalDpi xmlns:a14="http://schemas.microsoft.com/office/drawing/2010/main" val="0"/>
-              </a:ext>
-            </a:extLst>
-          </a:blip>
-          <a:srcRect/>
-          <a:stretch>
-            <a:fillRect/>
-          </a:stretch>
-        </p:blipFill>
-        <p:spPr bwMode="auto">
-          <a:xfrm>
-            <a:off x="754022" y="4048356"/>
-            <a:ext cx="937135" cy="937135"/>
-          </a:xfrm>
-          <a:prstGeom prst="rect">
-            <a:avLst/>
-          </a:prstGeom>
-          <a:noFill/>
-          <a:extLst>
-            <a:ext uri="{909E8E84-426E-40DD-AFC4-6F175D3DCCD1}">
-              <a14:hiddenFill xmlns:a14="http://schemas.microsoft.com/office/drawing/2010/main">
-                <a:solidFill>
-                  <a:srgbClr val="FFFFFF"/>
-                </a:solidFill>
-              </a14:hiddenFill>
-            </a:ext>
-          </a:extLst>
-        </p:spPr>
-      </p:pic>
-      <p:pic>
-        <p:nvPicPr>
-          <p:cNvPr id="26" name="Picture 2" descr="Jira Logo and symbol, meaning, history, PNG">
-            <a:extLst>
-              <a:ext uri="{FF2B5EF4-FFF2-40B4-BE49-F238E27FC236}">
-                <a16:creationId xmlns:a16="http://schemas.microsoft.com/office/drawing/2014/main" id="{E24E4867-0549-4AF1-99DE-E83AA53227CB}"/>
-              </a:ext>
-            </a:extLst>
-          </p:cNvPr>
-          <p:cNvPicPr>
-            <a:picLocks noChangeAspect="1" noChangeArrowheads="1"/>
-          </p:cNvPicPr>
-          <p:nvPr/>
-        </p:nvPicPr>
-        <p:blipFill>
-          <a:blip r:embed="rId5">
-            <a:extLst>
-              <a:ext uri="{28A0092B-C50C-407E-A947-70E740481C1C}">
-                <a14:useLocalDpi xmlns:a14="http://schemas.microsoft.com/office/drawing/2010/main" val="0"/>
-              </a:ext>
-            </a:extLst>
-          </a:blip>
-          <a:srcRect/>
-          <a:stretch>
-            <a:fillRect/>
-          </a:stretch>
-        </p:blipFill>
-        <p:spPr bwMode="auto">
-          <a:xfrm>
-            <a:off x="5297757" y="3937237"/>
-            <a:ext cx="1280533" cy="868567"/>
-          </a:xfrm>
-          <a:prstGeom prst="rect">
-            <a:avLst/>
-          </a:prstGeom>
-          <a:noFill/>
-          <a:extLst>
-            <a:ext uri="{909E8E84-426E-40DD-AFC4-6F175D3DCCD1}">
-              <a14:hiddenFill xmlns:a14="http://schemas.microsoft.com/office/drawing/2010/main">
-                <a:solidFill>
-                  <a:srgbClr val="FFFFFF"/>
-                </a:solidFill>
-              </a14:hiddenFill>
-            </a:ext>
-          </a:extLst>
-        </p:spPr>
-      </p:pic>
-      <p:pic>
-        <p:nvPicPr>
-          <p:cNvPr id="28" name="Picture 27">
-            <a:extLst>
-              <a:ext uri="{FF2B5EF4-FFF2-40B4-BE49-F238E27FC236}">
-                <a16:creationId xmlns:a16="http://schemas.microsoft.com/office/drawing/2014/main" id="{45D7A238-E43C-4ABC-97FC-DB8043125304}"/>
-              </a:ext>
-            </a:extLst>
-          </p:cNvPr>
-          <p:cNvPicPr>
-            <a:picLocks noChangeAspect="1"/>
-          </p:cNvPicPr>
-          <p:nvPr/>
-        </p:nvPicPr>
-        <p:blipFill>
-          <a:blip r:embed="rId6"/>
-          <a:stretch>
-            <a:fillRect/>
-          </a:stretch>
-        </p:blipFill>
-        <p:spPr>
-          <a:xfrm>
-            <a:off x="10419707" y="2961948"/>
-            <a:ext cx="675861" cy="675861"/>
-          </a:xfrm>
-          <a:prstGeom prst="rect">
-            <a:avLst/>
-          </a:prstGeom>
-        </p:spPr>
-      </p:pic>
-      <p:pic>
-        <p:nvPicPr>
-          <p:cNvPr id="1034" name="Picture 10" descr="Employee - Free user icons">
-            <a:extLst>
-              <a:ext uri="{FF2B5EF4-FFF2-40B4-BE49-F238E27FC236}">
-                <a16:creationId xmlns:a16="http://schemas.microsoft.com/office/drawing/2014/main" id="{F3C45FFD-9B09-44A6-B4DC-B283698B7FFB}"/>
-              </a:ext>
-            </a:extLst>
-          </p:cNvPr>
-          <p:cNvPicPr>
-            <a:picLocks noChangeAspect="1" noChangeArrowheads="1"/>
-          </p:cNvPicPr>
-          <p:nvPr/>
-        </p:nvPicPr>
-        <p:blipFill>
-          <a:blip r:embed="rId7">
-            <a:extLst>
-              <a:ext uri="{28A0092B-C50C-407E-A947-70E740481C1C}">
-                <a14:useLocalDpi xmlns:a14="http://schemas.microsoft.com/office/drawing/2010/main" val="0"/>
-              </a:ext>
-            </a:extLst>
-          </a:blip>
-          <a:srcRect/>
-          <a:stretch>
-            <a:fillRect/>
-          </a:stretch>
-        </p:blipFill>
-        <p:spPr bwMode="auto">
-          <a:xfrm>
-            <a:off x="10717141" y="5864012"/>
-            <a:ext cx="822586" cy="822586"/>
-          </a:xfrm>
-          <a:prstGeom prst="rect">
-            <a:avLst/>
-          </a:prstGeom>
-          <a:noFill/>
-          <a:extLst>
-            <a:ext uri="{909E8E84-426E-40DD-AFC4-6F175D3DCCD1}">
-              <a14:hiddenFill xmlns:a14="http://schemas.microsoft.com/office/drawing/2010/main">
-                <a:solidFill>
-                  <a:srgbClr val="FFFFFF"/>
-                </a:solidFill>
-              </a14:hiddenFill>
-            </a:ext>
-          </a:extLst>
-        </p:spPr>
-      </p:pic>
-      <p:pic>
-        <p:nvPicPr>
-          <p:cNvPr id="1036" name="Picture 12">
-            <a:extLst>
-              <a:ext uri="{FF2B5EF4-FFF2-40B4-BE49-F238E27FC236}">
-                <a16:creationId xmlns:a16="http://schemas.microsoft.com/office/drawing/2014/main" id="{08CCDEC5-A18B-4717-BC9B-5EA25B01C0F8}"/>
-              </a:ext>
-            </a:extLst>
-          </p:cNvPr>
-          <p:cNvPicPr>
-            <a:picLocks noChangeAspect="1" noChangeArrowheads="1"/>
-          </p:cNvPicPr>
-          <p:nvPr/>
-        </p:nvPicPr>
-        <p:blipFill>
-          <a:blip r:embed="rId8">
-            <a:extLst>
-              <a:ext uri="{28A0092B-C50C-407E-A947-70E740481C1C}">
-                <a14:useLocalDpi xmlns:a14="http://schemas.microsoft.com/office/drawing/2010/main" val="0"/>
-              </a:ext>
-            </a:extLst>
-          </a:blip>
-          <a:srcRect/>
-          <a:stretch>
-            <a:fillRect/>
-          </a:stretch>
-        </p:blipFill>
-        <p:spPr bwMode="auto">
-          <a:xfrm>
-            <a:off x="6788249" y="4091393"/>
-            <a:ext cx="520340" cy="543751"/>
-          </a:xfrm>
-          <a:prstGeom prst="rect">
-            <a:avLst/>
-          </a:prstGeom>
-          <a:noFill/>
-          <a:extLst>
-            <a:ext uri="{909E8E84-426E-40DD-AFC4-6F175D3DCCD1}">
-              <a14:hiddenFill xmlns:a14="http://schemas.microsoft.com/office/drawing/2010/main">
-                <a:solidFill>
-                  <a:srgbClr val="FFFFFF"/>
-                </a:solidFill>
-              </a14:hiddenFill>
-            </a:ext>
-          </a:extLst>
-        </p:spPr>
-      </p:pic>
-      <p:pic>
-        <p:nvPicPr>
-          <p:cNvPr id="30" name="Picture 29">
-            <a:extLst>
-              <a:ext uri="{FF2B5EF4-FFF2-40B4-BE49-F238E27FC236}">
-                <a16:creationId xmlns:a16="http://schemas.microsoft.com/office/drawing/2014/main" id="{72106204-8D4E-4439-8A7E-83CE34501750}"/>
-              </a:ext>
-            </a:extLst>
-          </p:cNvPr>
-          <p:cNvPicPr>
-            <a:picLocks noChangeAspect="1"/>
-          </p:cNvPicPr>
-          <p:nvPr/>
-        </p:nvPicPr>
-        <p:blipFill rotWithShape="1">
-          <a:blip r:embed="rId9"/>
-          <a:srcRect l="13836" t="20766" r="8060" b="20719"/>
-          <a:stretch/>
-        </p:blipFill>
-        <p:spPr>
-          <a:xfrm>
-            <a:off x="1757906" y="2133500"/>
-            <a:ext cx="972866" cy="728867"/>
-          </a:xfrm>
-          <a:prstGeom prst="rect">
-            <a:avLst/>
-          </a:prstGeom>
-        </p:spPr>
-      </p:pic>
-      <p:pic>
-        <p:nvPicPr>
-          <p:cNvPr id="31" name="Picture 30">
-            <a:extLst>
-              <a:ext uri="{FF2B5EF4-FFF2-40B4-BE49-F238E27FC236}">
-                <a16:creationId xmlns:a16="http://schemas.microsoft.com/office/drawing/2014/main" id="{E083BDFB-6AB7-4E59-9410-BB3BEA179CE8}"/>
-              </a:ext>
-            </a:extLst>
-          </p:cNvPr>
-          <p:cNvPicPr>
-            <a:picLocks noChangeAspect="1"/>
-          </p:cNvPicPr>
-          <p:nvPr/>
-        </p:nvPicPr>
-        <p:blipFill rotWithShape="1">
-          <a:blip r:embed="rId10"/>
-          <a:srcRect l="6805" t="6985" r="6804" b="6697"/>
-          <a:stretch/>
-        </p:blipFill>
-        <p:spPr>
-          <a:xfrm>
-            <a:off x="9004693" y="4694687"/>
-            <a:ext cx="321191" cy="323058"/>
-          </a:xfrm>
-          <a:prstGeom prst="rect">
-            <a:avLst/>
-          </a:prstGeom>
-        </p:spPr>
-      </p:pic>
-      <p:pic>
-        <p:nvPicPr>
-          <p:cNvPr id="32" name="Picture 31">
-            <a:extLst>
-              <a:ext uri="{FF2B5EF4-FFF2-40B4-BE49-F238E27FC236}">
-                <a16:creationId xmlns:a16="http://schemas.microsoft.com/office/drawing/2014/main" id="{F85FDBC7-8251-4CB8-98DA-9F39DB24D915}"/>
-              </a:ext>
-            </a:extLst>
-          </p:cNvPr>
-          <p:cNvPicPr>
-            <a:picLocks noChangeAspect="1"/>
-          </p:cNvPicPr>
-          <p:nvPr/>
-        </p:nvPicPr>
-        <p:blipFill rotWithShape="1">
-          <a:blip r:embed="rId10"/>
-          <a:srcRect l="6805" t="6985" r="6804" b="6697"/>
-          <a:stretch/>
-        </p:blipFill>
-        <p:spPr>
-          <a:xfrm>
-            <a:off x="11358289" y="4550182"/>
-            <a:ext cx="321191" cy="323058"/>
-          </a:xfrm>
-          <a:prstGeom prst="rect">
-            <a:avLst/>
-          </a:prstGeom>
-        </p:spPr>
-      </p:pic>
+              <a:rPr lang="en-GB" dirty="0"/>
+              <a:t>Without our Solution</a:t>
+            </a:r>
+            <a:endParaRPr lang="en-IN" dirty="0"/>
+          </a:p>
+        </p:txBody>
+      </p:sp>
+      <p:sp>
+        <p:nvSpPr>
+          <p:cNvPr id="31" name="Rectangle: Rounded Corners 30">
+            <a:extLst>
+              <a:ext uri="{FF2B5EF4-FFF2-40B4-BE49-F238E27FC236}">
+                <a16:creationId xmlns:a16="http://schemas.microsoft.com/office/drawing/2014/main" id="{7B7CD201-76A5-4770-B0C0-8D4FDCD38B9A}"/>
+              </a:ext>
+            </a:extLst>
+          </p:cNvPr>
+          <p:cNvSpPr/>
+          <p:nvPr/>
+        </p:nvSpPr>
+        <p:spPr>
+          <a:xfrm>
+            <a:off x="801757" y="4604940"/>
+            <a:ext cx="2020956" cy="530279"/>
+          </a:xfrm>
+          <a:prstGeom prst="roundRect">
+            <a:avLst/>
+          </a:prstGeom>
+        </p:spPr>
+        <p:style>
+          <a:lnRef idx="2">
+            <a:schemeClr val="accent1">
+              <a:shade val="50000"/>
+            </a:schemeClr>
+          </a:lnRef>
+          <a:fillRef idx="1">
+            <a:schemeClr val="accent1"/>
+          </a:fillRef>
+          <a:effectRef idx="0">
+            <a:schemeClr val="accent1"/>
+          </a:effectRef>
+          <a:fontRef idx="minor">
+            <a:schemeClr val="lt1"/>
+          </a:fontRef>
+        </p:style>
+        <p:txBody>
+          <a:bodyPr rtlCol="0" anchor="ctr"/>
+          <a:lstStyle/>
+          <a:p>
+            <a:pPr algn="ctr"/>
+            <a:r>
+              <a:rPr lang="en-GB" dirty="0"/>
+              <a:t>With our Solution</a:t>
+            </a:r>
+            <a:endParaRPr lang="en-IN" dirty="0"/>
+          </a:p>
+        </p:txBody>
+      </p:sp>
+      <p:cxnSp>
+        <p:nvCxnSpPr>
+          <p:cNvPr id="33" name="Straight Arrow Connector 32">
+            <a:extLst>
+              <a:ext uri="{FF2B5EF4-FFF2-40B4-BE49-F238E27FC236}">
+                <a16:creationId xmlns:a16="http://schemas.microsoft.com/office/drawing/2014/main" id="{E9001F28-7253-4556-B703-99C0424021FA}"/>
+              </a:ext>
+            </a:extLst>
+          </p:cNvPr>
+          <p:cNvCxnSpPr/>
+          <p:nvPr/>
+        </p:nvCxnSpPr>
+        <p:spPr>
+          <a:xfrm>
+            <a:off x="7129670" y="3594654"/>
+            <a:ext cx="0" cy="1689651"/>
+          </a:xfrm>
+          <a:prstGeom prst="straightConnector1">
+            <a:avLst/>
+          </a:prstGeom>
+          <a:ln>
+            <a:headEnd type="triangle"/>
+            <a:tailEnd type="triangle"/>
+          </a:ln>
+        </p:spPr>
+        <p:style>
+          <a:lnRef idx="1">
+            <a:schemeClr val="accent1"/>
+          </a:lnRef>
+          <a:fillRef idx="0">
+            <a:schemeClr val="accent1"/>
+          </a:fillRef>
+          <a:effectRef idx="0">
+            <a:schemeClr val="accent1"/>
+          </a:effectRef>
+          <a:fontRef idx="minor">
+            <a:schemeClr val="tx1"/>
+          </a:fontRef>
+        </p:style>
+      </p:cxnSp>
+      <p:sp>
+        <p:nvSpPr>
+          <p:cNvPr id="34" name="Oval 33">
+            <a:extLst>
+              <a:ext uri="{FF2B5EF4-FFF2-40B4-BE49-F238E27FC236}">
+                <a16:creationId xmlns:a16="http://schemas.microsoft.com/office/drawing/2014/main" id="{02EAF874-3FEE-472F-BEE0-1467FFA191E7}"/>
+              </a:ext>
+            </a:extLst>
+          </p:cNvPr>
+          <p:cNvSpPr/>
+          <p:nvPr/>
+        </p:nvSpPr>
+        <p:spPr>
+          <a:xfrm>
+            <a:off x="5612296" y="3951332"/>
+            <a:ext cx="1510746" cy="419564"/>
+          </a:xfrm>
+          <a:prstGeom prst="ellipse">
+            <a:avLst/>
+          </a:prstGeom>
+        </p:spPr>
+        <p:style>
+          <a:lnRef idx="2">
+            <a:schemeClr val="accent6"/>
+          </a:lnRef>
+          <a:fillRef idx="1">
+            <a:schemeClr val="lt1"/>
+          </a:fillRef>
+          <a:effectRef idx="0">
+            <a:schemeClr val="accent6"/>
+          </a:effectRef>
+          <a:fontRef idx="minor">
+            <a:schemeClr val="dk1"/>
+          </a:fontRef>
+        </p:style>
+        <p:txBody>
+          <a:bodyPr rtlCol="0" anchor="ctr"/>
+          <a:lstStyle/>
+          <a:p>
+            <a:pPr algn="ctr"/>
+            <a:r>
+              <a:rPr lang="en-GB" dirty="0"/>
+              <a:t>2390 Hrs </a:t>
+            </a:r>
+            <a:endParaRPr lang="en-IN" dirty="0"/>
+          </a:p>
+        </p:txBody>
+      </p:sp>
+      <p:sp>
+        <p:nvSpPr>
+          <p:cNvPr id="35" name="Oval 34">
+            <a:extLst>
+              <a:ext uri="{FF2B5EF4-FFF2-40B4-BE49-F238E27FC236}">
+                <a16:creationId xmlns:a16="http://schemas.microsoft.com/office/drawing/2014/main" id="{A274A189-8246-43F1-874B-FB1D795D2009}"/>
+              </a:ext>
+            </a:extLst>
+          </p:cNvPr>
+          <p:cNvSpPr/>
+          <p:nvPr/>
+        </p:nvSpPr>
+        <p:spPr>
+          <a:xfrm>
+            <a:off x="5744818" y="4310798"/>
+            <a:ext cx="1278833" cy="369404"/>
+          </a:xfrm>
+          <a:prstGeom prst="ellipse">
+            <a:avLst/>
+          </a:prstGeom>
+        </p:spPr>
+        <p:style>
+          <a:lnRef idx="2">
+            <a:schemeClr val="accent6"/>
+          </a:lnRef>
+          <a:fillRef idx="1">
+            <a:schemeClr val="lt1"/>
+          </a:fillRef>
+          <a:effectRef idx="0">
+            <a:schemeClr val="accent6"/>
+          </a:effectRef>
+          <a:fontRef idx="minor">
+            <a:schemeClr val="dk1"/>
+          </a:fontRef>
+        </p:style>
+        <p:txBody>
+          <a:bodyPr rtlCol="0" anchor="ctr"/>
+          <a:lstStyle/>
+          <a:p>
+            <a:pPr algn="ctr"/>
+            <a:r>
+              <a:rPr lang="en-GB" dirty="0"/>
+              <a:t>SAVED</a:t>
+            </a:r>
+            <a:endParaRPr lang="en-IN" dirty="0"/>
+          </a:p>
+        </p:txBody>
+      </p:sp>
     </p:spTree>
     <p:extLst>
       <p:ext uri="{BB962C8B-B14F-4D97-AF65-F5344CB8AC3E}">
-        <p14:creationId xmlns:p14="http://schemas.microsoft.com/office/powerpoint/2010/main" val="3194559775"/>
+        <p14:creationId xmlns:p14="http://schemas.microsoft.com/office/powerpoint/2010/main" val="2548067499"/>
       </p:ext>
     </p:extLst>
   </p:cSld>
@@ -6422,7 +6223,7 @@
           <p:cNvPr id="2" name="Title 1">
             <a:extLst>
               <a:ext uri="{FF2B5EF4-FFF2-40B4-BE49-F238E27FC236}">
-                <a16:creationId xmlns:a16="http://schemas.microsoft.com/office/drawing/2014/main" id="{80418C4C-1007-428F-BC7F-CC7F7C312492}"/>
+                <a16:creationId xmlns:a16="http://schemas.microsoft.com/office/drawing/2014/main" id="{E2C2AFD4-CE6E-4752-A008-0C4EC9862811}"/>
               </a:ext>
             </a:extLst>
           </p:cNvPr>
@@ -6440,7 +6241,7 @@
           <a:p>
             <a:r>
               <a:rPr lang="en-GB" dirty="0"/>
-              <a:t>What are we achieving </a:t>
+              <a:t>architecture</a:t>
             </a:r>
             <a:endParaRPr lang="en-IN" dirty="0"/>
           </a:p>
@@ -6448,10 +6249,10 @@
       </p:sp>
       <p:sp>
         <p:nvSpPr>
-          <p:cNvPr id="4" name="Rectangle 3">
-            <a:extLst>
-              <a:ext uri="{FF2B5EF4-FFF2-40B4-BE49-F238E27FC236}">
-                <a16:creationId xmlns:a16="http://schemas.microsoft.com/office/drawing/2014/main" id="{5906BA86-6B46-4378-8427-534F133F18C1}"/>
+          <p:cNvPr id="4" name="Rectangle: Rounded Corners 3">
+            <a:extLst>
+              <a:ext uri="{FF2B5EF4-FFF2-40B4-BE49-F238E27FC236}">
+                <a16:creationId xmlns:a16="http://schemas.microsoft.com/office/drawing/2014/main" id="{89B2B3F7-4090-4267-88B1-EE2059B004A2}"/>
               </a:ext>
             </a:extLst>
           </p:cNvPr>
@@ -6460,10 +6261,10 @@
         </p:nvSpPr>
         <p:spPr>
           <a:xfrm>
-            <a:off x="801757" y="2875722"/>
-            <a:ext cx="2160104" cy="728870"/>
-          </a:xfrm>
-          <a:prstGeom prst="rect">
+            <a:off x="723177" y="2133500"/>
+            <a:ext cx="969312" cy="728869"/>
+          </a:xfrm>
+          <a:prstGeom prst="roundRect">
             <a:avLst/>
           </a:prstGeom>
         </p:spPr>
@@ -6488,7 +6289,7 @@
             <a:pPr algn="ctr"/>
             <a:r>
               <a:rPr lang="en-GB" dirty="0"/>
-              <a:t>2 Week</a:t>
+              <a:t>Laptop Issued</a:t>
             </a:r>
             <a:endParaRPr lang="en-IN" dirty="0"/>
           </a:p>
@@ -6496,10 +6297,10 @@
       </p:sp>
       <p:sp>
         <p:nvSpPr>
-          <p:cNvPr id="5" name="Rectangle 4">
-            <a:extLst>
-              <a:ext uri="{FF2B5EF4-FFF2-40B4-BE49-F238E27FC236}">
-                <a16:creationId xmlns:a16="http://schemas.microsoft.com/office/drawing/2014/main" id="{CD353850-DD97-47D0-A6AA-1E7DE7D5AC12}"/>
+          <p:cNvPr id="5" name="Rectangle: Rounded Corners 4">
+            <a:extLst>
+              <a:ext uri="{FF2B5EF4-FFF2-40B4-BE49-F238E27FC236}">
+                <a16:creationId xmlns:a16="http://schemas.microsoft.com/office/drawing/2014/main" id="{19EABF29-738B-4DAC-A008-A96260EDDF69}"/>
               </a:ext>
             </a:extLst>
           </p:cNvPr>
@@ -6508,10 +6309,10 @@
         </p:nvSpPr>
         <p:spPr>
           <a:xfrm>
-            <a:off x="3491948" y="2875722"/>
-            <a:ext cx="2160104" cy="728870"/>
-          </a:xfrm>
-          <a:prstGeom prst="rect">
+            <a:off x="8438813" y="3279913"/>
+            <a:ext cx="2361709" cy="728869"/>
+          </a:xfrm>
+          <a:prstGeom prst="roundRect">
             <a:avLst/>
           </a:prstGeom>
         </p:spPr>
@@ -6536,7 +6337,7 @@
             <a:pPr algn="ctr"/>
             <a:r>
               <a:rPr lang="en-GB" dirty="0"/>
-              <a:t>30 Employees</a:t>
+              <a:t>Windows Cloud Machine Configured</a:t>
             </a:r>
             <a:endParaRPr lang="en-IN" dirty="0"/>
           </a:p>
@@ -6544,10 +6345,10 @@
       </p:sp>
       <p:sp>
         <p:nvSpPr>
-          <p:cNvPr id="6" name="Rectangle 5">
-            <a:extLst>
-              <a:ext uri="{FF2B5EF4-FFF2-40B4-BE49-F238E27FC236}">
-                <a16:creationId xmlns:a16="http://schemas.microsoft.com/office/drawing/2014/main" id="{859A25A1-0FD2-4571-B97A-DB5773CAB285}"/>
+          <p:cNvPr id="6" name="Rectangle: Rounded Corners 5">
+            <a:extLst>
+              <a:ext uri="{FF2B5EF4-FFF2-40B4-BE49-F238E27FC236}">
+                <a16:creationId xmlns:a16="http://schemas.microsoft.com/office/drawing/2014/main" id="{DA01F13E-BA8B-4A08-8B9E-0905D88F7BBB}"/>
               </a:ext>
             </a:extLst>
           </p:cNvPr>
@@ -6556,10 +6357,10 @@
         </p:nvSpPr>
         <p:spPr>
           <a:xfrm>
-            <a:off x="6182139" y="2875722"/>
-            <a:ext cx="2160104" cy="728870"/>
-          </a:xfrm>
-          <a:prstGeom prst="rect">
+            <a:off x="5381331" y="3279913"/>
+            <a:ext cx="1995406" cy="728869"/>
+          </a:xfrm>
+          <a:prstGeom prst="roundRect">
             <a:avLst/>
           </a:prstGeom>
         </p:spPr>
@@ -6584,14 +6385,14 @@
             <a:pPr algn="ctr"/>
             <a:r>
               <a:rPr lang="en-GB" dirty="0"/>
-              <a:t>10 Business Days</a:t>
+              <a:t>One Click </a:t>
             </a:r>
           </a:p>
           <a:p>
             <a:pPr algn="ctr"/>
             <a:r>
               <a:rPr lang="en-GB" dirty="0"/>
-              <a:t>2400 Business hours</a:t>
+              <a:t>(Raise Jira Tickets)</a:t>
             </a:r>
             <a:endParaRPr lang="en-IN" dirty="0"/>
           </a:p>
@@ -6599,10 +6400,10 @@
       </p:sp>
       <p:sp>
         <p:nvSpPr>
-          <p:cNvPr id="7" name="Rectangle 6">
-            <a:extLst>
-              <a:ext uri="{FF2B5EF4-FFF2-40B4-BE49-F238E27FC236}">
-                <a16:creationId xmlns:a16="http://schemas.microsoft.com/office/drawing/2014/main" id="{595FA5E7-7F14-4905-9F81-84EA7A00157D}"/>
+          <p:cNvPr id="7" name="Rectangle: Rounded Corners 6">
+            <a:extLst>
+              <a:ext uri="{FF2B5EF4-FFF2-40B4-BE49-F238E27FC236}">
+                <a16:creationId xmlns:a16="http://schemas.microsoft.com/office/drawing/2014/main" id="{FDB22524-5D28-496A-A00B-E42786264762}"/>
               </a:ext>
             </a:extLst>
           </p:cNvPr>
@@ -6611,10 +6412,10 @@
         </p:nvSpPr>
         <p:spPr>
           <a:xfrm>
-            <a:off x="8984974" y="2875722"/>
-            <a:ext cx="2160104" cy="728870"/>
-          </a:xfrm>
-          <a:prstGeom prst="rect">
+            <a:off x="2244339" y="3279914"/>
+            <a:ext cx="2074917" cy="728869"/>
+          </a:xfrm>
+          <a:prstGeom prst="roundRect">
             <a:avLst/>
           </a:prstGeom>
         </p:spPr>
@@ -6639,7 +6440,22 @@
             <a:pPr algn="ctr"/>
             <a:r>
               <a:rPr lang="en-GB" dirty="0"/>
-              <a:t>120,000 Pounds</a:t>
+              <a:t>App Installed</a:t>
+            </a:r>
+          </a:p>
+          <a:p>
+            <a:pPr algn="ctr"/>
+            <a:r>
+              <a:rPr lang="en-GB" dirty="0"/>
+              <a:t>(Java &amp; </a:t>
+            </a:r>
+            <a:r>
+              <a:rPr lang="en-GB" dirty="0" err="1"/>
+              <a:t>Powershell</a:t>
+            </a:r>
+            <a:r>
+              <a:rPr lang="en-GB" dirty="0"/>
+              <a:t>)</a:t>
             </a:r>
             <a:endParaRPr lang="en-IN" dirty="0"/>
           </a:p>
@@ -6647,10 +6463,10 @@
       </p:sp>
       <p:sp>
         <p:nvSpPr>
-          <p:cNvPr id="8" name="Rectangle 7">
-            <a:extLst>
-              <a:ext uri="{FF2B5EF4-FFF2-40B4-BE49-F238E27FC236}">
-                <a16:creationId xmlns:a16="http://schemas.microsoft.com/office/drawing/2014/main" id="{10AAD9DB-BDE6-43EF-AD3F-FF40FA5FC156}"/>
+          <p:cNvPr id="8" name="Rectangle: Rounded Corners 7">
+            <a:extLst>
+              <a:ext uri="{FF2B5EF4-FFF2-40B4-BE49-F238E27FC236}">
+                <a16:creationId xmlns:a16="http://schemas.microsoft.com/office/drawing/2014/main" id="{0609B60F-F4EE-440A-865C-032BD3339B3F}"/>
               </a:ext>
             </a:extLst>
           </p:cNvPr>
@@ -6659,10 +6475,10 @@
         </p:nvSpPr>
         <p:spPr>
           <a:xfrm>
-            <a:off x="801757" y="5294244"/>
-            <a:ext cx="2160104" cy="728870"/>
-          </a:xfrm>
-          <a:prstGeom prst="rect">
+            <a:off x="573614" y="3279915"/>
+            <a:ext cx="1268438" cy="728869"/>
+          </a:xfrm>
+          <a:prstGeom prst="roundRect">
             <a:avLst/>
           </a:prstGeom>
         </p:spPr>
@@ -6687,15 +6503,14 @@
             <a:pPr algn="ctr"/>
             <a:r>
               <a:rPr lang="en-GB" dirty="0"/>
-              <a:t>2</a:t>
-            </a:r>
-            <a:r>
-              <a:rPr lang="en-GB"/>
-              <a:t> </a:t>
-            </a:r>
+              <a:t>One Click</a:t>
+            </a:r>
+          </a:p>
+          <a:p>
+            <a:pPr algn="ctr"/>
             <a:r>
               <a:rPr lang="en-GB" dirty="0"/>
-              <a:t>Week</a:t>
+              <a:t>(React FE)</a:t>
             </a:r>
             <a:endParaRPr lang="en-IN" dirty="0"/>
           </a:p>
@@ -6703,10 +6518,10 @@
       </p:sp>
       <p:sp>
         <p:nvSpPr>
-          <p:cNvPr id="9" name="Rectangle 8">
-            <a:extLst>
-              <a:ext uri="{FF2B5EF4-FFF2-40B4-BE49-F238E27FC236}">
-                <a16:creationId xmlns:a16="http://schemas.microsoft.com/office/drawing/2014/main" id="{204039FC-1A9D-4558-9989-4C616254CB11}"/>
+          <p:cNvPr id="9" name="Rectangle: Rounded Corners 8">
+            <a:extLst>
+              <a:ext uri="{FF2B5EF4-FFF2-40B4-BE49-F238E27FC236}">
+                <a16:creationId xmlns:a16="http://schemas.microsoft.com/office/drawing/2014/main" id="{1BA1A2B8-41ED-45E2-96C2-C18527E0AC8E}"/>
               </a:ext>
             </a:extLst>
           </p:cNvPr>
@@ -6715,10 +6530,10 @@
         </p:nvSpPr>
         <p:spPr>
           <a:xfrm>
-            <a:off x="3491948" y="5294244"/>
-            <a:ext cx="2160104" cy="728870"/>
-          </a:xfrm>
-          <a:prstGeom prst="rect">
+            <a:off x="10053678" y="4635144"/>
+            <a:ext cx="1557130" cy="1013800"/>
+          </a:xfrm>
+          <a:prstGeom prst="roundRect">
             <a:avLst/>
           </a:prstGeom>
         </p:spPr>
@@ -6743,18 +6558,243 @@
             <a:pPr algn="ctr"/>
             <a:r>
               <a:rPr lang="en-GB" dirty="0"/>
-              <a:t>30 Employees</a:t>
+              <a:t>Raise Jira tickets for project </a:t>
             </a:r>
             <a:endParaRPr lang="en-IN" dirty="0"/>
           </a:p>
         </p:txBody>
       </p:sp>
-      <p:sp>
-        <p:nvSpPr>
-          <p:cNvPr id="10" name="Rectangle 9">
-            <a:extLst>
-              <a:ext uri="{FF2B5EF4-FFF2-40B4-BE49-F238E27FC236}">
-                <a16:creationId xmlns:a16="http://schemas.microsoft.com/office/drawing/2014/main" id="{DCF2A78A-84C9-4CF9-8C7F-63C8F9F8A3EB}"/>
+      <p:cxnSp>
+        <p:nvCxnSpPr>
+          <p:cNvPr id="11" name="Straight Arrow Connector 10">
+            <a:extLst>
+              <a:ext uri="{FF2B5EF4-FFF2-40B4-BE49-F238E27FC236}">
+                <a16:creationId xmlns:a16="http://schemas.microsoft.com/office/drawing/2014/main" id="{2A01E80E-6B01-4A91-ADA5-101EA2FB5803}"/>
+              </a:ext>
+            </a:extLst>
+          </p:cNvPr>
+          <p:cNvCxnSpPr>
+            <a:stCxn id="4" idx="2"/>
+            <a:endCxn id="8" idx="0"/>
+          </p:cNvCxnSpPr>
+          <p:nvPr/>
+        </p:nvCxnSpPr>
+        <p:spPr>
+          <a:xfrm>
+            <a:off x="1207833" y="2862369"/>
+            <a:ext cx="0" cy="417546"/>
+          </a:xfrm>
+          <a:prstGeom prst="straightConnector1">
+            <a:avLst/>
+          </a:prstGeom>
+          <a:ln>
+            <a:tailEnd type="triangle"/>
+          </a:ln>
+        </p:spPr>
+        <p:style>
+          <a:lnRef idx="1">
+            <a:schemeClr val="accent1"/>
+          </a:lnRef>
+          <a:fillRef idx="0">
+            <a:schemeClr val="accent1"/>
+          </a:fillRef>
+          <a:effectRef idx="0">
+            <a:schemeClr val="accent1"/>
+          </a:effectRef>
+          <a:fontRef idx="minor">
+            <a:schemeClr val="tx1"/>
+          </a:fontRef>
+        </p:style>
+      </p:cxnSp>
+      <p:cxnSp>
+        <p:nvCxnSpPr>
+          <p:cNvPr id="14" name="Straight Arrow Connector 13">
+            <a:extLst>
+              <a:ext uri="{FF2B5EF4-FFF2-40B4-BE49-F238E27FC236}">
+                <a16:creationId xmlns:a16="http://schemas.microsoft.com/office/drawing/2014/main" id="{68C156A0-AC93-4B14-86FD-B02D0B85475D}"/>
+              </a:ext>
+            </a:extLst>
+          </p:cNvPr>
+          <p:cNvCxnSpPr>
+            <a:stCxn id="8" idx="3"/>
+            <a:endCxn id="7" idx="1"/>
+          </p:cNvCxnSpPr>
+          <p:nvPr/>
+        </p:nvCxnSpPr>
+        <p:spPr>
+          <a:xfrm flipV="1">
+            <a:off x="1842052" y="3644349"/>
+            <a:ext cx="402287" cy="1"/>
+          </a:xfrm>
+          <a:prstGeom prst="straightConnector1">
+            <a:avLst/>
+          </a:prstGeom>
+          <a:ln>
+            <a:tailEnd type="triangle"/>
+          </a:ln>
+        </p:spPr>
+        <p:style>
+          <a:lnRef idx="1">
+            <a:schemeClr val="accent1"/>
+          </a:lnRef>
+          <a:fillRef idx="0">
+            <a:schemeClr val="accent1"/>
+          </a:fillRef>
+          <a:effectRef idx="0">
+            <a:schemeClr val="accent1"/>
+          </a:effectRef>
+          <a:fontRef idx="minor">
+            <a:schemeClr val="tx1"/>
+          </a:fontRef>
+        </p:style>
+      </p:cxnSp>
+      <p:cxnSp>
+        <p:nvCxnSpPr>
+          <p:cNvPr id="16" name="Straight Arrow Connector 15">
+            <a:extLst>
+              <a:ext uri="{FF2B5EF4-FFF2-40B4-BE49-F238E27FC236}">
+                <a16:creationId xmlns:a16="http://schemas.microsoft.com/office/drawing/2014/main" id="{73432A22-B669-4EE0-99CA-22B2DBF83C1D}"/>
+              </a:ext>
+            </a:extLst>
+          </p:cNvPr>
+          <p:cNvCxnSpPr>
+            <a:stCxn id="7" idx="3"/>
+            <a:endCxn id="6" idx="1"/>
+          </p:cNvCxnSpPr>
+          <p:nvPr/>
+        </p:nvCxnSpPr>
+        <p:spPr>
+          <a:xfrm flipV="1">
+            <a:off x="4319256" y="3644348"/>
+            <a:ext cx="1062075" cy="1"/>
+          </a:xfrm>
+          <a:prstGeom prst="straightConnector1">
+            <a:avLst/>
+          </a:prstGeom>
+          <a:ln>
+            <a:tailEnd type="triangle"/>
+          </a:ln>
+        </p:spPr>
+        <p:style>
+          <a:lnRef idx="1">
+            <a:schemeClr val="accent1"/>
+          </a:lnRef>
+          <a:fillRef idx="0">
+            <a:schemeClr val="accent1"/>
+          </a:fillRef>
+          <a:effectRef idx="0">
+            <a:schemeClr val="accent1"/>
+          </a:effectRef>
+          <a:fontRef idx="minor">
+            <a:schemeClr val="tx1"/>
+          </a:fontRef>
+        </p:style>
+      </p:cxnSp>
+      <p:sp>
+        <p:nvSpPr>
+          <p:cNvPr id="20" name="TextBox 19">
+            <a:extLst>
+              <a:ext uri="{FF2B5EF4-FFF2-40B4-BE49-F238E27FC236}">
+                <a16:creationId xmlns:a16="http://schemas.microsoft.com/office/drawing/2014/main" id="{88054BF7-C638-4F6C-9939-B140FEE011E6}"/>
+              </a:ext>
+            </a:extLst>
+          </p:cNvPr>
+          <p:cNvSpPr txBox="1"/>
+          <p:nvPr/>
+        </p:nvSpPr>
+        <p:spPr>
+          <a:xfrm>
+            <a:off x="4357144" y="3321181"/>
+            <a:ext cx="974947" cy="646331"/>
+          </a:xfrm>
+          <a:prstGeom prst="rect">
+            <a:avLst/>
+          </a:prstGeom>
+          <a:noFill/>
+        </p:spPr>
+        <p:txBody>
+          <a:bodyPr wrap="none" rtlCol="0">
+            <a:spAutoFit/>
+          </a:bodyPr>
+          <a:lstStyle/>
+          <a:p>
+            <a:pPr algn="ctr"/>
+            <a:r>
+              <a:rPr lang="en-GB" dirty="0">
+                <a:solidFill>
+                  <a:srgbClr val="FF0000"/>
+                </a:solidFill>
+              </a:rPr>
+              <a:t>Mobile</a:t>
+            </a:r>
+          </a:p>
+          <a:p>
+            <a:pPr algn="ctr"/>
+            <a:r>
+              <a:rPr lang="en-GB" dirty="0">
+                <a:solidFill>
+                  <a:srgbClr val="FF0000"/>
+                </a:solidFill>
+              </a:rPr>
+              <a:t>Number</a:t>
+            </a:r>
+            <a:endParaRPr lang="en-IN" dirty="0">
+              <a:solidFill>
+                <a:srgbClr val="FF0000"/>
+              </a:solidFill>
+            </a:endParaRPr>
+          </a:p>
+        </p:txBody>
+      </p:sp>
+      <p:cxnSp>
+        <p:nvCxnSpPr>
+          <p:cNvPr id="22" name="Straight Arrow Connector 21">
+            <a:extLst>
+              <a:ext uri="{FF2B5EF4-FFF2-40B4-BE49-F238E27FC236}">
+                <a16:creationId xmlns:a16="http://schemas.microsoft.com/office/drawing/2014/main" id="{D5BB0851-1F2B-442B-AF86-358994C2C98A}"/>
+              </a:ext>
+            </a:extLst>
+          </p:cNvPr>
+          <p:cNvCxnSpPr>
+            <a:cxnSpLocks/>
+            <a:stCxn id="6" idx="3"/>
+            <a:endCxn id="5" idx="1"/>
+          </p:cNvCxnSpPr>
+          <p:nvPr/>
+        </p:nvCxnSpPr>
+        <p:spPr>
+          <a:xfrm>
+            <a:off x="7376737" y="3644348"/>
+            <a:ext cx="1062076" cy="0"/>
+          </a:xfrm>
+          <a:prstGeom prst="straightConnector1">
+            <a:avLst/>
+          </a:prstGeom>
+          <a:ln>
+            <a:tailEnd type="triangle"/>
+          </a:ln>
+        </p:spPr>
+        <p:style>
+          <a:lnRef idx="1">
+            <a:schemeClr val="accent1"/>
+          </a:lnRef>
+          <a:fillRef idx="0">
+            <a:schemeClr val="accent1"/>
+          </a:fillRef>
+          <a:effectRef idx="0">
+            <a:schemeClr val="accent1"/>
+          </a:effectRef>
+          <a:fontRef idx="minor">
+            <a:schemeClr val="tx1"/>
+          </a:fontRef>
+        </p:style>
+      </p:cxnSp>
+      <p:sp>
+        <p:nvSpPr>
+          <p:cNvPr id="24" name="Rectangle: Rounded Corners 23">
+            <a:extLst>
+              <a:ext uri="{FF2B5EF4-FFF2-40B4-BE49-F238E27FC236}">
+                <a16:creationId xmlns:a16="http://schemas.microsoft.com/office/drawing/2014/main" id="{604CEFB0-16DE-4F00-9340-46E41C1BC963}"/>
               </a:ext>
             </a:extLst>
           </p:cNvPr>
@@ -6763,10 +6803,10 @@
         </p:nvSpPr>
         <p:spPr>
           <a:xfrm>
-            <a:off x="6182139" y="5284305"/>
-            <a:ext cx="2160104" cy="728870"/>
-          </a:xfrm>
-          <a:prstGeom prst="rect">
+            <a:off x="7666383" y="4777610"/>
+            <a:ext cx="1557130" cy="728869"/>
+          </a:xfrm>
+          <a:prstGeom prst="roundRect">
             <a:avLst/>
           </a:prstGeom>
         </p:spPr>
@@ -6790,19 +6830,8 @@
           <a:p>
             <a:pPr algn="ctr"/>
             <a:r>
-              <a:rPr lang="en-GB"/>
-              <a:t>2 </a:t>
-            </a:r>
-            <a:r>
               <a:rPr lang="en-GB" dirty="0"/>
-              <a:t>Business Days</a:t>
-            </a:r>
-          </a:p>
-          <a:p>
-            <a:pPr algn="ctr"/>
-            <a:r>
-              <a:rPr lang="en-GB" dirty="0"/>
-              <a:t>10 Business hours</a:t>
+              <a:t>Application Installation</a:t>
             </a:r>
             <a:endParaRPr lang="en-IN" dirty="0"/>
           </a:p>
@@ -6810,10 +6839,10 @@
       </p:sp>
       <p:sp>
         <p:nvSpPr>
-          <p:cNvPr id="11" name="Rectangle 10">
-            <a:extLst>
-              <a:ext uri="{FF2B5EF4-FFF2-40B4-BE49-F238E27FC236}">
-                <a16:creationId xmlns:a16="http://schemas.microsoft.com/office/drawing/2014/main" id="{8C3CB5AC-52AA-48F7-95C4-7BBEBE318FDB}"/>
+          <p:cNvPr id="25" name="Rectangle: Rounded Corners 24">
+            <a:extLst>
+              <a:ext uri="{FF2B5EF4-FFF2-40B4-BE49-F238E27FC236}">
+                <a16:creationId xmlns:a16="http://schemas.microsoft.com/office/drawing/2014/main" id="{007C4646-9A5B-42E9-8618-BB839F9642CF}"/>
               </a:ext>
             </a:extLst>
           </p:cNvPr>
@@ -6822,10 +6851,10 @@
         </p:nvSpPr>
         <p:spPr>
           <a:xfrm>
-            <a:off x="8984974" y="5294244"/>
-            <a:ext cx="2160104" cy="728870"/>
-          </a:xfrm>
-          <a:prstGeom prst="rect">
+            <a:off x="8565657" y="5910871"/>
+            <a:ext cx="2108020" cy="728869"/>
+          </a:xfrm>
+          <a:prstGeom prst="roundRect">
             <a:avLst/>
           </a:prstGeom>
         </p:spPr>
@@ -6849,173 +6878,42 @@
           <a:p>
             <a:pPr algn="ctr"/>
             <a:r>
-              <a:rPr lang="en-GB" dirty="0"/>
-              <a:t>500 Pounds</a:t>
-            </a:r>
-            <a:endParaRPr lang="en-IN" dirty="0"/>
+              <a:rPr lang="en-GB" dirty="0">
+                <a:solidFill>
+                  <a:srgbClr val="00B050"/>
+                </a:solidFill>
+              </a:rPr>
+              <a:t>Employee productivity begins</a:t>
+            </a:r>
+            <a:endParaRPr lang="en-IN" dirty="0">
+              <a:solidFill>
+                <a:srgbClr val="00B050"/>
+              </a:solidFill>
+            </a:endParaRPr>
           </a:p>
         </p:txBody>
       </p:sp>
       <p:cxnSp>
         <p:nvCxnSpPr>
-          <p:cNvPr id="13" name="Straight Arrow Connector 12">
-            <a:extLst>
-              <a:ext uri="{FF2B5EF4-FFF2-40B4-BE49-F238E27FC236}">
-                <a16:creationId xmlns:a16="http://schemas.microsoft.com/office/drawing/2014/main" id="{297D23AE-8A93-4FA4-992D-EFECB1ACC656}"/>
+          <p:cNvPr id="27" name="Connector: Elbow 26">
+            <a:extLst>
+              <a:ext uri="{FF2B5EF4-FFF2-40B4-BE49-F238E27FC236}">
+                <a16:creationId xmlns:a16="http://schemas.microsoft.com/office/drawing/2014/main" id="{2AC9417F-55F4-4CDA-AF4D-EF80C4A81F69}"/>
               </a:ext>
             </a:extLst>
           </p:cNvPr>
           <p:cNvCxnSpPr>
-            <a:stCxn id="7" idx="2"/>
-            <a:endCxn id="11" idx="0"/>
+            <a:stCxn id="5" idx="2"/>
+            <a:endCxn id="24" idx="0"/>
           </p:cNvCxnSpPr>
           <p:nvPr/>
         </p:nvCxnSpPr>
         <p:spPr>
-          <a:xfrm>
-            <a:off x="10065026" y="3604592"/>
-            <a:ext cx="0" cy="1679713"/>
-          </a:xfrm>
-          <a:prstGeom prst="straightConnector1">
-            <a:avLst/>
-          </a:prstGeom>
-          <a:ln>
-            <a:headEnd type="triangle"/>
-            <a:tailEnd type="triangle"/>
-          </a:ln>
-        </p:spPr>
-        <p:style>
-          <a:lnRef idx="1">
-            <a:schemeClr val="accent1"/>
-          </a:lnRef>
-          <a:fillRef idx="0">
-            <a:schemeClr val="accent1"/>
-          </a:fillRef>
-          <a:effectRef idx="0">
-            <a:schemeClr val="accent1"/>
-          </a:effectRef>
-          <a:fontRef idx="minor">
-            <a:schemeClr val="tx1"/>
-          </a:fontRef>
-        </p:style>
-      </p:cxnSp>
-      <p:sp>
-        <p:nvSpPr>
-          <p:cNvPr id="14" name="Oval 13">
-            <a:extLst>
-              <a:ext uri="{FF2B5EF4-FFF2-40B4-BE49-F238E27FC236}">
-                <a16:creationId xmlns:a16="http://schemas.microsoft.com/office/drawing/2014/main" id="{5EA9E0A8-8FF5-4946-9556-A6B8B043D150}"/>
-              </a:ext>
-            </a:extLst>
-          </p:cNvPr>
-          <p:cNvSpPr/>
-          <p:nvPr/>
-        </p:nvSpPr>
-        <p:spPr>
-          <a:xfrm>
-            <a:off x="10071655" y="3976180"/>
-            <a:ext cx="1716155" cy="728870"/>
-          </a:xfrm>
-          <a:prstGeom prst="ellipse">
-            <a:avLst/>
-          </a:prstGeom>
-        </p:spPr>
-        <p:style>
-          <a:lnRef idx="2">
-            <a:schemeClr val="accent6"/>
-          </a:lnRef>
-          <a:fillRef idx="1">
-            <a:schemeClr val="lt1"/>
-          </a:fillRef>
-          <a:effectRef idx="0">
-            <a:schemeClr val="accent6"/>
-          </a:effectRef>
-          <a:fontRef idx="minor">
-            <a:schemeClr val="dk1"/>
-          </a:fontRef>
-        </p:style>
-        <p:txBody>
-          <a:bodyPr rtlCol="0" anchor="ctr"/>
-          <a:lstStyle/>
-          <a:p>
-            <a:pPr algn="ctr"/>
-            <a:r>
-              <a:rPr lang="en-GB" dirty="0"/>
-              <a:t>119500 Pounds </a:t>
-            </a:r>
-            <a:endParaRPr lang="en-IN" dirty="0"/>
-          </a:p>
-        </p:txBody>
-      </p:sp>
-      <p:sp>
-        <p:nvSpPr>
-          <p:cNvPr id="15" name="Oval 14">
-            <a:extLst>
-              <a:ext uri="{FF2B5EF4-FFF2-40B4-BE49-F238E27FC236}">
-                <a16:creationId xmlns:a16="http://schemas.microsoft.com/office/drawing/2014/main" id="{0557BB5C-02A6-412C-B689-C45CBBA1A8B7}"/>
-              </a:ext>
-            </a:extLst>
-          </p:cNvPr>
-          <p:cNvSpPr/>
-          <p:nvPr/>
-        </p:nvSpPr>
-        <p:spPr>
-          <a:xfrm>
-            <a:off x="10310194" y="4627194"/>
-            <a:ext cx="1278833" cy="369404"/>
-          </a:xfrm>
-          <a:prstGeom prst="ellipse">
-            <a:avLst/>
-          </a:prstGeom>
-        </p:spPr>
-        <p:style>
-          <a:lnRef idx="2">
-            <a:schemeClr val="accent6"/>
-          </a:lnRef>
-          <a:fillRef idx="1">
-            <a:schemeClr val="lt1"/>
-          </a:fillRef>
-          <a:effectRef idx="0">
-            <a:schemeClr val="accent6"/>
-          </a:effectRef>
-          <a:fontRef idx="minor">
-            <a:schemeClr val="dk1"/>
-          </a:fontRef>
-        </p:style>
-        <p:txBody>
-          <a:bodyPr rtlCol="0" anchor="ctr"/>
-          <a:lstStyle/>
-          <a:p>
-            <a:pPr algn="ctr"/>
-            <a:r>
-              <a:rPr lang="en-GB" dirty="0"/>
-              <a:t>SAVED</a:t>
-            </a:r>
-            <a:endParaRPr lang="en-IN" dirty="0"/>
-          </a:p>
-        </p:txBody>
-      </p:sp>
-      <p:cxnSp>
-        <p:nvCxnSpPr>
-          <p:cNvPr id="17" name="Straight Arrow Connector 16">
-            <a:extLst>
-              <a:ext uri="{FF2B5EF4-FFF2-40B4-BE49-F238E27FC236}">
-                <a16:creationId xmlns:a16="http://schemas.microsoft.com/office/drawing/2014/main" id="{6DD170E5-C04F-4B34-83E9-E570D2E262F6}"/>
-              </a:ext>
-            </a:extLst>
-          </p:cNvPr>
-          <p:cNvCxnSpPr>
-            <a:stCxn id="4" idx="3"/>
-            <a:endCxn id="5" idx="1"/>
-          </p:cNvCxnSpPr>
-          <p:nvPr/>
-        </p:nvCxnSpPr>
-        <p:spPr>
-          <a:xfrm>
-            <a:off x="2961861" y="3240157"/>
-            <a:ext cx="530087" cy="0"/>
-          </a:xfrm>
-          <a:prstGeom prst="straightConnector1">
+          <a:xfrm rot="5400000">
+            <a:off x="8647894" y="3805836"/>
+            <a:ext cx="768828" cy="1174720"/>
+          </a:xfrm>
+          <a:prstGeom prst="bentConnector3">
             <a:avLst/>
           </a:prstGeom>
           <a:ln>
@@ -7039,26 +6937,28 @@
       </p:cxnSp>
       <p:cxnSp>
         <p:nvCxnSpPr>
-          <p:cNvPr id="19" name="Straight Arrow Connector 18">
-            <a:extLst>
-              <a:ext uri="{FF2B5EF4-FFF2-40B4-BE49-F238E27FC236}">
-                <a16:creationId xmlns:a16="http://schemas.microsoft.com/office/drawing/2014/main" id="{EB246197-CC61-4453-88E7-ABAE160E1D06}"/>
+          <p:cNvPr id="29" name="Connector: Elbow 28">
+            <a:extLst>
+              <a:ext uri="{FF2B5EF4-FFF2-40B4-BE49-F238E27FC236}">
+                <a16:creationId xmlns:a16="http://schemas.microsoft.com/office/drawing/2014/main" id="{F09D36A3-9FE6-4B93-8CCF-AA62CE1A46CE}"/>
               </a:ext>
             </a:extLst>
           </p:cNvPr>
           <p:cNvCxnSpPr>
-            <a:stCxn id="5" idx="3"/>
-            <a:endCxn id="6" idx="1"/>
+            <a:stCxn id="5" idx="2"/>
+            <a:endCxn id="9" idx="0"/>
           </p:cNvCxnSpPr>
           <p:nvPr/>
         </p:nvCxnSpPr>
         <p:spPr>
-          <a:xfrm>
-            <a:off x="5652052" y="3240157"/>
-            <a:ext cx="530087" cy="0"/>
-          </a:xfrm>
-          <a:prstGeom prst="straightConnector1">
-            <a:avLst/>
+          <a:xfrm rot="16200000" flipH="1">
+            <a:off x="9912774" y="3715675"/>
+            <a:ext cx="626362" cy="1212575"/>
+          </a:xfrm>
+          <a:prstGeom prst="bentConnector3">
+            <a:avLst>
+              <a:gd name="adj1" fmla="val 60578"/>
+            </a:avLst>
           </a:prstGeom>
           <a:ln>
             <a:tailEnd type="triangle"/>
@@ -7081,25 +6981,25 @@
       </p:cxnSp>
       <p:cxnSp>
         <p:nvCxnSpPr>
-          <p:cNvPr id="21" name="Straight Arrow Connector 20">
-            <a:extLst>
-              <a:ext uri="{FF2B5EF4-FFF2-40B4-BE49-F238E27FC236}">
-                <a16:creationId xmlns:a16="http://schemas.microsoft.com/office/drawing/2014/main" id="{7BC8075D-EB05-434A-BD45-A8A73DCE93D7}"/>
+          <p:cNvPr id="33" name="Connector: Elbow 32">
+            <a:extLst>
+              <a:ext uri="{FF2B5EF4-FFF2-40B4-BE49-F238E27FC236}">
+                <a16:creationId xmlns:a16="http://schemas.microsoft.com/office/drawing/2014/main" id="{CC1DC71D-C4D0-494F-BA74-413098AA66F0}"/>
               </a:ext>
             </a:extLst>
           </p:cNvPr>
           <p:cNvCxnSpPr>
-            <a:stCxn id="6" idx="3"/>
-            <a:endCxn id="7" idx="1"/>
+            <a:stCxn id="24" idx="2"/>
+            <a:endCxn id="25" idx="0"/>
           </p:cNvCxnSpPr>
           <p:nvPr/>
         </p:nvCxnSpPr>
         <p:spPr>
-          <a:xfrm>
-            <a:off x="8342243" y="3240157"/>
-            <a:ext cx="642731" cy="0"/>
-          </a:xfrm>
-          <a:prstGeom prst="straightConnector1">
+          <a:xfrm rot="16200000" flipH="1">
+            <a:off x="8830111" y="5121315"/>
+            <a:ext cx="404392" cy="1174719"/>
+          </a:xfrm>
+          <a:prstGeom prst="bentConnector3">
             <a:avLst/>
           </a:prstGeom>
           <a:ln>
@@ -7123,26 +7023,28 @@
       </p:cxnSp>
       <p:cxnSp>
         <p:nvCxnSpPr>
-          <p:cNvPr id="23" name="Straight Arrow Connector 22">
-            <a:extLst>
-              <a:ext uri="{FF2B5EF4-FFF2-40B4-BE49-F238E27FC236}">
-                <a16:creationId xmlns:a16="http://schemas.microsoft.com/office/drawing/2014/main" id="{6DC34F64-96FC-49F1-B240-F3FAD5457283}"/>
+          <p:cNvPr id="35" name="Connector: Elbow 34">
+            <a:extLst>
+              <a:ext uri="{FF2B5EF4-FFF2-40B4-BE49-F238E27FC236}">
+                <a16:creationId xmlns:a16="http://schemas.microsoft.com/office/drawing/2014/main" id="{AC121EC4-AE27-4763-98B4-AF1453632E02}"/>
               </a:ext>
             </a:extLst>
           </p:cNvPr>
           <p:cNvCxnSpPr>
-            <a:stCxn id="8" idx="3"/>
-            <a:endCxn id="9" idx="1"/>
+            <a:stCxn id="9" idx="2"/>
+            <a:endCxn id="25" idx="0"/>
           </p:cNvCxnSpPr>
           <p:nvPr/>
         </p:nvCxnSpPr>
         <p:spPr>
-          <a:xfrm>
-            <a:off x="2961861" y="5658679"/>
-            <a:ext cx="530087" cy="0"/>
-          </a:xfrm>
-          <a:prstGeom prst="straightConnector1">
-            <a:avLst/>
+          <a:xfrm rot="5400000">
+            <a:off x="10094992" y="5173619"/>
+            <a:ext cx="261927" cy="1212576"/>
+          </a:xfrm>
+          <a:prstGeom prst="bentConnector3">
+            <a:avLst>
+              <a:gd name="adj1" fmla="val 29761"/>
+            </a:avLst>
           </a:prstGeom>
           <a:ln>
             <a:tailEnd type="triangle"/>
@@ -7163,96 +7065,12 @@
           </a:fontRef>
         </p:style>
       </p:cxnSp>
-      <p:cxnSp>
-        <p:nvCxnSpPr>
-          <p:cNvPr id="25" name="Straight Arrow Connector 24">
-            <a:extLst>
-              <a:ext uri="{FF2B5EF4-FFF2-40B4-BE49-F238E27FC236}">
-                <a16:creationId xmlns:a16="http://schemas.microsoft.com/office/drawing/2014/main" id="{40D9659F-532A-46AF-A4A8-94F8F08A9E72}"/>
-              </a:ext>
-            </a:extLst>
-          </p:cNvPr>
-          <p:cNvCxnSpPr>
-            <a:stCxn id="9" idx="3"/>
-            <a:endCxn id="10" idx="1"/>
-          </p:cNvCxnSpPr>
-          <p:nvPr/>
-        </p:nvCxnSpPr>
-        <p:spPr>
-          <a:xfrm flipV="1">
-            <a:off x="5652052" y="5648740"/>
-            <a:ext cx="530087" cy="9939"/>
-          </a:xfrm>
-          <a:prstGeom prst="straightConnector1">
-            <a:avLst/>
-          </a:prstGeom>
-          <a:ln>
-            <a:tailEnd type="triangle"/>
-          </a:ln>
-        </p:spPr>
-        <p:style>
-          <a:lnRef idx="1">
-            <a:schemeClr val="accent1"/>
-          </a:lnRef>
-          <a:fillRef idx="0">
-            <a:schemeClr val="accent1"/>
-          </a:fillRef>
-          <a:effectRef idx="0">
-            <a:schemeClr val="accent1"/>
-          </a:effectRef>
-          <a:fontRef idx="minor">
-            <a:schemeClr val="tx1"/>
-          </a:fontRef>
-        </p:style>
-      </p:cxnSp>
-      <p:cxnSp>
-        <p:nvCxnSpPr>
-          <p:cNvPr id="27" name="Straight Arrow Connector 26">
-            <a:extLst>
-              <a:ext uri="{FF2B5EF4-FFF2-40B4-BE49-F238E27FC236}">
-                <a16:creationId xmlns:a16="http://schemas.microsoft.com/office/drawing/2014/main" id="{BFCE5CD4-8226-44A0-9521-291FD0F334FB}"/>
-              </a:ext>
-            </a:extLst>
-          </p:cNvPr>
-          <p:cNvCxnSpPr>
-            <a:stCxn id="10" idx="3"/>
-            <a:endCxn id="11" idx="1"/>
-          </p:cNvCxnSpPr>
-          <p:nvPr/>
-        </p:nvCxnSpPr>
-        <p:spPr>
-          <a:xfrm>
-            <a:off x="8342243" y="5648740"/>
-            <a:ext cx="642731" cy="9939"/>
-          </a:xfrm>
-          <a:prstGeom prst="straightConnector1">
-            <a:avLst/>
-          </a:prstGeom>
-          <a:ln>
-            <a:tailEnd type="triangle"/>
-          </a:ln>
-        </p:spPr>
-        <p:style>
-          <a:lnRef idx="1">
-            <a:schemeClr val="accent1"/>
-          </a:lnRef>
-          <a:fillRef idx="0">
-            <a:schemeClr val="accent1"/>
-          </a:fillRef>
-          <a:effectRef idx="0">
-            <a:schemeClr val="accent1"/>
-          </a:effectRef>
-          <a:fontRef idx="minor">
-            <a:schemeClr val="tx1"/>
-          </a:fontRef>
-        </p:style>
-      </p:cxnSp>
-      <p:sp>
-        <p:nvSpPr>
-          <p:cNvPr id="28" name="TextBox 27">
-            <a:extLst>
-              <a:ext uri="{FF2B5EF4-FFF2-40B4-BE49-F238E27FC236}">
-                <a16:creationId xmlns:a16="http://schemas.microsoft.com/office/drawing/2014/main" id="{1169F9C5-BC80-4844-BAB8-A9B3DC4A2CAA}"/>
+      <p:sp>
+        <p:nvSpPr>
+          <p:cNvPr id="38" name="TextBox 37">
+            <a:extLst>
+              <a:ext uri="{FF2B5EF4-FFF2-40B4-BE49-F238E27FC236}">
+                <a16:creationId xmlns:a16="http://schemas.microsoft.com/office/drawing/2014/main" id="{EF0E47DC-0CDF-464B-B721-9EFA4EF63C54}"/>
               </a:ext>
             </a:extLst>
           </p:cNvPr>
@@ -7261,8 +7079,8 @@
         </p:nvSpPr>
         <p:spPr>
           <a:xfrm>
-            <a:off x="7129670" y="3594654"/>
-            <a:ext cx="1417982" cy="923330"/>
+            <a:off x="9619666" y="4048356"/>
+            <a:ext cx="1465209" cy="646331"/>
           </a:xfrm>
           <a:prstGeom prst="rect">
             <a:avLst/>
@@ -7270,259 +7088,441 @@
           <a:noFill/>
         </p:spPr>
         <p:txBody>
-          <a:bodyPr wrap="square" rtlCol="0">
+          <a:bodyPr wrap="none" rtlCol="0">
             <a:spAutoFit/>
           </a:bodyPr>
           <a:lstStyle/>
           <a:p>
             <a:r>
-              <a:rPr lang="en-GB" dirty="0"/>
-              <a:t>*50 Pounds for each hour approx.</a:t>
-            </a:r>
-            <a:endParaRPr lang="en-IN" dirty="0"/>
-          </a:p>
-        </p:txBody>
-      </p:sp>
-      <p:sp>
-        <p:nvSpPr>
-          <p:cNvPr id="29" name="Rectangle: Rounded Corners 28">
-            <a:extLst>
-              <a:ext uri="{FF2B5EF4-FFF2-40B4-BE49-F238E27FC236}">
-                <a16:creationId xmlns:a16="http://schemas.microsoft.com/office/drawing/2014/main" id="{5531D0E6-0C60-4487-BDF8-4C625AD17A59}"/>
-              </a:ext>
-            </a:extLst>
-          </p:cNvPr>
-          <p:cNvSpPr/>
-          <p:nvPr/>
-        </p:nvSpPr>
-        <p:spPr>
-          <a:xfrm>
-            <a:off x="801756" y="2080391"/>
-            <a:ext cx="2299253" cy="530279"/>
-          </a:xfrm>
-          <a:prstGeom prst="roundRect">
-            <a:avLst/>
-          </a:prstGeom>
-        </p:spPr>
-        <p:style>
-          <a:lnRef idx="2">
-            <a:schemeClr val="accent1">
-              <a:shade val="50000"/>
-            </a:schemeClr>
-          </a:lnRef>
-          <a:fillRef idx="1">
-            <a:schemeClr val="accent1"/>
-          </a:fillRef>
-          <a:effectRef idx="0">
-            <a:schemeClr val="accent1"/>
-          </a:effectRef>
-          <a:fontRef idx="minor">
-            <a:schemeClr val="lt1"/>
-          </a:fontRef>
-        </p:style>
-        <p:txBody>
-          <a:bodyPr rtlCol="0" anchor="ctr"/>
-          <a:lstStyle/>
+              <a:rPr lang="en-GB" dirty="0">
+                <a:solidFill>
+                  <a:srgbClr val="FF0000"/>
+                </a:solidFill>
+              </a:rPr>
+              <a:t>Device Serial </a:t>
+            </a:r>
+          </a:p>
           <a:p>
             <a:pPr algn="ctr"/>
             <a:r>
-              <a:rPr lang="en-GB" dirty="0"/>
-              <a:t>Without our Solution</a:t>
-            </a:r>
-            <a:endParaRPr lang="en-IN" dirty="0"/>
-          </a:p>
-        </p:txBody>
-      </p:sp>
-      <p:sp>
-        <p:nvSpPr>
-          <p:cNvPr id="31" name="Rectangle: Rounded Corners 30">
-            <a:extLst>
-              <a:ext uri="{FF2B5EF4-FFF2-40B4-BE49-F238E27FC236}">
-                <a16:creationId xmlns:a16="http://schemas.microsoft.com/office/drawing/2014/main" id="{7B7CD201-76A5-4770-B0C0-8D4FDCD38B9A}"/>
-              </a:ext>
-            </a:extLst>
-          </p:cNvPr>
-          <p:cNvSpPr/>
-          <p:nvPr/>
-        </p:nvSpPr>
-        <p:spPr>
-          <a:xfrm>
-            <a:off x="801757" y="4604940"/>
-            <a:ext cx="2020956" cy="530279"/>
-          </a:xfrm>
-          <a:prstGeom prst="roundRect">
-            <a:avLst/>
-          </a:prstGeom>
-        </p:spPr>
-        <p:style>
-          <a:lnRef idx="2">
-            <a:schemeClr val="accent1">
-              <a:shade val="50000"/>
-            </a:schemeClr>
-          </a:lnRef>
-          <a:fillRef idx="1">
-            <a:schemeClr val="accent1"/>
-          </a:fillRef>
-          <a:effectRef idx="0">
-            <a:schemeClr val="accent1"/>
-          </a:effectRef>
-          <a:fontRef idx="minor">
-            <a:schemeClr val="lt1"/>
-          </a:fontRef>
-        </p:style>
-        <p:txBody>
-          <a:bodyPr rtlCol="0" anchor="ctr"/>
-          <a:lstStyle/>
-          <a:p>
-            <a:pPr algn="ctr"/>
-            <a:r>
-              <a:rPr lang="en-GB" dirty="0"/>
-              <a:t>With our Solution</a:t>
-            </a:r>
-            <a:endParaRPr lang="en-IN" dirty="0"/>
-          </a:p>
-        </p:txBody>
-      </p:sp>
-      <p:cxnSp>
-        <p:nvCxnSpPr>
-          <p:cNvPr id="33" name="Straight Arrow Connector 32">
-            <a:extLst>
-              <a:ext uri="{FF2B5EF4-FFF2-40B4-BE49-F238E27FC236}">
-                <a16:creationId xmlns:a16="http://schemas.microsoft.com/office/drawing/2014/main" id="{E9001F28-7253-4556-B703-99C0424021FA}"/>
-              </a:ext>
-            </a:extLst>
-          </p:cNvPr>
-          <p:cNvCxnSpPr/>
-          <p:nvPr/>
-        </p:nvCxnSpPr>
-        <p:spPr>
-          <a:xfrm>
-            <a:off x="7129670" y="3594654"/>
-            <a:ext cx="0" cy="1689651"/>
-          </a:xfrm>
-          <a:prstGeom prst="straightConnector1">
-            <a:avLst/>
-          </a:prstGeom>
-          <a:ln>
-            <a:headEnd type="triangle"/>
-            <a:tailEnd type="triangle"/>
-          </a:ln>
-        </p:spPr>
-        <p:style>
-          <a:lnRef idx="1">
-            <a:schemeClr val="accent1"/>
-          </a:lnRef>
-          <a:fillRef idx="0">
-            <a:schemeClr val="accent1"/>
-          </a:fillRef>
-          <a:effectRef idx="0">
-            <a:schemeClr val="accent1"/>
-          </a:effectRef>
-          <a:fontRef idx="minor">
-            <a:schemeClr val="tx1"/>
-          </a:fontRef>
-        </p:style>
-      </p:cxnSp>
-      <p:sp>
-        <p:nvSpPr>
-          <p:cNvPr id="34" name="Oval 33">
-            <a:extLst>
-              <a:ext uri="{FF2B5EF4-FFF2-40B4-BE49-F238E27FC236}">
-                <a16:creationId xmlns:a16="http://schemas.microsoft.com/office/drawing/2014/main" id="{02EAF874-3FEE-472F-BEE0-1467FFA191E7}"/>
-              </a:ext>
-            </a:extLst>
-          </p:cNvPr>
-          <p:cNvSpPr/>
-          <p:nvPr/>
-        </p:nvSpPr>
-        <p:spPr>
-          <a:xfrm>
-            <a:off x="5612296" y="3951332"/>
-            <a:ext cx="1510746" cy="419564"/>
-          </a:xfrm>
-          <a:prstGeom prst="ellipse">
-            <a:avLst/>
-          </a:prstGeom>
-        </p:spPr>
-        <p:style>
-          <a:lnRef idx="2">
-            <a:schemeClr val="accent6"/>
-          </a:lnRef>
-          <a:fillRef idx="1">
-            <a:schemeClr val="lt1"/>
-          </a:fillRef>
-          <a:effectRef idx="0">
-            <a:schemeClr val="accent6"/>
-          </a:effectRef>
-          <a:fontRef idx="minor">
-            <a:schemeClr val="dk1"/>
-          </a:fontRef>
-        </p:style>
-        <p:txBody>
-          <a:bodyPr rtlCol="0" anchor="ctr"/>
-          <a:lstStyle/>
-          <a:p>
-            <a:pPr algn="ctr"/>
-            <a:r>
-              <a:rPr lang="en-GB" dirty="0"/>
-              <a:t>2390 Hrs </a:t>
-            </a:r>
-            <a:endParaRPr lang="en-IN" dirty="0"/>
-          </a:p>
-        </p:txBody>
-      </p:sp>
-      <p:sp>
-        <p:nvSpPr>
-          <p:cNvPr id="35" name="Oval 34">
-            <a:extLst>
-              <a:ext uri="{FF2B5EF4-FFF2-40B4-BE49-F238E27FC236}">
-                <a16:creationId xmlns:a16="http://schemas.microsoft.com/office/drawing/2014/main" id="{A274A189-8246-43F1-874B-FB1D795D2009}"/>
-              </a:ext>
-            </a:extLst>
-          </p:cNvPr>
-          <p:cNvSpPr/>
-          <p:nvPr/>
-        </p:nvSpPr>
-        <p:spPr>
-          <a:xfrm>
-            <a:off x="5744818" y="4310798"/>
-            <a:ext cx="1278833" cy="369404"/>
-          </a:xfrm>
-          <a:prstGeom prst="ellipse">
-            <a:avLst/>
-          </a:prstGeom>
-        </p:spPr>
-        <p:style>
-          <a:lnRef idx="2">
-            <a:schemeClr val="accent6"/>
-          </a:lnRef>
-          <a:fillRef idx="1">
-            <a:schemeClr val="lt1"/>
-          </a:fillRef>
-          <a:effectRef idx="0">
-            <a:schemeClr val="accent6"/>
-          </a:effectRef>
-          <a:fontRef idx="minor">
-            <a:schemeClr val="dk1"/>
-          </a:fontRef>
-        </p:style>
-        <p:txBody>
-          <a:bodyPr rtlCol="0" anchor="ctr"/>
-          <a:lstStyle/>
-          <a:p>
-            <a:pPr algn="ctr"/>
-            <a:r>
-              <a:rPr lang="en-GB" dirty="0"/>
-              <a:t>SAVED</a:t>
-            </a:r>
-            <a:endParaRPr lang="en-IN" dirty="0"/>
-          </a:p>
-        </p:txBody>
-      </p:sp>
+              <a:rPr lang="en-GB" dirty="0">
+                <a:solidFill>
+                  <a:srgbClr val="FF0000"/>
+                </a:solidFill>
+              </a:rPr>
+              <a:t>Number</a:t>
+            </a:r>
+            <a:endParaRPr lang="en-IN" dirty="0">
+              <a:solidFill>
+                <a:srgbClr val="FF0000"/>
+              </a:solidFill>
+            </a:endParaRPr>
+          </a:p>
+        </p:txBody>
+      </p:sp>
+      <p:pic>
+        <p:nvPicPr>
+          <p:cNvPr id="1026" name="Picture 2" descr="Java Logo, symbol, meaning, history, PNG, brand">
+            <a:extLst>
+              <a:ext uri="{FF2B5EF4-FFF2-40B4-BE49-F238E27FC236}">
+                <a16:creationId xmlns:a16="http://schemas.microsoft.com/office/drawing/2014/main" id="{C2F3A1E4-0283-46F0-AB4F-8ECE51BB322A}"/>
+              </a:ext>
+            </a:extLst>
+          </p:cNvPr>
+          <p:cNvPicPr>
+            <a:picLocks noChangeAspect="1" noChangeArrowheads="1"/>
+          </p:cNvPicPr>
+          <p:nvPr/>
+        </p:nvPicPr>
+        <p:blipFill>
+          <a:blip r:embed="rId2">
+            <a:extLst>
+              <a:ext uri="{28A0092B-C50C-407E-A947-70E740481C1C}">
+                <a14:useLocalDpi xmlns:a14="http://schemas.microsoft.com/office/drawing/2010/main" val="0"/>
+              </a:ext>
+            </a:extLst>
+          </a:blip>
+          <a:srcRect/>
+          <a:stretch>
+            <a:fillRect/>
+          </a:stretch>
+        </p:blipFill>
+        <p:spPr bwMode="auto">
+          <a:xfrm>
+            <a:off x="1950937" y="4048356"/>
+            <a:ext cx="1784274" cy="1003654"/>
+          </a:xfrm>
+          <a:prstGeom prst="rect">
+            <a:avLst/>
+          </a:prstGeom>
+          <a:noFill/>
+          <a:extLst>
+            <a:ext uri="{909E8E84-426E-40DD-AFC4-6F175D3DCCD1}">
+              <a14:hiddenFill xmlns:a14="http://schemas.microsoft.com/office/drawing/2010/main">
+                <a:solidFill>
+                  <a:srgbClr val="FFFFFF"/>
+                </a:solidFill>
+              </a14:hiddenFill>
+            </a:ext>
+          </a:extLst>
+        </p:spPr>
+      </p:pic>
+      <p:pic>
+        <p:nvPicPr>
+          <p:cNvPr id="1030" name="Picture 6">
+            <a:extLst>
+              <a:ext uri="{FF2B5EF4-FFF2-40B4-BE49-F238E27FC236}">
+                <a16:creationId xmlns:a16="http://schemas.microsoft.com/office/drawing/2014/main" id="{EAFF6852-07B3-4962-B79B-5175A0B37CC1}"/>
+              </a:ext>
+            </a:extLst>
+          </p:cNvPr>
+          <p:cNvPicPr>
+            <a:picLocks noChangeAspect="1" noChangeArrowheads="1"/>
+          </p:cNvPicPr>
+          <p:nvPr/>
+        </p:nvPicPr>
+        <p:blipFill>
+          <a:blip r:embed="rId3">
+            <a:extLst>
+              <a:ext uri="{28A0092B-C50C-407E-A947-70E740481C1C}">
+                <a14:useLocalDpi xmlns:a14="http://schemas.microsoft.com/office/drawing/2010/main" val="0"/>
+              </a:ext>
+            </a:extLst>
+          </a:blip>
+          <a:srcRect/>
+          <a:stretch>
+            <a:fillRect/>
+          </a:stretch>
+        </p:blipFill>
+        <p:spPr bwMode="auto">
+          <a:xfrm>
+            <a:off x="3281797" y="4163484"/>
+            <a:ext cx="773397" cy="773397"/>
+          </a:xfrm>
+          <a:prstGeom prst="rect">
+            <a:avLst/>
+          </a:prstGeom>
+          <a:noFill/>
+          <a:extLst>
+            <a:ext uri="{909E8E84-426E-40DD-AFC4-6F175D3DCCD1}">
+              <a14:hiddenFill xmlns:a14="http://schemas.microsoft.com/office/drawing/2010/main">
+                <a:solidFill>
+                  <a:srgbClr val="FFFFFF"/>
+                </a:solidFill>
+              </a14:hiddenFill>
+            </a:ext>
+          </a:extLst>
+        </p:spPr>
+      </p:pic>
+      <p:pic>
+        <p:nvPicPr>
+          <p:cNvPr id="1032" name="Picture 8" descr="React native, reactjs, javascript, react, atom, atomic, library icon -  Download on Iconfinder">
+            <a:extLst>
+              <a:ext uri="{FF2B5EF4-FFF2-40B4-BE49-F238E27FC236}">
+                <a16:creationId xmlns:a16="http://schemas.microsoft.com/office/drawing/2014/main" id="{5BD7AF47-DEAC-4D58-905F-5B442C115FE7}"/>
+              </a:ext>
+            </a:extLst>
+          </p:cNvPr>
+          <p:cNvPicPr>
+            <a:picLocks noChangeAspect="1" noChangeArrowheads="1"/>
+          </p:cNvPicPr>
+          <p:nvPr/>
+        </p:nvPicPr>
+        <p:blipFill>
+          <a:blip r:embed="rId4">
+            <a:extLst>
+              <a:ext uri="{28A0092B-C50C-407E-A947-70E740481C1C}">
+                <a14:useLocalDpi xmlns:a14="http://schemas.microsoft.com/office/drawing/2010/main" val="0"/>
+              </a:ext>
+            </a:extLst>
+          </a:blip>
+          <a:srcRect/>
+          <a:stretch>
+            <a:fillRect/>
+          </a:stretch>
+        </p:blipFill>
+        <p:spPr bwMode="auto">
+          <a:xfrm>
+            <a:off x="754022" y="4048356"/>
+            <a:ext cx="937135" cy="937135"/>
+          </a:xfrm>
+          <a:prstGeom prst="rect">
+            <a:avLst/>
+          </a:prstGeom>
+          <a:noFill/>
+          <a:extLst>
+            <a:ext uri="{909E8E84-426E-40DD-AFC4-6F175D3DCCD1}">
+              <a14:hiddenFill xmlns:a14="http://schemas.microsoft.com/office/drawing/2010/main">
+                <a:solidFill>
+                  <a:srgbClr val="FFFFFF"/>
+                </a:solidFill>
+              </a14:hiddenFill>
+            </a:ext>
+          </a:extLst>
+        </p:spPr>
+      </p:pic>
+      <p:pic>
+        <p:nvPicPr>
+          <p:cNvPr id="26" name="Picture 2" descr="Jira Logo and symbol, meaning, history, PNG">
+            <a:extLst>
+              <a:ext uri="{FF2B5EF4-FFF2-40B4-BE49-F238E27FC236}">
+                <a16:creationId xmlns:a16="http://schemas.microsoft.com/office/drawing/2014/main" id="{E24E4867-0549-4AF1-99DE-E83AA53227CB}"/>
+              </a:ext>
+            </a:extLst>
+          </p:cNvPr>
+          <p:cNvPicPr>
+            <a:picLocks noChangeAspect="1" noChangeArrowheads="1"/>
+          </p:cNvPicPr>
+          <p:nvPr/>
+        </p:nvPicPr>
+        <p:blipFill>
+          <a:blip r:embed="rId5">
+            <a:extLst>
+              <a:ext uri="{28A0092B-C50C-407E-A947-70E740481C1C}">
+                <a14:useLocalDpi xmlns:a14="http://schemas.microsoft.com/office/drawing/2010/main" val="0"/>
+              </a:ext>
+            </a:extLst>
+          </a:blip>
+          <a:srcRect/>
+          <a:stretch>
+            <a:fillRect/>
+          </a:stretch>
+        </p:blipFill>
+        <p:spPr bwMode="auto">
+          <a:xfrm>
+            <a:off x="5297757" y="3937237"/>
+            <a:ext cx="1280533" cy="868567"/>
+          </a:xfrm>
+          <a:prstGeom prst="rect">
+            <a:avLst/>
+          </a:prstGeom>
+          <a:noFill/>
+          <a:extLst>
+            <a:ext uri="{909E8E84-426E-40DD-AFC4-6F175D3DCCD1}">
+              <a14:hiddenFill xmlns:a14="http://schemas.microsoft.com/office/drawing/2010/main">
+                <a:solidFill>
+                  <a:srgbClr val="FFFFFF"/>
+                </a:solidFill>
+              </a14:hiddenFill>
+            </a:ext>
+          </a:extLst>
+        </p:spPr>
+      </p:pic>
+      <p:pic>
+        <p:nvPicPr>
+          <p:cNvPr id="28" name="Picture 27">
+            <a:extLst>
+              <a:ext uri="{FF2B5EF4-FFF2-40B4-BE49-F238E27FC236}">
+                <a16:creationId xmlns:a16="http://schemas.microsoft.com/office/drawing/2014/main" id="{45D7A238-E43C-4ABC-97FC-DB8043125304}"/>
+              </a:ext>
+            </a:extLst>
+          </p:cNvPr>
+          <p:cNvPicPr>
+            <a:picLocks noChangeAspect="1"/>
+          </p:cNvPicPr>
+          <p:nvPr/>
+        </p:nvPicPr>
+        <p:blipFill>
+          <a:blip r:embed="rId6"/>
+          <a:stretch>
+            <a:fillRect/>
+          </a:stretch>
+        </p:blipFill>
+        <p:spPr>
+          <a:xfrm>
+            <a:off x="10419707" y="2961948"/>
+            <a:ext cx="675861" cy="675861"/>
+          </a:xfrm>
+          <a:prstGeom prst="rect">
+            <a:avLst/>
+          </a:prstGeom>
+        </p:spPr>
+      </p:pic>
+      <p:pic>
+        <p:nvPicPr>
+          <p:cNvPr id="1034" name="Picture 10" descr="Employee - Free user icons">
+            <a:extLst>
+              <a:ext uri="{FF2B5EF4-FFF2-40B4-BE49-F238E27FC236}">
+                <a16:creationId xmlns:a16="http://schemas.microsoft.com/office/drawing/2014/main" id="{F3C45FFD-9B09-44A6-B4DC-B283698B7FFB}"/>
+              </a:ext>
+            </a:extLst>
+          </p:cNvPr>
+          <p:cNvPicPr>
+            <a:picLocks noChangeAspect="1" noChangeArrowheads="1"/>
+          </p:cNvPicPr>
+          <p:nvPr/>
+        </p:nvPicPr>
+        <p:blipFill>
+          <a:blip r:embed="rId7">
+            <a:extLst>
+              <a:ext uri="{28A0092B-C50C-407E-A947-70E740481C1C}">
+                <a14:useLocalDpi xmlns:a14="http://schemas.microsoft.com/office/drawing/2010/main" val="0"/>
+              </a:ext>
+            </a:extLst>
+          </a:blip>
+          <a:srcRect/>
+          <a:stretch>
+            <a:fillRect/>
+          </a:stretch>
+        </p:blipFill>
+        <p:spPr bwMode="auto">
+          <a:xfrm>
+            <a:off x="10717141" y="5864012"/>
+            <a:ext cx="822586" cy="822586"/>
+          </a:xfrm>
+          <a:prstGeom prst="rect">
+            <a:avLst/>
+          </a:prstGeom>
+          <a:noFill/>
+          <a:extLst>
+            <a:ext uri="{909E8E84-426E-40DD-AFC4-6F175D3DCCD1}">
+              <a14:hiddenFill xmlns:a14="http://schemas.microsoft.com/office/drawing/2010/main">
+                <a:solidFill>
+                  <a:srgbClr val="FFFFFF"/>
+                </a:solidFill>
+              </a14:hiddenFill>
+            </a:ext>
+          </a:extLst>
+        </p:spPr>
+      </p:pic>
+      <p:pic>
+        <p:nvPicPr>
+          <p:cNvPr id="1036" name="Picture 12">
+            <a:extLst>
+              <a:ext uri="{FF2B5EF4-FFF2-40B4-BE49-F238E27FC236}">
+                <a16:creationId xmlns:a16="http://schemas.microsoft.com/office/drawing/2014/main" id="{08CCDEC5-A18B-4717-BC9B-5EA25B01C0F8}"/>
+              </a:ext>
+            </a:extLst>
+          </p:cNvPr>
+          <p:cNvPicPr>
+            <a:picLocks noChangeAspect="1" noChangeArrowheads="1"/>
+          </p:cNvPicPr>
+          <p:nvPr/>
+        </p:nvPicPr>
+        <p:blipFill>
+          <a:blip r:embed="rId8">
+            <a:extLst>
+              <a:ext uri="{28A0092B-C50C-407E-A947-70E740481C1C}">
+                <a14:useLocalDpi xmlns:a14="http://schemas.microsoft.com/office/drawing/2010/main" val="0"/>
+              </a:ext>
+            </a:extLst>
+          </a:blip>
+          <a:srcRect/>
+          <a:stretch>
+            <a:fillRect/>
+          </a:stretch>
+        </p:blipFill>
+        <p:spPr bwMode="auto">
+          <a:xfrm>
+            <a:off x="6788249" y="4091393"/>
+            <a:ext cx="520340" cy="543751"/>
+          </a:xfrm>
+          <a:prstGeom prst="rect">
+            <a:avLst/>
+          </a:prstGeom>
+          <a:noFill/>
+          <a:extLst>
+            <a:ext uri="{909E8E84-426E-40DD-AFC4-6F175D3DCCD1}">
+              <a14:hiddenFill xmlns:a14="http://schemas.microsoft.com/office/drawing/2010/main">
+                <a:solidFill>
+                  <a:srgbClr val="FFFFFF"/>
+                </a:solidFill>
+              </a14:hiddenFill>
+            </a:ext>
+          </a:extLst>
+        </p:spPr>
+      </p:pic>
+      <p:pic>
+        <p:nvPicPr>
+          <p:cNvPr id="30" name="Picture 29">
+            <a:extLst>
+              <a:ext uri="{FF2B5EF4-FFF2-40B4-BE49-F238E27FC236}">
+                <a16:creationId xmlns:a16="http://schemas.microsoft.com/office/drawing/2014/main" id="{72106204-8D4E-4439-8A7E-83CE34501750}"/>
+              </a:ext>
+            </a:extLst>
+          </p:cNvPr>
+          <p:cNvPicPr>
+            <a:picLocks noChangeAspect="1"/>
+          </p:cNvPicPr>
+          <p:nvPr/>
+        </p:nvPicPr>
+        <p:blipFill rotWithShape="1">
+          <a:blip r:embed="rId9"/>
+          <a:srcRect l="13836" t="20766" r="8060" b="20719"/>
+          <a:stretch/>
+        </p:blipFill>
+        <p:spPr>
+          <a:xfrm>
+            <a:off x="1757906" y="2133500"/>
+            <a:ext cx="972866" cy="728867"/>
+          </a:xfrm>
+          <a:prstGeom prst="rect">
+            <a:avLst/>
+          </a:prstGeom>
+        </p:spPr>
+      </p:pic>
+      <p:pic>
+        <p:nvPicPr>
+          <p:cNvPr id="31" name="Picture 30">
+            <a:extLst>
+              <a:ext uri="{FF2B5EF4-FFF2-40B4-BE49-F238E27FC236}">
+                <a16:creationId xmlns:a16="http://schemas.microsoft.com/office/drawing/2014/main" id="{E083BDFB-6AB7-4E59-9410-BB3BEA179CE8}"/>
+              </a:ext>
+            </a:extLst>
+          </p:cNvPr>
+          <p:cNvPicPr>
+            <a:picLocks noChangeAspect="1"/>
+          </p:cNvPicPr>
+          <p:nvPr/>
+        </p:nvPicPr>
+        <p:blipFill rotWithShape="1">
+          <a:blip r:embed="rId10"/>
+          <a:srcRect l="6805" t="6985" r="6804" b="6697"/>
+          <a:stretch/>
+        </p:blipFill>
+        <p:spPr>
+          <a:xfrm>
+            <a:off x="9004693" y="4694687"/>
+            <a:ext cx="321191" cy="323058"/>
+          </a:xfrm>
+          <a:prstGeom prst="rect">
+            <a:avLst/>
+          </a:prstGeom>
+        </p:spPr>
+      </p:pic>
+      <p:pic>
+        <p:nvPicPr>
+          <p:cNvPr id="32" name="Picture 31">
+            <a:extLst>
+              <a:ext uri="{FF2B5EF4-FFF2-40B4-BE49-F238E27FC236}">
+                <a16:creationId xmlns:a16="http://schemas.microsoft.com/office/drawing/2014/main" id="{F85FDBC7-8251-4CB8-98DA-9F39DB24D915}"/>
+              </a:ext>
+            </a:extLst>
+          </p:cNvPr>
+          <p:cNvPicPr>
+            <a:picLocks noChangeAspect="1"/>
+          </p:cNvPicPr>
+          <p:nvPr/>
+        </p:nvPicPr>
+        <p:blipFill rotWithShape="1">
+          <a:blip r:embed="rId10"/>
+          <a:srcRect l="6805" t="6985" r="6804" b="6697"/>
+          <a:stretch/>
+        </p:blipFill>
+        <p:spPr>
+          <a:xfrm>
+            <a:off x="11358289" y="4550182"/>
+            <a:ext cx="321191" cy="323058"/>
+          </a:xfrm>
+          <a:prstGeom prst="rect">
+            <a:avLst/>
+          </a:prstGeom>
+        </p:spPr>
+      </p:pic>
     </p:spTree>
     <p:extLst>
       <p:ext uri="{BB962C8B-B14F-4D97-AF65-F5344CB8AC3E}">
-        <p14:creationId xmlns:p14="http://schemas.microsoft.com/office/powerpoint/2010/main" val="2548067499"/>
+        <p14:creationId xmlns:p14="http://schemas.microsoft.com/office/powerpoint/2010/main" val="3194559775"/>
       </p:ext>
     </p:extLst>
   </p:cSld>
@@ -7554,7 +7554,7 @@
           <p:cNvPr id="2" name="Title 1">
             <a:extLst>
               <a:ext uri="{FF2B5EF4-FFF2-40B4-BE49-F238E27FC236}">
-                <a16:creationId xmlns:a16="http://schemas.microsoft.com/office/drawing/2014/main" id="{DCF6E103-5F68-4BC5-B6E4-B0B34D460CB2}"/>
+                <a16:creationId xmlns:a16="http://schemas.microsoft.com/office/drawing/2014/main" id="{EE9701BD-298B-449B-956F-060BEA3FF60C}"/>
               </a:ext>
             </a:extLst>
           </p:cNvPr>
@@ -7572,7 +7572,7 @@
           <a:p>
             <a:r>
               <a:rPr lang="en-GB" dirty="0"/>
-              <a:t>Our future  vision </a:t>
+              <a:t>Tech used</a:t>
             </a:r>
             <a:endParaRPr lang="en-IN" dirty="0"/>
           </a:p>
@@ -7580,1415 +7580,115 @@
       </p:sp>
       <p:sp>
         <p:nvSpPr>
-          <p:cNvPr id="4" name="Rectangle: Rounded Corners 3">
-            <a:extLst>
-              <a:ext uri="{FF2B5EF4-FFF2-40B4-BE49-F238E27FC236}">
-                <a16:creationId xmlns:a16="http://schemas.microsoft.com/office/drawing/2014/main" id="{80079FEE-7216-472D-9932-47F15447B564}"/>
-              </a:ext>
-            </a:extLst>
-          </p:cNvPr>
-          <p:cNvSpPr/>
-          <p:nvPr/>
-        </p:nvSpPr>
-        <p:spPr>
-          <a:xfrm>
-            <a:off x="638336" y="2196447"/>
-            <a:ext cx="1402371" cy="609600"/>
-          </a:xfrm>
-          <a:prstGeom prst="roundRect">
-            <a:avLst/>
-          </a:prstGeom>
-        </p:spPr>
-        <p:style>
-          <a:lnRef idx="2">
-            <a:schemeClr val="accent6"/>
-          </a:lnRef>
-          <a:fillRef idx="1">
-            <a:schemeClr val="lt1"/>
-          </a:fillRef>
-          <a:effectRef idx="0">
-            <a:schemeClr val="accent6"/>
-          </a:effectRef>
-          <a:fontRef idx="minor">
-            <a:schemeClr val="dk1"/>
-          </a:fontRef>
-        </p:style>
-        <p:txBody>
-          <a:bodyPr rtlCol="0" anchor="ctr"/>
+          <p:cNvPr id="3" name="Content Placeholder 2">
+            <a:extLst>
+              <a:ext uri="{FF2B5EF4-FFF2-40B4-BE49-F238E27FC236}">
+                <a16:creationId xmlns:a16="http://schemas.microsoft.com/office/drawing/2014/main" id="{4D0088BB-40FB-4AB3-8843-93D142093663}"/>
+              </a:ext>
+            </a:extLst>
+          </p:cNvPr>
+          <p:cNvSpPr>
+            <a:spLocks noGrp="1"/>
+          </p:cNvSpPr>
+          <p:nvPr>
+            <p:ph idx="1"/>
+          </p:nvPr>
+        </p:nvSpPr>
+        <p:spPr/>
+        <p:txBody>
+          <a:bodyPr>
+            <a:normAutofit lnSpcReduction="10000"/>
+          </a:bodyPr>
           <a:lstStyle/>
           <a:p>
-            <a:pPr algn="ctr"/>
             <a:r>
               <a:rPr lang="en-GB" dirty="0"/>
-              <a:t>PERSONAS</a:t>
-            </a:r>
-            <a:endParaRPr lang="en-IN" dirty="0"/>
-          </a:p>
-        </p:txBody>
-      </p:sp>
-      <p:sp>
-        <p:nvSpPr>
-          <p:cNvPr id="6" name="Rectangle: Rounded Corners 5">
-            <a:extLst>
-              <a:ext uri="{FF2B5EF4-FFF2-40B4-BE49-F238E27FC236}">
-                <a16:creationId xmlns:a16="http://schemas.microsoft.com/office/drawing/2014/main" id="{2B649645-605B-48EA-97BF-B791CA040129}"/>
-              </a:ext>
-            </a:extLst>
-          </p:cNvPr>
-          <p:cNvSpPr/>
-          <p:nvPr/>
-        </p:nvSpPr>
-        <p:spPr>
-          <a:xfrm>
-            <a:off x="2365512" y="5473558"/>
-            <a:ext cx="1596887" cy="609600"/>
-          </a:xfrm>
-          <a:prstGeom prst="roundRect">
-            <a:avLst/>
-          </a:prstGeom>
-        </p:spPr>
-        <p:style>
-          <a:lnRef idx="2">
-            <a:schemeClr val="accent6"/>
-          </a:lnRef>
-          <a:fillRef idx="1">
-            <a:schemeClr val="lt1"/>
-          </a:fillRef>
-          <a:effectRef idx="0">
-            <a:schemeClr val="accent6"/>
-          </a:effectRef>
-          <a:fontRef idx="minor">
-            <a:schemeClr val="dk1"/>
-          </a:fontRef>
-        </p:style>
-        <p:txBody>
-          <a:bodyPr rtlCol="0" anchor="ctr"/>
-          <a:lstStyle/>
-          <a:p>
-            <a:pPr algn="ctr"/>
+              <a:t>Tools download: </a:t>
+            </a:r>
+          </a:p>
+          <a:p>
+            <a:pPr marL="0" indent="0">
+              <a:buNone/>
+            </a:pPr>
             <a:r>
               <a:rPr lang="en-GB" dirty="0"/>
-              <a:t>CIBP&amp;M</a:t>
-            </a:r>
-            <a:endParaRPr lang="en-IN" dirty="0"/>
-          </a:p>
-        </p:txBody>
-      </p:sp>
-      <p:sp>
-        <p:nvSpPr>
-          <p:cNvPr id="7" name="Rectangle: Rounded Corners 6">
-            <a:extLst>
-              <a:ext uri="{FF2B5EF4-FFF2-40B4-BE49-F238E27FC236}">
-                <a16:creationId xmlns:a16="http://schemas.microsoft.com/office/drawing/2014/main" id="{4A132ECA-C733-428F-9A81-1D55952536B7}"/>
-              </a:ext>
-            </a:extLst>
-          </p:cNvPr>
-          <p:cNvSpPr/>
-          <p:nvPr/>
-        </p:nvSpPr>
-        <p:spPr>
-          <a:xfrm>
-            <a:off x="2365512" y="3419060"/>
-            <a:ext cx="1596887" cy="609600"/>
-          </a:xfrm>
-          <a:prstGeom prst="roundRect">
-            <a:avLst/>
-          </a:prstGeom>
-        </p:spPr>
-        <p:style>
-          <a:lnRef idx="2">
-            <a:schemeClr val="accent6"/>
-          </a:lnRef>
-          <a:fillRef idx="1">
-            <a:schemeClr val="lt1"/>
-          </a:fillRef>
-          <a:effectRef idx="0">
-            <a:schemeClr val="accent6"/>
-          </a:effectRef>
-          <a:fontRef idx="minor">
-            <a:schemeClr val="dk1"/>
-          </a:fontRef>
-        </p:style>
-        <p:txBody>
-          <a:bodyPr rtlCol="0" anchor="ctr"/>
-          <a:lstStyle/>
-          <a:p>
-            <a:pPr algn="ctr"/>
+              <a:t>	Front-End: React JS</a:t>
+            </a:r>
+          </a:p>
+          <a:p>
+            <a:pPr marL="0" indent="0">
+              <a:buNone/>
+            </a:pPr>
             <a:r>
               <a:rPr lang="en-GB" dirty="0"/>
-              <a:t>DATA &amp; ML</a:t>
-            </a:r>
-            <a:endParaRPr lang="en-IN" dirty="0"/>
-          </a:p>
-        </p:txBody>
-      </p:sp>
-      <p:sp>
-        <p:nvSpPr>
-          <p:cNvPr id="8" name="Rectangle: Rounded Corners 7">
-            <a:extLst>
-              <a:ext uri="{FF2B5EF4-FFF2-40B4-BE49-F238E27FC236}">
-                <a16:creationId xmlns:a16="http://schemas.microsoft.com/office/drawing/2014/main" id="{2FCE15F3-770C-49AF-A8BE-9FBA6A734BBA}"/>
-              </a:ext>
-            </a:extLst>
-          </p:cNvPr>
-          <p:cNvSpPr/>
-          <p:nvPr/>
-        </p:nvSpPr>
-        <p:spPr>
-          <a:xfrm>
-            <a:off x="541079" y="3419061"/>
-            <a:ext cx="1596887" cy="609600"/>
-          </a:xfrm>
-          <a:prstGeom prst="roundRect">
-            <a:avLst/>
-          </a:prstGeom>
-        </p:spPr>
-        <p:style>
-          <a:lnRef idx="2">
-            <a:schemeClr val="accent6"/>
-          </a:lnRef>
-          <a:fillRef idx="1">
-            <a:schemeClr val="lt1"/>
-          </a:fillRef>
-          <a:effectRef idx="0">
-            <a:schemeClr val="accent6"/>
-          </a:effectRef>
-          <a:fontRef idx="minor">
-            <a:schemeClr val="dk1"/>
-          </a:fontRef>
-        </p:style>
-        <p:txBody>
-          <a:bodyPr rtlCol="0" anchor="ctr"/>
-          <a:lstStyle/>
-          <a:p>
-            <a:pPr algn="ctr"/>
+              <a:t>	Back-End: Java, </a:t>
+            </a:r>
+            <a:r>
+              <a:rPr lang="en-GB" dirty="0" err="1"/>
+              <a:t>Springboot</a:t>
+            </a:r>
             <a:r>
               <a:rPr lang="en-GB" dirty="0"/>
-              <a:t>PLATFORM</a:t>
-            </a:r>
-            <a:endParaRPr lang="en-IN" dirty="0"/>
-          </a:p>
-        </p:txBody>
-      </p:sp>
-      <p:sp>
-        <p:nvSpPr>
-          <p:cNvPr id="9" name="Rectangle: Rounded Corners 8">
-            <a:extLst>
-              <a:ext uri="{FF2B5EF4-FFF2-40B4-BE49-F238E27FC236}">
-                <a16:creationId xmlns:a16="http://schemas.microsoft.com/office/drawing/2014/main" id="{8E6C53D3-6484-450C-9511-BD1D4E5E3312}"/>
-              </a:ext>
-            </a:extLst>
-          </p:cNvPr>
-          <p:cNvSpPr/>
-          <p:nvPr/>
-        </p:nvSpPr>
-        <p:spPr>
-          <a:xfrm>
-            <a:off x="2365512" y="4456248"/>
-            <a:ext cx="1596887" cy="609600"/>
-          </a:xfrm>
-          <a:prstGeom prst="roundRect">
-            <a:avLst/>
-          </a:prstGeom>
-        </p:spPr>
-        <p:style>
-          <a:lnRef idx="2">
-            <a:schemeClr val="accent6"/>
-          </a:lnRef>
-          <a:fillRef idx="1">
-            <a:schemeClr val="lt1"/>
-          </a:fillRef>
-          <a:effectRef idx="0">
-            <a:schemeClr val="accent6"/>
-          </a:effectRef>
-          <a:fontRef idx="minor">
-            <a:schemeClr val="dk1"/>
-          </a:fontRef>
-        </p:style>
-        <p:txBody>
-          <a:bodyPr rtlCol="0" anchor="ctr"/>
-          <a:lstStyle/>
-          <a:p>
-            <a:pPr algn="ctr"/>
+              <a:t> and PowerShell (153)</a:t>
+            </a:r>
+          </a:p>
+          <a:p>
             <a:r>
               <a:rPr lang="en-GB" dirty="0"/>
-              <a:t>CHANNEL ENABLING</a:t>
-            </a:r>
-            <a:endParaRPr lang="en-IN" dirty="0"/>
-          </a:p>
-        </p:txBody>
-      </p:sp>
-      <p:sp>
-        <p:nvSpPr>
-          <p:cNvPr id="10" name="Rectangle: Rounded Corners 9">
-            <a:extLst>
-              <a:ext uri="{FF2B5EF4-FFF2-40B4-BE49-F238E27FC236}">
-                <a16:creationId xmlns:a16="http://schemas.microsoft.com/office/drawing/2014/main" id="{57B73731-D5B6-44AD-9012-5EDFE6EB7A1B}"/>
-              </a:ext>
-            </a:extLst>
-          </p:cNvPr>
-          <p:cNvSpPr/>
-          <p:nvPr/>
-        </p:nvSpPr>
-        <p:spPr>
-          <a:xfrm>
-            <a:off x="4620991" y="2365460"/>
-            <a:ext cx="1596887" cy="609600"/>
-          </a:xfrm>
-          <a:prstGeom prst="roundRect">
-            <a:avLst/>
-          </a:prstGeom>
-        </p:spPr>
-        <p:style>
-          <a:lnRef idx="2">
-            <a:schemeClr val="accent6"/>
-          </a:lnRef>
-          <a:fillRef idx="1">
-            <a:schemeClr val="lt1"/>
-          </a:fillRef>
-          <a:effectRef idx="0">
-            <a:schemeClr val="accent6"/>
-          </a:effectRef>
-          <a:fontRef idx="minor">
-            <a:schemeClr val="dk1"/>
-          </a:fontRef>
-        </p:style>
-        <p:txBody>
-          <a:bodyPr rtlCol="0" anchor="ctr"/>
-          <a:lstStyle/>
-          <a:p>
-            <a:pPr algn="ctr"/>
+              <a:t>Automation of Jira:</a:t>
+            </a:r>
+          </a:p>
+          <a:p>
+            <a:pPr marL="0" indent="0">
+              <a:buNone/>
+            </a:pPr>
             <a:r>
               <a:rPr lang="en-GB" dirty="0"/>
-              <a:t>AI &amp; ANALYTICS</a:t>
-            </a:r>
-            <a:endParaRPr lang="en-IN" dirty="0"/>
-          </a:p>
-        </p:txBody>
-      </p:sp>
-      <p:sp>
-        <p:nvSpPr>
-          <p:cNvPr id="11" name="Rectangle: Rounded Corners 10">
-            <a:extLst>
-              <a:ext uri="{FF2B5EF4-FFF2-40B4-BE49-F238E27FC236}">
-                <a16:creationId xmlns:a16="http://schemas.microsoft.com/office/drawing/2014/main" id="{8BC05A65-9F4E-45D6-9446-5D7776EBAFF8}"/>
-              </a:ext>
-            </a:extLst>
-          </p:cNvPr>
-          <p:cNvSpPr/>
-          <p:nvPr/>
-        </p:nvSpPr>
-        <p:spPr>
-          <a:xfrm>
-            <a:off x="4483973" y="3226852"/>
-            <a:ext cx="1870922" cy="994017"/>
-          </a:xfrm>
-          <a:prstGeom prst="roundRect">
-            <a:avLst/>
-          </a:prstGeom>
-        </p:spPr>
-        <p:style>
-          <a:lnRef idx="2">
-            <a:schemeClr val="accent6"/>
-          </a:lnRef>
-          <a:fillRef idx="1">
-            <a:schemeClr val="lt1"/>
-          </a:fillRef>
-          <a:effectRef idx="0">
-            <a:schemeClr val="accent6"/>
-          </a:effectRef>
-          <a:fontRef idx="minor">
-            <a:schemeClr val="dk1"/>
-          </a:fontRef>
-        </p:style>
-        <p:txBody>
-          <a:bodyPr rtlCol="0" anchor="ctr"/>
-          <a:lstStyle/>
-          <a:p>
-            <a:pPr algn="ctr"/>
+              <a:t>	Selenium and Java (76 lines) </a:t>
+            </a:r>
+          </a:p>
+          <a:p>
             <a:r>
               <a:rPr lang="en-GB" dirty="0"/>
-              <a:t>ENTERPRISE DATA PROVISIONING</a:t>
-            </a:r>
-            <a:endParaRPr lang="en-IN" dirty="0"/>
-          </a:p>
-        </p:txBody>
-      </p:sp>
-      <p:sp>
-        <p:nvSpPr>
-          <p:cNvPr id="12" name="Rectangle: Rounded Corners 11">
-            <a:extLst>
-              <a:ext uri="{FF2B5EF4-FFF2-40B4-BE49-F238E27FC236}">
-                <a16:creationId xmlns:a16="http://schemas.microsoft.com/office/drawing/2014/main" id="{D9ABD476-2A20-4995-848A-A54F318878BE}"/>
-              </a:ext>
-            </a:extLst>
-          </p:cNvPr>
-          <p:cNvSpPr/>
-          <p:nvPr/>
-        </p:nvSpPr>
-        <p:spPr>
-          <a:xfrm>
-            <a:off x="9285047" y="1891647"/>
-            <a:ext cx="2325759" cy="609600"/>
-          </a:xfrm>
-          <a:prstGeom prst="roundRect">
-            <a:avLst/>
-          </a:prstGeom>
-        </p:spPr>
-        <p:style>
-          <a:lnRef idx="2">
-            <a:schemeClr val="accent6"/>
-          </a:lnRef>
-          <a:fillRef idx="1">
-            <a:schemeClr val="lt1"/>
-          </a:fillRef>
-          <a:effectRef idx="0">
-            <a:schemeClr val="accent6"/>
-          </a:effectRef>
-          <a:fontRef idx="minor">
-            <a:schemeClr val="dk1"/>
-          </a:fontRef>
-        </p:style>
-        <p:txBody>
-          <a:bodyPr rtlCol="0" anchor="ctr"/>
-          <a:lstStyle/>
-          <a:p>
-            <a:pPr algn="ctr"/>
+              <a:t>Remote Machine Simulation: </a:t>
+            </a:r>
+          </a:p>
+          <a:p>
+            <a:pPr marL="0" indent="0">
+              <a:buNone/>
+            </a:pPr>
             <a:r>
               <a:rPr lang="en-GB" dirty="0"/>
-              <a:t>Tools: MySQL, Python, Java, etc</a:t>
-            </a:r>
-            <a:endParaRPr lang="en-IN" dirty="0"/>
-          </a:p>
-        </p:txBody>
-      </p:sp>
-      <p:sp>
-        <p:nvSpPr>
-          <p:cNvPr id="13" name="Rectangle: Rounded Corners 12">
-            <a:extLst>
-              <a:ext uri="{FF2B5EF4-FFF2-40B4-BE49-F238E27FC236}">
-                <a16:creationId xmlns:a16="http://schemas.microsoft.com/office/drawing/2014/main" id="{AF30BF20-7B54-4620-8B89-BE40FB0F163B}"/>
-              </a:ext>
-            </a:extLst>
-          </p:cNvPr>
-          <p:cNvSpPr/>
-          <p:nvPr/>
-        </p:nvSpPr>
-        <p:spPr>
-          <a:xfrm>
-            <a:off x="9285049" y="2676939"/>
-            <a:ext cx="2325759" cy="609600"/>
-          </a:xfrm>
-          <a:prstGeom prst="roundRect">
-            <a:avLst/>
-          </a:prstGeom>
-        </p:spPr>
-        <p:style>
-          <a:lnRef idx="2">
-            <a:schemeClr val="accent6"/>
-          </a:lnRef>
-          <a:fillRef idx="1">
-            <a:schemeClr val="lt1"/>
-          </a:fillRef>
-          <a:effectRef idx="0">
-            <a:schemeClr val="accent6"/>
-          </a:effectRef>
-          <a:fontRef idx="minor">
-            <a:schemeClr val="dk1"/>
-          </a:fontRef>
-        </p:style>
-        <p:txBody>
-          <a:bodyPr rtlCol="0" anchor="ctr"/>
-          <a:lstStyle/>
-          <a:p>
-            <a:pPr algn="ctr"/>
+              <a:t>	GCP Compute Engine: Windows Server 2022, E2 standard, Balanced SSD</a:t>
+            </a:r>
+          </a:p>
+          <a:p>
+            <a:pPr marL="0" indent="0">
+              <a:buNone/>
+            </a:pPr>
             <a:r>
               <a:rPr lang="en-GB" dirty="0"/>
-              <a:t>Tickets: Win365, GCP DA Personas, etc</a:t>
-            </a:r>
-            <a:endParaRPr lang="en-IN" dirty="0"/>
-          </a:p>
-        </p:txBody>
-      </p:sp>
-      <p:sp>
-        <p:nvSpPr>
-          <p:cNvPr id="14" name="Rectangle: Rounded Corners 13">
-            <a:extLst>
-              <a:ext uri="{FF2B5EF4-FFF2-40B4-BE49-F238E27FC236}">
-                <a16:creationId xmlns:a16="http://schemas.microsoft.com/office/drawing/2014/main" id="{8A833FFF-E301-40F4-9988-361FFDA7A067}"/>
-              </a:ext>
-            </a:extLst>
-          </p:cNvPr>
-          <p:cNvSpPr/>
-          <p:nvPr/>
-        </p:nvSpPr>
-        <p:spPr>
-          <a:xfrm>
-            <a:off x="9285048" y="4247522"/>
-            <a:ext cx="2325759" cy="609600"/>
-          </a:xfrm>
-          <a:prstGeom prst="roundRect">
-            <a:avLst/>
-          </a:prstGeom>
-        </p:spPr>
-        <p:style>
-          <a:lnRef idx="2">
-            <a:schemeClr val="accent6"/>
-          </a:lnRef>
-          <a:fillRef idx="1">
-            <a:schemeClr val="lt1"/>
-          </a:fillRef>
-          <a:effectRef idx="0">
-            <a:schemeClr val="accent6"/>
-          </a:effectRef>
-          <a:fontRef idx="minor">
-            <a:schemeClr val="dk1"/>
-          </a:fontRef>
-        </p:style>
-        <p:txBody>
-          <a:bodyPr rtlCol="0" anchor="ctr"/>
-          <a:lstStyle/>
-          <a:p>
-            <a:pPr algn="ctr"/>
+              <a:t>	GCP VPC Networks: Ingress Port 3389</a:t>
+            </a:r>
+          </a:p>
+          <a:p>
+            <a:pPr marL="0" indent="0">
+              <a:buNone/>
+            </a:pPr>
             <a:r>
               <a:rPr lang="en-GB" dirty="0"/>
-              <a:t>Tickets: Win365, GCP DE Personas, etc</a:t>
-            </a:r>
-            <a:endParaRPr lang="en-IN" dirty="0"/>
-          </a:p>
-        </p:txBody>
-      </p:sp>
-      <p:sp>
-        <p:nvSpPr>
-          <p:cNvPr id="15" name="Rectangle: Rounded Corners 14">
-            <a:extLst>
-              <a:ext uri="{FF2B5EF4-FFF2-40B4-BE49-F238E27FC236}">
-                <a16:creationId xmlns:a16="http://schemas.microsoft.com/office/drawing/2014/main" id="{7CEB6E63-6D76-42E9-BDCE-83E2C5FA3B74}"/>
-              </a:ext>
-            </a:extLst>
-          </p:cNvPr>
-          <p:cNvSpPr/>
-          <p:nvPr/>
-        </p:nvSpPr>
-        <p:spPr>
-          <a:xfrm>
-            <a:off x="9285048" y="3462231"/>
-            <a:ext cx="2325759" cy="609600"/>
-          </a:xfrm>
-          <a:prstGeom prst="roundRect">
-            <a:avLst/>
-          </a:prstGeom>
-        </p:spPr>
-        <p:style>
-          <a:lnRef idx="2">
-            <a:schemeClr val="accent6"/>
-          </a:lnRef>
-          <a:fillRef idx="1">
-            <a:schemeClr val="lt1"/>
-          </a:fillRef>
-          <a:effectRef idx="0">
-            <a:schemeClr val="accent6"/>
-          </a:effectRef>
-          <a:fontRef idx="minor">
-            <a:schemeClr val="dk1"/>
-          </a:fontRef>
-        </p:style>
-        <p:txBody>
-          <a:bodyPr rtlCol="0" anchor="ctr"/>
-          <a:lstStyle/>
-          <a:p>
-            <a:pPr algn="ctr"/>
-            <a:r>
-              <a:rPr lang="en-GB" dirty="0"/>
-              <a:t>Tools: Git, Python, Java, Ms </a:t>
-            </a:r>
-            <a:r>
-              <a:rPr lang="en-GB" dirty="0" err="1"/>
-              <a:t>VsCode</a:t>
-            </a:r>
-            <a:r>
-              <a:rPr lang="en-GB" dirty="0"/>
-              <a:t>, etc</a:t>
-            </a:r>
-            <a:endParaRPr lang="en-IN" dirty="0"/>
-          </a:p>
-        </p:txBody>
-      </p:sp>
-      <p:sp>
-        <p:nvSpPr>
-          <p:cNvPr id="16" name="Rectangle: Rounded Corners 15">
-            <a:extLst>
-              <a:ext uri="{FF2B5EF4-FFF2-40B4-BE49-F238E27FC236}">
-                <a16:creationId xmlns:a16="http://schemas.microsoft.com/office/drawing/2014/main" id="{40A794F3-6024-4A31-96A6-347661BE1361}"/>
-              </a:ext>
-            </a:extLst>
-          </p:cNvPr>
-          <p:cNvSpPr/>
-          <p:nvPr/>
-        </p:nvSpPr>
-        <p:spPr>
-          <a:xfrm>
-            <a:off x="6953018" y="2372139"/>
-            <a:ext cx="1596887" cy="609600"/>
-          </a:xfrm>
-          <a:prstGeom prst="roundRect">
-            <a:avLst/>
-          </a:prstGeom>
-        </p:spPr>
-        <p:style>
-          <a:lnRef idx="2">
-            <a:schemeClr val="accent6"/>
-          </a:lnRef>
-          <a:fillRef idx="1">
-            <a:schemeClr val="lt1"/>
-          </a:fillRef>
-          <a:effectRef idx="0">
-            <a:schemeClr val="accent6"/>
-          </a:effectRef>
-          <a:fontRef idx="minor">
-            <a:schemeClr val="dk1"/>
-          </a:fontRef>
-        </p:style>
-        <p:txBody>
-          <a:bodyPr rtlCol="0" anchor="ctr"/>
-          <a:lstStyle/>
-          <a:p>
-            <a:pPr algn="ctr"/>
-            <a:r>
-              <a:rPr lang="en-GB" dirty="0"/>
-              <a:t>Data Analysts</a:t>
-            </a:r>
-            <a:endParaRPr lang="en-IN" dirty="0"/>
-          </a:p>
-        </p:txBody>
-      </p:sp>
-      <p:sp>
-        <p:nvSpPr>
-          <p:cNvPr id="17" name="Rectangle: Rounded Corners 16">
-            <a:extLst>
-              <a:ext uri="{FF2B5EF4-FFF2-40B4-BE49-F238E27FC236}">
-                <a16:creationId xmlns:a16="http://schemas.microsoft.com/office/drawing/2014/main" id="{B3984026-55AF-4880-9A18-AFA6A022FFF7}"/>
-              </a:ext>
-            </a:extLst>
-          </p:cNvPr>
-          <p:cNvSpPr/>
-          <p:nvPr/>
-        </p:nvSpPr>
-        <p:spPr>
-          <a:xfrm>
-            <a:off x="6953018" y="3916069"/>
-            <a:ext cx="1747884" cy="609600"/>
-          </a:xfrm>
-          <a:prstGeom prst="roundRect">
-            <a:avLst/>
-          </a:prstGeom>
-        </p:spPr>
-        <p:style>
-          <a:lnRef idx="2">
-            <a:schemeClr val="accent6"/>
-          </a:lnRef>
-          <a:fillRef idx="1">
-            <a:schemeClr val="lt1"/>
-          </a:fillRef>
-          <a:effectRef idx="0">
-            <a:schemeClr val="accent6"/>
-          </a:effectRef>
-          <a:fontRef idx="minor">
-            <a:schemeClr val="dk1"/>
-          </a:fontRef>
-        </p:style>
-        <p:txBody>
-          <a:bodyPr rtlCol="0" anchor="ctr"/>
-          <a:lstStyle/>
-          <a:p>
-            <a:pPr algn="ctr"/>
-            <a:r>
-              <a:rPr lang="en-GB" dirty="0"/>
-              <a:t>Data Engineers</a:t>
-            </a:r>
-            <a:endParaRPr lang="en-IN" dirty="0"/>
-          </a:p>
-        </p:txBody>
-      </p:sp>
-      <p:sp>
-        <p:nvSpPr>
-          <p:cNvPr id="19" name="Rectangle: Rounded Corners 18">
-            <a:extLst>
-              <a:ext uri="{FF2B5EF4-FFF2-40B4-BE49-F238E27FC236}">
-                <a16:creationId xmlns:a16="http://schemas.microsoft.com/office/drawing/2014/main" id="{8F3FBC51-074A-4025-9EC7-31B4B82DA810}"/>
-              </a:ext>
-            </a:extLst>
-          </p:cNvPr>
-          <p:cNvSpPr/>
-          <p:nvPr/>
-        </p:nvSpPr>
-        <p:spPr>
-          <a:xfrm>
-            <a:off x="6953018" y="5549762"/>
-            <a:ext cx="2031956" cy="609600"/>
-          </a:xfrm>
-          <a:prstGeom prst="roundRect">
-            <a:avLst/>
-          </a:prstGeom>
-        </p:spPr>
-        <p:style>
-          <a:lnRef idx="2">
-            <a:schemeClr val="accent6"/>
-          </a:lnRef>
-          <a:fillRef idx="1">
-            <a:schemeClr val="lt1"/>
-          </a:fillRef>
-          <a:effectRef idx="0">
-            <a:schemeClr val="accent6"/>
-          </a:effectRef>
-          <a:fontRef idx="minor">
-            <a:schemeClr val="dk1"/>
-          </a:fontRef>
-        </p:style>
-        <p:txBody>
-          <a:bodyPr rtlCol="0" anchor="ctr"/>
-          <a:lstStyle/>
-          <a:p>
-            <a:pPr algn="ctr"/>
-            <a:r>
-              <a:rPr lang="en-GB" dirty="0"/>
-              <a:t>Platform Engineers</a:t>
-            </a:r>
-            <a:endParaRPr lang="en-IN" dirty="0"/>
-          </a:p>
-        </p:txBody>
-      </p:sp>
-      <p:sp>
-        <p:nvSpPr>
-          <p:cNvPr id="20" name="Rectangle: Rounded Corners 19">
-            <a:extLst>
-              <a:ext uri="{FF2B5EF4-FFF2-40B4-BE49-F238E27FC236}">
-                <a16:creationId xmlns:a16="http://schemas.microsoft.com/office/drawing/2014/main" id="{934A3F3B-45CF-482A-8374-908DD2A2A041}"/>
-              </a:ext>
-            </a:extLst>
-          </p:cNvPr>
-          <p:cNvSpPr/>
-          <p:nvPr/>
-        </p:nvSpPr>
-        <p:spPr>
-          <a:xfrm>
-            <a:off x="9285045" y="5884174"/>
-            <a:ext cx="2325759" cy="609600"/>
-          </a:xfrm>
-          <a:prstGeom prst="roundRect">
-            <a:avLst/>
-          </a:prstGeom>
-        </p:spPr>
-        <p:style>
-          <a:lnRef idx="2">
-            <a:schemeClr val="accent6"/>
-          </a:lnRef>
-          <a:fillRef idx="1">
-            <a:schemeClr val="lt1"/>
-          </a:fillRef>
-          <a:effectRef idx="0">
-            <a:schemeClr val="accent6"/>
-          </a:effectRef>
-          <a:fontRef idx="minor">
-            <a:schemeClr val="dk1"/>
-          </a:fontRef>
-        </p:style>
-        <p:txBody>
-          <a:bodyPr rtlCol="0" anchor="ctr"/>
-          <a:lstStyle/>
-          <a:p>
-            <a:pPr algn="ctr"/>
-            <a:r>
-              <a:rPr lang="en-GB" dirty="0"/>
-              <a:t>Tickets: Win365. GCP PE Personas, etc</a:t>
-            </a:r>
-            <a:endParaRPr lang="en-IN" dirty="0"/>
-          </a:p>
-        </p:txBody>
-      </p:sp>
-      <p:sp>
-        <p:nvSpPr>
-          <p:cNvPr id="21" name="Rectangle: Rounded Corners 20">
-            <a:extLst>
-              <a:ext uri="{FF2B5EF4-FFF2-40B4-BE49-F238E27FC236}">
-                <a16:creationId xmlns:a16="http://schemas.microsoft.com/office/drawing/2014/main" id="{19DE95FF-3D95-4734-9DE7-7993E0B38FEA}"/>
-              </a:ext>
-            </a:extLst>
-          </p:cNvPr>
-          <p:cNvSpPr/>
-          <p:nvPr/>
-        </p:nvSpPr>
-        <p:spPr>
-          <a:xfrm>
-            <a:off x="9285046" y="5065848"/>
-            <a:ext cx="2429876" cy="609600"/>
-          </a:xfrm>
-          <a:prstGeom prst="roundRect">
-            <a:avLst/>
-          </a:prstGeom>
-        </p:spPr>
-        <p:style>
-          <a:lnRef idx="2">
-            <a:schemeClr val="accent6"/>
-          </a:lnRef>
-          <a:fillRef idx="1">
-            <a:schemeClr val="lt1"/>
-          </a:fillRef>
-          <a:effectRef idx="0">
-            <a:schemeClr val="accent6"/>
-          </a:effectRef>
-          <a:fontRef idx="minor">
-            <a:schemeClr val="dk1"/>
-          </a:fontRef>
-        </p:style>
-        <p:txBody>
-          <a:bodyPr rtlCol="0" anchor="ctr"/>
-          <a:lstStyle/>
-          <a:p>
-            <a:pPr algn="ctr"/>
-            <a:r>
-              <a:rPr lang="en-GB" dirty="0"/>
-              <a:t>Tools: Git, Docker, Java, Terraform, IntelliJ, etc</a:t>
-            </a:r>
-            <a:endParaRPr lang="en-IN" dirty="0"/>
-          </a:p>
-        </p:txBody>
-      </p:sp>
-      <p:cxnSp>
-        <p:nvCxnSpPr>
-          <p:cNvPr id="23" name="Straight Arrow Connector 22">
-            <a:extLst>
-              <a:ext uri="{FF2B5EF4-FFF2-40B4-BE49-F238E27FC236}">
-                <a16:creationId xmlns:a16="http://schemas.microsoft.com/office/drawing/2014/main" id="{B1C81CF5-54C8-479E-8BED-2B708A012B12}"/>
-              </a:ext>
-            </a:extLst>
-          </p:cNvPr>
-          <p:cNvCxnSpPr>
-            <a:stCxn id="4" idx="2"/>
-            <a:endCxn id="8" idx="0"/>
-          </p:cNvCxnSpPr>
-          <p:nvPr/>
-        </p:nvCxnSpPr>
-        <p:spPr>
-          <a:xfrm>
-            <a:off x="1339522" y="2806047"/>
-            <a:ext cx="1" cy="613014"/>
-          </a:xfrm>
-          <a:prstGeom prst="straightConnector1">
-            <a:avLst/>
-          </a:prstGeom>
-          <a:ln>
-            <a:tailEnd type="triangle"/>
-          </a:ln>
-        </p:spPr>
-        <p:style>
-          <a:lnRef idx="1">
-            <a:schemeClr val="accent1"/>
-          </a:lnRef>
-          <a:fillRef idx="0">
-            <a:schemeClr val="accent1"/>
-          </a:fillRef>
-          <a:effectRef idx="0">
-            <a:schemeClr val="accent1"/>
-          </a:effectRef>
-          <a:fontRef idx="minor">
-            <a:schemeClr val="tx1"/>
-          </a:fontRef>
-        </p:style>
-      </p:cxnSp>
-      <p:cxnSp>
-        <p:nvCxnSpPr>
-          <p:cNvPr id="25" name="Straight Arrow Connector 24">
-            <a:extLst>
-              <a:ext uri="{FF2B5EF4-FFF2-40B4-BE49-F238E27FC236}">
-                <a16:creationId xmlns:a16="http://schemas.microsoft.com/office/drawing/2014/main" id="{E83FC331-FCED-4E39-B93F-AFB6506B02D7}"/>
-              </a:ext>
-            </a:extLst>
-          </p:cNvPr>
-          <p:cNvCxnSpPr>
-            <a:stCxn id="8" idx="3"/>
-            <a:endCxn id="7" idx="1"/>
-          </p:cNvCxnSpPr>
-          <p:nvPr/>
-        </p:nvCxnSpPr>
-        <p:spPr>
-          <a:xfrm flipV="1">
-            <a:off x="2137966" y="3723860"/>
-            <a:ext cx="227546" cy="1"/>
-          </a:xfrm>
-          <a:prstGeom prst="straightConnector1">
-            <a:avLst/>
-          </a:prstGeom>
-          <a:ln>
-            <a:tailEnd type="triangle"/>
-          </a:ln>
-        </p:spPr>
-        <p:style>
-          <a:lnRef idx="1">
-            <a:schemeClr val="accent1"/>
-          </a:lnRef>
-          <a:fillRef idx="0">
-            <a:schemeClr val="accent1"/>
-          </a:fillRef>
-          <a:effectRef idx="0">
-            <a:schemeClr val="accent1"/>
-          </a:effectRef>
-          <a:fontRef idx="minor">
-            <a:schemeClr val="tx1"/>
-          </a:fontRef>
-        </p:style>
-      </p:cxnSp>
-      <p:cxnSp>
-        <p:nvCxnSpPr>
-          <p:cNvPr id="27" name="Connector: Elbow 26">
-            <a:extLst>
-              <a:ext uri="{FF2B5EF4-FFF2-40B4-BE49-F238E27FC236}">
-                <a16:creationId xmlns:a16="http://schemas.microsoft.com/office/drawing/2014/main" id="{14E1E0EE-0174-4EA2-BF61-893A5F7B4ABF}"/>
-              </a:ext>
-            </a:extLst>
-          </p:cNvPr>
-          <p:cNvCxnSpPr>
-            <a:cxnSpLocks/>
-          </p:cNvCxnSpPr>
-          <p:nvPr/>
-        </p:nvCxnSpPr>
-        <p:spPr>
-          <a:xfrm rot="16200000" flipH="1">
-            <a:off x="1456455" y="3881860"/>
-            <a:ext cx="732387" cy="1025989"/>
-          </a:xfrm>
-          <a:prstGeom prst="bentConnector2">
-            <a:avLst/>
-          </a:prstGeom>
-          <a:ln>
-            <a:tailEnd type="triangle"/>
-          </a:ln>
-        </p:spPr>
-        <p:style>
-          <a:lnRef idx="1">
-            <a:schemeClr val="accent1"/>
-          </a:lnRef>
-          <a:fillRef idx="0">
-            <a:schemeClr val="accent1"/>
-          </a:fillRef>
-          <a:effectRef idx="0">
-            <a:schemeClr val="accent1"/>
-          </a:effectRef>
-          <a:fontRef idx="minor">
-            <a:schemeClr val="tx1"/>
-          </a:fontRef>
-        </p:style>
-      </p:cxnSp>
-      <p:cxnSp>
-        <p:nvCxnSpPr>
-          <p:cNvPr id="31" name="Connector: Elbow 30">
-            <a:extLst>
-              <a:ext uri="{FF2B5EF4-FFF2-40B4-BE49-F238E27FC236}">
-                <a16:creationId xmlns:a16="http://schemas.microsoft.com/office/drawing/2014/main" id="{D9B106F3-DE6C-488A-8937-DCB0B56E9734}"/>
-              </a:ext>
-            </a:extLst>
-          </p:cNvPr>
-          <p:cNvCxnSpPr>
-            <a:endCxn id="6" idx="1"/>
-          </p:cNvCxnSpPr>
-          <p:nvPr/>
-        </p:nvCxnSpPr>
-        <p:spPr>
-          <a:xfrm>
-            <a:off x="1309653" y="4761048"/>
-            <a:ext cx="1055859" cy="1017310"/>
-          </a:xfrm>
-          <a:prstGeom prst="bentConnector3">
-            <a:avLst>
-              <a:gd name="adj1" fmla="val -204"/>
-            </a:avLst>
-          </a:prstGeom>
-          <a:ln>
-            <a:tailEnd type="triangle"/>
-          </a:ln>
-        </p:spPr>
-        <p:style>
-          <a:lnRef idx="1">
-            <a:schemeClr val="accent1"/>
-          </a:lnRef>
-          <a:fillRef idx="0">
-            <a:schemeClr val="accent1"/>
-          </a:fillRef>
-          <a:effectRef idx="0">
-            <a:schemeClr val="accent1"/>
-          </a:effectRef>
-          <a:fontRef idx="minor">
-            <a:schemeClr val="tx1"/>
-          </a:fontRef>
-        </p:style>
-      </p:cxnSp>
-      <p:cxnSp>
-        <p:nvCxnSpPr>
-          <p:cNvPr id="35" name="Straight Arrow Connector 34">
-            <a:extLst>
-              <a:ext uri="{FF2B5EF4-FFF2-40B4-BE49-F238E27FC236}">
-                <a16:creationId xmlns:a16="http://schemas.microsoft.com/office/drawing/2014/main" id="{96C51EAF-EDDA-4BF9-A2DA-C48BD6BA6E44}"/>
-              </a:ext>
-            </a:extLst>
-          </p:cNvPr>
-          <p:cNvCxnSpPr>
-            <a:stCxn id="7" idx="3"/>
-            <a:endCxn id="11" idx="1"/>
-          </p:cNvCxnSpPr>
-          <p:nvPr/>
-        </p:nvCxnSpPr>
-        <p:spPr>
-          <a:xfrm>
-            <a:off x="3962399" y="3723860"/>
-            <a:ext cx="521574" cy="1"/>
-          </a:xfrm>
-          <a:prstGeom prst="straightConnector1">
-            <a:avLst/>
-          </a:prstGeom>
-          <a:ln>
-            <a:tailEnd type="triangle"/>
-          </a:ln>
-        </p:spPr>
-        <p:style>
-          <a:lnRef idx="1">
-            <a:schemeClr val="accent1"/>
-          </a:lnRef>
-          <a:fillRef idx="0">
-            <a:schemeClr val="accent1"/>
-          </a:fillRef>
-          <a:effectRef idx="0">
-            <a:schemeClr val="accent1"/>
-          </a:effectRef>
-          <a:fontRef idx="minor">
-            <a:schemeClr val="tx1"/>
-          </a:fontRef>
-        </p:style>
-      </p:cxnSp>
-      <p:cxnSp>
-        <p:nvCxnSpPr>
-          <p:cNvPr id="37" name="Connector: Elbow 36">
-            <a:extLst>
-              <a:ext uri="{FF2B5EF4-FFF2-40B4-BE49-F238E27FC236}">
-                <a16:creationId xmlns:a16="http://schemas.microsoft.com/office/drawing/2014/main" id="{59B9318D-EEEA-40EB-80A8-54C083980B70}"/>
-              </a:ext>
-            </a:extLst>
-          </p:cNvPr>
-          <p:cNvCxnSpPr>
-            <a:stCxn id="7" idx="0"/>
-            <a:endCxn id="10" idx="1"/>
-          </p:cNvCxnSpPr>
-          <p:nvPr/>
-        </p:nvCxnSpPr>
-        <p:spPr>
-          <a:xfrm rot="5400000" flipH="1" flipV="1">
-            <a:off x="3518073" y="2316143"/>
-            <a:ext cx="748800" cy="1457035"/>
-          </a:xfrm>
-          <a:prstGeom prst="bentConnector2">
-            <a:avLst/>
-          </a:prstGeom>
-          <a:ln>
-            <a:tailEnd type="triangle"/>
-          </a:ln>
-        </p:spPr>
-        <p:style>
-          <a:lnRef idx="1">
-            <a:schemeClr val="accent1"/>
-          </a:lnRef>
-          <a:fillRef idx="0">
-            <a:schemeClr val="accent1"/>
-          </a:fillRef>
-          <a:effectRef idx="0">
-            <a:schemeClr val="accent1"/>
-          </a:effectRef>
-          <a:fontRef idx="minor">
-            <a:schemeClr val="tx1"/>
-          </a:fontRef>
-        </p:style>
-      </p:cxnSp>
-      <p:cxnSp>
-        <p:nvCxnSpPr>
-          <p:cNvPr id="39" name="Straight Arrow Connector 38">
-            <a:extLst>
-              <a:ext uri="{FF2B5EF4-FFF2-40B4-BE49-F238E27FC236}">
-                <a16:creationId xmlns:a16="http://schemas.microsoft.com/office/drawing/2014/main" id="{7AB80B82-58B1-4AD9-BF3F-0FA13C9BC057}"/>
-              </a:ext>
-            </a:extLst>
-          </p:cNvPr>
-          <p:cNvCxnSpPr>
-            <a:stCxn id="10" idx="3"/>
-            <a:endCxn id="16" idx="1"/>
-          </p:cNvCxnSpPr>
-          <p:nvPr/>
-        </p:nvCxnSpPr>
-        <p:spPr>
-          <a:xfrm>
-            <a:off x="6217878" y="2670260"/>
-            <a:ext cx="735140" cy="6679"/>
-          </a:xfrm>
-          <a:prstGeom prst="straightConnector1">
-            <a:avLst/>
-          </a:prstGeom>
-          <a:ln>
-            <a:tailEnd type="triangle"/>
-          </a:ln>
-        </p:spPr>
-        <p:style>
-          <a:lnRef idx="1">
-            <a:schemeClr val="accent1"/>
-          </a:lnRef>
-          <a:fillRef idx="0">
-            <a:schemeClr val="accent1"/>
-          </a:fillRef>
-          <a:effectRef idx="0">
-            <a:schemeClr val="accent1"/>
-          </a:effectRef>
-          <a:fontRef idx="minor">
-            <a:schemeClr val="tx1"/>
-          </a:fontRef>
-        </p:style>
-      </p:cxnSp>
-      <p:cxnSp>
-        <p:nvCxnSpPr>
-          <p:cNvPr id="43" name="Connector: Elbow 42">
-            <a:extLst>
-              <a:ext uri="{FF2B5EF4-FFF2-40B4-BE49-F238E27FC236}">
-                <a16:creationId xmlns:a16="http://schemas.microsoft.com/office/drawing/2014/main" id="{AE2CF788-17C4-4D69-9CC1-2CABB0D63A28}"/>
-              </a:ext>
-            </a:extLst>
-          </p:cNvPr>
-          <p:cNvCxnSpPr>
-            <a:stCxn id="11" idx="3"/>
-            <a:endCxn id="17" idx="0"/>
-          </p:cNvCxnSpPr>
-          <p:nvPr/>
-        </p:nvCxnSpPr>
-        <p:spPr>
-          <a:xfrm>
-            <a:off x="6354895" y="3723861"/>
-            <a:ext cx="1472065" cy="192208"/>
-          </a:xfrm>
-          <a:prstGeom prst="bentConnector2">
-            <a:avLst/>
-          </a:prstGeom>
-          <a:ln>
-            <a:tailEnd type="triangle"/>
-          </a:ln>
-        </p:spPr>
-        <p:style>
-          <a:lnRef idx="1">
-            <a:schemeClr val="accent1"/>
-          </a:lnRef>
-          <a:fillRef idx="0">
-            <a:schemeClr val="accent1"/>
-          </a:fillRef>
-          <a:effectRef idx="0">
-            <a:schemeClr val="accent1"/>
-          </a:effectRef>
-          <a:fontRef idx="minor">
-            <a:schemeClr val="tx1"/>
-          </a:fontRef>
-        </p:style>
-      </p:cxnSp>
-      <p:cxnSp>
-        <p:nvCxnSpPr>
-          <p:cNvPr id="45" name="Connector: Elbow 44">
-            <a:extLst>
-              <a:ext uri="{FF2B5EF4-FFF2-40B4-BE49-F238E27FC236}">
-                <a16:creationId xmlns:a16="http://schemas.microsoft.com/office/drawing/2014/main" id="{98D5BFE5-C7FF-48F3-88D6-A0C1550EC0D3}"/>
-              </a:ext>
-            </a:extLst>
-          </p:cNvPr>
-          <p:cNvCxnSpPr>
-            <a:stCxn id="11" idx="2"/>
-            <a:endCxn id="19" idx="1"/>
-          </p:cNvCxnSpPr>
-          <p:nvPr/>
-        </p:nvCxnSpPr>
-        <p:spPr>
-          <a:xfrm rot="16200000" flipH="1">
-            <a:off x="5369380" y="4270923"/>
-            <a:ext cx="1633693" cy="1533584"/>
-          </a:xfrm>
-          <a:prstGeom prst="bentConnector2">
-            <a:avLst/>
-          </a:prstGeom>
-          <a:ln>
-            <a:tailEnd type="triangle"/>
-          </a:ln>
-        </p:spPr>
-        <p:style>
-          <a:lnRef idx="1">
-            <a:schemeClr val="accent1"/>
-          </a:lnRef>
-          <a:fillRef idx="0">
-            <a:schemeClr val="accent1"/>
-          </a:fillRef>
-          <a:effectRef idx="0">
-            <a:schemeClr val="accent1"/>
-          </a:effectRef>
-          <a:fontRef idx="minor">
-            <a:schemeClr val="tx1"/>
-          </a:fontRef>
-        </p:style>
-      </p:cxnSp>
-      <p:cxnSp>
-        <p:nvCxnSpPr>
-          <p:cNvPr id="47" name="Connector: Elbow 46">
-            <a:extLst>
-              <a:ext uri="{FF2B5EF4-FFF2-40B4-BE49-F238E27FC236}">
-                <a16:creationId xmlns:a16="http://schemas.microsoft.com/office/drawing/2014/main" id="{3CCB6E92-634C-47D3-9409-3424438DD826}"/>
-              </a:ext>
-            </a:extLst>
-          </p:cNvPr>
-          <p:cNvCxnSpPr>
-            <a:stCxn id="16" idx="3"/>
-            <a:endCxn id="12" idx="1"/>
-          </p:cNvCxnSpPr>
-          <p:nvPr/>
-        </p:nvCxnSpPr>
-        <p:spPr>
-          <a:xfrm flipV="1">
-            <a:off x="8549905" y="2196447"/>
-            <a:ext cx="735142" cy="480492"/>
-          </a:xfrm>
-          <a:prstGeom prst="bentConnector3">
-            <a:avLst/>
-          </a:prstGeom>
-          <a:ln>
-            <a:tailEnd type="triangle"/>
-          </a:ln>
-        </p:spPr>
-        <p:style>
-          <a:lnRef idx="1">
-            <a:schemeClr val="accent1"/>
-          </a:lnRef>
-          <a:fillRef idx="0">
-            <a:schemeClr val="accent1"/>
-          </a:fillRef>
-          <a:effectRef idx="0">
-            <a:schemeClr val="accent1"/>
-          </a:effectRef>
-          <a:fontRef idx="minor">
-            <a:schemeClr val="tx1"/>
-          </a:fontRef>
-        </p:style>
-      </p:cxnSp>
-      <p:cxnSp>
-        <p:nvCxnSpPr>
-          <p:cNvPr id="53" name="Connector: Elbow 52">
-            <a:extLst>
-              <a:ext uri="{FF2B5EF4-FFF2-40B4-BE49-F238E27FC236}">
-                <a16:creationId xmlns:a16="http://schemas.microsoft.com/office/drawing/2014/main" id="{78E3F84E-0B33-4194-A564-0B9E89F741A0}"/>
-              </a:ext>
-            </a:extLst>
-          </p:cNvPr>
-          <p:cNvCxnSpPr>
-            <a:stCxn id="17" idx="3"/>
-            <a:endCxn id="15" idx="1"/>
-          </p:cNvCxnSpPr>
-          <p:nvPr/>
-        </p:nvCxnSpPr>
-        <p:spPr>
-          <a:xfrm flipV="1">
-            <a:off x="8700902" y="3767031"/>
-            <a:ext cx="584146" cy="453838"/>
-          </a:xfrm>
-          <a:prstGeom prst="bentConnector3">
-            <a:avLst/>
-          </a:prstGeom>
-          <a:ln>
-            <a:tailEnd type="triangle"/>
-          </a:ln>
-        </p:spPr>
-        <p:style>
-          <a:lnRef idx="1">
-            <a:schemeClr val="accent1"/>
-          </a:lnRef>
-          <a:fillRef idx="0">
-            <a:schemeClr val="accent1"/>
-          </a:fillRef>
-          <a:effectRef idx="0">
-            <a:schemeClr val="accent1"/>
-          </a:effectRef>
-          <a:fontRef idx="minor">
-            <a:schemeClr val="tx1"/>
-          </a:fontRef>
-        </p:style>
-      </p:cxnSp>
-      <p:cxnSp>
-        <p:nvCxnSpPr>
-          <p:cNvPr id="55" name="Connector: Elbow 54">
-            <a:extLst>
-              <a:ext uri="{FF2B5EF4-FFF2-40B4-BE49-F238E27FC236}">
-                <a16:creationId xmlns:a16="http://schemas.microsoft.com/office/drawing/2014/main" id="{2E29DA6B-25B7-4DF2-8C95-54EE988C1DE6}"/>
-              </a:ext>
-            </a:extLst>
-          </p:cNvPr>
-          <p:cNvCxnSpPr>
-            <a:stCxn id="17" idx="3"/>
-            <a:endCxn id="14" idx="1"/>
-          </p:cNvCxnSpPr>
-          <p:nvPr/>
-        </p:nvCxnSpPr>
-        <p:spPr>
-          <a:xfrm>
-            <a:off x="8700902" y="4220869"/>
-            <a:ext cx="584146" cy="331453"/>
-          </a:xfrm>
-          <a:prstGeom prst="bentConnector3">
-            <a:avLst/>
-          </a:prstGeom>
-          <a:ln>
-            <a:tailEnd type="triangle"/>
-          </a:ln>
-        </p:spPr>
-        <p:style>
-          <a:lnRef idx="1">
-            <a:schemeClr val="accent1"/>
-          </a:lnRef>
-          <a:fillRef idx="0">
-            <a:schemeClr val="accent1"/>
-          </a:fillRef>
-          <a:effectRef idx="0">
-            <a:schemeClr val="accent1"/>
-          </a:effectRef>
-          <a:fontRef idx="minor">
-            <a:schemeClr val="tx1"/>
-          </a:fontRef>
-        </p:style>
-      </p:cxnSp>
-      <p:cxnSp>
-        <p:nvCxnSpPr>
-          <p:cNvPr id="57" name="Connector: Elbow 56">
-            <a:extLst>
-              <a:ext uri="{FF2B5EF4-FFF2-40B4-BE49-F238E27FC236}">
-                <a16:creationId xmlns:a16="http://schemas.microsoft.com/office/drawing/2014/main" id="{94C95BE0-FBE9-433F-89EB-7952E727F529}"/>
-              </a:ext>
-            </a:extLst>
-          </p:cNvPr>
-          <p:cNvCxnSpPr>
-            <a:stCxn id="16" idx="3"/>
-            <a:endCxn id="13" idx="1"/>
-          </p:cNvCxnSpPr>
-          <p:nvPr/>
-        </p:nvCxnSpPr>
-        <p:spPr>
-          <a:xfrm>
-            <a:off x="8549905" y="2676939"/>
-            <a:ext cx="735144" cy="304800"/>
-          </a:xfrm>
-          <a:prstGeom prst="bentConnector3">
-            <a:avLst/>
-          </a:prstGeom>
-          <a:ln>
-            <a:tailEnd type="triangle"/>
-          </a:ln>
-        </p:spPr>
-        <p:style>
-          <a:lnRef idx="1">
-            <a:schemeClr val="accent1"/>
-          </a:lnRef>
-          <a:fillRef idx="0">
-            <a:schemeClr val="accent1"/>
-          </a:fillRef>
-          <a:effectRef idx="0">
-            <a:schemeClr val="accent1"/>
-          </a:effectRef>
-          <a:fontRef idx="minor">
-            <a:schemeClr val="tx1"/>
-          </a:fontRef>
-        </p:style>
-      </p:cxnSp>
-      <p:cxnSp>
-        <p:nvCxnSpPr>
-          <p:cNvPr id="59" name="Connector: Elbow 58">
-            <a:extLst>
-              <a:ext uri="{FF2B5EF4-FFF2-40B4-BE49-F238E27FC236}">
-                <a16:creationId xmlns:a16="http://schemas.microsoft.com/office/drawing/2014/main" id="{72D69DDB-44A0-48C6-A23D-6B9CDCDC44A5}"/>
-              </a:ext>
-            </a:extLst>
-          </p:cNvPr>
-          <p:cNvCxnSpPr>
-            <a:cxnSpLocks/>
-            <a:stCxn id="19" idx="3"/>
-            <a:endCxn id="21" idx="1"/>
-          </p:cNvCxnSpPr>
-          <p:nvPr/>
-        </p:nvCxnSpPr>
-        <p:spPr>
-          <a:xfrm flipV="1">
-            <a:off x="8984974" y="5370648"/>
-            <a:ext cx="300072" cy="483914"/>
-          </a:xfrm>
-          <a:prstGeom prst="bentConnector3">
-            <a:avLst/>
-          </a:prstGeom>
-          <a:ln>
-            <a:tailEnd type="triangle"/>
-          </a:ln>
-        </p:spPr>
-        <p:style>
-          <a:lnRef idx="1">
-            <a:schemeClr val="accent1"/>
-          </a:lnRef>
-          <a:fillRef idx="0">
-            <a:schemeClr val="accent1"/>
-          </a:fillRef>
-          <a:effectRef idx="0">
-            <a:schemeClr val="accent1"/>
-          </a:effectRef>
-          <a:fontRef idx="minor">
-            <a:schemeClr val="tx1"/>
-          </a:fontRef>
-        </p:style>
-      </p:cxnSp>
-      <p:cxnSp>
-        <p:nvCxnSpPr>
-          <p:cNvPr id="61" name="Connector: Elbow 60">
-            <a:extLst>
-              <a:ext uri="{FF2B5EF4-FFF2-40B4-BE49-F238E27FC236}">
-                <a16:creationId xmlns:a16="http://schemas.microsoft.com/office/drawing/2014/main" id="{E42A8575-3F9E-4917-89C3-5B8007370C57}"/>
-              </a:ext>
-            </a:extLst>
-          </p:cNvPr>
-          <p:cNvCxnSpPr>
-            <a:stCxn id="19" idx="3"/>
-            <a:endCxn id="20" idx="1"/>
-          </p:cNvCxnSpPr>
-          <p:nvPr/>
-        </p:nvCxnSpPr>
-        <p:spPr>
-          <a:xfrm>
-            <a:off x="8984974" y="5854562"/>
-            <a:ext cx="300071" cy="334412"/>
-          </a:xfrm>
-          <a:prstGeom prst="bentConnector3">
-            <a:avLst/>
-          </a:prstGeom>
-          <a:ln>
-            <a:tailEnd type="triangle"/>
-          </a:ln>
-        </p:spPr>
-        <p:style>
-          <a:lnRef idx="1">
-            <a:schemeClr val="accent1"/>
-          </a:lnRef>
-          <a:fillRef idx="0">
-            <a:schemeClr val="accent1"/>
-          </a:fillRef>
-          <a:effectRef idx="0">
-            <a:schemeClr val="accent1"/>
-          </a:effectRef>
-          <a:fontRef idx="minor">
-            <a:schemeClr val="tx1"/>
-          </a:fontRef>
-        </p:style>
-      </p:cxnSp>
+              <a:t>	GCP IAM: Compute Engine API and service account</a:t>
+            </a:r>
+          </a:p>
+          <a:p>
+            <a:endParaRPr lang="en-GB" dirty="0"/>
+          </a:p>
+        </p:txBody>
+      </p:sp>
     </p:spTree>
     <p:extLst>
       <p:ext uri="{BB962C8B-B14F-4D97-AF65-F5344CB8AC3E}">
-        <p14:creationId xmlns:p14="http://schemas.microsoft.com/office/powerpoint/2010/main" val="1229178898"/>
+        <p14:creationId xmlns:p14="http://schemas.microsoft.com/office/powerpoint/2010/main" val="1504040330"/>
       </p:ext>
     </p:extLst>
   </p:cSld>
@@ -9020,7 +7720,7 @@
           <p:cNvPr id="2" name="Title 1">
             <a:extLst>
               <a:ext uri="{FF2B5EF4-FFF2-40B4-BE49-F238E27FC236}">
-                <a16:creationId xmlns:a16="http://schemas.microsoft.com/office/drawing/2014/main" id="{EE9701BD-298B-449B-956F-060BEA3FF60C}"/>
+                <a16:creationId xmlns:a16="http://schemas.microsoft.com/office/drawing/2014/main" id="{DCF6E103-5F68-4BC5-B6E4-B0B34D460CB2}"/>
               </a:ext>
             </a:extLst>
           </p:cNvPr>
@@ -9038,7 +7738,7 @@
           <a:p>
             <a:r>
               <a:rPr lang="en-GB" dirty="0"/>
-              <a:t>Tech used</a:t>
+              <a:t>Our future  vision </a:t>
             </a:r>
             <a:endParaRPr lang="en-IN" dirty="0"/>
           </a:p>
@@ -9046,115 +7746,1415 @@
       </p:sp>
       <p:sp>
         <p:nvSpPr>
-          <p:cNvPr id="3" name="Content Placeholder 2">
-            <a:extLst>
-              <a:ext uri="{FF2B5EF4-FFF2-40B4-BE49-F238E27FC236}">
-                <a16:creationId xmlns:a16="http://schemas.microsoft.com/office/drawing/2014/main" id="{4D0088BB-40FB-4AB3-8843-93D142093663}"/>
-              </a:ext>
-            </a:extLst>
-          </p:cNvPr>
-          <p:cNvSpPr>
-            <a:spLocks noGrp="1"/>
-          </p:cNvSpPr>
-          <p:nvPr>
-            <p:ph idx="1"/>
-          </p:nvPr>
-        </p:nvSpPr>
-        <p:spPr/>
-        <p:txBody>
-          <a:bodyPr>
-            <a:normAutofit lnSpcReduction="10000"/>
-          </a:bodyPr>
+          <p:cNvPr id="4" name="Rectangle: Rounded Corners 3">
+            <a:extLst>
+              <a:ext uri="{FF2B5EF4-FFF2-40B4-BE49-F238E27FC236}">
+                <a16:creationId xmlns:a16="http://schemas.microsoft.com/office/drawing/2014/main" id="{80079FEE-7216-472D-9932-47F15447B564}"/>
+              </a:ext>
+            </a:extLst>
+          </p:cNvPr>
+          <p:cNvSpPr/>
+          <p:nvPr/>
+        </p:nvSpPr>
+        <p:spPr>
+          <a:xfrm>
+            <a:off x="638336" y="2196447"/>
+            <a:ext cx="1402371" cy="609600"/>
+          </a:xfrm>
+          <a:prstGeom prst="roundRect">
+            <a:avLst/>
+          </a:prstGeom>
+        </p:spPr>
+        <p:style>
+          <a:lnRef idx="2">
+            <a:schemeClr val="accent6"/>
+          </a:lnRef>
+          <a:fillRef idx="1">
+            <a:schemeClr val="lt1"/>
+          </a:fillRef>
+          <a:effectRef idx="0">
+            <a:schemeClr val="accent6"/>
+          </a:effectRef>
+          <a:fontRef idx="minor">
+            <a:schemeClr val="dk1"/>
+          </a:fontRef>
+        </p:style>
+        <p:txBody>
+          <a:bodyPr rtlCol="0" anchor="ctr"/>
           <a:lstStyle/>
           <a:p>
+            <a:pPr algn="ctr"/>
             <a:r>
               <a:rPr lang="en-GB" dirty="0"/>
-              <a:t>Tools download: </a:t>
-            </a:r>
-          </a:p>
-          <a:p>
-            <a:pPr marL="0" indent="0">
-              <a:buNone/>
-            </a:pPr>
+              <a:t>PERSONAS</a:t>
+            </a:r>
+            <a:endParaRPr lang="en-IN" dirty="0"/>
+          </a:p>
+        </p:txBody>
+      </p:sp>
+      <p:sp>
+        <p:nvSpPr>
+          <p:cNvPr id="6" name="Rectangle: Rounded Corners 5">
+            <a:extLst>
+              <a:ext uri="{FF2B5EF4-FFF2-40B4-BE49-F238E27FC236}">
+                <a16:creationId xmlns:a16="http://schemas.microsoft.com/office/drawing/2014/main" id="{2B649645-605B-48EA-97BF-B791CA040129}"/>
+              </a:ext>
+            </a:extLst>
+          </p:cNvPr>
+          <p:cNvSpPr/>
+          <p:nvPr/>
+        </p:nvSpPr>
+        <p:spPr>
+          <a:xfrm>
+            <a:off x="2365512" y="5473558"/>
+            <a:ext cx="1596887" cy="609600"/>
+          </a:xfrm>
+          <a:prstGeom prst="roundRect">
+            <a:avLst/>
+          </a:prstGeom>
+        </p:spPr>
+        <p:style>
+          <a:lnRef idx="2">
+            <a:schemeClr val="accent6"/>
+          </a:lnRef>
+          <a:fillRef idx="1">
+            <a:schemeClr val="lt1"/>
+          </a:fillRef>
+          <a:effectRef idx="0">
+            <a:schemeClr val="accent6"/>
+          </a:effectRef>
+          <a:fontRef idx="minor">
+            <a:schemeClr val="dk1"/>
+          </a:fontRef>
+        </p:style>
+        <p:txBody>
+          <a:bodyPr rtlCol="0" anchor="ctr"/>
+          <a:lstStyle/>
+          <a:p>
+            <a:pPr algn="ctr"/>
             <a:r>
               <a:rPr lang="en-GB" dirty="0"/>
-              <a:t>	Front-End: React JS</a:t>
-            </a:r>
-          </a:p>
-          <a:p>
-            <a:pPr marL="0" indent="0">
-              <a:buNone/>
-            </a:pPr>
+              <a:t>CIBP&amp;M</a:t>
+            </a:r>
+            <a:endParaRPr lang="en-IN" dirty="0"/>
+          </a:p>
+        </p:txBody>
+      </p:sp>
+      <p:sp>
+        <p:nvSpPr>
+          <p:cNvPr id="7" name="Rectangle: Rounded Corners 6">
+            <a:extLst>
+              <a:ext uri="{FF2B5EF4-FFF2-40B4-BE49-F238E27FC236}">
+                <a16:creationId xmlns:a16="http://schemas.microsoft.com/office/drawing/2014/main" id="{4A132ECA-C733-428F-9A81-1D55952536B7}"/>
+              </a:ext>
+            </a:extLst>
+          </p:cNvPr>
+          <p:cNvSpPr/>
+          <p:nvPr/>
+        </p:nvSpPr>
+        <p:spPr>
+          <a:xfrm>
+            <a:off x="2365512" y="3419060"/>
+            <a:ext cx="1596887" cy="609600"/>
+          </a:xfrm>
+          <a:prstGeom prst="roundRect">
+            <a:avLst/>
+          </a:prstGeom>
+        </p:spPr>
+        <p:style>
+          <a:lnRef idx="2">
+            <a:schemeClr val="accent6"/>
+          </a:lnRef>
+          <a:fillRef idx="1">
+            <a:schemeClr val="lt1"/>
+          </a:fillRef>
+          <a:effectRef idx="0">
+            <a:schemeClr val="accent6"/>
+          </a:effectRef>
+          <a:fontRef idx="minor">
+            <a:schemeClr val="dk1"/>
+          </a:fontRef>
+        </p:style>
+        <p:txBody>
+          <a:bodyPr rtlCol="0" anchor="ctr"/>
+          <a:lstStyle/>
+          <a:p>
+            <a:pPr algn="ctr"/>
             <a:r>
               <a:rPr lang="en-GB" dirty="0"/>
-              <a:t>	Back-End: Java, </a:t>
+              <a:t>DATA &amp; ML</a:t>
+            </a:r>
+            <a:endParaRPr lang="en-IN" dirty="0"/>
+          </a:p>
+        </p:txBody>
+      </p:sp>
+      <p:sp>
+        <p:nvSpPr>
+          <p:cNvPr id="8" name="Rectangle: Rounded Corners 7">
+            <a:extLst>
+              <a:ext uri="{FF2B5EF4-FFF2-40B4-BE49-F238E27FC236}">
+                <a16:creationId xmlns:a16="http://schemas.microsoft.com/office/drawing/2014/main" id="{2FCE15F3-770C-49AF-A8BE-9FBA6A734BBA}"/>
+              </a:ext>
+            </a:extLst>
+          </p:cNvPr>
+          <p:cNvSpPr/>
+          <p:nvPr/>
+        </p:nvSpPr>
+        <p:spPr>
+          <a:xfrm>
+            <a:off x="541079" y="3419061"/>
+            <a:ext cx="1596887" cy="609600"/>
+          </a:xfrm>
+          <a:prstGeom prst="roundRect">
+            <a:avLst/>
+          </a:prstGeom>
+        </p:spPr>
+        <p:style>
+          <a:lnRef idx="2">
+            <a:schemeClr val="accent6"/>
+          </a:lnRef>
+          <a:fillRef idx="1">
+            <a:schemeClr val="lt1"/>
+          </a:fillRef>
+          <a:effectRef idx="0">
+            <a:schemeClr val="accent6"/>
+          </a:effectRef>
+          <a:fontRef idx="minor">
+            <a:schemeClr val="dk1"/>
+          </a:fontRef>
+        </p:style>
+        <p:txBody>
+          <a:bodyPr rtlCol="0" anchor="ctr"/>
+          <a:lstStyle/>
+          <a:p>
+            <a:pPr algn="ctr"/>
+            <a:r>
+              <a:rPr lang="en-GB" dirty="0"/>
+              <a:t>PLATFORM</a:t>
+            </a:r>
+            <a:endParaRPr lang="en-IN" dirty="0"/>
+          </a:p>
+        </p:txBody>
+      </p:sp>
+      <p:sp>
+        <p:nvSpPr>
+          <p:cNvPr id="9" name="Rectangle: Rounded Corners 8">
+            <a:extLst>
+              <a:ext uri="{FF2B5EF4-FFF2-40B4-BE49-F238E27FC236}">
+                <a16:creationId xmlns:a16="http://schemas.microsoft.com/office/drawing/2014/main" id="{8E6C53D3-6484-450C-9511-BD1D4E5E3312}"/>
+              </a:ext>
+            </a:extLst>
+          </p:cNvPr>
+          <p:cNvSpPr/>
+          <p:nvPr/>
+        </p:nvSpPr>
+        <p:spPr>
+          <a:xfrm>
+            <a:off x="2365512" y="4456248"/>
+            <a:ext cx="1596887" cy="609600"/>
+          </a:xfrm>
+          <a:prstGeom prst="roundRect">
+            <a:avLst/>
+          </a:prstGeom>
+        </p:spPr>
+        <p:style>
+          <a:lnRef idx="2">
+            <a:schemeClr val="accent6"/>
+          </a:lnRef>
+          <a:fillRef idx="1">
+            <a:schemeClr val="lt1"/>
+          </a:fillRef>
+          <a:effectRef idx="0">
+            <a:schemeClr val="accent6"/>
+          </a:effectRef>
+          <a:fontRef idx="minor">
+            <a:schemeClr val="dk1"/>
+          </a:fontRef>
+        </p:style>
+        <p:txBody>
+          <a:bodyPr rtlCol="0" anchor="ctr"/>
+          <a:lstStyle/>
+          <a:p>
+            <a:pPr algn="ctr"/>
+            <a:r>
+              <a:rPr lang="en-GB" dirty="0"/>
+              <a:t>CHANNEL ENABLING</a:t>
+            </a:r>
+            <a:endParaRPr lang="en-IN" dirty="0"/>
+          </a:p>
+        </p:txBody>
+      </p:sp>
+      <p:sp>
+        <p:nvSpPr>
+          <p:cNvPr id="10" name="Rectangle: Rounded Corners 9">
+            <a:extLst>
+              <a:ext uri="{FF2B5EF4-FFF2-40B4-BE49-F238E27FC236}">
+                <a16:creationId xmlns:a16="http://schemas.microsoft.com/office/drawing/2014/main" id="{57B73731-D5B6-44AD-9012-5EDFE6EB7A1B}"/>
+              </a:ext>
+            </a:extLst>
+          </p:cNvPr>
+          <p:cNvSpPr/>
+          <p:nvPr/>
+        </p:nvSpPr>
+        <p:spPr>
+          <a:xfrm>
+            <a:off x="4620991" y="2365460"/>
+            <a:ext cx="1596887" cy="609600"/>
+          </a:xfrm>
+          <a:prstGeom prst="roundRect">
+            <a:avLst/>
+          </a:prstGeom>
+        </p:spPr>
+        <p:style>
+          <a:lnRef idx="2">
+            <a:schemeClr val="accent6"/>
+          </a:lnRef>
+          <a:fillRef idx="1">
+            <a:schemeClr val="lt1"/>
+          </a:fillRef>
+          <a:effectRef idx="0">
+            <a:schemeClr val="accent6"/>
+          </a:effectRef>
+          <a:fontRef idx="minor">
+            <a:schemeClr val="dk1"/>
+          </a:fontRef>
+        </p:style>
+        <p:txBody>
+          <a:bodyPr rtlCol="0" anchor="ctr"/>
+          <a:lstStyle/>
+          <a:p>
+            <a:pPr algn="ctr"/>
+            <a:r>
+              <a:rPr lang="en-GB" dirty="0"/>
+              <a:t>AI &amp; ANALYTICS</a:t>
+            </a:r>
+            <a:endParaRPr lang="en-IN" dirty="0"/>
+          </a:p>
+        </p:txBody>
+      </p:sp>
+      <p:sp>
+        <p:nvSpPr>
+          <p:cNvPr id="11" name="Rectangle: Rounded Corners 10">
+            <a:extLst>
+              <a:ext uri="{FF2B5EF4-FFF2-40B4-BE49-F238E27FC236}">
+                <a16:creationId xmlns:a16="http://schemas.microsoft.com/office/drawing/2014/main" id="{8BC05A65-9F4E-45D6-9446-5D7776EBAFF8}"/>
+              </a:ext>
+            </a:extLst>
+          </p:cNvPr>
+          <p:cNvSpPr/>
+          <p:nvPr/>
+        </p:nvSpPr>
+        <p:spPr>
+          <a:xfrm>
+            <a:off x="4483973" y="3226852"/>
+            <a:ext cx="1870922" cy="994017"/>
+          </a:xfrm>
+          <a:prstGeom prst="roundRect">
+            <a:avLst/>
+          </a:prstGeom>
+        </p:spPr>
+        <p:style>
+          <a:lnRef idx="2">
+            <a:schemeClr val="accent6"/>
+          </a:lnRef>
+          <a:fillRef idx="1">
+            <a:schemeClr val="lt1"/>
+          </a:fillRef>
+          <a:effectRef idx="0">
+            <a:schemeClr val="accent6"/>
+          </a:effectRef>
+          <a:fontRef idx="minor">
+            <a:schemeClr val="dk1"/>
+          </a:fontRef>
+        </p:style>
+        <p:txBody>
+          <a:bodyPr rtlCol="0" anchor="ctr"/>
+          <a:lstStyle/>
+          <a:p>
+            <a:pPr algn="ctr"/>
+            <a:r>
+              <a:rPr lang="en-GB" dirty="0"/>
+              <a:t>ENTERPRISE DATA PROVISIONING</a:t>
+            </a:r>
+            <a:endParaRPr lang="en-IN" dirty="0"/>
+          </a:p>
+        </p:txBody>
+      </p:sp>
+      <p:sp>
+        <p:nvSpPr>
+          <p:cNvPr id="12" name="Rectangle: Rounded Corners 11">
+            <a:extLst>
+              <a:ext uri="{FF2B5EF4-FFF2-40B4-BE49-F238E27FC236}">
+                <a16:creationId xmlns:a16="http://schemas.microsoft.com/office/drawing/2014/main" id="{D9ABD476-2A20-4995-848A-A54F318878BE}"/>
+              </a:ext>
+            </a:extLst>
+          </p:cNvPr>
+          <p:cNvSpPr/>
+          <p:nvPr/>
+        </p:nvSpPr>
+        <p:spPr>
+          <a:xfrm>
+            <a:off x="9285047" y="1891647"/>
+            <a:ext cx="2325759" cy="609600"/>
+          </a:xfrm>
+          <a:prstGeom prst="roundRect">
+            <a:avLst/>
+          </a:prstGeom>
+        </p:spPr>
+        <p:style>
+          <a:lnRef idx="2">
+            <a:schemeClr val="accent6"/>
+          </a:lnRef>
+          <a:fillRef idx="1">
+            <a:schemeClr val="lt1"/>
+          </a:fillRef>
+          <a:effectRef idx="0">
+            <a:schemeClr val="accent6"/>
+          </a:effectRef>
+          <a:fontRef idx="minor">
+            <a:schemeClr val="dk1"/>
+          </a:fontRef>
+        </p:style>
+        <p:txBody>
+          <a:bodyPr rtlCol="0" anchor="ctr"/>
+          <a:lstStyle/>
+          <a:p>
+            <a:pPr algn="ctr"/>
+            <a:r>
+              <a:rPr lang="en-GB" dirty="0"/>
+              <a:t>Tools: MySQL, Python, Java, etc</a:t>
+            </a:r>
+            <a:endParaRPr lang="en-IN" dirty="0"/>
+          </a:p>
+        </p:txBody>
+      </p:sp>
+      <p:sp>
+        <p:nvSpPr>
+          <p:cNvPr id="13" name="Rectangle: Rounded Corners 12">
+            <a:extLst>
+              <a:ext uri="{FF2B5EF4-FFF2-40B4-BE49-F238E27FC236}">
+                <a16:creationId xmlns:a16="http://schemas.microsoft.com/office/drawing/2014/main" id="{AF30BF20-7B54-4620-8B89-BE40FB0F163B}"/>
+              </a:ext>
+            </a:extLst>
+          </p:cNvPr>
+          <p:cNvSpPr/>
+          <p:nvPr/>
+        </p:nvSpPr>
+        <p:spPr>
+          <a:xfrm>
+            <a:off x="9285049" y="2676939"/>
+            <a:ext cx="2325759" cy="609600"/>
+          </a:xfrm>
+          <a:prstGeom prst="roundRect">
+            <a:avLst/>
+          </a:prstGeom>
+        </p:spPr>
+        <p:style>
+          <a:lnRef idx="2">
+            <a:schemeClr val="accent6"/>
+          </a:lnRef>
+          <a:fillRef idx="1">
+            <a:schemeClr val="lt1"/>
+          </a:fillRef>
+          <a:effectRef idx="0">
+            <a:schemeClr val="accent6"/>
+          </a:effectRef>
+          <a:fontRef idx="minor">
+            <a:schemeClr val="dk1"/>
+          </a:fontRef>
+        </p:style>
+        <p:txBody>
+          <a:bodyPr rtlCol="0" anchor="ctr"/>
+          <a:lstStyle/>
+          <a:p>
+            <a:pPr algn="ctr"/>
+            <a:r>
+              <a:rPr lang="en-GB" dirty="0"/>
+              <a:t>Tickets: Win365, GCP DA Personas, etc</a:t>
+            </a:r>
+            <a:endParaRPr lang="en-IN" dirty="0"/>
+          </a:p>
+        </p:txBody>
+      </p:sp>
+      <p:sp>
+        <p:nvSpPr>
+          <p:cNvPr id="14" name="Rectangle: Rounded Corners 13">
+            <a:extLst>
+              <a:ext uri="{FF2B5EF4-FFF2-40B4-BE49-F238E27FC236}">
+                <a16:creationId xmlns:a16="http://schemas.microsoft.com/office/drawing/2014/main" id="{8A833FFF-E301-40F4-9988-361FFDA7A067}"/>
+              </a:ext>
+            </a:extLst>
+          </p:cNvPr>
+          <p:cNvSpPr/>
+          <p:nvPr/>
+        </p:nvSpPr>
+        <p:spPr>
+          <a:xfrm>
+            <a:off x="9285048" y="4247522"/>
+            <a:ext cx="2325759" cy="609600"/>
+          </a:xfrm>
+          <a:prstGeom prst="roundRect">
+            <a:avLst/>
+          </a:prstGeom>
+        </p:spPr>
+        <p:style>
+          <a:lnRef idx="2">
+            <a:schemeClr val="accent6"/>
+          </a:lnRef>
+          <a:fillRef idx="1">
+            <a:schemeClr val="lt1"/>
+          </a:fillRef>
+          <a:effectRef idx="0">
+            <a:schemeClr val="accent6"/>
+          </a:effectRef>
+          <a:fontRef idx="minor">
+            <a:schemeClr val="dk1"/>
+          </a:fontRef>
+        </p:style>
+        <p:txBody>
+          <a:bodyPr rtlCol="0" anchor="ctr"/>
+          <a:lstStyle/>
+          <a:p>
+            <a:pPr algn="ctr"/>
+            <a:r>
+              <a:rPr lang="en-GB" dirty="0"/>
+              <a:t>Tickets: Win365, GCP DE Personas, etc</a:t>
+            </a:r>
+            <a:endParaRPr lang="en-IN" dirty="0"/>
+          </a:p>
+        </p:txBody>
+      </p:sp>
+      <p:sp>
+        <p:nvSpPr>
+          <p:cNvPr id="15" name="Rectangle: Rounded Corners 14">
+            <a:extLst>
+              <a:ext uri="{FF2B5EF4-FFF2-40B4-BE49-F238E27FC236}">
+                <a16:creationId xmlns:a16="http://schemas.microsoft.com/office/drawing/2014/main" id="{7CEB6E63-6D76-42E9-BDCE-83E2C5FA3B74}"/>
+              </a:ext>
+            </a:extLst>
+          </p:cNvPr>
+          <p:cNvSpPr/>
+          <p:nvPr/>
+        </p:nvSpPr>
+        <p:spPr>
+          <a:xfrm>
+            <a:off x="9285048" y="3462231"/>
+            <a:ext cx="2325759" cy="609600"/>
+          </a:xfrm>
+          <a:prstGeom prst="roundRect">
+            <a:avLst/>
+          </a:prstGeom>
+        </p:spPr>
+        <p:style>
+          <a:lnRef idx="2">
+            <a:schemeClr val="accent6"/>
+          </a:lnRef>
+          <a:fillRef idx="1">
+            <a:schemeClr val="lt1"/>
+          </a:fillRef>
+          <a:effectRef idx="0">
+            <a:schemeClr val="accent6"/>
+          </a:effectRef>
+          <a:fontRef idx="minor">
+            <a:schemeClr val="dk1"/>
+          </a:fontRef>
+        </p:style>
+        <p:txBody>
+          <a:bodyPr rtlCol="0" anchor="ctr"/>
+          <a:lstStyle/>
+          <a:p>
+            <a:pPr algn="ctr"/>
+            <a:r>
+              <a:rPr lang="en-GB" dirty="0"/>
+              <a:t>Tools: Git, Python, Java, Ms </a:t>
             </a:r>
             <a:r>
               <a:rPr lang="en-GB" dirty="0" err="1"/>
-              <a:t>Springboot</a:t>
+              <a:t>VsCode</a:t>
             </a:r>
             <a:r>
               <a:rPr lang="en-GB" dirty="0"/>
-              <a:t> and PowerShell (153)</a:t>
-            </a:r>
-          </a:p>
-          <a:p>
+              <a:t>, etc</a:t>
+            </a:r>
+            <a:endParaRPr lang="en-IN" dirty="0"/>
+          </a:p>
+        </p:txBody>
+      </p:sp>
+      <p:sp>
+        <p:nvSpPr>
+          <p:cNvPr id="16" name="Rectangle: Rounded Corners 15">
+            <a:extLst>
+              <a:ext uri="{FF2B5EF4-FFF2-40B4-BE49-F238E27FC236}">
+                <a16:creationId xmlns:a16="http://schemas.microsoft.com/office/drawing/2014/main" id="{40A794F3-6024-4A31-96A6-347661BE1361}"/>
+              </a:ext>
+            </a:extLst>
+          </p:cNvPr>
+          <p:cNvSpPr/>
+          <p:nvPr/>
+        </p:nvSpPr>
+        <p:spPr>
+          <a:xfrm>
+            <a:off x="6953018" y="2372139"/>
+            <a:ext cx="1596887" cy="609600"/>
+          </a:xfrm>
+          <a:prstGeom prst="roundRect">
+            <a:avLst/>
+          </a:prstGeom>
+        </p:spPr>
+        <p:style>
+          <a:lnRef idx="2">
+            <a:schemeClr val="accent6"/>
+          </a:lnRef>
+          <a:fillRef idx="1">
+            <a:schemeClr val="lt1"/>
+          </a:fillRef>
+          <a:effectRef idx="0">
+            <a:schemeClr val="accent6"/>
+          </a:effectRef>
+          <a:fontRef idx="minor">
+            <a:schemeClr val="dk1"/>
+          </a:fontRef>
+        </p:style>
+        <p:txBody>
+          <a:bodyPr rtlCol="0" anchor="ctr"/>
+          <a:lstStyle/>
+          <a:p>
+            <a:pPr algn="ctr"/>
             <a:r>
               <a:rPr lang="en-GB" dirty="0"/>
-              <a:t>Automation of Jira:</a:t>
-            </a:r>
-          </a:p>
-          <a:p>
-            <a:pPr marL="0" indent="0">
-              <a:buNone/>
-            </a:pPr>
+              <a:t>Data Analysts</a:t>
+            </a:r>
+            <a:endParaRPr lang="en-IN" dirty="0"/>
+          </a:p>
+        </p:txBody>
+      </p:sp>
+      <p:sp>
+        <p:nvSpPr>
+          <p:cNvPr id="17" name="Rectangle: Rounded Corners 16">
+            <a:extLst>
+              <a:ext uri="{FF2B5EF4-FFF2-40B4-BE49-F238E27FC236}">
+                <a16:creationId xmlns:a16="http://schemas.microsoft.com/office/drawing/2014/main" id="{B3984026-55AF-4880-9A18-AFA6A022FFF7}"/>
+              </a:ext>
+            </a:extLst>
+          </p:cNvPr>
+          <p:cNvSpPr/>
+          <p:nvPr/>
+        </p:nvSpPr>
+        <p:spPr>
+          <a:xfrm>
+            <a:off x="6953018" y="3916069"/>
+            <a:ext cx="1747884" cy="609600"/>
+          </a:xfrm>
+          <a:prstGeom prst="roundRect">
+            <a:avLst/>
+          </a:prstGeom>
+        </p:spPr>
+        <p:style>
+          <a:lnRef idx="2">
+            <a:schemeClr val="accent6"/>
+          </a:lnRef>
+          <a:fillRef idx="1">
+            <a:schemeClr val="lt1"/>
+          </a:fillRef>
+          <a:effectRef idx="0">
+            <a:schemeClr val="accent6"/>
+          </a:effectRef>
+          <a:fontRef idx="minor">
+            <a:schemeClr val="dk1"/>
+          </a:fontRef>
+        </p:style>
+        <p:txBody>
+          <a:bodyPr rtlCol="0" anchor="ctr"/>
+          <a:lstStyle/>
+          <a:p>
+            <a:pPr algn="ctr"/>
             <a:r>
               <a:rPr lang="en-GB" dirty="0"/>
-              <a:t>	Selenium and Java (76 lines) </a:t>
-            </a:r>
-          </a:p>
-          <a:p>
+              <a:t>Data Engineers</a:t>
+            </a:r>
+            <a:endParaRPr lang="en-IN" dirty="0"/>
+          </a:p>
+        </p:txBody>
+      </p:sp>
+      <p:sp>
+        <p:nvSpPr>
+          <p:cNvPr id="19" name="Rectangle: Rounded Corners 18">
+            <a:extLst>
+              <a:ext uri="{FF2B5EF4-FFF2-40B4-BE49-F238E27FC236}">
+                <a16:creationId xmlns:a16="http://schemas.microsoft.com/office/drawing/2014/main" id="{8F3FBC51-074A-4025-9EC7-31B4B82DA810}"/>
+              </a:ext>
+            </a:extLst>
+          </p:cNvPr>
+          <p:cNvSpPr/>
+          <p:nvPr/>
+        </p:nvSpPr>
+        <p:spPr>
+          <a:xfrm>
+            <a:off x="6953018" y="5549762"/>
+            <a:ext cx="2031956" cy="609600"/>
+          </a:xfrm>
+          <a:prstGeom prst="roundRect">
+            <a:avLst/>
+          </a:prstGeom>
+        </p:spPr>
+        <p:style>
+          <a:lnRef idx="2">
+            <a:schemeClr val="accent6"/>
+          </a:lnRef>
+          <a:fillRef idx="1">
+            <a:schemeClr val="lt1"/>
+          </a:fillRef>
+          <a:effectRef idx="0">
+            <a:schemeClr val="accent6"/>
+          </a:effectRef>
+          <a:fontRef idx="minor">
+            <a:schemeClr val="dk1"/>
+          </a:fontRef>
+        </p:style>
+        <p:txBody>
+          <a:bodyPr rtlCol="0" anchor="ctr"/>
+          <a:lstStyle/>
+          <a:p>
+            <a:pPr algn="ctr"/>
             <a:r>
               <a:rPr lang="en-GB" dirty="0"/>
-              <a:t>Remote Machine Simulation: </a:t>
-            </a:r>
-          </a:p>
-          <a:p>
-            <a:pPr marL="0" indent="0">
-              <a:buNone/>
-            </a:pPr>
+              <a:t>Platform Engineers</a:t>
+            </a:r>
+            <a:endParaRPr lang="en-IN" dirty="0"/>
+          </a:p>
+        </p:txBody>
+      </p:sp>
+      <p:sp>
+        <p:nvSpPr>
+          <p:cNvPr id="20" name="Rectangle: Rounded Corners 19">
+            <a:extLst>
+              <a:ext uri="{FF2B5EF4-FFF2-40B4-BE49-F238E27FC236}">
+                <a16:creationId xmlns:a16="http://schemas.microsoft.com/office/drawing/2014/main" id="{934A3F3B-45CF-482A-8374-908DD2A2A041}"/>
+              </a:ext>
+            </a:extLst>
+          </p:cNvPr>
+          <p:cNvSpPr/>
+          <p:nvPr/>
+        </p:nvSpPr>
+        <p:spPr>
+          <a:xfrm>
+            <a:off x="9285045" y="5884174"/>
+            <a:ext cx="2325759" cy="609600"/>
+          </a:xfrm>
+          <a:prstGeom prst="roundRect">
+            <a:avLst/>
+          </a:prstGeom>
+        </p:spPr>
+        <p:style>
+          <a:lnRef idx="2">
+            <a:schemeClr val="accent6"/>
+          </a:lnRef>
+          <a:fillRef idx="1">
+            <a:schemeClr val="lt1"/>
+          </a:fillRef>
+          <a:effectRef idx="0">
+            <a:schemeClr val="accent6"/>
+          </a:effectRef>
+          <a:fontRef idx="minor">
+            <a:schemeClr val="dk1"/>
+          </a:fontRef>
+        </p:style>
+        <p:txBody>
+          <a:bodyPr rtlCol="0" anchor="ctr"/>
+          <a:lstStyle/>
+          <a:p>
+            <a:pPr algn="ctr"/>
             <a:r>
               <a:rPr lang="en-GB" dirty="0"/>
-              <a:t>	GCP Compute Engine: Windows Server 2022, E2 standard, Balanced SSD</a:t>
-            </a:r>
-          </a:p>
-          <a:p>
-            <a:pPr marL="0" indent="0">
-              <a:buNone/>
-            </a:pPr>
+              <a:t>Tickets: Win365. GCP PE Personas, etc</a:t>
+            </a:r>
+            <a:endParaRPr lang="en-IN" dirty="0"/>
+          </a:p>
+        </p:txBody>
+      </p:sp>
+      <p:sp>
+        <p:nvSpPr>
+          <p:cNvPr id="21" name="Rectangle: Rounded Corners 20">
+            <a:extLst>
+              <a:ext uri="{FF2B5EF4-FFF2-40B4-BE49-F238E27FC236}">
+                <a16:creationId xmlns:a16="http://schemas.microsoft.com/office/drawing/2014/main" id="{19DE95FF-3D95-4734-9DE7-7993E0B38FEA}"/>
+              </a:ext>
+            </a:extLst>
+          </p:cNvPr>
+          <p:cNvSpPr/>
+          <p:nvPr/>
+        </p:nvSpPr>
+        <p:spPr>
+          <a:xfrm>
+            <a:off x="9285046" y="5065848"/>
+            <a:ext cx="2429876" cy="609600"/>
+          </a:xfrm>
+          <a:prstGeom prst="roundRect">
+            <a:avLst/>
+          </a:prstGeom>
+        </p:spPr>
+        <p:style>
+          <a:lnRef idx="2">
+            <a:schemeClr val="accent6"/>
+          </a:lnRef>
+          <a:fillRef idx="1">
+            <a:schemeClr val="lt1"/>
+          </a:fillRef>
+          <a:effectRef idx="0">
+            <a:schemeClr val="accent6"/>
+          </a:effectRef>
+          <a:fontRef idx="minor">
+            <a:schemeClr val="dk1"/>
+          </a:fontRef>
+        </p:style>
+        <p:txBody>
+          <a:bodyPr rtlCol="0" anchor="ctr"/>
+          <a:lstStyle/>
+          <a:p>
+            <a:pPr algn="ctr"/>
             <a:r>
               <a:rPr lang="en-GB" dirty="0"/>
-              <a:t>	GCP VPC Networks: Ingress Port 3389</a:t>
-            </a:r>
-          </a:p>
-          <a:p>
-            <a:pPr marL="0" indent="0">
-              <a:buNone/>
-            </a:pPr>
-            <a:r>
-              <a:rPr lang="en-GB" dirty="0"/>
-              <a:t>	GCP IAM: Compute Engine API and service account</a:t>
-            </a:r>
-          </a:p>
-          <a:p>
-            <a:endParaRPr lang="en-GB" dirty="0"/>
-          </a:p>
-        </p:txBody>
-      </p:sp>
+              <a:t>Tools: Git, Docker, Java, Terraform, IntelliJ, etc</a:t>
+            </a:r>
+            <a:endParaRPr lang="en-IN" dirty="0"/>
+          </a:p>
+        </p:txBody>
+      </p:sp>
+      <p:cxnSp>
+        <p:nvCxnSpPr>
+          <p:cNvPr id="23" name="Straight Arrow Connector 22">
+            <a:extLst>
+              <a:ext uri="{FF2B5EF4-FFF2-40B4-BE49-F238E27FC236}">
+                <a16:creationId xmlns:a16="http://schemas.microsoft.com/office/drawing/2014/main" id="{B1C81CF5-54C8-479E-8BED-2B708A012B12}"/>
+              </a:ext>
+            </a:extLst>
+          </p:cNvPr>
+          <p:cNvCxnSpPr>
+            <a:stCxn id="4" idx="2"/>
+            <a:endCxn id="8" idx="0"/>
+          </p:cNvCxnSpPr>
+          <p:nvPr/>
+        </p:nvCxnSpPr>
+        <p:spPr>
+          <a:xfrm>
+            <a:off x="1339522" y="2806047"/>
+            <a:ext cx="1" cy="613014"/>
+          </a:xfrm>
+          <a:prstGeom prst="straightConnector1">
+            <a:avLst/>
+          </a:prstGeom>
+          <a:ln>
+            <a:tailEnd type="triangle"/>
+          </a:ln>
+        </p:spPr>
+        <p:style>
+          <a:lnRef idx="1">
+            <a:schemeClr val="accent1"/>
+          </a:lnRef>
+          <a:fillRef idx="0">
+            <a:schemeClr val="accent1"/>
+          </a:fillRef>
+          <a:effectRef idx="0">
+            <a:schemeClr val="accent1"/>
+          </a:effectRef>
+          <a:fontRef idx="minor">
+            <a:schemeClr val="tx1"/>
+          </a:fontRef>
+        </p:style>
+      </p:cxnSp>
+      <p:cxnSp>
+        <p:nvCxnSpPr>
+          <p:cNvPr id="25" name="Straight Arrow Connector 24">
+            <a:extLst>
+              <a:ext uri="{FF2B5EF4-FFF2-40B4-BE49-F238E27FC236}">
+                <a16:creationId xmlns:a16="http://schemas.microsoft.com/office/drawing/2014/main" id="{E83FC331-FCED-4E39-B93F-AFB6506B02D7}"/>
+              </a:ext>
+            </a:extLst>
+          </p:cNvPr>
+          <p:cNvCxnSpPr>
+            <a:stCxn id="8" idx="3"/>
+            <a:endCxn id="7" idx="1"/>
+          </p:cNvCxnSpPr>
+          <p:nvPr/>
+        </p:nvCxnSpPr>
+        <p:spPr>
+          <a:xfrm flipV="1">
+            <a:off x="2137966" y="3723860"/>
+            <a:ext cx="227546" cy="1"/>
+          </a:xfrm>
+          <a:prstGeom prst="straightConnector1">
+            <a:avLst/>
+          </a:prstGeom>
+          <a:ln>
+            <a:tailEnd type="triangle"/>
+          </a:ln>
+        </p:spPr>
+        <p:style>
+          <a:lnRef idx="1">
+            <a:schemeClr val="accent1"/>
+          </a:lnRef>
+          <a:fillRef idx="0">
+            <a:schemeClr val="accent1"/>
+          </a:fillRef>
+          <a:effectRef idx="0">
+            <a:schemeClr val="accent1"/>
+          </a:effectRef>
+          <a:fontRef idx="minor">
+            <a:schemeClr val="tx1"/>
+          </a:fontRef>
+        </p:style>
+      </p:cxnSp>
+      <p:cxnSp>
+        <p:nvCxnSpPr>
+          <p:cNvPr id="27" name="Connector: Elbow 26">
+            <a:extLst>
+              <a:ext uri="{FF2B5EF4-FFF2-40B4-BE49-F238E27FC236}">
+                <a16:creationId xmlns:a16="http://schemas.microsoft.com/office/drawing/2014/main" id="{14E1E0EE-0174-4EA2-BF61-893A5F7B4ABF}"/>
+              </a:ext>
+            </a:extLst>
+          </p:cNvPr>
+          <p:cNvCxnSpPr>
+            <a:cxnSpLocks/>
+          </p:cNvCxnSpPr>
+          <p:nvPr/>
+        </p:nvCxnSpPr>
+        <p:spPr>
+          <a:xfrm rot="16200000" flipH="1">
+            <a:off x="1456455" y="3881860"/>
+            <a:ext cx="732387" cy="1025989"/>
+          </a:xfrm>
+          <a:prstGeom prst="bentConnector2">
+            <a:avLst/>
+          </a:prstGeom>
+          <a:ln>
+            <a:tailEnd type="triangle"/>
+          </a:ln>
+        </p:spPr>
+        <p:style>
+          <a:lnRef idx="1">
+            <a:schemeClr val="accent1"/>
+          </a:lnRef>
+          <a:fillRef idx="0">
+            <a:schemeClr val="accent1"/>
+          </a:fillRef>
+          <a:effectRef idx="0">
+            <a:schemeClr val="accent1"/>
+          </a:effectRef>
+          <a:fontRef idx="minor">
+            <a:schemeClr val="tx1"/>
+          </a:fontRef>
+        </p:style>
+      </p:cxnSp>
+      <p:cxnSp>
+        <p:nvCxnSpPr>
+          <p:cNvPr id="31" name="Connector: Elbow 30">
+            <a:extLst>
+              <a:ext uri="{FF2B5EF4-FFF2-40B4-BE49-F238E27FC236}">
+                <a16:creationId xmlns:a16="http://schemas.microsoft.com/office/drawing/2014/main" id="{D9B106F3-DE6C-488A-8937-DCB0B56E9734}"/>
+              </a:ext>
+            </a:extLst>
+          </p:cNvPr>
+          <p:cNvCxnSpPr>
+            <a:endCxn id="6" idx="1"/>
+          </p:cNvCxnSpPr>
+          <p:nvPr/>
+        </p:nvCxnSpPr>
+        <p:spPr>
+          <a:xfrm>
+            <a:off x="1309653" y="4761048"/>
+            <a:ext cx="1055859" cy="1017310"/>
+          </a:xfrm>
+          <a:prstGeom prst="bentConnector3">
+            <a:avLst>
+              <a:gd name="adj1" fmla="val -204"/>
+            </a:avLst>
+          </a:prstGeom>
+          <a:ln>
+            <a:tailEnd type="triangle"/>
+          </a:ln>
+        </p:spPr>
+        <p:style>
+          <a:lnRef idx="1">
+            <a:schemeClr val="accent1"/>
+          </a:lnRef>
+          <a:fillRef idx="0">
+            <a:schemeClr val="accent1"/>
+          </a:fillRef>
+          <a:effectRef idx="0">
+            <a:schemeClr val="accent1"/>
+          </a:effectRef>
+          <a:fontRef idx="minor">
+            <a:schemeClr val="tx1"/>
+          </a:fontRef>
+        </p:style>
+      </p:cxnSp>
+      <p:cxnSp>
+        <p:nvCxnSpPr>
+          <p:cNvPr id="35" name="Straight Arrow Connector 34">
+            <a:extLst>
+              <a:ext uri="{FF2B5EF4-FFF2-40B4-BE49-F238E27FC236}">
+                <a16:creationId xmlns:a16="http://schemas.microsoft.com/office/drawing/2014/main" id="{96C51EAF-EDDA-4BF9-A2DA-C48BD6BA6E44}"/>
+              </a:ext>
+            </a:extLst>
+          </p:cNvPr>
+          <p:cNvCxnSpPr>
+            <a:stCxn id="7" idx="3"/>
+            <a:endCxn id="11" idx="1"/>
+          </p:cNvCxnSpPr>
+          <p:nvPr/>
+        </p:nvCxnSpPr>
+        <p:spPr>
+          <a:xfrm>
+            <a:off x="3962399" y="3723860"/>
+            <a:ext cx="521574" cy="1"/>
+          </a:xfrm>
+          <a:prstGeom prst="straightConnector1">
+            <a:avLst/>
+          </a:prstGeom>
+          <a:ln>
+            <a:tailEnd type="triangle"/>
+          </a:ln>
+        </p:spPr>
+        <p:style>
+          <a:lnRef idx="1">
+            <a:schemeClr val="accent1"/>
+          </a:lnRef>
+          <a:fillRef idx="0">
+            <a:schemeClr val="accent1"/>
+          </a:fillRef>
+          <a:effectRef idx="0">
+            <a:schemeClr val="accent1"/>
+          </a:effectRef>
+          <a:fontRef idx="minor">
+            <a:schemeClr val="tx1"/>
+          </a:fontRef>
+        </p:style>
+      </p:cxnSp>
+      <p:cxnSp>
+        <p:nvCxnSpPr>
+          <p:cNvPr id="37" name="Connector: Elbow 36">
+            <a:extLst>
+              <a:ext uri="{FF2B5EF4-FFF2-40B4-BE49-F238E27FC236}">
+                <a16:creationId xmlns:a16="http://schemas.microsoft.com/office/drawing/2014/main" id="{59B9318D-EEEA-40EB-80A8-54C083980B70}"/>
+              </a:ext>
+            </a:extLst>
+          </p:cNvPr>
+          <p:cNvCxnSpPr>
+            <a:stCxn id="7" idx="0"/>
+            <a:endCxn id="10" idx="1"/>
+          </p:cNvCxnSpPr>
+          <p:nvPr/>
+        </p:nvCxnSpPr>
+        <p:spPr>
+          <a:xfrm rot="5400000" flipH="1" flipV="1">
+            <a:off x="3518073" y="2316143"/>
+            <a:ext cx="748800" cy="1457035"/>
+          </a:xfrm>
+          <a:prstGeom prst="bentConnector2">
+            <a:avLst/>
+          </a:prstGeom>
+          <a:ln>
+            <a:tailEnd type="triangle"/>
+          </a:ln>
+        </p:spPr>
+        <p:style>
+          <a:lnRef idx="1">
+            <a:schemeClr val="accent1"/>
+          </a:lnRef>
+          <a:fillRef idx="0">
+            <a:schemeClr val="accent1"/>
+          </a:fillRef>
+          <a:effectRef idx="0">
+            <a:schemeClr val="accent1"/>
+          </a:effectRef>
+          <a:fontRef idx="minor">
+            <a:schemeClr val="tx1"/>
+          </a:fontRef>
+        </p:style>
+      </p:cxnSp>
+      <p:cxnSp>
+        <p:nvCxnSpPr>
+          <p:cNvPr id="39" name="Straight Arrow Connector 38">
+            <a:extLst>
+              <a:ext uri="{FF2B5EF4-FFF2-40B4-BE49-F238E27FC236}">
+                <a16:creationId xmlns:a16="http://schemas.microsoft.com/office/drawing/2014/main" id="{7AB80B82-58B1-4AD9-BF3F-0FA13C9BC057}"/>
+              </a:ext>
+            </a:extLst>
+          </p:cNvPr>
+          <p:cNvCxnSpPr>
+            <a:stCxn id="10" idx="3"/>
+            <a:endCxn id="16" idx="1"/>
+          </p:cNvCxnSpPr>
+          <p:nvPr/>
+        </p:nvCxnSpPr>
+        <p:spPr>
+          <a:xfrm>
+            <a:off x="6217878" y="2670260"/>
+            <a:ext cx="735140" cy="6679"/>
+          </a:xfrm>
+          <a:prstGeom prst="straightConnector1">
+            <a:avLst/>
+          </a:prstGeom>
+          <a:ln>
+            <a:tailEnd type="triangle"/>
+          </a:ln>
+        </p:spPr>
+        <p:style>
+          <a:lnRef idx="1">
+            <a:schemeClr val="accent1"/>
+          </a:lnRef>
+          <a:fillRef idx="0">
+            <a:schemeClr val="accent1"/>
+          </a:fillRef>
+          <a:effectRef idx="0">
+            <a:schemeClr val="accent1"/>
+          </a:effectRef>
+          <a:fontRef idx="minor">
+            <a:schemeClr val="tx1"/>
+          </a:fontRef>
+        </p:style>
+      </p:cxnSp>
+      <p:cxnSp>
+        <p:nvCxnSpPr>
+          <p:cNvPr id="43" name="Connector: Elbow 42">
+            <a:extLst>
+              <a:ext uri="{FF2B5EF4-FFF2-40B4-BE49-F238E27FC236}">
+                <a16:creationId xmlns:a16="http://schemas.microsoft.com/office/drawing/2014/main" id="{AE2CF788-17C4-4D69-9CC1-2CABB0D63A28}"/>
+              </a:ext>
+            </a:extLst>
+          </p:cNvPr>
+          <p:cNvCxnSpPr>
+            <a:stCxn id="11" idx="3"/>
+            <a:endCxn id="17" idx="0"/>
+          </p:cNvCxnSpPr>
+          <p:nvPr/>
+        </p:nvCxnSpPr>
+        <p:spPr>
+          <a:xfrm>
+            <a:off x="6354895" y="3723861"/>
+            <a:ext cx="1472065" cy="192208"/>
+          </a:xfrm>
+          <a:prstGeom prst="bentConnector2">
+            <a:avLst/>
+          </a:prstGeom>
+          <a:ln>
+            <a:tailEnd type="triangle"/>
+          </a:ln>
+        </p:spPr>
+        <p:style>
+          <a:lnRef idx="1">
+            <a:schemeClr val="accent1"/>
+          </a:lnRef>
+          <a:fillRef idx="0">
+            <a:schemeClr val="accent1"/>
+          </a:fillRef>
+          <a:effectRef idx="0">
+            <a:schemeClr val="accent1"/>
+          </a:effectRef>
+          <a:fontRef idx="minor">
+            <a:schemeClr val="tx1"/>
+          </a:fontRef>
+        </p:style>
+      </p:cxnSp>
+      <p:cxnSp>
+        <p:nvCxnSpPr>
+          <p:cNvPr id="45" name="Connector: Elbow 44">
+            <a:extLst>
+              <a:ext uri="{FF2B5EF4-FFF2-40B4-BE49-F238E27FC236}">
+                <a16:creationId xmlns:a16="http://schemas.microsoft.com/office/drawing/2014/main" id="{98D5BFE5-C7FF-48F3-88D6-A0C1550EC0D3}"/>
+              </a:ext>
+            </a:extLst>
+          </p:cNvPr>
+          <p:cNvCxnSpPr>
+            <a:stCxn id="11" idx="2"/>
+            <a:endCxn id="19" idx="1"/>
+          </p:cNvCxnSpPr>
+          <p:nvPr/>
+        </p:nvCxnSpPr>
+        <p:spPr>
+          <a:xfrm rot="16200000" flipH="1">
+            <a:off x="5369380" y="4270923"/>
+            <a:ext cx="1633693" cy="1533584"/>
+          </a:xfrm>
+          <a:prstGeom prst="bentConnector2">
+            <a:avLst/>
+          </a:prstGeom>
+          <a:ln>
+            <a:tailEnd type="triangle"/>
+          </a:ln>
+        </p:spPr>
+        <p:style>
+          <a:lnRef idx="1">
+            <a:schemeClr val="accent1"/>
+          </a:lnRef>
+          <a:fillRef idx="0">
+            <a:schemeClr val="accent1"/>
+          </a:fillRef>
+          <a:effectRef idx="0">
+            <a:schemeClr val="accent1"/>
+          </a:effectRef>
+          <a:fontRef idx="minor">
+            <a:schemeClr val="tx1"/>
+          </a:fontRef>
+        </p:style>
+      </p:cxnSp>
+      <p:cxnSp>
+        <p:nvCxnSpPr>
+          <p:cNvPr id="47" name="Connector: Elbow 46">
+            <a:extLst>
+              <a:ext uri="{FF2B5EF4-FFF2-40B4-BE49-F238E27FC236}">
+                <a16:creationId xmlns:a16="http://schemas.microsoft.com/office/drawing/2014/main" id="{3CCB6E92-634C-47D3-9409-3424438DD826}"/>
+              </a:ext>
+            </a:extLst>
+          </p:cNvPr>
+          <p:cNvCxnSpPr>
+            <a:stCxn id="16" idx="3"/>
+            <a:endCxn id="12" idx="1"/>
+          </p:cNvCxnSpPr>
+          <p:nvPr/>
+        </p:nvCxnSpPr>
+        <p:spPr>
+          <a:xfrm flipV="1">
+            <a:off x="8549905" y="2196447"/>
+            <a:ext cx="735142" cy="480492"/>
+          </a:xfrm>
+          <a:prstGeom prst="bentConnector3">
+            <a:avLst/>
+          </a:prstGeom>
+          <a:ln>
+            <a:tailEnd type="triangle"/>
+          </a:ln>
+        </p:spPr>
+        <p:style>
+          <a:lnRef idx="1">
+            <a:schemeClr val="accent1"/>
+          </a:lnRef>
+          <a:fillRef idx="0">
+            <a:schemeClr val="accent1"/>
+          </a:fillRef>
+          <a:effectRef idx="0">
+            <a:schemeClr val="accent1"/>
+          </a:effectRef>
+          <a:fontRef idx="minor">
+            <a:schemeClr val="tx1"/>
+          </a:fontRef>
+        </p:style>
+      </p:cxnSp>
+      <p:cxnSp>
+        <p:nvCxnSpPr>
+          <p:cNvPr id="53" name="Connector: Elbow 52">
+            <a:extLst>
+              <a:ext uri="{FF2B5EF4-FFF2-40B4-BE49-F238E27FC236}">
+                <a16:creationId xmlns:a16="http://schemas.microsoft.com/office/drawing/2014/main" id="{78E3F84E-0B33-4194-A564-0B9E89F741A0}"/>
+              </a:ext>
+            </a:extLst>
+          </p:cNvPr>
+          <p:cNvCxnSpPr>
+            <a:stCxn id="17" idx="3"/>
+            <a:endCxn id="15" idx="1"/>
+          </p:cNvCxnSpPr>
+          <p:nvPr/>
+        </p:nvCxnSpPr>
+        <p:spPr>
+          <a:xfrm flipV="1">
+            <a:off x="8700902" y="3767031"/>
+            <a:ext cx="584146" cy="453838"/>
+          </a:xfrm>
+          <a:prstGeom prst="bentConnector3">
+            <a:avLst/>
+          </a:prstGeom>
+          <a:ln>
+            <a:tailEnd type="triangle"/>
+          </a:ln>
+        </p:spPr>
+        <p:style>
+          <a:lnRef idx="1">
+            <a:schemeClr val="accent1"/>
+          </a:lnRef>
+          <a:fillRef idx="0">
+            <a:schemeClr val="accent1"/>
+          </a:fillRef>
+          <a:effectRef idx="0">
+            <a:schemeClr val="accent1"/>
+          </a:effectRef>
+          <a:fontRef idx="minor">
+            <a:schemeClr val="tx1"/>
+          </a:fontRef>
+        </p:style>
+      </p:cxnSp>
+      <p:cxnSp>
+        <p:nvCxnSpPr>
+          <p:cNvPr id="55" name="Connector: Elbow 54">
+            <a:extLst>
+              <a:ext uri="{FF2B5EF4-FFF2-40B4-BE49-F238E27FC236}">
+                <a16:creationId xmlns:a16="http://schemas.microsoft.com/office/drawing/2014/main" id="{2E29DA6B-25B7-4DF2-8C95-54EE988C1DE6}"/>
+              </a:ext>
+            </a:extLst>
+          </p:cNvPr>
+          <p:cNvCxnSpPr>
+            <a:stCxn id="17" idx="3"/>
+            <a:endCxn id="14" idx="1"/>
+          </p:cNvCxnSpPr>
+          <p:nvPr/>
+        </p:nvCxnSpPr>
+        <p:spPr>
+          <a:xfrm>
+            <a:off x="8700902" y="4220869"/>
+            <a:ext cx="584146" cy="331453"/>
+          </a:xfrm>
+          <a:prstGeom prst="bentConnector3">
+            <a:avLst/>
+          </a:prstGeom>
+          <a:ln>
+            <a:tailEnd type="triangle"/>
+          </a:ln>
+        </p:spPr>
+        <p:style>
+          <a:lnRef idx="1">
+            <a:schemeClr val="accent1"/>
+          </a:lnRef>
+          <a:fillRef idx="0">
+            <a:schemeClr val="accent1"/>
+          </a:fillRef>
+          <a:effectRef idx="0">
+            <a:schemeClr val="accent1"/>
+          </a:effectRef>
+          <a:fontRef idx="minor">
+            <a:schemeClr val="tx1"/>
+          </a:fontRef>
+        </p:style>
+      </p:cxnSp>
+      <p:cxnSp>
+        <p:nvCxnSpPr>
+          <p:cNvPr id="57" name="Connector: Elbow 56">
+            <a:extLst>
+              <a:ext uri="{FF2B5EF4-FFF2-40B4-BE49-F238E27FC236}">
+                <a16:creationId xmlns:a16="http://schemas.microsoft.com/office/drawing/2014/main" id="{94C95BE0-FBE9-433F-89EB-7952E727F529}"/>
+              </a:ext>
+            </a:extLst>
+          </p:cNvPr>
+          <p:cNvCxnSpPr>
+            <a:stCxn id="16" idx="3"/>
+            <a:endCxn id="13" idx="1"/>
+          </p:cNvCxnSpPr>
+          <p:nvPr/>
+        </p:nvCxnSpPr>
+        <p:spPr>
+          <a:xfrm>
+            <a:off x="8549905" y="2676939"/>
+            <a:ext cx="735144" cy="304800"/>
+          </a:xfrm>
+          <a:prstGeom prst="bentConnector3">
+            <a:avLst/>
+          </a:prstGeom>
+          <a:ln>
+            <a:tailEnd type="triangle"/>
+          </a:ln>
+        </p:spPr>
+        <p:style>
+          <a:lnRef idx="1">
+            <a:schemeClr val="accent1"/>
+          </a:lnRef>
+          <a:fillRef idx="0">
+            <a:schemeClr val="accent1"/>
+          </a:fillRef>
+          <a:effectRef idx="0">
+            <a:schemeClr val="accent1"/>
+          </a:effectRef>
+          <a:fontRef idx="minor">
+            <a:schemeClr val="tx1"/>
+          </a:fontRef>
+        </p:style>
+      </p:cxnSp>
+      <p:cxnSp>
+        <p:nvCxnSpPr>
+          <p:cNvPr id="59" name="Connector: Elbow 58">
+            <a:extLst>
+              <a:ext uri="{FF2B5EF4-FFF2-40B4-BE49-F238E27FC236}">
+                <a16:creationId xmlns:a16="http://schemas.microsoft.com/office/drawing/2014/main" id="{72D69DDB-44A0-48C6-A23D-6B9CDCDC44A5}"/>
+              </a:ext>
+            </a:extLst>
+          </p:cNvPr>
+          <p:cNvCxnSpPr>
+            <a:cxnSpLocks/>
+            <a:stCxn id="19" idx="3"/>
+            <a:endCxn id="21" idx="1"/>
+          </p:cNvCxnSpPr>
+          <p:nvPr/>
+        </p:nvCxnSpPr>
+        <p:spPr>
+          <a:xfrm flipV="1">
+            <a:off x="8984974" y="5370648"/>
+            <a:ext cx="300072" cy="483914"/>
+          </a:xfrm>
+          <a:prstGeom prst="bentConnector3">
+            <a:avLst/>
+          </a:prstGeom>
+          <a:ln>
+            <a:tailEnd type="triangle"/>
+          </a:ln>
+        </p:spPr>
+        <p:style>
+          <a:lnRef idx="1">
+            <a:schemeClr val="accent1"/>
+          </a:lnRef>
+          <a:fillRef idx="0">
+            <a:schemeClr val="accent1"/>
+          </a:fillRef>
+          <a:effectRef idx="0">
+            <a:schemeClr val="accent1"/>
+          </a:effectRef>
+          <a:fontRef idx="minor">
+            <a:schemeClr val="tx1"/>
+          </a:fontRef>
+        </p:style>
+      </p:cxnSp>
+      <p:cxnSp>
+        <p:nvCxnSpPr>
+          <p:cNvPr id="61" name="Connector: Elbow 60">
+            <a:extLst>
+              <a:ext uri="{FF2B5EF4-FFF2-40B4-BE49-F238E27FC236}">
+                <a16:creationId xmlns:a16="http://schemas.microsoft.com/office/drawing/2014/main" id="{E42A8575-3F9E-4917-89C3-5B8007370C57}"/>
+              </a:ext>
+            </a:extLst>
+          </p:cNvPr>
+          <p:cNvCxnSpPr>
+            <a:stCxn id="19" idx="3"/>
+            <a:endCxn id="20" idx="1"/>
+          </p:cNvCxnSpPr>
+          <p:nvPr/>
+        </p:nvCxnSpPr>
+        <p:spPr>
+          <a:xfrm>
+            <a:off x="8984974" y="5854562"/>
+            <a:ext cx="300071" cy="334412"/>
+          </a:xfrm>
+          <a:prstGeom prst="bentConnector3">
+            <a:avLst/>
+          </a:prstGeom>
+          <a:ln>
+            <a:tailEnd type="triangle"/>
+          </a:ln>
+        </p:spPr>
+        <p:style>
+          <a:lnRef idx="1">
+            <a:schemeClr val="accent1"/>
+          </a:lnRef>
+          <a:fillRef idx="0">
+            <a:schemeClr val="accent1"/>
+          </a:fillRef>
+          <a:effectRef idx="0">
+            <a:schemeClr val="accent1"/>
+          </a:effectRef>
+          <a:fontRef idx="minor">
+            <a:schemeClr val="tx1"/>
+          </a:fontRef>
+        </p:style>
+      </p:cxnSp>
     </p:spTree>
     <p:extLst>
       <p:ext uri="{BB962C8B-B14F-4D97-AF65-F5344CB8AC3E}">
-        <p14:creationId xmlns:p14="http://schemas.microsoft.com/office/powerpoint/2010/main" val="1504040330"/>
+        <p14:creationId xmlns:p14="http://schemas.microsoft.com/office/powerpoint/2010/main" val="1229178898"/>
       </p:ext>
     </p:extLst>
   </p:cSld>

--- a/TECH_ENABLERS.pptx
+++ b/TECH_ENABLERS.pptx
@@ -10,8 +10,8 @@
     <p:sldId id="258" r:id="rId4"/>
     <p:sldId id="259" r:id="rId5"/>
     <p:sldId id="263" r:id="rId6"/>
-    <p:sldId id="261" r:id="rId7"/>
-    <p:sldId id="260" r:id="rId8"/>
+    <p:sldId id="260" r:id="rId7"/>
+    <p:sldId id="261" r:id="rId8"/>
     <p:sldId id="262" r:id="rId9"/>
   </p:sldIdLst>
   <p:sldSz cx="12192000" cy="6858000"/>
@@ -365,7 +365,7 @@
             <a:fld id="{B61BEF0D-F0BB-DE4B-95CE-6DB70DBA9567}" type="datetimeFigureOut">
               <a:rPr lang="en-US" dirty="0"/>
               <a:pPr/>
-              <a:t>7/26/2024</a:t>
+              <a:t>7/29/2024</a:t>
             </a:fld>
             <a:endParaRPr lang="en-US" dirty="0"/>
           </a:p>
@@ -624,7 +624,7 @@
             <a:fld id="{B61BEF0D-F0BB-DE4B-95CE-6DB70DBA9567}" type="datetimeFigureOut">
               <a:rPr lang="en-US" dirty="0"/>
               <a:pPr/>
-              <a:t>7/26/2024</a:t>
+              <a:t>7/29/2024</a:t>
             </a:fld>
             <a:endParaRPr lang="en-US" dirty="0"/>
           </a:p>
@@ -856,7 +856,7 @@
             <a:fld id="{B61BEF0D-F0BB-DE4B-95CE-6DB70DBA9567}" type="datetimeFigureOut">
               <a:rPr lang="en-US" dirty="0"/>
               <a:pPr/>
-              <a:t>7/26/2024</a:t>
+              <a:t>7/29/2024</a:t>
             </a:fld>
             <a:endParaRPr lang="en-US" dirty="0"/>
           </a:p>
@@ -1093,7 +1093,7 @@
             <a:fld id="{B61BEF0D-F0BB-DE4B-95CE-6DB70DBA9567}" type="datetimeFigureOut">
               <a:rPr lang="en-US" dirty="0"/>
               <a:pPr/>
-              <a:t>7/26/2024</a:t>
+              <a:t>7/29/2024</a:t>
             </a:fld>
             <a:endParaRPr lang="en-US" dirty="0"/>
           </a:p>
@@ -1397,7 +1397,7 @@
             <a:fld id="{B61BEF0D-F0BB-DE4B-95CE-6DB70DBA9567}" type="datetimeFigureOut">
               <a:rPr lang="en-US" dirty="0"/>
               <a:pPr/>
-              <a:t>7/26/2024</a:t>
+              <a:t>7/29/2024</a:t>
             </a:fld>
             <a:endParaRPr lang="en-US" dirty="0"/>
           </a:p>
@@ -1696,7 +1696,7 @@
             <a:fld id="{B61BEF0D-F0BB-DE4B-95CE-6DB70DBA9567}" type="datetimeFigureOut">
               <a:rPr lang="en-US" dirty="0"/>
               <a:pPr/>
-              <a:t>7/26/2024</a:t>
+              <a:t>7/29/2024</a:t>
             </a:fld>
             <a:endParaRPr lang="en-US" dirty="0"/>
           </a:p>
@@ -2115,7 +2115,7 @@
             <a:fld id="{B61BEF0D-F0BB-DE4B-95CE-6DB70DBA9567}" type="datetimeFigureOut">
               <a:rPr lang="en-US" dirty="0"/>
               <a:pPr/>
-              <a:t>7/26/2024</a:t>
+              <a:t>7/29/2024</a:t>
             </a:fld>
             <a:endParaRPr lang="en-US" dirty="0"/>
           </a:p>
@@ -2274,7 +2274,7 @@
             <a:fld id="{B61BEF0D-F0BB-DE4B-95CE-6DB70DBA9567}" type="datetimeFigureOut">
               <a:rPr lang="en-US" dirty="0"/>
               <a:pPr/>
-              <a:t>7/26/2024</a:t>
+              <a:t>7/29/2024</a:t>
             </a:fld>
             <a:endParaRPr lang="en-US" dirty="0"/>
           </a:p>
@@ -2366,7 +2366,7 @@
             <a:fld id="{B61BEF0D-F0BB-DE4B-95CE-6DB70DBA9567}" type="datetimeFigureOut">
               <a:rPr lang="en-US" dirty="0"/>
               <a:pPr/>
-              <a:t>7/26/2024</a:t>
+              <a:t>7/29/2024</a:t>
             </a:fld>
             <a:endParaRPr lang="en-US" dirty="0"/>
           </a:p>
@@ -2741,7 +2741,7 @@
             <a:fld id="{B61BEF0D-F0BB-DE4B-95CE-6DB70DBA9567}" type="datetimeFigureOut">
               <a:rPr lang="en-US" dirty="0"/>
               <a:pPr/>
-              <a:t>7/26/2024</a:t>
+              <a:t>7/29/2024</a:t>
             </a:fld>
             <a:endParaRPr lang="en-US" dirty="0"/>
           </a:p>
@@ -3027,7 +3027,7 @@
             <a:fld id="{B61BEF0D-F0BB-DE4B-95CE-6DB70DBA9567}" type="datetimeFigureOut">
               <a:rPr lang="en-US" dirty="0"/>
               <a:pPr/>
-              <a:t>7/26/2024</a:t>
+              <a:t>7/29/2024</a:t>
             </a:fld>
             <a:endParaRPr lang="en-US" dirty="0"/>
           </a:p>
@@ -3235,7 +3235,7 @@
             <a:fld id="{B61BEF0D-F0BB-DE4B-95CE-6DB70DBA9567}" type="datetimeFigureOut">
               <a:rPr lang="en-US" dirty="0"/>
               <a:pPr/>
-              <a:t>7/26/2024</a:t>
+              <a:t>7/29/2024</a:t>
             </a:fld>
             <a:endParaRPr lang="en-US" dirty="0"/>
           </a:p>
@@ -4179,8 +4179,8 @@
         </p:nvSpPr>
         <p:spPr>
           <a:xfrm>
-            <a:off x="1377749" y="2736502"/>
-            <a:ext cx="2538923" cy="1384995"/>
+            <a:off x="1171929" y="2736502"/>
+            <a:ext cx="2950735" cy="1384995"/>
           </a:xfrm>
           <a:prstGeom prst="rect">
             <a:avLst/>
@@ -4204,7 +4204,14 @@
             </a:r>
             <a:r>
               <a:rPr lang="en-GB" sz="2800" dirty="0"/>
-              <a:t> will I need to do my job?</a:t>
+              <a:t> do </a:t>
+            </a:r>
+          </a:p>
+          <a:p>
+            <a:pPr algn="ctr"/>
+            <a:r>
+              <a:rPr lang="en-GB" sz="2800" dirty="0"/>
+              <a:t>I need to start development?</a:t>
             </a:r>
             <a:endParaRPr lang="en-IN" sz="2800" dirty="0"/>
           </a:p>
@@ -4249,7 +4256,7 @@
             </a:r>
             <a:r>
               <a:rPr lang="en-GB" sz="2800" dirty="0"/>
-              <a:t> do I need to get started?</a:t>
+              <a:t> do I need to get start delivering?</a:t>
             </a:r>
             <a:endParaRPr lang="en-IN" sz="2800" dirty="0"/>
           </a:p>
@@ -4335,8 +4342,8 @@
         </p:blipFill>
         <p:spPr>
           <a:xfrm>
-            <a:off x="914400" y="2331618"/>
-            <a:ext cx="2093843" cy="1568699"/>
+            <a:off x="914399" y="2331625"/>
+            <a:ext cx="1758834" cy="1317707"/>
           </a:xfrm>
           <a:prstGeom prst="rect">
             <a:avLst/>
@@ -4364,8 +4371,8 @@
         </p:blipFill>
         <p:spPr>
           <a:xfrm>
-            <a:off x="4760495" y="1972909"/>
-            <a:ext cx="964443" cy="1210876"/>
+            <a:off x="4760495" y="1972917"/>
+            <a:ext cx="810139" cy="1017133"/>
           </a:xfrm>
           <a:prstGeom prst="rect">
             <a:avLst/>
@@ -4393,8 +4400,8 @@
         </p:blipFill>
         <p:spPr>
           <a:xfrm>
-            <a:off x="4760495" y="3429000"/>
-            <a:ext cx="964443" cy="1210876"/>
+            <a:off x="4803962" y="3118968"/>
+            <a:ext cx="810139" cy="1017133"/>
           </a:xfrm>
           <a:prstGeom prst="rect">
             <a:avLst/>
@@ -4422,8 +4429,8 @@
         </p:blipFill>
         <p:spPr>
           <a:xfrm>
-            <a:off x="7964556" y="2158350"/>
-            <a:ext cx="1815548" cy="840532"/>
+            <a:off x="7964564" y="2158357"/>
+            <a:ext cx="1525067" cy="706050"/>
           </a:xfrm>
           <a:prstGeom prst="rect">
             <a:avLst/>
@@ -4451,8 +4458,8 @@
         </p:blipFill>
         <p:spPr>
           <a:xfrm>
-            <a:off x="8454493" y="3614172"/>
-            <a:ext cx="835674" cy="840532"/>
+            <a:off x="8769211" y="3264480"/>
+            <a:ext cx="701963" cy="706050"/>
           </a:xfrm>
           <a:prstGeom prst="rect">
             <a:avLst/>
@@ -4476,11 +4483,13 @@
         </p:nvCxnSpPr>
         <p:spPr>
           <a:xfrm flipV="1">
-            <a:off x="2209800" y="2578347"/>
-            <a:ext cx="2550695" cy="255230"/>
+            <a:off x="2064563" y="2481484"/>
+            <a:ext cx="2695932" cy="371847"/>
           </a:xfrm>
           <a:prstGeom prst="bentConnector3">
-            <a:avLst/>
+            <a:avLst>
+              <a:gd name="adj1" fmla="val 53131"/>
+            </a:avLst>
           </a:prstGeom>
           <a:ln>
             <a:tailEnd type="triangle"/>
@@ -4518,11 +4527,13 @@
         </p:nvCxnSpPr>
         <p:spPr>
           <a:xfrm>
-            <a:off x="2339008" y="3104421"/>
-            <a:ext cx="2421487" cy="930017"/>
+            <a:off x="2064563" y="2859474"/>
+            <a:ext cx="2739399" cy="768061"/>
           </a:xfrm>
           <a:prstGeom prst="bentConnector3">
-            <a:avLst/>
+            <a:avLst>
+              <a:gd name="adj1" fmla="val 52054"/>
+            </a:avLst>
           </a:prstGeom>
           <a:ln>
             <a:tailEnd type="triangle"/>
@@ -4560,8 +4571,8 @@
         </p:nvCxnSpPr>
         <p:spPr>
           <a:xfrm>
-            <a:off x="5724938" y="2578347"/>
-            <a:ext cx="2239618" cy="269"/>
+            <a:off x="5570634" y="2481484"/>
+            <a:ext cx="2393930" cy="29898"/>
           </a:xfrm>
           <a:prstGeom prst="straightConnector1">
             <a:avLst/>
@@ -4595,15 +4606,16 @@
             </a:extLst>
           </p:cNvPr>
           <p:cNvCxnSpPr>
+            <a:cxnSpLocks/>
             <a:stCxn id="8" idx="3"/>
             <a:endCxn id="12" idx="1"/>
           </p:cNvCxnSpPr>
           <p:nvPr/>
         </p:nvCxnSpPr>
         <p:spPr>
-          <a:xfrm>
-            <a:off x="5724938" y="4034438"/>
-            <a:ext cx="2729555" cy="0"/>
+          <a:xfrm flipV="1">
+            <a:off x="5614101" y="3617505"/>
+            <a:ext cx="3155110" cy="10030"/>
           </a:xfrm>
           <a:prstGeom prst="straightConnector1">
             <a:avLst/>
@@ -4648,8 +4660,8 @@
         </p:blipFill>
         <p:spPr>
           <a:xfrm>
-            <a:off x="9373808" y="3545476"/>
-            <a:ext cx="2466849" cy="390650"/>
+            <a:off x="9498751" y="3453430"/>
+            <a:ext cx="2072160" cy="328150"/>
           </a:xfrm>
           <a:prstGeom prst="rect">
             <a:avLst/>
@@ -4678,7 +4690,7 @@
         </p:blipFill>
         <p:spPr>
           <a:xfrm>
-            <a:off x="4760495" y="4995372"/>
+            <a:off x="4760495" y="4685884"/>
             <a:ext cx="1459780" cy="1459780"/>
           </a:xfrm>
           <a:prstGeom prst="rect">
@@ -4707,7 +4719,7 @@
         </p:blipFill>
         <p:spPr>
           <a:xfrm>
-            <a:off x="7964556" y="5306102"/>
+            <a:off x="7683203" y="4996615"/>
             <a:ext cx="1815548" cy="840532"/>
           </a:xfrm>
           <a:prstGeom prst="rect">
@@ -4726,13 +4738,14 @@
           </p:cNvPr>
           <p:cNvCxnSpPr>
             <a:cxnSpLocks/>
+            <a:endCxn id="34" idx="1"/>
           </p:cNvCxnSpPr>
           <p:nvPr/>
         </p:nvCxnSpPr>
         <p:spPr>
-          <a:xfrm>
-            <a:off x="2517913" y="5733595"/>
-            <a:ext cx="2242582" cy="1"/>
+          <a:xfrm flipV="1">
+            <a:off x="2236560" y="5415774"/>
+            <a:ext cx="2523935" cy="8334"/>
           </a:xfrm>
           <a:prstGeom prst="straightConnector1">
             <a:avLst/>
@@ -4773,8 +4786,8 @@
         </p:nvCxnSpPr>
         <p:spPr>
           <a:xfrm>
-            <a:off x="6220275" y="5725262"/>
-            <a:ext cx="1744281" cy="1106"/>
+            <a:off x="6220275" y="5415774"/>
+            <a:ext cx="1462928" cy="1107"/>
           </a:xfrm>
           <a:prstGeom prst="straightConnector1">
             <a:avLst/>
@@ -4812,8 +4825,8 @@
         </p:nvSpPr>
         <p:spPr>
           <a:xfrm>
-            <a:off x="9780104" y="2158350"/>
-            <a:ext cx="2000972" cy="707886"/>
+            <a:off x="9489631" y="2172037"/>
+            <a:ext cx="2000972" cy="594622"/>
           </a:xfrm>
           <a:prstGeom prst="rect">
             <a:avLst/>
@@ -4863,7 +4876,7 @@
         </p:nvSpPr>
         <p:spPr>
           <a:xfrm>
-            <a:off x="9905191" y="5306102"/>
+            <a:off x="9623838" y="4996615"/>
             <a:ext cx="1935466" cy="923330"/>
           </a:xfrm>
           <a:prstGeom prst="rect">
@@ -4921,7 +4934,7 @@
         </p:blipFill>
         <p:spPr>
           <a:xfrm>
-            <a:off x="1351722" y="5142166"/>
+            <a:off x="1210720" y="4832678"/>
             <a:ext cx="1166191" cy="1166191"/>
           </a:xfrm>
           <a:prstGeom prst="rect">
@@ -4958,7 +4971,7 @@
         </p:blipFill>
         <p:spPr bwMode="auto">
           <a:xfrm>
-            <a:off x="9373808" y="3883426"/>
+            <a:off x="9578414" y="5787730"/>
             <a:ext cx="1280533" cy="868567"/>
           </a:xfrm>
           <a:prstGeom prst="rect">
@@ -4990,8 +5003,8 @@
         </p:nvSpPr>
         <p:spPr>
           <a:xfrm rot="21043140">
-            <a:off x="1148850" y="2543070"/>
-            <a:ext cx="955710" cy="646331"/>
+            <a:off x="1071328" y="2444153"/>
+            <a:ext cx="955710" cy="542922"/>
           </a:xfrm>
           <a:prstGeom prst="rect">
             <a:avLst/>
@@ -5034,8 +5047,8 @@
         </p:nvSpPr>
         <p:spPr>
           <a:xfrm>
-            <a:off x="1166722" y="6338599"/>
-            <a:ext cx="1536190" cy="369332"/>
+            <a:off x="770861" y="5989351"/>
+            <a:ext cx="1874231" cy="369332"/>
           </a:xfrm>
           <a:prstGeom prst="rect">
             <a:avLst/>
@@ -5050,12 +5063,88 @@
           <a:p>
             <a:r>
               <a:rPr lang="en-GB" dirty="0"/>
-              <a:t>Azure Win365</a:t>
+              <a:t>GCP        Win365</a:t>
             </a:r>
             <a:endParaRPr lang="en-IN" dirty="0"/>
           </a:p>
         </p:txBody>
       </p:sp>
+      <p:pic>
+        <p:nvPicPr>
+          <p:cNvPr id="24" name="Picture 23">
+            <a:extLst>
+              <a:ext uri="{FF2B5EF4-FFF2-40B4-BE49-F238E27FC236}">
+                <a16:creationId xmlns:a16="http://schemas.microsoft.com/office/drawing/2014/main" id="{B5790F8B-8923-4FF1-9946-52E1C7996ED9}"/>
+              </a:ext>
+            </a:extLst>
+          </p:cNvPr>
+          <p:cNvPicPr>
+            <a:picLocks noChangeAspect="1"/>
+          </p:cNvPicPr>
+          <p:nvPr/>
+        </p:nvPicPr>
+        <p:blipFill rotWithShape="1">
+          <a:blip r:embed="rId5"/>
+          <a:srcRect l="6805" t="6985" r="6804" b="6697"/>
+          <a:stretch/>
+        </p:blipFill>
+        <p:spPr>
+          <a:xfrm>
+            <a:off x="8769211" y="5846357"/>
+            <a:ext cx="669628" cy="673521"/>
+          </a:xfrm>
+          <a:prstGeom prst="rect">
+            <a:avLst/>
+          </a:prstGeom>
+        </p:spPr>
+      </p:pic>
+      <p:pic>
+        <p:nvPicPr>
+          <p:cNvPr id="38" name="Picture 2" descr="Google Cloud&quot; Icon - Download for free – Iconduck">
+            <a:extLst>
+              <a:ext uri="{FF2B5EF4-FFF2-40B4-BE49-F238E27FC236}">
+                <a16:creationId xmlns:a16="http://schemas.microsoft.com/office/drawing/2014/main" id="{FEAB0739-B861-4DDC-9AFB-90D63DD81616}"/>
+              </a:ext>
+            </a:extLst>
+          </p:cNvPr>
+          <p:cNvPicPr>
+            <a:picLocks noChangeAspect="1" noChangeArrowheads="1"/>
+          </p:cNvPicPr>
+          <p:nvPr/>
+        </p:nvPicPr>
+        <p:blipFill>
+          <a:blip r:embed="rId10">
+            <a:extLst>
+              <a:ext uri="{28A0092B-C50C-407E-A947-70E740481C1C}">
+                <a14:useLocalDpi xmlns:a14="http://schemas.microsoft.com/office/drawing/2010/main" val="0"/>
+              </a:ext>
+            </a:extLst>
+          </a:blip>
+          <a:srcRect/>
+          <a:stretch>
+            <a:fillRect/>
+          </a:stretch>
+        </p:blipFill>
+        <p:spPr bwMode="auto">
+          <a:xfrm flipH="1">
+            <a:off x="594228" y="5582587"/>
+            <a:ext cx="1166190" cy="937291"/>
+          </a:xfrm>
+          <a:prstGeom prst="rect">
+            <a:avLst/>
+          </a:prstGeom>
+          <a:noFill/>
+          <a:extLst>
+            <a:ext uri="{909E8E84-426E-40DD-AFC4-6F175D3DCCD1}">
+              <a14:hiddenFill xmlns:a14="http://schemas.microsoft.com/office/drawing/2010/main">
+                <a:solidFill>
+                  <a:srgbClr val="FFFFFF"/>
+                </a:solidFill>
+              </a14:hiddenFill>
+            </a:ext>
+          </a:extLst>
+        </p:spPr>
+      </p:pic>
     </p:spTree>
     <p:extLst>
       <p:ext uri="{BB962C8B-B14F-4D97-AF65-F5344CB8AC3E}">
@@ -5256,14 +5345,6 @@
               <a:t>10 Business Days</a:t>
             </a:r>
           </a:p>
-          <a:p>
-            <a:pPr algn="ctr"/>
-            <a:r>
-              <a:rPr lang="en-GB" dirty="0"/>
-              <a:t>2400 Business hours</a:t>
-            </a:r>
-            <a:endParaRPr lang="en-IN" dirty="0"/>
-          </a:p>
         </p:txBody>
       </p:sp>
       <p:sp>
@@ -5308,7 +5389,7 @@
             <a:pPr algn="ctr"/>
             <a:r>
               <a:rPr lang="en-GB" dirty="0"/>
-              <a:t>120,000 Pounds</a:t>
+              <a:t>2400 Business hours</a:t>
             </a:r>
             <a:endParaRPr lang="en-IN" dirty="0"/>
           </a:p>
@@ -5459,21 +5540,9 @@
           <a:p>
             <a:pPr algn="ctr"/>
             <a:r>
-              <a:rPr lang="en-GB"/>
-              <a:t>2 </a:t>
-            </a:r>
-            <a:r>
               <a:rPr lang="en-GB" dirty="0"/>
-              <a:t>Business Days</a:t>
-            </a:r>
-          </a:p>
-          <a:p>
-            <a:pPr algn="ctr"/>
-            <a:r>
-              <a:rPr lang="en-GB" dirty="0"/>
-              <a:t>10 Business hours</a:t>
-            </a:r>
-            <a:endParaRPr lang="en-IN" dirty="0"/>
+              <a:t>2 Business Days</a:t>
+            </a:r>
           </a:p>
         </p:txBody>
       </p:sp>
@@ -5519,7 +5588,7 @@
             <a:pPr algn="ctr"/>
             <a:r>
               <a:rPr lang="en-GB" dirty="0"/>
-              <a:t>500 Pounds</a:t>
+              <a:t>10 Business hours</a:t>
             </a:r>
             <a:endParaRPr lang="en-IN" dirty="0"/>
           </a:p>
@@ -5582,8 +5651,8 @@
         </p:nvSpPr>
         <p:spPr>
           <a:xfrm>
-            <a:off x="10071655" y="3976180"/>
-            <a:ext cx="1716155" cy="728870"/>
+            <a:off x="10071656" y="3976180"/>
+            <a:ext cx="1517372" cy="497346"/>
           </a:xfrm>
           <a:prstGeom prst="ellipse">
             <a:avLst/>
@@ -5610,7 +5679,7 @@
             <a:pPr algn="ctr"/>
             <a:r>
               <a:rPr lang="en-GB" dirty="0"/>
-              <a:t>119500 Pounds </a:t>
+              <a:t>2390 Hrs</a:t>
             </a:r>
             <a:endParaRPr lang="en-IN" dirty="0"/>
           </a:p>
@@ -5630,7 +5699,7 @@
         </p:nvSpPr>
         <p:spPr>
           <a:xfrm>
-            <a:off x="10310194" y="4627194"/>
+            <a:off x="10190925" y="4387327"/>
             <a:ext cx="1278833" cy="369404"/>
           </a:xfrm>
           <a:prstGeom prst="ellipse">
@@ -5918,42 +5987,6 @@
       </p:cxnSp>
       <p:sp>
         <p:nvSpPr>
-          <p:cNvPr id="28" name="TextBox 27">
-            <a:extLst>
-              <a:ext uri="{FF2B5EF4-FFF2-40B4-BE49-F238E27FC236}">
-                <a16:creationId xmlns:a16="http://schemas.microsoft.com/office/drawing/2014/main" id="{1169F9C5-BC80-4844-BAB8-A9B3DC4A2CAA}"/>
-              </a:ext>
-            </a:extLst>
-          </p:cNvPr>
-          <p:cNvSpPr txBox="1"/>
-          <p:nvPr/>
-        </p:nvSpPr>
-        <p:spPr>
-          <a:xfrm>
-            <a:off x="7129670" y="3594654"/>
-            <a:ext cx="1417982" cy="923330"/>
-          </a:xfrm>
-          <a:prstGeom prst="rect">
-            <a:avLst/>
-          </a:prstGeom>
-          <a:noFill/>
-        </p:spPr>
-        <p:txBody>
-          <a:bodyPr wrap="square" rtlCol="0">
-            <a:spAutoFit/>
-          </a:bodyPr>
-          <a:lstStyle/>
-          <a:p>
-            <a:r>
-              <a:rPr lang="en-GB" dirty="0"/>
-              <a:t>*50 Pounds for each hour approx.</a:t>
-            </a:r>
-            <a:endParaRPr lang="en-IN" dirty="0"/>
-          </a:p>
-        </p:txBody>
-      </p:sp>
-      <p:sp>
-        <p:nvSpPr>
           <p:cNvPr id="29" name="Rectangle: Rounded Corners 28">
             <a:extLst>
               <a:ext uri="{FF2B5EF4-FFF2-40B4-BE49-F238E27FC236}">
@@ -6106,7 +6139,7 @@
         </p:nvSpPr>
         <p:spPr>
           <a:xfrm>
-            <a:off x="5612296" y="3951332"/>
+            <a:off x="7142920" y="3972734"/>
             <a:ext cx="1510746" cy="419564"/>
           </a:xfrm>
           <a:prstGeom prst="ellipse">
@@ -6134,7 +6167,7 @@
             <a:pPr algn="ctr"/>
             <a:r>
               <a:rPr lang="en-GB" dirty="0"/>
-              <a:t>2390 Hrs </a:t>
+              <a:t>8 Days </a:t>
             </a:r>
             <a:endParaRPr lang="en-IN" dirty="0"/>
           </a:p>
@@ -6154,7 +6187,7 @@
         </p:nvSpPr>
         <p:spPr>
           <a:xfrm>
-            <a:off x="5744818" y="4310798"/>
+            <a:off x="7277076" y="4337459"/>
             <a:ext cx="1278833" cy="369404"/>
           </a:xfrm>
           <a:prstGeom prst="ellipse">
@@ -6241,7 +6274,7 @@
           <a:p>
             <a:r>
               <a:rPr lang="en-GB" dirty="0"/>
-              <a:t>architecture</a:t>
+              <a:t>Prototype architecture</a:t>
             </a:r>
             <a:endParaRPr lang="en-IN" dirty="0"/>
           </a:p>
@@ -6261,7 +6294,7 @@
         </p:nvSpPr>
         <p:spPr>
           <a:xfrm>
-            <a:off x="723177" y="2133500"/>
+            <a:off x="723177" y="1922480"/>
             <a:ext cx="969312" cy="728869"/>
           </a:xfrm>
           <a:prstGeom prst="roundRect">
@@ -6309,7 +6342,7 @@
         </p:nvSpPr>
         <p:spPr>
           <a:xfrm>
-            <a:off x="8438813" y="3279913"/>
+            <a:off x="8438813" y="3068893"/>
             <a:ext cx="2361709" cy="728869"/>
           </a:xfrm>
           <a:prstGeom prst="roundRect">
@@ -6357,8 +6390,8 @@
         </p:nvSpPr>
         <p:spPr>
           <a:xfrm>
-            <a:off x="5381331" y="3279913"/>
-            <a:ext cx="1995406" cy="728869"/>
+            <a:off x="5381330" y="3068893"/>
+            <a:ext cx="2285049" cy="728869"/>
           </a:xfrm>
           <a:prstGeom prst="roundRect">
             <a:avLst/>
@@ -6392,7 +6425,7 @@
             <a:pPr algn="ctr"/>
             <a:r>
               <a:rPr lang="en-GB" dirty="0"/>
-              <a:t>(Raise Jira Tickets)</a:t>
+              <a:t>(Raise Access Tickets)</a:t>
             </a:r>
             <a:endParaRPr lang="en-IN" dirty="0"/>
           </a:p>
@@ -6412,7 +6445,7 @@
         </p:nvSpPr>
         <p:spPr>
           <a:xfrm>
-            <a:off x="2244339" y="3279914"/>
+            <a:off x="2244339" y="3068894"/>
             <a:ext cx="2074917" cy="728869"/>
           </a:xfrm>
           <a:prstGeom prst="roundRect">
@@ -6440,24 +6473,8 @@
             <a:pPr algn="ctr"/>
             <a:r>
               <a:rPr lang="en-GB" dirty="0"/>
-              <a:t>App Installed</a:t>
-            </a:r>
-          </a:p>
-          <a:p>
-            <a:pPr algn="ctr"/>
-            <a:r>
-              <a:rPr lang="en-GB" dirty="0"/>
-              <a:t>(Java &amp; </a:t>
-            </a:r>
-            <a:r>
-              <a:rPr lang="en-GB" dirty="0" err="1"/>
-              <a:t>Powershell</a:t>
-            </a:r>
-            <a:r>
-              <a:rPr lang="en-GB" dirty="0"/>
-              <a:t>)</a:t>
-            </a:r>
-            <a:endParaRPr lang="en-IN" dirty="0"/>
+              <a:t>App Installation</a:t>
+            </a:r>
           </a:p>
         </p:txBody>
       </p:sp>
@@ -6475,7 +6492,7 @@
         </p:nvSpPr>
         <p:spPr>
           <a:xfrm>
-            <a:off x="573614" y="3279915"/>
+            <a:off x="573614" y="3068895"/>
             <a:ext cx="1268438" cy="728869"/>
           </a:xfrm>
           <a:prstGeom prst="roundRect">
@@ -6503,16 +6520,8 @@
             <a:pPr algn="ctr"/>
             <a:r>
               <a:rPr lang="en-GB" dirty="0"/>
-              <a:t>One Click</a:t>
-            </a:r>
-          </a:p>
-          <a:p>
-            <a:pPr algn="ctr"/>
-            <a:r>
-              <a:rPr lang="en-GB" dirty="0"/>
-              <a:t>(React FE)</a:t>
-            </a:r>
-            <a:endParaRPr lang="en-IN" dirty="0"/>
+              <a:t>One Page</a:t>
+            </a:r>
           </a:p>
         </p:txBody>
       </p:sp>
@@ -6530,7 +6539,7 @@
         </p:nvSpPr>
         <p:spPr>
           <a:xfrm>
-            <a:off x="10053678" y="4635144"/>
+            <a:off x="10053678" y="4424124"/>
             <a:ext cx="1557130" cy="1013800"/>
           </a:xfrm>
           <a:prstGeom prst="roundRect">
@@ -6581,7 +6590,7 @@
         </p:nvCxnSpPr>
         <p:spPr>
           <a:xfrm>
-            <a:off x="1207833" y="2862369"/>
+            <a:off x="1207833" y="2651349"/>
             <a:ext cx="0" cy="417546"/>
           </a:xfrm>
           <a:prstGeom prst="straightConnector1">
@@ -6623,7 +6632,7 @@
         </p:nvCxnSpPr>
         <p:spPr>
           <a:xfrm flipV="1">
-            <a:off x="1842052" y="3644349"/>
+            <a:off x="1842052" y="3433329"/>
             <a:ext cx="402287" cy="1"/>
           </a:xfrm>
           <a:prstGeom prst="straightConnector1">
@@ -6658,6 +6667,7 @@
             </a:extLst>
           </p:cNvPr>
           <p:cNvCxnSpPr>
+            <a:cxnSpLocks/>
             <a:stCxn id="7" idx="3"/>
             <a:endCxn id="6" idx="1"/>
           </p:cNvCxnSpPr>
@@ -6665,8 +6675,8 @@
         </p:nvCxnSpPr>
         <p:spPr>
           <a:xfrm flipV="1">
-            <a:off x="4319256" y="3644348"/>
-            <a:ext cx="1062075" cy="1"/>
+            <a:off x="4319256" y="3433328"/>
+            <a:ext cx="1062074" cy="1"/>
           </a:xfrm>
           <a:prstGeom prst="straightConnector1">
             <a:avLst/>
@@ -6704,7 +6714,7 @@
         </p:nvSpPr>
         <p:spPr>
           <a:xfrm>
-            <a:off x="4357144" y="3321181"/>
+            <a:off x="4357144" y="3110161"/>
             <a:ext cx="974947" cy="646331"/>
           </a:xfrm>
           <a:prstGeom prst="rect">
@@ -6764,8 +6774,8 @@
         </p:nvCxnSpPr>
         <p:spPr>
           <a:xfrm>
-            <a:off x="7376737" y="3644348"/>
-            <a:ext cx="1062076" cy="0"/>
+            <a:off x="7666379" y="3433328"/>
+            <a:ext cx="772434" cy="0"/>
           </a:xfrm>
           <a:prstGeom prst="straightConnector1">
             <a:avLst/>
@@ -6803,7 +6813,7 @@
         </p:nvSpPr>
         <p:spPr>
           <a:xfrm>
-            <a:off x="7666383" y="4777610"/>
+            <a:off x="7666383" y="4566590"/>
             <a:ext cx="1557130" cy="728869"/>
           </a:xfrm>
           <a:prstGeom prst="roundRect">
@@ -6851,7 +6861,7 @@
         </p:nvSpPr>
         <p:spPr>
           <a:xfrm>
-            <a:off x="8565657" y="5910871"/>
+            <a:off x="8565657" y="5842316"/>
             <a:ext cx="2108020" cy="728869"/>
           </a:xfrm>
           <a:prstGeom prst="roundRect">
@@ -6910,7 +6920,7 @@
         </p:nvCxnSpPr>
         <p:spPr>
           <a:xfrm rot="5400000">
-            <a:off x="8647894" y="3805836"/>
+            <a:off x="8647894" y="3594816"/>
             <a:ext cx="768828" cy="1174720"/>
           </a:xfrm>
           <a:prstGeom prst="bentConnector3">
@@ -6952,7 +6962,7 @@
         </p:nvCxnSpPr>
         <p:spPr>
           <a:xfrm rot="16200000" flipH="1">
-            <a:off x="9912774" y="3715675"/>
+            <a:off x="9912774" y="3504655"/>
             <a:ext cx="626362" cy="1212575"/>
           </a:xfrm>
           <a:prstGeom prst="bentConnector3">
@@ -6996,11 +7006,13 @@
         </p:nvCxnSpPr>
         <p:spPr>
           <a:xfrm rot="16200000" flipH="1">
-            <a:off x="8830111" y="5121315"/>
-            <a:ext cx="404392" cy="1174719"/>
+            <a:off x="8758879" y="4981527"/>
+            <a:ext cx="546857" cy="1174719"/>
           </a:xfrm>
           <a:prstGeom prst="bentConnector3">
-            <a:avLst/>
+            <a:avLst>
+              <a:gd name="adj1" fmla="val 65435"/>
+            </a:avLst>
           </a:prstGeom>
           <a:ln>
             <a:tailEnd type="triangle"/>
@@ -7038,12 +7050,12 @@
         </p:nvCxnSpPr>
         <p:spPr>
           <a:xfrm rot="5400000">
-            <a:off x="10094992" y="5173619"/>
-            <a:ext cx="261927" cy="1212576"/>
+            <a:off x="10023759" y="5033832"/>
+            <a:ext cx="404392" cy="1212576"/>
           </a:xfrm>
           <a:prstGeom prst="bentConnector3">
             <a:avLst>
-              <a:gd name="adj1" fmla="val 29761"/>
+              <a:gd name="adj1" fmla="val 50000"/>
             </a:avLst>
           </a:prstGeom>
           <a:ln>
@@ -7079,7 +7091,7 @@
         </p:nvSpPr>
         <p:spPr>
           <a:xfrm>
-            <a:off x="9619666" y="4048356"/>
+            <a:off x="9619666" y="3837336"/>
             <a:ext cx="1465209" cy="646331"/>
           </a:xfrm>
           <a:prstGeom prst="rect">
@@ -7149,7 +7161,7 @@
         </p:blipFill>
         <p:spPr bwMode="auto">
           <a:xfrm>
-            <a:off x="1950937" y="4048356"/>
+            <a:off x="1950937" y="3837336"/>
             <a:ext cx="1784274" cy="1003654"/>
           </a:xfrm>
           <a:prstGeom prst="rect">
@@ -7196,7 +7208,7 @@
         </p:blipFill>
         <p:spPr bwMode="auto">
           <a:xfrm>
-            <a:off x="3281797" y="4163484"/>
+            <a:off x="3281797" y="3952464"/>
             <a:ext cx="773397" cy="773397"/>
           </a:xfrm>
           <a:prstGeom prst="rect">
@@ -7243,7 +7255,7 @@
         </p:blipFill>
         <p:spPr bwMode="auto">
           <a:xfrm>
-            <a:off x="754022" y="4048356"/>
+            <a:off x="754022" y="3837336"/>
             <a:ext cx="937135" cy="937135"/>
           </a:xfrm>
           <a:prstGeom prst="rect">
@@ -7290,7 +7302,7 @@
         </p:blipFill>
         <p:spPr bwMode="auto">
           <a:xfrm>
-            <a:off x="5297757" y="3937237"/>
+            <a:off x="5297757" y="3726217"/>
             <a:ext cx="1280533" cy="868567"/>
           </a:xfrm>
           <a:prstGeom prst="rect">
@@ -7310,36 +7322,6 @@
       </p:pic>
       <p:pic>
         <p:nvPicPr>
-          <p:cNvPr id="28" name="Picture 27">
-            <a:extLst>
-              <a:ext uri="{FF2B5EF4-FFF2-40B4-BE49-F238E27FC236}">
-                <a16:creationId xmlns:a16="http://schemas.microsoft.com/office/drawing/2014/main" id="{45D7A238-E43C-4ABC-97FC-DB8043125304}"/>
-              </a:ext>
-            </a:extLst>
-          </p:cNvPr>
-          <p:cNvPicPr>
-            <a:picLocks noChangeAspect="1"/>
-          </p:cNvPicPr>
-          <p:nvPr/>
-        </p:nvPicPr>
-        <p:blipFill>
-          <a:blip r:embed="rId6"/>
-          <a:stretch>
-            <a:fillRect/>
-          </a:stretch>
-        </p:blipFill>
-        <p:spPr>
-          <a:xfrm>
-            <a:off x="10419707" y="2961948"/>
-            <a:ext cx="675861" cy="675861"/>
-          </a:xfrm>
-          <a:prstGeom prst="rect">
-            <a:avLst/>
-          </a:prstGeom>
-        </p:spPr>
-      </p:pic>
-      <p:pic>
-        <p:nvPicPr>
           <p:cNvPr id="1034" name="Picture 10" descr="Employee - Free user icons">
             <a:extLst>
               <a:ext uri="{FF2B5EF4-FFF2-40B4-BE49-F238E27FC236}">
@@ -7353,7 +7335,7 @@
           <p:nvPr/>
         </p:nvPicPr>
         <p:blipFill>
-          <a:blip r:embed="rId7">
+          <a:blip r:embed="rId6">
             <a:extLst>
               <a:ext uri="{28A0092B-C50C-407E-A947-70E740481C1C}">
                 <a14:useLocalDpi xmlns:a14="http://schemas.microsoft.com/office/drawing/2010/main" val="0"/>
@@ -7367,7 +7349,7 @@
         </p:blipFill>
         <p:spPr bwMode="auto">
           <a:xfrm>
-            <a:off x="10717141" y="5864012"/>
+            <a:off x="10707474" y="5718869"/>
             <a:ext cx="822586" cy="822586"/>
           </a:xfrm>
           <a:prstGeom prst="rect">
@@ -7400,7 +7382,7 @@
           <p:nvPr/>
         </p:nvPicPr>
         <p:blipFill>
-          <a:blip r:embed="rId8">
+          <a:blip r:embed="rId7">
             <a:extLst>
               <a:ext uri="{28A0092B-C50C-407E-A947-70E740481C1C}">
                 <a14:useLocalDpi xmlns:a14="http://schemas.microsoft.com/office/drawing/2010/main" val="0"/>
@@ -7414,7 +7396,7 @@
         </p:blipFill>
         <p:spPr bwMode="auto">
           <a:xfrm>
-            <a:off x="6788249" y="4091393"/>
+            <a:off x="6788249" y="3880373"/>
             <a:ext cx="520340" cy="543751"/>
           </a:xfrm>
           <a:prstGeom prst="rect">
@@ -7447,13 +7429,13 @@
           <p:nvPr/>
         </p:nvPicPr>
         <p:blipFill rotWithShape="1">
-          <a:blip r:embed="rId9"/>
+          <a:blip r:embed="rId8"/>
           <a:srcRect l="13836" t="20766" r="8060" b="20719"/>
           <a:stretch/>
         </p:blipFill>
         <p:spPr>
           <a:xfrm>
-            <a:off x="1757906" y="2133500"/>
+            <a:off x="1757906" y="1922480"/>
             <a:ext cx="972866" cy="728867"/>
           </a:xfrm>
           <a:prstGeom prst="rect">
@@ -7476,13 +7458,13 @@
           <p:nvPr/>
         </p:nvPicPr>
         <p:blipFill rotWithShape="1">
-          <a:blip r:embed="rId10"/>
+          <a:blip r:embed="rId9"/>
           <a:srcRect l="6805" t="6985" r="6804" b="6697"/>
           <a:stretch/>
         </p:blipFill>
         <p:spPr>
           <a:xfrm>
-            <a:off x="9004693" y="4694687"/>
+            <a:off x="9004693" y="4483667"/>
             <a:ext cx="321191" cy="323058"/>
           </a:xfrm>
           <a:prstGeom prst="rect">
@@ -7505,18 +7487,65 @@
           <p:nvPr/>
         </p:nvPicPr>
         <p:blipFill rotWithShape="1">
-          <a:blip r:embed="rId10"/>
+          <a:blip r:embed="rId9"/>
           <a:srcRect l="6805" t="6985" r="6804" b="6697"/>
           <a:stretch/>
         </p:blipFill>
         <p:spPr>
           <a:xfrm>
-            <a:off x="11358289" y="4550182"/>
+            <a:off x="11358289" y="4339162"/>
             <a:ext cx="321191" cy="323058"/>
           </a:xfrm>
           <a:prstGeom prst="rect">
             <a:avLst/>
           </a:prstGeom>
+        </p:spPr>
+      </p:pic>
+      <p:pic>
+        <p:nvPicPr>
+          <p:cNvPr id="12" name="Picture 2" descr="Google Cloud&quot; Icon - Download for free – Iconduck">
+            <a:extLst>
+              <a:ext uri="{FF2B5EF4-FFF2-40B4-BE49-F238E27FC236}">
+                <a16:creationId xmlns:a16="http://schemas.microsoft.com/office/drawing/2014/main" id="{150D0A9C-C7C9-4227-A030-C22302F96540}"/>
+              </a:ext>
+            </a:extLst>
+          </p:cNvPr>
+          <p:cNvPicPr>
+            <a:picLocks noChangeAspect="1" noChangeArrowheads="1"/>
+          </p:cNvPicPr>
+          <p:nvPr/>
+        </p:nvPicPr>
+        <p:blipFill>
+          <a:blip r:embed="rId10">
+            <a:extLst>
+              <a:ext uri="{28A0092B-C50C-407E-A947-70E740481C1C}">
+                <a14:useLocalDpi xmlns:a14="http://schemas.microsoft.com/office/drawing/2010/main" val="0"/>
+              </a:ext>
+            </a:extLst>
+          </a:blip>
+          <a:srcRect/>
+          <a:stretch>
+            <a:fillRect/>
+          </a:stretch>
+        </p:blipFill>
+        <p:spPr bwMode="auto">
+          <a:xfrm flipH="1">
+            <a:off x="10225955" y="2511172"/>
+            <a:ext cx="858919" cy="690331"/>
+          </a:xfrm>
+          <a:prstGeom prst="rect">
+            <a:avLst/>
+          </a:prstGeom>
+          <a:noFill/>
+          <a:extLst>
+            <a:ext uri="{909E8E84-426E-40DD-AFC4-6F175D3DCCD1}">
+              <a14:hiddenFill xmlns:a14="http://schemas.microsoft.com/office/drawing/2010/main">
+                <a:solidFill>
+                  <a:srgbClr val="FFFFFF"/>
+                </a:solidFill>
+              </a14:hiddenFill>
+            </a:ext>
+          </a:extLst>
         </p:spPr>
       </p:pic>
     </p:spTree>
@@ -7554,7 +7583,7 @@
           <p:cNvPr id="2" name="Title 1">
             <a:extLst>
               <a:ext uri="{FF2B5EF4-FFF2-40B4-BE49-F238E27FC236}">
-                <a16:creationId xmlns:a16="http://schemas.microsoft.com/office/drawing/2014/main" id="{EE9701BD-298B-449B-956F-060BEA3FF60C}"/>
+                <a16:creationId xmlns:a16="http://schemas.microsoft.com/office/drawing/2014/main" id="{DCF6E103-5F68-4BC5-B6E4-B0B34D460CB2}"/>
               </a:ext>
             </a:extLst>
           </p:cNvPr>
@@ -7572,7 +7601,7 @@
           <a:p>
             <a:r>
               <a:rPr lang="en-GB" dirty="0"/>
-              <a:t>Tech used</a:t>
+              <a:t>Our future  vision </a:t>
             </a:r>
             <a:endParaRPr lang="en-IN" dirty="0"/>
           </a:p>
@@ -7580,115 +7609,1173 @@
       </p:sp>
       <p:sp>
         <p:nvSpPr>
-          <p:cNvPr id="3" name="Content Placeholder 2">
-            <a:extLst>
-              <a:ext uri="{FF2B5EF4-FFF2-40B4-BE49-F238E27FC236}">
-                <a16:creationId xmlns:a16="http://schemas.microsoft.com/office/drawing/2014/main" id="{4D0088BB-40FB-4AB3-8843-93D142093663}"/>
-              </a:ext>
-            </a:extLst>
-          </p:cNvPr>
-          <p:cNvSpPr>
-            <a:spLocks noGrp="1"/>
-          </p:cNvSpPr>
-          <p:nvPr>
-            <p:ph idx="1"/>
-          </p:nvPr>
-        </p:nvSpPr>
-        <p:spPr/>
-        <p:txBody>
-          <a:bodyPr>
-            <a:normAutofit lnSpcReduction="10000"/>
-          </a:bodyPr>
+          <p:cNvPr id="4" name="Rectangle: Rounded Corners 3">
+            <a:extLst>
+              <a:ext uri="{FF2B5EF4-FFF2-40B4-BE49-F238E27FC236}">
+                <a16:creationId xmlns:a16="http://schemas.microsoft.com/office/drawing/2014/main" id="{80079FEE-7216-472D-9932-47F15447B564}"/>
+              </a:ext>
+            </a:extLst>
+          </p:cNvPr>
+          <p:cNvSpPr/>
+          <p:nvPr/>
+        </p:nvSpPr>
+        <p:spPr>
+          <a:xfrm>
+            <a:off x="228563" y="3916069"/>
+            <a:ext cx="1402371" cy="609600"/>
+          </a:xfrm>
+          <a:prstGeom prst="roundRect">
+            <a:avLst/>
+          </a:prstGeom>
+        </p:spPr>
+        <p:style>
+          <a:lnRef idx="2">
+            <a:schemeClr val="accent1">
+              <a:shade val="50000"/>
+            </a:schemeClr>
+          </a:lnRef>
+          <a:fillRef idx="1">
+            <a:schemeClr val="accent1"/>
+          </a:fillRef>
+          <a:effectRef idx="0">
+            <a:schemeClr val="accent1"/>
+          </a:effectRef>
+          <a:fontRef idx="minor">
+            <a:schemeClr val="lt1"/>
+          </a:fontRef>
+        </p:style>
+        <p:txBody>
+          <a:bodyPr rtlCol="0" anchor="ctr"/>
           <a:lstStyle/>
           <a:p>
+            <a:pPr algn="ctr"/>
             <a:r>
               <a:rPr lang="en-GB" dirty="0"/>
-              <a:t>Tools download: </a:t>
-            </a:r>
-          </a:p>
-          <a:p>
-            <a:pPr marL="0" indent="0">
-              <a:buNone/>
-            </a:pPr>
+              <a:t>PERSONAS</a:t>
+            </a:r>
+            <a:endParaRPr lang="en-IN" dirty="0"/>
+          </a:p>
+        </p:txBody>
+      </p:sp>
+      <p:sp>
+        <p:nvSpPr>
+          <p:cNvPr id="6" name="Rectangle: Rounded Corners 5">
+            <a:extLst>
+              <a:ext uri="{FF2B5EF4-FFF2-40B4-BE49-F238E27FC236}">
+                <a16:creationId xmlns:a16="http://schemas.microsoft.com/office/drawing/2014/main" id="{2B649645-605B-48EA-97BF-B791CA040129}"/>
+              </a:ext>
+            </a:extLst>
+          </p:cNvPr>
+          <p:cNvSpPr/>
+          <p:nvPr/>
+        </p:nvSpPr>
+        <p:spPr>
+          <a:xfrm>
+            <a:off x="2365509" y="5520599"/>
+            <a:ext cx="1596887" cy="919298"/>
+          </a:xfrm>
+          <a:prstGeom prst="roundRect">
+            <a:avLst/>
+          </a:prstGeom>
+        </p:spPr>
+        <p:style>
+          <a:lnRef idx="2">
+            <a:schemeClr val="accent6"/>
+          </a:lnRef>
+          <a:fillRef idx="1">
+            <a:schemeClr val="lt1"/>
+          </a:fillRef>
+          <a:effectRef idx="0">
+            <a:schemeClr val="accent6"/>
+          </a:effectRef>
+          <a:fontRef idx="minor">
+            <a:schemeClr val="dk1"/>
+          </a:fontRef>
+        </p:style>
+        <p:txBody>
+          <a:bodyPr rtlCol="0" anchor="ctr"/>
+          <a:lstStyle/>
+          <a:p>
+            <a:pPr algn="ctr"/>
             <a:r>
               <a:rPr lang="en-GB" dirty="0"/>
-              <a:t>	Front-End: React JS</a:t>
-            </a:r>
-          </a:p>
-          <a:p>
-            <a:pPr marL="0" indent="0">
-              <a:buNone/>
-            </a:pPr>
+              <a:t>PLATFORM</a:t>
+            </a:r>
+          </a:p>
+          <a:p>
+            <a:pPr algn="ctr"/>
             <a:r>
               <a:rPr lang="en-GB" dirty="0"/>
-              <a:t>	Back-End: Java, </a:t>
+              <a:t>(CHANNEL ENABLING)</a:t>
+            </a:r>
+            <a:endParaRPr lang="en-IN" dirty="0"/>
+          </a:p>
+        </p:txBody>
+      </p:sp>
+      <p:sp>
+        <p:nvSpPr>
+          <p:cNvPr id="7" name="Rectangle: Rounded Corners 6">
+            <a:extLst>
+              <a:ext uri="{FF2B5EF4-FFF2-40B4-BE49-F238E27FC236}">
+                <a16:creationId xmlns:a16="http://schemas.microsoft.com/office/drawing/2014/main" id="{4A132ECA-C733-428F-9A81-1D55952536B7}"/>
+              </a:ext>
+            </a:extLst>
+          </p:cNvPr>
+          <p:cNvSpPr/>
+          <p:nvPr/>
+        </p:nvSpPr>
+        <p:spPr>
+          <a:xfrm>
+            <a:off x="2365510" y="3916069"/>
+            <a:ext cx="1596887" cy="609600"/>
+          </a:xfrm>
+          <a:prstGeom prst="roundRect">
+            <a:avLst/>
+          </a:prstGeom>
+        </p:spPr>
+        <p:style>
+          <a:lnRef idx="2">
+            <a:schemeClr val="accent6"/>
+          </a:lnRef>
+          <a:fillRef idx="1">
+            <a:schemeClr val="lt1"/>
+          </a:fillRef>
+          <a:effectRef idx="0">
+            <a:schemeClr val="accent6"/>
+          </a:effectRef>
+          <a:fontRef idx="minor">
+            <a:schemeClr val="dk1"/>
+          </a:fontRef>
+        </p:style>
+        <p:txBody>
+          <a:bodyPr rtlCol="0" anchor="ctr"/>
+          <a:lstStyle/>
+          <a:p>
+            <a:pPr algn="ctr"/>
+            <a:r>
+              <a:rPr lang="en-GB" dirty="0"/>
+              <a:t>PLATFORM</a:t>
+            </a:r>
+          </a:p>
+          <a:p>
+            <a:pPr algn="ctr"/>
+            <a:r>
+              <a:rPr lang="en-GB" dirty="0"/>
+              <a:t>(DATA &amp; ML)</a:t>
+            </a:r>
+            <a:endParaRPr lang="en-IN" dirty="0"/>
+          </a:p>
+        </p:txBody>
+      </p:sp>
+      <p:sp>
+        <p:nvSpPr>
+          <p:cNvPr id="9" name="Rectangle: Rounded Corners 8">
+            <a:extLst>
+              <a:ext uri="{FF2B5EF4-FFF2-40B4-BE49-F238E27FC236}">
+                <a16:creationId xmlns:a16="http://schemas.microsoft.com/office/drawing/2014/main" id="{8E6C53D3-6484-450C-9511-BD1D4E5E3312}"/>
+              </a:ext>
+            </a:extLst>
+          </p:cNvPr>
+          <p:cNvSpPr/>
+          <p:nvPr/>
+        </p:nvSpPr>
+        <p:spPr>
+          <a:xfrm>
+            <a:off x="2365511" y="2257662"/>
+            <a:ext cx="1596887" cy="609600"/>
+          </a:xfrm>
+          <a:prstGeom prst="roundRect">
+            <a:avLst/>
+          </a:prstGeom>
+        </p:spPr>
+        <p:style>
+          <a:lnRef idx="2">
+            <a:schemeClr val="accent6"/>
+          </a:lnRef>
+          <a:fillRef idx="1">
+            <a:schemeClr val="lt1"/>
+          </a:fillRef>
+          <a:effectRef idx="0">
+            <a:schemeClr val="accent6"/>
+          </a:effectRef>
+          <a:fontRef idx="minor">
+            <a:schemeClr val="dk1"/>
+          </a:fontRef>
+        </p:style>
+        <p:txBody>
+          <a:bodyPr rtlCol="0" anchor="ctr"/>
+          <a:lstStyle/>
+          <a:p>
+            <a:pPr algn="ctr"/>
+            <a:r>
+              <a:rPr lang="en-GB" dirty="0"/>
+              <a:t>PLATFORM</a:t>
+            </a:r>
+          </a:p>
+          <a:p>
+            <a:pPr algn="ctr"/>
+            <a:r>
+              <a:rPr lang="en-GB" dirty="0"/>
+              <a:t>(DCI&amp;D)</a:t>
+            </a:r>
+            <a:endParaRPr lang="en-IN" dirty="0"/>
+          </a:p>
+        </p:txBody>
+      </p:sp>
+      <p:sp>
+        <p:nvSpPr>
+          <p:cNvPr id="12" name="Rectangle: Rounded Corners 11">
+            <a:extLst>
+              <a:ext uri="{FF2B5EF4-FFF2-40B4-BE49-F238E27FC236}">
+                <a16:creationId xmlns:a16="http://schemas.microsoft.com/office/drawing/2014/main" id="{D9ABD476-2A20-4995-848A-A54F318878BE}"/>
+              </a:ext>
+            </a:extLst>
+          </p:cNvPr>
+          <p:cNvSpPr/>
+          <p:nvPr/>
+        </p:nvSpPr>
+        <p:spPr>
+          <a:xfrm>
+            <a:off x="7723162" y="1969975"/>
+            <a:ext cx="4135902" cy="609600"/>
+          </a:xfrm>
+          <a:prstGeom prst="roundRect">
+            <a:avLst/>
+          </a:prstGeom>
+        </p:spPr>
+        <p:style>
+          <a:lnRef idx="2">
+            <a:schemeClr val="accent6"/>
+          </a:lnRef>
+          <a:fillRef idx="1">
+            <a:schemeClr val="lt1"/>
+          </a:fillRef>
+          <a:effectRef idx="0">
+            <a:schemeClr val="accent6"/>
+          </a:effectRef>
+          <a:fontRef idx="minor">
+            <a:schemeClr val="dk1"/>
+          </a:fontRef>
+        </p:style>
+        <p:txBody>
+          <a:bodyPr rtlCol="0" anchor="ctr"/>
+          <a:lstStyle/>
+          <a:p>
+            <a:pPr algn="ctr"/>
+            <a:r>
+              <a:rPr lang="en-GB" dirty="0"/>
+              <a:t>Tools: Git, Java, IntelliJ, Notepad++,etc</a:t>
+            </a:r>
+            <a:endParaRPr lang="en-IN" dirty="0"/>
+          </a:p>
+        </p:txBody>
+      </p:sp>
+      <p:sp>
+        <p:nvSpPr>
+          <p:cNvPr id="13" name="Rectangle: Rounded Corners 12">
+            <a:extLst>
+              <a:ext uri="{FF2B5EF4-FFF2-40B4-BE49-F238E27FC236}">
+                <a16:creationId xmlns:a16="http://schemas.microsoft.com/office/drawing/2014/main" id="{AF30BF20-7B54-4620-8B89-BE40FB0F163B}"/>
+              </a:ext>
+            </a:extLst>
+          </p:cNvPr>
+          <p:cNvSpPr/>
+          <p:nvPr/>
+        </p:nvSpPr>
+        <p:spPr>
+          <a:xfrm>
+            <a:off x="7723163" y="2622517"/>
+            <a:ext cx="4135902" cy="609600"/>
+          </a:xfrm>
+          <a:prstGeom prst="roundRect">
+            <a:avLst/>
+          </a:prstGeom>
+        </p:spPr>
+        <p:style>
+          <a:lnRef idx="2">
+            <a:schemeClr val="accent6"/>
+          </a:lnRef>
+          <a:fillRef idx="1">
+            <a:schemeClr val="lt1"/>
+          </a:fillRef>
+          <a:effectRef idx="0">
+            <a:schemeClr val="accent6"/>
+          </a:effectRef>
+          <a:fontRef idx="minor">
+            <a:schemeClr val="dk1"/>
+          </a:fontRef>
+        </p:style>
+        <p:txBody>
+          <a:bodyPr rtlCol="0" anchor="ctr"/>
+          <a:lstStyle/>
+          <a:p>
+            <a:pPr algn="ctr"/>
+            <a:r>
+              <a:rPr lang="en-GB" dirty="0"/>
+              <a:t>Tickets:  Win365, GCP Dev access, etc</a:t>
+            </a:r>
+            <a:endParaRPr lang="en-IN" dirty="0"/>
+          </a:p>
+        </p:txBody>
+      </p:sp>
+      <p:sp>
+        <p:nvSpPr>
+          <p:cNvPr id="14" name="Rectangle: Rounded Corners 13">
+            <a:extLst>
+              <a:ext uri="{FF2B5EF4-FFF2-40B4-BE49-F238E27FC236}">
+                <a16:creationId xmlns:a16="http://schemas.microsoft.com/office/drawing/2014/main" id="{8A833FFF-E301-40F4-9988-361FFDA7A067}"/>
+              </a:ext>
+            </a:extLst>
+          </p:cNvPr>
+          <p:cNvSpPr/>
+          <p:nvPr/>
+        </p:nvSpPr>
+        <p:spPr>
+          <a:xfrm>
+            <a:off x="7723163" y="4291793"/>
+            <a:ext cx="4135902" cy="609600"/>
+          </a:xfrm>
+          <a:prstGeom prst="roundRect">
+            <a:avLst/>
+          </a:prstGeom>
+        </p:spPr>
+        <p:style>
+          <a:lnRef idx="2">
+            <a:schemeClr val="accent6"/>
+          </a:lnRef>
+          <a:fillRef idx="1">
+            <a:schemeClr val="lt1"/>
+          </a:fillRef>
+          <a:effectRef idx="0">
+            <a:schemeClr val="accent6"/>
+          </a:effectRef>
+          <a:fontRef idx="minor">
+            <a:schemeClr val="dk1"/>
+          </a:fontRef>
+        </p:style>
+        <p:txBody>
+          <a:bodyPr rtlCol="0" anchor="ctr"/>
+          <a:lstStyle/>
+          <a:p>
+            <a:pPr algn="ctr"/>
+            <a:r>
+              <a:rPr lang="en-GB" dirty="0"/>
+              <a:t>Tickets:  Win365, GCP DE Personas, etc</a:t>
+            </a:r>
+            <a:endParaRPr lang="en-IN" dirty="0"/>
+          </a:p>
+        </p:txBody>
+      </p:sp>
+      <p:sp>
+        <p:nvSpPr>
+          <p:cNvPr id="15" name="Rectangle: Rounded Corners 14">
+            <a:extLst>
+              <a:ext uri="{FF2B5EF4-FFF2-40B4-BE49-F238E27FC236}">
+                <a16:creationId xmlns:a16="http://schemas.microsoft.com/office/drawing/2014/main" id="{7CEB6E63-6D76-42E9-BDCE-83E2C5FA3B74}"/>
+              </a:ext>
+            </a:extLst>
+          </p:cNvPr>
+          <p:cNvSpPr/>
+          <p:nvPr/>
+        </p:nvSpPr>
+        <p:spPr>
+          <a:xfrm>
+            <a:off x="7723162" y="3639251"/>
+            <a:ext cx="4135902" cy="609600"/>
+          </a:xfrm>
+          <a:prstGeom prst="roundRect">
+            <a:avLst/>
+          </a:prstGeom>
+        </p:spPr>
+        <p:style>
+          <a:lnRef idx="2">
+            <a:schemeClr val="accent6"/>
+          </a:lnRef>
+          <a:fillRef idx="1">
+            <a:schemeClr val="lt1"/>
+          </a:fillRef>
+          <a:effectRef idx="0">
+            <a:schemeClr val="accent6"/>
+          </a:effectRef>
+          <a:fontRef idx="minor">
+            <a:schemeClr val="dk1"/>
+          </a:fontRef>
+        </p:style>
+        <p:txBody>
+          <a:bodyPr rtlCol="0" anchor="ctr"/>
+          <a:lstStyle/>
+          <a:p>
+            <a:pPr algn="ctr"/>
+            <a:r>
+              <a:rPr lang="en-GB" dirty="0"/>
+              <a:t>Tools: Git, Python, </a:t>
             </a:r>
             <a:r>
               <a:rPr lang="en-GB" dirty="0" err="1"/>
-              <a:t>Springboot</a:t>
+              <a:t>Pycharm</a:t>
             </a:r>
             <a:r>
               <a:rPr lang="en-GB" dirty="0"/>
-              <a:t> and PowerShell (153)</a:t>
-            </a:r>
-          </a:p>
-          <a:p>
+              <a:t>, MySQL, etc</a:t>
+            </a:r>
+            <a:endParaRPr lang="en-IN" dirty="0"/>
+          </a:p>
+        </p:txBody>
+      </p:sp>
+      <p:sp>
+        <p:nvSpPr>
+          <p:cNvPr id="16" name="Rectangle: Rounded Corners 15">
+            <a:extLst>
+              <a:ext uri="{FF2B5EF4-FFF2-40B4-BE49-F238E27FC236}">
+                <a16:creationId xmlns:a16="http://schemas.microsoft.com/office/drawing/2014/main" id="{40A794F3-6024-4A31-96A6-347661BE1361}"/>
+              </a:ext>
+            </a:extLst>
+          </p:cNvPr>
+          <p:cNvSpPr/>
+          <p:nvPr/>
+        </p:nvSpPr>
+        <p:spPr>
+          <a:xfrm>
+            <a:off x="4697538" y="2257662"/>
+            <a:ext cx="1926184" cy="609600"/>
+          </a:xfrm>
+          <a:prstGeom prst="roundRect">
+            <a:avLst/>
+          </a:prstGeom>
+        </p:spPr>
+        <p:style>
+          <a:lnRef idx="2">
+            <a:schemeClr val="accent6"/>
+          </a:lnRef>
+          <a:fillRef idx="1">
+            <a:schemeClr val="lt1"/>
+          </a:fillRef>
+          <a:effectRef idx="0">
+            <a:schemeClr val="accent6"/>
+          </a:effectRef>
+          <a:fontRef idx="minor">
+            <a:schemeClr val="dk1"/>
+          </a:fontRef>
+        </p:style>
+        <p:txBody>
+          <a:bodyPr rtlCol="0" anchor="ctr"/>
+          <a:lstStyle/>
+          <a:p>
+            <a:pPr algn="ctr"/>
             <a:r>
               <a:rPr lang="en-GB" dirty="0"/>
-              <a:t>Automation of Jira:</a:t>
-            </a:r>
-          </a:p>
-          <a:p>
-            <a:pPr marL="0" indent="0">
-              <a:buNone/>
-            </a:pPr>
+              <a:t>Java Developers</a:t>
+            </a:r>
+            <a:endParaRPr lang="en-IN" dirty="0"/>
+          </a:p>
+        </p:txBody>
+      </p:sp>
+      <p:sp>
+        <p:nvSpPr>
+          <p:cNvPr id="17" name="Rectangle: Rounded Corners 16">
+            <a:extLst>
+              <a:ext uri="{FF2B5EF4-FFF2-40B4-BE49-F238E27FC236}">
+                <a16:creationId xmlns:a16="http://schemas.microsoft.com/office/drawing/2014/main" id="{B3984026-55AF-4880-9A18-AFA6A022FFF7}"/>
+              </a:ext>
+            </a:extLst>
+          </p:cNvPr>
+          <p:cNvSpPr/>
+          <p:nvPr/>
+        </p:nvSpPr>
+        <p:spPr>
+          <a:xfrm>
+            <a:off x="4786688" y="3921320"/>
+            <a:ext cx="1747884" cy="609600"/>
+          </a:xfrm>
+          <a:prstGeom prst="roundRect">
+            <a:avLst/>
+          </a:prstGeom>
+        </p:spPr>
+        <p:style>
+          <a:lnRef idx="2">
+            <a:schemeClr val="accent6"/>
+          </a:lnRef>
+          <a:fillRef idx="1">
+            <a:schemeClr val="lt1"/>
+          </a:fillRef>
+          <a:effectRef idx="0">
+            <a:schemeClr val="accent6"/>
+          </a:effectRef>
+          <a:fontRef idx="minor">
+            <a:schemeClr val="dk1"/>
+          </a:fontRef>
+        </p:style>
+        <p:txBody>
+          <a:bodyPr rtlCol="0" anchor="ctr"/>
+          <a:lstStyle/>
+          <a:p>
+            <a:pPr algn="ctr"/>
             <a:r>
               <a:rPr lang="en-GB" dirty="0"/>
-              <a:t>	Selenium and Java (76 lines) </a:t>
-            </a:r>
-          </a:p>
-          <a:p>
+              <a:t>Data Engineers</a:t>
+            </a:r>
+            <a:endParaRPr lang="en-IN" dirty="0"/>
+          </a:p>
+        </p:txBody>
+      </p:sp>
+      <p:sp>
+        <p:nvSpPr>
+          <p:cNvPr id="19" name="Rectangle: Rounded Corners 18">
+            <a:extLst>
+              <a:ext uri="{FF2B5EF4-FFF2-40B4-BE49-F238E27FC236}">
+                <a16:creationId xmlns:a16="http://schemas.microsoft.com/office/drawing/2014/main" id="{8F3FBC51-074A-4025-9EC7-31B4B82DA810}"/>
+              </a:ext>
+            </a:extLst>
+          </p:cNvPr>
+          <p:cNvSpPr/>
+          <p:nvPr/>
+        </p:nvSpPr>
+        <p:spPr>
+          <a:xfrm>
+            <a:off x="4591764" y="5675448"/>
+            <a:ext cx="2031956" cy="609600"/>
+          </a:xfrm>
+          <a:prstGeom prst="roundRect">
+            <a:avLst/>
+          </a:prstGeom>
+        </p:spPr>
+        <p:style>
+          <a:lnRef idx="2">
+            <a:schemeClr val="accent6"/>
+          </a:lnRef>
+          <a:fillRef idx="1">
+            <a:schemeClr val="lt1"/>
+          </a:fillRef>
+          <a:effectRef idx="0">
+            <a:schemeClr val="accent6"/>
+          </a:effectRef>
+          <a:fontRef idx="minor">
+            <a:schemeClr val="dk1"/>
+          </a:fontRef>
+        </p:style>
+        <p:txBody>
+          <a:bodyPr rtlCol="0" anchor="ctr"/>
+          <a:lstStyle/>
+          <a:p>
+            <a:pPr algn="ctr"/>
             <a:r>
               <a:rPr lang="en-GB" dirty="0"/>
-              <a:t>Remote Machine Simulation: </a:t>
-            </a:r>
-          </a:p>
-          <a:p>
-            <a:pPr marL="0" indent="0">
-              <a:buNone/>
-            </a:pPr>
+              <a:t>DevOps Engineers</a:t>
+            </a:r>
+            <a:endParaRPr lang="en-IN" dirty="0"/>
+          </a:p>
+        </p:txBody>
+      </p:sp>
+      <p:sp>
+        <p:nvSpPr>
+          <p:cNvPr id="20" name="Rectangle: Rounded Corners 19">
+            <a:extLst>
+              <a:ext uri="{FF2B5EF4-FFF2-40B4-BE49-F238E27FC236}">
+                <a16:creationId xmlns:a16="http://schemas.microsoft.com/office/drawing/2014/main" id="{934A3F3B-45CF-482A-8374-908DD2A2A041}"/>
+              </a:ext>
+            </a:extLst>
+          </p:cNvPr>
+          <p:cNvSpPr/>
+          <p:nvPr/>
+        </p:nvSpPr>
+        <p:spPr>
+          <a:xfrm>
+            <a:off x="7723162" y="5980248"/>
+            <a:ext cx="4135902" cy="609600"/>
+          </a:xfrm>
+          <a:prstGeom prst="roundRect">
+            <a:avLst/>
+          </a:prstGeom>
+        </p:spPr>
+        <p:style>
+          <a:lnRef idx="2">
+            <a:schemeClr val="accent6"/>
+          </a:lnRef>
+          <a:fillRef idx="1">
+            <a:schemeClr val="lt1"/>
+          </a:fillRef>
+          <a:effectRef idx="0">
+            <a:schemeClr val="accent6"/>
+          </a:effectRef>
+          <a:fontRef idx="minor">
+            <a:schemeClr val="dk1"/>
+          </a:fontRef>
+        </p:style>
+        <p:txBody>
+          <a:bodyPr rtlCol="0" anchor="ctr"/>
+          <a:lstStyle/>
+          <a:p>
+            <a:pPr algn="ctr"/>
             <a:r>
               <a:rPr lang="en-GB" dirty="0"/>
-              <a:t>	GCP Compute Engine: Windows Server 2022, E2 standard, Balanced SSD</a:t>
-            </a:r>
-          </a:p>
-          <a:p>
-            <a:pPr marL="0" indent="0">
-              <a:buNone/>
-            </a:pPr>
+              <a:t>Tickets: Win365. GCP PE Personas, etc</a:t>
+            </a:r>
+            <a:endParaRPr lang="en-IN" dirty="0"/>
+          </a:p>
+        </p:txBody>
+      </p:sp>
+      <p:sp>
+        <p:nvSpPr>
+          <p:cNvPr id="21" name="Rectangle: Rounded Corners 20">
+            <a:extLst>
+              <a:ext uri="{FF2B5EF4-FFF2-40B4-BE49-F238E27FC236}">
+                <a16:creationId xmlns:a16="http://schemas.microsoft.com/office/drawing/2014/main" id="{19DE95FF-3D95-4734-9DE7-7993E0B38FEA}"/>
+              </a:ext>
+            </a:extLst>
+          </p:cNvPr>
+          <p:cNvSpPr/>
+          <p:nvPr/>
+        </p:nvSpPr>
+        <p:spPr>
+          <a:xfrm>
+            <a:off x="7723162" y="5327706"/>
+            <a:ext cx="4135903" cy="609600"/>
+          </a:xfrm>
+          <a:prstGeom prst="roundRect">
+            <a:avLst/>
+          </a:prstGeom>
+        </p:spPr>
+        <p:style>
+          <a:lnRef idx="2">
+            <a:schemeClr val="accent6"/>
+          </a:lnRef>
+          <a:fillRef idx="1">
+            <a:schemeClr val="lt1"/>
+          </a:fillRef>
+          <a:effectRef idx="0">
+            <a:schemeClr val="accent6"/>
+          </a:effectRef>
+          <a:fontRef idx="minor">
+            <a:schemeClr val="dk1"/>
+          </a:fontRef>
+        </p:style>
+        <p:txBody>
+          <a:bodyPr rtlCol="0" anchor="ctr"/>
+          <a:lstStyle/>
+          <a:p>
+            <a:pPr algn="ctr"/>
             <a:r>
               <a:rPr lang="en-GB" dirty="0"/>
-              <a:t>	GCP VPC Networks: Ingress Port 3389</a:t>
-            </a:r>
-          </a:p>
-          <a:p>
-            <a:pPr marL="0" indent="0">
-              <a:buNone/>
-            </a:pPr>
-            <a:r>
-              <a:rPr lang="en-GB" dirty="0"/>
-              <a:t>	GCP IAM: Compute Engine API and service account</a:t>
-            </a:r>
-          </a:p>
-          <a:p>
-            <a:endParaRPr lang="en-GB" dirty="0"/>
-          </a:p>
-        </p:txBody>
-      </p:sp>
+              <a:t>Tools: Git, Docker, Terraform, Vs Code, etc</a:t>
+            </a:r>
+            <a:endParaRPr lang="en-IN" dirty="0"/>
+          </a:p>
+        </p:txBody>
+      </p:sp>
+      <p:cxnSp>
+        <p:nvCxnSpPr>
+          <p:cNvPr id="47" name="Connector: Elbow 46">
+            <a:extLst>
+              <a:ext uri="{FF2B5EF4-FFF2-40B4-BE49-F238E27FC236}">
+                <a16:creationId xmlns:a16="http://schemas.microsoft.com/office/drawing/2014/main" id="{3CCB6E92-634C-47D3-9409-3424438DD826}"/>
+              </a:ext>
+            </a:extLst>
+          </p:cNvPr>
+          <p:cNvCxnSpPr>
+            <a:cxnSpLocks/>
+            <a:stCxn id="16" idx="3"/>
+            <a:endCxn id="12" idx="1"/>
+          </p:cNvCxnSpPr>
+          <p:nvPr/>
+        </p:nvCxnSpPr>
+        <p:spPr>
+          <a:xfrm flipV="1">
+            <a:off x="6623722" y="2274775"/>
+            <a:ext cx="1099440" cy="287687"/>
+          </a:xfrm>
+          <a:prstGeom prst="bentConnector3">
+            <a:avLst/>
+          </a:prstGeom>
+          <a:ln>
+            <a:tailEnd type="triangle"/>
+          </a:ln>
+        </p:spPr>
+        <p:style>
+          <a:lnRef idx="1">
+            <a:schemeClr val="accent1"/>
+          </a:lnRef>
+          <a:fillRef idx="0">
+            <a:schemeClr val="accent1"/>
+          </a:fillRef>
+          <a:effectRef idx="0">
+            <a:schemeClr val="accent1"/>
+          </a:effectRef>
+          <a:fontRef idx="minor">
+            <a:schemeClr val="tx1"/>
+          </a:fontRef>
+        </p:style>
+      </p:cxnSp>
+      <p:cxnSp>
+        <p:nvCxnSpPr>
+          <p:cNvPr id="53" name="Connector: Elbow 52">
+            <a:extLst>
+              <a:ext uri="{FF2B5EF4-FFF2-40B4-BE49-F238E27FC236}">
+                <a16:creationId xmlns:a16="http://schemas.microsoft.com/office/drawing/2014/main" id="{78E3F84E-0B33-4194-A564-0B9E89F741A0}"/>
+              </a:ext>
+            </a:extLst>
+          </p:cNvPr>
+          <p:cNvCxnSpPr>
+            <a:cxnSpLocks/>
+            <a:stCxn id="17" idx="3"/>
+            <a:endCxn id="15" idx="1"/>
+          </p:cNvCxnSpPr>
+          <p:nvPr/>
+        </p:nvCxnSpPr>
+        <p:spPr>
+          <a:xfrm flipV="1">
+            <a:off x="6534572" y="3944051"/>
+            <a:ext cx="1188590" cy="282069"/>
+          </a:xfrm>
+          <a:prstGeom prst="bentConnector3">
+            <a:avLst/>
+          </a:prstGeom>
+          <a:ln>
+            <a:tailEnd type="triangle"/>
+          </a:ln>
+        </p:spPr>
+        <p:style>
+          <a:lnRef idx="1">
+            <a:schemeClr val="accent1"/>
+          </a:lnRef>
+          <a:fillRef idx="0">
+            <a:schemeClr val="accent1"/>
+          </a:fillRef>
+          <a:effectRef idx="0">
+            <a:schemeClr val="accent1"/>
+          </a:effectRef>
+          <a:fontRef idx="minor">
+            <a:schemeClr val="tx1"/>
+          </a:fontRef>
+        </p:style>
+      </p:cxnSp>
+      <p:cxnSp>
+        <p:nvCxnSpPr>
+          <p:cNvPr id="55" name="Connector: Elbow 54">
+            <a:extLst>
+              <a:ext uri="{FF2B5EF4-FFF2-40B4-BE49-F238E27FC236}">
+                <a16:creationId xmlns:a16="http://schemas.microsoft.com/office/drawing/2014/main" id="{2E29DA6B-25B7-4DF2-8C95-54EE988C1DE6}"/>
+              </a:ext>
+            </a:extLst>
+          </p:cNvPr>
+          <p:cNvCxnSpPr>
+            <a:cxnSpLocks/>
+            <a:stCxn id="17" idx="3"/>
+            <a:endCxn id="14" idx="1"/>
+          </p:cNvCxnSpPr>
+          <p:nvPr/>
+        </p:nvCxnSpPr>
+        <p:spPr>
+          <a:xfrm>
+            <a:off x="6534572" y="4226120"/>
+            <a:ext cx="1188591" cy="370473"/>
+          </a:xfrm>
+          <a:prstGeom prst="bentConnector3">
+            <a:avLst/>
+          </a:prstGeom>
+          <a:ln>
+            <a:tailEnd type="triangle"/>
+          </a:ln>
+        </p:spPr>
+        <p:style>
+          <a:lnRef idx="1">
+            <a:schemeClr val="accent1"/>
+          </a:lnRef>
+          <a:fillRef idx="0">
+            <a:schemeClr val="accent1"/>
+          </a:fillRef>
+          <a:effectRef idx="0">
+            <a:schemeClr val="accent1"/>
+          </a:effectRef>
+          <a:fontRef idx="minor">
+            <a:schemeClr val="tx1"/>
+          </a:fontRef>
+        </p:style>
+      </p:cxnSp>
+      <p:cxnSp>
+        <p:nvCxnSpPr>
+          <p:cNvPr id="57" name="Connector: Elbow 56">
+            <a:extLst>
+              <a:ext uri="{FF2B5EF4-FFF2-40B4-BE49-F238E27FC236}">
+                <a16:creationId xmlns:a16="http://schemas.microsoft.com/office/drawing/2014/main" id="{94C95BE0-FBE9-433F-89EB-7952E727F529}"/>
+              </a:ext>
+            </a:extLst>
+          </p:cNvPr>
+          <p:cNvCxnSpPr>
+            <a:cxnSpLocks/>
+            <a:stCxn id="16" idx="3"/>
+            <a:endCxn id="13" idx="1"/>
+          </p:cNvCxnSpPr>
+          <p:nvPr/>
+        </p:nvCxnSpPr>
+        <p:spPr>
+          <a:xfrm>
+            <a:off x="6623722" y="2562462"/>
+            <a:ext cx="1099441" cy="364855"/>
+          </a:xfrm>
+          <a:prstGeom prst="bentConnector3">
+            <a:avLst/>
+          </a:prstGeom>
+          <a:ln>
+            <a:tailEnd type="triangle"/>
+          </a:ln>
+        </p:spPr>
+        <p:style>
+          <a:lnRef idx="1">
+            <a:schemeClr val="accent1"/>
+          </a:lnRef>
+          <a:fillRef idx="0">
+            <a:schemeClr val="accent1"/>
+          </a:fillRef>
+          <a:effectRef idx="0">
+            <a:schemeClr val="accent1"/>
+          </a:effectRef>
+          <a:fontRef idx="minor">
+            <a:schemeClr val="tx1"/>
+          </a:fontRef>
+        </p:style>
+      </p:cxnSp>
+      <p:cxnSp>
+        <p:nvCxnSpPr>
+          <p:cNvPr id="59" name="Connector: Elbow 58">
+            <a:extLst>
+              <a:ext uri="{FF2B5EF4-FFF2-40B4-BE49-F238E27FC236}">
+                <a16:creationId xmlns:a16="http://schemas.microsoft.com/office/drawing/2014/main" id="{72D69DDB-44A0-48C6-A23D-6B9CDCDC44A5}"/>
+              </a:ext>
+            </a:extLst>
+          </p:cNvPr>
+          <p:cNvCxnSpPr>
+            <a:cxnSpLocks/>
+            <a:stCxn id="19" idx="3"/>
+            <a:endCxn id="21" idx="1"/>
+          </p:cNvCxnSpPr>
+          <p:nvPr/>
+        </p:nvCxnSpPr>
+        <p:spPr>
+          <a:xfrm flipV="1">
+            <a:off x="6623720" y="5632506"/>
+            <a:ext cx="1099442" cy="347742"/>
+          </a:xfrm>
+          <a:prstGeom prst="bentConnector3">
+            <a:avLst/>
+          </a:prstGeom>
+          <a:ln>
+            <a:tailEnd type="triangle"/>
+          </a:ln>
+        </p:spPr>
+        <p:style>
+          <a:lnRef idx="1">
+            <a:schemeClr val="accent1"/>
+          </a:lnRef>
+          <a:fillRef idx="0">
+            <a:schemeClr val="accent1"/>
+          </a:fillRef>
+          <a:effectRef idx="0">
+            <a:schemeClr val="accent1"/>
+          </a:effectRef>
+          <a:fontRef idx="minor">
+            <a:schemeClr val="tx1"/>
+          </a:fontRef>
+        </p:style>
+      </p:cxnSp>
+      <p:cxnSp>
+        <p:nvCxnSpPr>
+          <p:cNvPr id="61" name="Connector: Elbow 60">
+            <a:extLst>
+              <a:ext uri="{FF2B5EF4-FFF2-40B4-BE49-F238E27FC236}">
+                <a16:creationId xmlns:a16="http://schemas.microsoft.com/office/drawing/2014/main" id="{E42A8575-3F9E-4917-89C3-5B8007370C57}"/>
+              </a:ext>
+            </a:extLst>
+          </p:cNvPr>
+          <p:cNvCxnSpPr>
+            <a:cxnSpLocks/>
+            <a:stCxn id="19" idx="3"/>
+            <a:endCxn id="20" idx="1"/>
+          </p:cNvCxnSpPr>
+          <p:nvPr/>
+        </p:nvCxnSpPr>
+        <p:spPr>
+          <a:xfrm>
+            <a:off x="6623720" y="5980248"/>
+            <a:ext cx="1099442" cy="304800"/>
+          </a:xfrm>
+          <a:prstGeom prst="bentConnector3">
+            <a:avLst/>
+          </a:prstGeom>
+          <a:ln>
+            <a:tailEnd type="triangle"/>
+          </a:ln>
+        </p:spPr>
+        <p:style>
+          <a:lnRef idx="1">
+            <a:schemeClr val="accent1"/>
+          </a:lnRef>
+          <a:fillRef idx="0">
+            <a:schemeClr val="accent1"/>
+          </a:fillRef>
+          <a:effectRef idx="0">
+            <a:schemeClr val="accent1"/>
+          </a:effectRef>
+          <a:fontRef idx="minor">
+            <a:schemeClr val="tx1"/>
+          </a:fontRef>
+        </p:style>
+      </p:cxnSp>
+      <p:cxnSp>
+        <p:nvCxnSpPr>
+          <p:cNvPr id="82" name="Straight Arrow Connector 81">
+            <a:extLst>
+              <a:ext uri="{FF2B5EF4-FFF2-40B4-BE49-F238E27FC236}">
+                <a16:creationId xmlns:a16="http://schemas.microsoft.com/office/drawing/2014/main" id="{4675705E-3C8B-48AF-B934-C93880585F12}"/>
+              </a:ext>
+            </a:extLst>
+          </p:cNvPr>
+          <p:cNvCxnSpPr>
+            <a:stCxn id="9" idx="3"/>
+            <a:endCxn id="16" idx="1"/>
+          </p:cNvCxnSpPr>
+          <p:nvPr/>
+        </p:nvCxnSpPr>
+        <p:spPr>
+          <a:xfrm>
+            <a:off x="3962398" y="2562462"/>
+            <a:ext cx="735140" cy="0"/>
+          </a:xfrm>
+          <a:prstGeom prst="straightConnector1">
+            <a:avLst/>
+          </a:prstGeom>
+          <a:ln>
+            <a:tailEnd type="triangle"/>
+          </a:ln>
+        </p:spPr>
+        <p:style>
+          <a:lnRef idx="1">
+            <a:schemeClr val="accent1"/>
+          </a:lnRef>
+          <a:fillRef idx="0">
+            <a:schemeClr val="accent1"/>
+          </a:fillRef>
+          <a:effectRef idx="0">
+            <a:schemeClr val="accent1"/>
+          </a:effectRef>
+          <a:fontRef idx="minor">
+            <a:schemeClr val="tx1"/>
+          </a:fontRef>
+        </p:style>
+      </p:cxnSp>
+      <p:cxnSp>
+        <p:nvCxnSpPr>
+          <p:cNvPr id="84" name="Straight Arrow Connector 83">
+            <a:extLst>
+              <a:ext uri="{FF2B5EF4-FFF2-40B4-BE49-F238E27FC236}">
+                <a16:creationId xmlns:a16="http://schemas.microsoft.com/office/drawing/2014/main" id="{A1059DE0-8E1D-438E-B856-CBA4DD4A5941}"/>
+              </a:ext>
+            </a:extLst>
+          </p:cNvPr>
+          <p:cNvCxnSpPr>
+            <a:stCxn id="7" idx="3"/>
+            <a:endCxn id="17" idx="1"/>
+          </p:cNvCxnSpPr>
+          <p:nvPr/>
+        </p:nvCxnSpPr>
+        <p:spPr>
+          <a:xfrm>
+            <a:off x="3962397" y="4220869"/>
+            <a:ext cx="824291" cy="5251"/>
+          </a:xfrm>
+          <a:prstGeom prst="straightConnector1">
+            <a:avLst/>
+          </a:prstGeom>
+          <a:ln>
+            <a:tailEnd type="triangle"/>
+          </a:ln>
+        </p:spPr>
+        <p:style>
+          <a:lnRef idx="1">
+            <a:schemeClr val="accent1"/>
+          </a:lnRef>
+          <a:fillRef idx="0">
+            <a:schemeClr val="accent1"/>
+          </a:fillRef>
+          <a:effectRef idx="0">
+            <a:schemeClr val="accent1"/>
+          </a:effectRef>
+          <a:fontRef idx="minor">
+            <a:schemeClr val="tx1"/>
+          </a:fontRef>
+        </p:style>
+      </p:cxnSp>
+      <p:cxnSp>
+        <p:nvCxnSpPr>
+          <p:cNvPr id="86" name="Straight Arrow Connector 85">
+            <a:extLst>
+              <a:ext uri="{FF2B5EF4-FFF2-40B4-BE49-F238E27FC236}">
+                <a16:creationId xmlns:a16="http://schemas.microsoft.com/office/drawing/2014/main" id="{1ED90927-D9B1-4610-814C-793832E9DF51}"/>
+              </a:ext>
+            </a:extLst>
+          </p:cNvPr>
+          <p:cNvCxnSpPr>
+            <a:stCxn id="6" idx="3"/>
+            <a:endCxn id="19" idx="1"/>
+          </p:cNvCxnSpPr>
+          <p:nvPr/>
+        </p:nvCxnSpPr>
+        <p:spPr>
+          <a:xfrm>
+            <a:off x="3962396" y="5980248"/>
+            <a:ext cx="629368" cy="0"/>
+          </a:xfrm>
+          <a:prstGeom prst="straightConnector1">
+            <a:avLst/>
+          </a:prstGeom>
+          <a:ln>
+            <a:tailEnd type="triangle"/>
+          </a:ln>
+        </p:spPr>
+        <p:style>
+          <a:lnRef idx="1">
+            <a:schemeClr val="accent1"/>
+          </a:lnRef>
+          <a:fillRef idx="0">
+            <a:schemeClr val="accent1"/>
+          </a:fillRef>
+          <a:effectRef idx="0">
+            <a:schemeClr val="accent1"/>
+          </a:effectRef>
+          <a:fontRef idx="minor">
+            <a:schemeClr val="tx1"/>
+          </a:fontRef>
+        </p:style>
+      </p:cxnSp>
+      <p:cxnSp>
+        <p:nvCxnSpPr>
+          <p:cNvPr id="89" name="Connector: Elbow 88">
+            <a:extLst>
+              <a:ext uri="{FF2B5EF4-FFF2-40B4-BE49-F238E27FC236}">
+                <a16:creationId xmlns:a16="http://schemas.microsoft.com/office/drawing/2014/main" id="{C192CBBB-0741-4AE9-B653-22296FCAEA38}"/>
+              </a:ext>
+            </a:extLst>
+          </p:cNvPr>
+          <p:cNvCxnSpPr>
+            <a:stCxn id="4" idx="3"/>
+            <a:endCxn id="9" idx="1"/>
+          </p:cNvCxnSpPr>
+          <p:nvPr/>
+        </p:nvCxnSpPr>
+        <p:spPr>
+          <a:xfrm flipV="1">
+            <a:off x="1630934" y="2562462"/>
+            <a:ext cx="734577" cy="1658407"/>
+          </a:xfrm>
+          <a:prstGeom prst="bentConnector3">
+            <a:avLst/>
+          </a:prstGeom>
+          <a:ln>
+            <a:tailEnd type="triangle"/>
+          </a:ln>
+        </p:spPr>
+        <p:style>
+          <a:lnRef idx="1">
+            <a:schemeClr val="accent1"/>
+          </a:lnRef>
+          <a:fillRef idx="0">
+            <a:schemeClr val="accent1"/>
+          </a:fillRef>
+          <a:effectRef idx="0">
+            <a:schemeClr val="accent1"/>
+          </a:effectRef>
+          <a:fontRef idx="minor">
+            <a:schemeClr val="tx1"/>
+          </a:fontRef>
+        </p:style>
+      </p:cxnSp>
+      <p:cxnSp>
+        <p:nvCxnSpPr>
+          <p:cNvPr id="91" name="Connector: Elbow 90">
+            <a:extLst>
+              <a:ext uri="{FF2B5EF4-FFF2-40B4-BE49-F238E27FC236}">
+                <a16:creationId xmlns:a16="http://schemas.microsoft.com/office/drawing/2014/main" id="{B42F7E97-C2F7-4CC3-8782-E872CF7E7FDD}"/>
+              </a:ext>
+            </a:extLst>
+          </p:cNvPr>
+          <p:cNvCxnSpPr>
+            <a:stCxn id="4" idx="3"/>
+            <a:endCxn id="6" idx="1"/>
+          </p:cNvCxnSpPr>
+          <p:nvPr/>
+        </p:nvCxnSpPr>
+        <p:spPr>
+          <a:xfrm>
+            <a:off x="1630934" y="4220869"/>
+            <a:ext cx="734575" cy="1759379"/>
+          </a:xfrm>
+          <a:prstGeom prst="bentConnector3">
+            <a:avLst/>
+          </a:prstGeom>
+          <a:ln>
+            <a:tailEnd type="triangle"/>
+          </a:ln>
+        </p:spPr>
+        <p:style>
+          <a:lnRef idx="1">
+            <a:schemeClr val="accent1"/>
+          </a:lnRef>
+          <a:fillRef idx="0">
+            <a:schemeClr val="accent1"/>
+          </a:fillRef>
+          <a:effectRef idx="0">
+            <a:schemeClr val="accent1"/>
+          </a:effectRef>
+          <a:fontRef idx="minor">
+            <a:schemeClr val="tx1"/>
+          </a:fontRef>
+        </p:style>
+      </p:cxnSp>
+      <p:cxnSp>
+        <p:nvCxnSpPr>
+          <p:cNvPr id="93" name="Straight Arrow Connector 92">
+            <a:extLst>
+              <a:ext uri="{FF2B5EF4-FFF2-40B4-BE49-F238E27FC236}">
+                <a16:creationId xmlns:a16="http://schemas.microsoft.com/office/drawing/2014/main" id="{AE4798C1-A101-4B09-B25E-8CAAF1CDBCAC}"/>
+              </a:ext>
+            </a:extLst>
+          </p:cNvPr>
+          <p:cNvCxnSpPr>
+            <a:stCxn id="4" idx="3"/>
+            <a:endCxn id="7" idx="1"/>
+          </p:cNvCxnSpPr>
+          <p:nvPr/>
+        </p:nvCxnSpPr>
+        <p:spPr>
+          <a:xfrm>
+            <a:off x="1630934" y="4220869"/>
+            <a:ext cx="734576" cy="0"/>
+          </a:xfrm>
+          <a:prstGeom prst="straightConnector1">
+            <a:avLst/>
+          </a:prstGeom>
+          <a:ln>
+            <a:tailEnd type="triangle"/>
+          </a:ln>
+        </p:spPr>
+        <p:style>
+          <a:lnRef idx="1">
+            <a:schemeClr val="accent1"/>
+          </a:lnRef>
+          <a:fillRef idx="0">
+            <a:schemeClr val="accent1"/>
+          </a:fillRef>
+          <a:effectRef idx="0">
+            <a:schemeClr val="accent1"/>
+          </a:effectRef>
+          <a:fontRef idx="minor">
+            <a:schemeClr val="tx1"/>
+          </a:fontRef>
+        </p:style>
+      </p:cxnSp>
     </p:spTree>
     <p:extLst>
       <p:ext uri="{BB962C8B-B14F-4D97-AF65-F5344CB8AC3E}">
-        <p14:creationId xmlns:p14="http://schemas.microsoft.com/office/powerpoint/2010/main" val="1504040330"/>
+        <p14:creationId xmlns:p14="http://schemas.microsoft.com/office/powerpoint/2010/main" val="1229178898"/>
       </p:ext>
     </p:extLst>
   </p:cSld>
@@ -7720,7 +8807,7 @@
           <p:cNvPr id="2" name="Title 1">
             <a:extLst>
               <a:ext uri="{FF2B5EF4-FFF2-40B4-BE49-F238E27FC236}">
-                <a16:creationId xmlns:a16="http://schemas.microsoft.com/office/drawing/2014/main" id="{DCF6E103-5F68-4BC5-B6E4-B0B34D460CB2}"/>
+                <a16:creationId xmlns:a16="http://schemas.microsoft.com/office/drawing/2014/main" id="{EE9701BD-298B-449B-956F-060BEA3FF60C}"/>
               </a:ext>
             </a:extLst>
           </p:cNvPr>
@@ -7738,7 +8825,7 @@
           <a:p>
             <a:r>
               <a:rPr lang="en-GB" dirty="0"/>
-              <a:t>Our future  vision </a:t>
+              <a:t>Tech used</a:t>
             </a:r>
             <a:endParaRPr lang="en-IN" dirty="0"/>
           </a:p>
@@ -7746,1415 +8833,115 @@
       </p:sp>
       <p:sp>
         <p:nvSpPr>
-          <p:cNvPr id="4" name="Rectangle: Rounded Corners 3">
-            <a:extLst>
-              <a:ext uri="{FF2B5EF4-FFF2-40B4-BE49-F238E27FC236}">
-                <a16:creationId xmlns:a16="http://schemas.microsoft.com/office/drawing/2014/main" id="{80079FEE-7216-472D-9932-47F15447B564}"/>
-              </a:ext>
-            </a:extLst>
-          </p:cNvPr>
-          <p:cNvSpPr/>
-          <p:nvPr/>
-        </p:nvSpPr>
-        <p:spPr>
-          <a:xfrm>
-            <a:off x="638336" y="2196447"/>
-            <a:ext cx="1402371" cy="609600"/>
-          </a:xfrm>
-          <a:prstGeom prst="roundRect">
-            <a:avLst/>
-          </a:prstGeom>
-        </p:spPr>
-        <p:style>
-          <a:lnRef idx="2">
-            <a:schemeClr val="accent6"/>
-          </a:lnRef>
-          <a:fillRef idx="1">
-            <a:schemeClr val="lt1"/>
-          </a:fillRef>
-          <a:effectRef idx="0">
-            <a:schemeClr val="accent6"/>
-          </a:effectRef>
-          <a:fontRef idx="minor">
-            <a:schemeClr val="dk1"/>
-          </a:fontRef>
-        </p:style>
-        <p:txBody>
-          <a:bodyPr rtlCol="0" anchor="ctr"/>
+          <p:cNvPr id="3" name="Content Placeholder 2">
+            <a:extLst>
+              <a:ext uri="{FF2B5EF4-FFF2-40B4-BE49-F238E27FC236}">
+                <a16:creationId xmlns:a16="http://schemas.microsoft.com/office/drawing/2014/main" id="{4D0088BB-40FB-4AB3-8843-93D142093663}"/>
+              </a:ext>
+            </a:extLst>
+          </p:cNvPr>
+          <p:cNvSpPr>
+            <a:spLocks noGrp="1"/>
+          </p:cNvSpPr>
+          <p:nvPr>
+            <p:ph idx="1"/>
+          </p:nvPr>
+        </p:nvSpPr>
+        <p:spPr/>
+        <p:txBody>
+          <a:bodyPr>
+            <a:normAutofit lnSpcReduction="10000"/>
+          </a:bodyPr>
           <a:lstStyle/>
           <a:p>
-            <a:pPr algn="ctr"/>
             <a:r>
               <a:rPr lang="en-GB" dirty="0"/>
-              <a:t>PERSONAS</a:t>
-            </a:r>
-            <a:endParaRPr lang="en-IN" dirty="0"/>
-          </a:p>
-        </p:txBody>
-      </p:sp>
-      <p:sp>
-        <p:nvSpPr>
-          <p:cNvPr id="6" name="Rectangle: Rounded Corners 5">
-            <a:extLst>
-              <a:ext uri="{FF2B5EF4-FFF2-40B4-BE49-F238E27FC236}">
-                <a16:creationId xmlns:a16="http://schemas.microsoft.com/office/drawing/2014/main" id="{2B649645-605B-48EA-97BF-B791CA040129}"/>
-              </a:ext>
-            </a:extLst>
-          </p:cNvPr>
-          <p:cNvSpPr/>
-          <p:nvPr/>
-        </p:nvSpPr>
-        <p:spPr>
-          <a:xfrm>
-            <a:off x="2365512" y="5473558"/>
-            <a:ext cx="1596887" cy="609600"/>
-          </a:xfrm>
-          <a:prstGeom prst="roundRect">
-            <a:avLst/>
-          </a:prstGeom>
-        </p:spPr>
-        <p:style>
-          <a:lnRef idx="2">
-            <a:schemeClr val="accent6"/>
-          </a:lnRef>
-          <a:fillRef idx="1">
-            <a:schemeClr val="lt1"/>
-          </a:fillRef>
-          <a:effectRef idx="0">
-            <a:schemeClr val="accent6"/>
-          </a:effectRef>
-          <a:fontRef idx="minor">
-            <a:schemeClr val="dk1"/>
-          </a:fontRef>
-        </p:style>
-        <p:txBody>
-          <a:bodyPr rtlCol="0" anchor="ctr"/>
-          <a:lstStyle/>
-          <a:p>
-            <a:pPr algn="ctr"/>
+              <a:t>Tools download: </a:t>
+            </a:r>
+          </a:p>
+          <a:p>
+            <a:pPr marL="0" indent="0">
+              <a:buNone/>
+            </a:pPr>
             <a:r>
               <a:rPr lang="en-GB" dirty="0"/>
-              <a:t>CIBP&amp;M</a:t>
-            </a:r>
-            <a:endParaRPr lang="en-IN" dirty="0"/>
-          </a:p>
-        </p:txBody>
-      </p:sp>
-      <p:sp>
-        <p:nvSpPr>
-          <p:cNvPr id="7" name="Rectangle: Rounded Corners 6">
-            <a:extLst>
-              <a:ext uri="{FF2B5EF4-FFF2-40B4-BE49-F238E27FC236}">
-                <a16:creationId xmlns:a16="http://schemas.microsoft.com/office/drawing/2014/main" id="{4A132ECA-C733-428F-9A81-1D55952536B7}"/>
-              </a:ext>
-            </a:extLst>
-          </p:cNvPr>
-          <p:cNvSpPr/>
-          <p:nvPr/>
-        </p:nvSpPr>
-        <p:spPr>
-          <a:xfrm>
-            <a:off x="2365512" y="3419060"/>
-            <a:ext cx="1596887" cy="609600"/>
-          </a:xfrm>
-          <a:prstGeom prst="roundRect">
-            <a:avLst/>
-          </a:prstGeom>
-        </p:spPr>
-        <p:style>
-          <a:lnRef idx="2">
-            <a:schemeClr val="accent6"/>
-          </a:lnRef>
-          <a:fillRef idx="1">
-            <a:schemeClr val="lt1"/>
-          </a:fillRef>
-          <a:effectRef idx="0">
-            <a:schemeClr val="accent6"/>
-          </a:effectRef>
-          <a:fontRef idx="minor">
-            <a:schemeClr val="dk1"/>
-          </a:fontRef>
-        </p:style>
-        <p:txBody>
-          <a:bodyPr rtlCol="0" anchor="ctr"/>
-          <a:lstStyle/>
-          <a:p>
-            <a:pPr algn="ctr"/>
+              <a:t>	Front-End: React JS</a:t>
+            </a:r>
+          </a:p>
+          <a:p>
+            <a:pPr marL="0" indent="0">
+              <a:buNone/>
+            </a:pPr>
             <a:r>
               <a:rPr lang="en-GB" dirty="0"/>
-              <a:t>DATA &amp; ML</a:t>
-            </a:r>
-            <a:endParaRPr lang="en-IN" dirty="0"/>
-          </a:p>
-        </p:txBody>
-      </p:sp>
-      <p:sp>
-        <p:nvSpPr>
-          <p:cNvPr id="8" name="Rectangle: Rounded Corners 7">
-            <a:extLst>
-              <a:ext uri="{FF2B5EF4-FFF2-40B4-BE49-F238E27FC236}">
-                <a16:creationId xmlns:a16="http://schemas.microsoft.com/office/drawing/2014/main" id="{2FCE15F3-770C-49AF-A8BE-9FBA6A734BBA}"/>
-              </a:ext>
-            </a:extLst>
-          </p:cNvPr>
-          <p:cNvSpPr/>
-          <p:nvPr/>
-        </p:nvSpPr>
-        <p:spPr>
-          <a:xfrm>
-            <a:off x="541079" y="3419061"/>
-            <a:ext cx="1596887" cy="609600"/>
-          </a:xfrm>
-          <a:prstGeom prst="roundRect">
-            <a:avLst/>
-          </a:prstGeom>
-        </p:spPr>
-        <p:style>
-          <a:lnRef idx="2">
-            <a:schemeClr val="accent6"/>
-          </a:lnRef>
-          <a:fillRef idx="1">
-            <a:schemeClr val="lt1"/>
-          </a:fillRef>
-          <a:effectRef idx="0">
-            <a:schemeClr val="accent6"/>
-          </a:effectRef>
-          <a:fontRef idx="minor">
-            <a:schemeClr val="dk1"/>
-          </a:fontRef>
-        </p:style>
-        <p:txBody>
-          <a:bodyPr rtlCol="0" anchor="ctr"/>
-          <a:lstStyle/>
-          <a:p>
-            <a:pPr algn="ctr"/>
+              <a:t>	Back-End: Java, </a:t>
+            </a:r>
+            <a:r>
+              <a:rPr lang="en-GB" dirty="0" err="1"/>
+              <a:t>Springboot</a:t>
+            </a:r>
             <a:r>
               <a:rPr lang="en-GB" dirty="0"/>
-              <a:t>PLATFORM</a:t>
-            </a:r>
-            <a:endParaRPr lang="en-IN" dirty="0"/>
-          </a:p>
-        </p:txBody>
-      </p:sp>
-      <p:sp>
-        <p:nvSpPr>
-          <p:cNvPr id="9" name="Rectangle: Rounded Corners 8">
-            <a:extLst>
-              <a:ext uri="{FF2B5EF4-FFF2-40B4-BE49-F238E27FC236}">
-                <a16:creationId xmlns:a16="http://schemas.microsoft.com/office/drawing/2014/main" id="{8E6C53D3-6484-450C-9511-BD1D4E5E3312}"/>
-              </a:ext>
-            </a:extLst>
-          </p:cNvPr>
-          <p:cNvSpPr/>
-          <p:nvPr/>
-        </p:nvSpPr>
-        <p:spPr>
-          <a:xfrm>
-            <a:off x="2365512" y="4456248"/>
-            <a:ext cx="1596887" cy="609600"/>
-          </a:xfrm>
-          <a:prstGeom prst="roundRect">
-            <a:avLst/>
-          </a:prstGeom>
-        </p:spPr>
-        <p:style>
-          <a:lnRef idx="2">
-            <a:schemeClr val="accent6"/>
-          </a:lnRef>
-          <a:fillRef idx="1">
-            <a:schemeClr val="lt1"/>
-          </a:fillRef>
-          <a:effectRef idx="0">
-            <a:schemeClr val="accent6"/>
-          </a:effectRef>
-          <a:fontRef idx="minor">
-            <a:schemeClr val="dk1"/>
-          </a:fontRef>
-        </p:style>
-        <p:txBody>
-          <a:bodyPr rtlCol="0" anchor="ctr"/>
-          <a:lstStyle/>
-          <a:p>
-            <a:pPr algn="ctr"/>
+              <a:t> and PowerShell </a:t>
+            </a:r>
+          </a:p>
+          <a:p>
             <a:r>
               <a:rPr lang="en-GB" dirty="0"/>
-              <a:t>CHANNEL ENABLING</a:t>
-            </a:r>
-            <a:endParaRPr lang="en-IN" dirty="0"/>
-          </a:p>
-        </p:txBody>
-      </p:sp>
-      <p:sp>
-        <p:nvSpPr>
-          <p:cNvPr id="10" name="Rectangle: Rounded Corners 9">
-            <a:extLst>
-              <a:ext uri="{FF2B5EF4-FFF2-40B4-BE49-F238E27FC236}">
-                <a16:creationId xmlns:a16="http://schemas.microsoft.com/office/drawing/2014/main" id="{57B73731-D5B6-44AD-9012-5EDFE6EB7A1B}"/>
-              </a:ext>
-            </a:extLst>
-          </p:cNvPr>
-          <p:cNvSpPr/>
-          <p:nvPr/>
-        </p:nvSpPr>
-        <p:spPr>
-          <a:xfrm>
-            <a:off x="4620991" y="2365460"/>
-            <a:ext cx="1596887" cy="609600"/>
-          </a:xfrm>
-          <a:prstGeom prst="roundRect">
-            <a:avLst/>
-          </a:prstGeom>
-        </p:spPr>
-        <p:style>
-          <a:lnRef idx="2">
-            <a:schemeClr val="accent6"/>
-          </a:lnRef>
-          <a:fillRef idx="1">
-            <a:schemeClr val="lt1"/>
-          </a:fillRef>
-          <a:effectRef idx="0">
-            <a:schemeClr val="accent6"/>
-          </a:effectRef>
-          <a:fontRef idx="minor">
-            <a:schemeClr val="dk1"/>
-          </a:fontRef>
-        </p:style>
-        <p:txBody>
-          <a:bodyPr rtlCol="0" anchor="ctr"/>
-          <a:lstStyle/>
-          <a:p>
-            <a:pPr algn="ctr"/>
+              <a:t>Automation of Jira:</a:t>
+            </a:r>
+          </a:p>
+          <a:p>
+            <a:pPr marL="0" indent="0">
+              <a:buNone/>
+            </a:pPr>
             <a:r>
               <a:rPr lang="en-GB" dirty="0"/>
-              <a:t>AI &amp; ANALYTICS</a:t>
-            </a:r>
-            <a:endParaRPr lang="en-IN" dirty="0"/>
-          </a:p>
-        </p:txBody>
-      </p:sp>
-      <p:sp>
-        <p:nvSpPr>
-          <p:cNvPr id="11" name="Rectangle: Rounded Corners 10">
-            <a:extLst>
-              <a:ext uri="{FF2B5EF4-FFF2-40B4-BE49-F238E27FC236}">
-                <a16:creationId xmlns:a16="http://schemas.microsoft.com/office/drawing/2014/main" id="{8BC05A65-9F4E-45D6-9446-5D7776EBAFF8}"/>
-              </a:ext>
-            </a:extLst>
-          </p:cNvPr>
-          <p:cNvSpPr/>
-          <p:nvPr/>
-        </p:nvSpPr>
-        <p:spPr>
-          <a:xfrm>
-            <a:off x="4483973" y="3226852"/>
-            <a:ext cx="1870922" cy="994017"/>
-          </a:xfrm>
-          <a:prstGeom prst="roundRect">
-            <a:avLst/>
-          </a:prstGeom>
-        </p:spPr>
-        <p:style>
-          <a:lnRef idx="2">
-            <a:schemeClr val="accent6"/>
-          </a:lnRef>
-          <a:fillRef idx="1">
-            <a:schemeClr val="lt1"/>
-          </a:fillRef>
-          <a:effectRef idx="0">
-            <a:schemeClr val="accent6"/>
-          </a:effectRef>
-          <a:fontRef idx="minor">
-            <a:schemeClr val="dk1"/>
-          </a:fontRef>
-        </p:style>
-        <p:txBody>
-          <a:bodyPr rtlCol="0" anchor="ctr"/>
-          <a:lstStyle/>
-          <a:p>
-            <a:pPr algn="ctr"/>
+              <a:t>	Selenium and Java </a:t>
+            </a:r>
+          </a:p>
+          <a:p>
             <a:r>
               <a:rPr lang="en-GB" dirty="0"/>
-              <a:t>ENTERPRISE DATA PROVISIONING</a:t>
-            </a:r>
-            <a:endParaRPr lang="en-IN" dirty="0"/>
-          </a:p>
-        </p:txBody>
-      </p:sp>
-      <p:sp>
-        <p:nvSpPr>
-          <p:cNvPr id="12" name="Rectangle: Rounded Corners 11">
-            <a:extLst>
-              <a:ext uri="{FF2B5EF4-FFF2-40B4-BE49-F238E27FC236}">
-                <a16:creationId xmlns:a16="http://schemas.microsoft.com/office/drawing/2014/main" id="{D9ABD476-2A20-4995-848A-A54F318878BE}"/>
-              </a:ext>
-            </a:extLst>
-          </p:cNvPr>
-          <p:cNvSpPr/>
-          <p:nvPr/>
-        </p:nvSpPr>
-        <p:spPr>
-          <a:xfrm>
-            <a:off x="9285047" y="1891647"/>
-            <a:ext cx="2325759" cy="609600"/>
-          </a:xfrm>
-          <a:prstGeom prst="roundRect">
-            <a:avLst/>
-          </a:prstGeom>
-        </p:spPr>
-        <p:style>
-          <a:lnRef idx="2">
-            <a:schemeClr val="accent6"/>
-          </a:lnRef>
-          <a:fillRef idx="1">
-            <a:schemeClr val="lt1"/>
-          </a:fillRef>
-          <a:effectRef idx="0">
-            <a:schemeClr val="accent6"/>
-          </a:effectRef>
-          <a:fontRef idx="minor">
-            <a:schemeClr val="dk1"/>
-          </a:fontRef>
-        </p:style>
-        <p:txBody>
-          <a:bodyPr rtlCol="0" anchor="ctr"/>
-          <a:lstStyle/>
-          <a:p>
-            <a:pPr algn="ctr"/>
+              <a:t>Remote Machine Simulation: </a:t>
+            </a:r>
+          </a:p>
+          <a:p>
+            <a:pPr marL="0" indent="0">
+              <a:buNone/>
+            </a:pPr>
             <a:r>
               <a:rPr lang="en-GB" dirty="0"/>
-              <a:t>Tools: MySQL, Python, Java, etc</a:t>
-            </a:r>
-            <a:endParaRPr lang="en-IN" dirty="0"/>
-          </a:p>
-        </p:txBody>
-      </p:sp>
-      <p:sp>
-        <p:nvSpPr>
-          <p:cNvPr id="13" name="Rectangle: Rounded Corners 12">
-            <a:extLst>
-              <a:ext uri="{FF2B5EF4-FFF2-40B4-BE49-F238E27FC236}">
-                <a16:creationId xmlns:a16="http://schemas.microsoft.com/office/drawing/2014/main" id="{AF30BF20-7B54-4620-8B89-BE40FB0F163B}"/>
-              </a:ext>
-            </a:extLst>
-          </p:cNvPr>
-          <p:cNvSpPr/>
-          <p:nvPr/>
-        </p:nvSpPr>
-        <p:spPr>
-          <a:xfrm>
-            <a:off x="9285049" y="2676939"/>
-            <a:ext cx="2325759" cy="609600"/>
-          </a:xfrm>
-          <a:prstGeom prst="roundRect">
-            <a:avLst/>
-          </a:prstGeom>
-        </p:spPr>
-        <p:style>
-          <a:lnRef idx="2">
-            <a:schemeClr val="accent6"/>
-          </a:lnRef>
-          <a:fillRef idx="1">
-            <a:schemeClr val="lt1"/>
-          </a:fillRef>
-          <a:effectRef idx="0">
-            <a:schemeClr val="accent6"/>
-          </a:effectRef>
-          <a:fontRef idx="minor">
-            <a:schemeClr val="dk1"/>
-          </a:fontRef>
-        </p:style>
-        <p:txBody>
-          <a:bodyPr rtlCol="0" anchor="ctr"/>
-          <a:lstStyle/>
-          <a:p>
-            <a:pPr algn="ctr"/>
+              <a:t>	GCP Compute Engine: Windows Server 2022, E2 standard, Balanced SSD</a:t>
+            </a:r>
+          </a:p>
+          <a:p>
+            <a:pPr marL="0" indent="0">
+              <a:buNone/>
+            </a:pPr>
             <a:r>
               <a:rPr lang="en-GB" dirty="0"/>
-              <a:t>Tickets: Win365, GCP DA Personas, etc</a:t>
-            </a:r>
-            <a:endParaRPr lang="en-IN" dirty="0"/>
-          </a:p>
-        </p:txBody>
-      </p:sp>
-      <p:sp>
-        <p:nvSpPr>
-          <p:cNvPr id="14" name="Rectangle: Rounded Corners 13">
-            <a:extLst>
-              <a:ext uri="{FF2B5EF4-FFF2-40B4-BE49-F238E27FC236}">
-                <a16:creationId xmlns:a16="http://schemas.microsoft.com/office/drawing/2014/main" id="{8A833FFF-E301-40F4-9988-361FFDA7A067}"/>
-              </a:ext>
-            </a:extLst>
-          </p:cNvPr>
-          <p:cNvSpPr/>
-          <p:nvPr/>
-        </p:nvSpPr>
-        <p:spPr>
-          <a:xfrm>
-            <a:off x="9285048" y="4247522"/>
-            <a:ext cx="2325759" cy="609600"/>
-          </a:xfrm>
-          <a:prstGeom prst="roundRect">
-            <a:avLst/>
-          </a:prstGeom>
-        </p:spPr>
-        <p:style>
-          <a:lnRef idx="2">
-            <a:schemeClr val="accent6"/>
-          </a:lnRef>
-          <a:fillRef idx="1">
-            <a:schemeClr val="lt1"/>
-          </a:fillRef>
-          <a:effectRef idx="0">
-            <a:schemeClr val="accent6"/>
-          </a:effectRef>
-          <a:fontRef idx="minor">
-            <a:schemeClr val="dk1"/>
-          </a:fontRef>
-        </p:style>
-        <p:txBody>
-          <a:bodyPr rtlCol="0" anchor="ctr"/>
-          <a:lstStyle/>
-          <a:p>
-            <a:pPr algn="ctr"/>
+              <a:t>	GCP VPC Networks: Ingress Port 3389</a:t>
+            </a:r>
+          </a:p>
+          <a:p>
+            <a:pPr marL="0" indent="0">
+              <a:buNone/>
+            </a:pPr>
             <a:r>
               <a:rPr lang="en-GB" dirty="0"/>
-              <a:t>Tickets: Win365, GCP DE Personas, etc</a:t>
-            </a:r>
-            <a:endParaRPr lang="en-IN" dirty="0"/>
-          </a:p>
-        </p:txBody>
-      </p:sp>
-      <p:sp>
-        <p:nvSpPr>
-          <p:cNvPr id="15" name="Rectangle: Rounded Corners 14">
-            <a:extLst>
-              <a:ext uri="{FF2B5EF4-FFF2-40B4-BE49-F238E27FC236}">
-                <a16:creationId xmlns:a16="http://schemas.microsoft.com/office/drawing/2014/main" id="{7CEB6E63-6D76-42E9-BDCE-83E2C5FA3B74}"/>
-              </a:ext>
-            </a:extLst>
-          </p:cNvPr>
-          <p:cNvSpPr/>
-          <p:nvPr/>
-        </p:nvSpPr>
-        <p:spPr>
-          <a:xfrm>
-            <a:off x="9285048" y="3462231"/>
-            <a:ext cx="2325759" cy="609600"/>
-          </a:xfrm>
-          <a:prstGeom prst="roundRect">
-            <a:avLst/>
-          </a:prstGeom>
-        </p:spPr>
-        <p:style>
-          <a:lnRef idx="2">
-            <a:schemeClr val="accent6"/>
-          </a:lnRef>
-          <a:fillRef idx="1">
-            <a:schemeClr val="lt1"/>
-          </a:fillRef>
-          <a:effectRef idx="0">
-            <a:schemeClr val="accent6"/>
-          </a:effectRef>
-          <a:fontRef idx="minor">
-            <a:schemeClr val="dk1"/>
-          </a:fontRef>
-        </p:style>
-        <p:txBody>
-          <a:bodyPr rtlCol="0" anchor="ctr"/>
-          <a:lstStyle/>
-          <a:p>
-            <a:pPr algn="ctr"/>
-            <a:r>
-              <a:rPr lang="en-GB" dirty="0"/>
-              <a:t>Tools: Git, Python, Java, Ms </a:t>
-            </a:r>
-            <a:r>
-              <a:rPr lang="en-GB" dirty="0" err="1"/>
-              <a:t>VsCode</a:t>
-            </a:r>
-            <a:r>
-              <a:rPr lang="en-GB" dirty="0"/>
-              <a:t>, etc</a:t>
-            </a:r>
-            <a:endParaRPr lang="en-IN" dirty="0"/>
-          </a:p>
-        </p:txBody>
-      </p:sp>
-      <p:sp>
-        <p:nvSpPr>
-          <p:cNvPr id="16" name="Rectangle: Rounded Corners 15">
-            <a:extLst>
-              <a:ext uri="{FF2B5EF4-FFF2-40B4-BE49-F238E27FC236}">
-                <a16:creationId xmlns:a16="http://schemas.microsoft.com/office/drawing/2014/main" id="{40A794F3-6024-4A31-96A6-347661BE1361}"/>
-              </a:ext>
-            </a:extLst>
-          </p:cNvPr>
-          <p:cNvSpPr/>
-          <p:nvPr/>
-        </p:nvSpPr>
-        <p:spPr>
-          <a:xfrm>
-            <a:off x="6953018" y="2372139"/>
-            <a:ext cx="1596887" cy="609600"/>
-          </a:xfrm>
-          <a:prstGeom prst="roundRect">
-            <a:avLst/>
-          </a:prstGeom>
-        </p:spPr>
-        <p:style>
-          <a:lnRef idx="2">
-            <a:schemeClr val="accent6"/>
-          </a:lnRef>
-          <a:fillRef idx="1">
-            <a:schemeClr val="lt1"/>
-          </a:fillRef>
-          <a:effectRef idx="0">
-            <a:schemeClr val="accent6"/>
-          </a:effectRef>
-          <a:fontRef idx="minor">
-            <a:schemeClr val="dk1"/>
-          </a:fontRef>
-        </p:style>
-        <p:txBody>
-          <a:bodyPr rtlCol="0" anchor="ctr"/>
-          <a:lstStyle/>
-          <a:p>
-            <a:pPr algn="ctr"/>
-            <a:r>
-              <a:rPr lang="en-GB" dirty="0"/>
-              <a:t>Data Analysts</a:t>
-            </a:r>
-            <a:endParaRPr lang="en-IN" dirty="0"/>
-          </a:p>
-        </p:txBody>
-      </p:sp>
-      <p:sp>
-        <p:nvSpPr>
-          <p:cNvPr id="17" name="Rectangle: Rounded Corners 16">
-            <a:extLst>
-              <a:ext uri="{FF2B5EF4-FFF2-40B4-BE49-F238E27FC236}">
-                <a16:creationId xmlns:a16="http://schemas.microsoft.com/office/drawing/2014/main" id="{B3984026-55AF-4880-9A18-AFA6A022FFF7}"/>
-              </a:ext>
-            </a:extLst>
-          </p:cNvPr>
-          <p:cNvSpPr/>
-          <p:nvPr/>
-        </p:nvSpPr>
-        <p:spPr>
-          <a:xfrm>
-            <a:off x="6953018" y="3916069"/>
-            <a:ext cx="1747884" cy="609600"/>
-          </a:xfrm>
-          <a:prstGeom prst="roundRect">
-            <a:avLst/>
-          </a:prstGeom>
-        </p:spPr>
-        <p:style>
-          <a:lnRef idx="2">
-            <a:schemeClr val="accent6"/>
-          </a:lnRef>
-          <a:fillRef idx="1">
-            <a:schemeClr val="lt1"/>
-          </a:fillRef>
-          <a:effectRef idx="0">
-            <a:schemeClr val="accent6"/>
-          </a:effectRef>
-          <a:fontRef idx="minor">
-            <a:schemeClr val="dk1"/>
-          </a:fontRef>
-        </p:style>
-        <p:txBody>
-          <a:bodyPr rtlCol="0" anchor="ctr"/>
-          <a:lstStyle/>
-          <a:p>
-            <a:pPr algn="ctr"/>
-            <a:r>
-              <a:rPr lang="en-GB" dirty="0"/>
-              <a:t>Data Engineers</a:t>
-            </a:r>
-            <a:endParaRPr lang="en-IN" dirty="0"/>
-          </a:p>
-        </p:txBody>
-      </p:sp>
-      <p:sp>
-        <p:nvSpPr>
-          <p:cNvPr id="19" name="Rectangle: Rounded Corners 18">
-            <a:extLst>
-              <a:ext uri="{FF2B5EF4-FFF2-40B4-BE49-F238E27FC236}">
-                <a16:creationId xmlns:a16="http://schemas.microsoft.com/office/drawing/2014/main" id="{8F3FBC51-074A-4025-9EC7-31B4B82DA810}"/>
-              </a:ext>
-            </a:extLst>
-          </p:cNvPr>
-          <p:cNvSpPr/>
-          <p:nvPr/>
-        </p:nvSpPr>
-        <p:spPr>
-          <a:xfrm>
-            <a:off x="6953018" y="5549762"/>
-            <a:ext cx="2031956" cy="609600"/>
-          </a:xfrm>
-          <a:prstGeom prst="roundRect">
-            <a:avLst/>
-          </a:prstGeom>
-        </p:spPr>
-        <p:style>
-          <a:lnRef idx="2">
-            <a:schemeClr val="accent6"/>
-          </a:lnRef>
-          <a:fillRef idx="1">
-            <a:schemeClr val="lt1"/>
-          </a:fillRef>
-          <a:effectRef idx="0">
-            <a:schemeClr val="accent6"/>
-          </a:effectRef>
-          <a:fontRef idx="minor">
-            <a:schemeClr val="dk1"/>
-          </a:fontRef>
-        </p:style>
-        <p:txBody>
-          <a:bodyPr rtlCol="0" anchor="ctr"/>
-          <a:lstStyle/>
-          <a:p>
-            <a:pPr algn="ctr"/>
-            <a:r>
-              <a:rPr lang="en-GB" dirty="0"/>
-              <a:t>Platform Engineers</a:t>
-            </a:r>
-            <a:endParaRPr lang="en-IN" dirty="0"/>
-          </a:p>
-        </p:txBody>
-      </p:sp>
-      <p:sp>
-        <p:nvSpPr>
-          <p:cNvPr id="20" name="Rectangle: Rounded Corners 19">
-            <a:extLst>
-              <a:ext uri="{FF2B5EF4-FFF2-40B4-BE49-F238E27FC236}">
-                <a16:creationId xmlns:a16="http://schemas.microsoft.com/office/drawing/2014/main" id="{934A3F3B-45CF-482A-8374-908DD2A2A041}"/>
-              </a:ext>
-            </a:extLst>
-          </p:cNvPr>
-          <p:cNvSpPr/>
-          <p:nvPr/>
-        </p:nvSpPr>
-        <p:spPr>
-          <a:xfrm>
-            <a:off x="9285045" y="5884174"/>
-            <a:ext cx="2325759" cy="609600"/>
-          </a:xfrm>
-          <a:prstGeom prst="roundRect">
-            <a:avLst/>
-          </a:prstGeom>
-        </p:spPr>
-        <p:style>
-          <a:lnRef idx="2">
-            <a:schemeClr val="accent6"/>
-          </a:lnRef>
-          <a:fillRef idx="1">
-            <a:schemeClr val="lt1"/>
-          </a:fillRef>
-          <a:effectRef idx="0">
-            <a:schemeClr val="accent6"/>
-          </a:effectRef>
-          <a:fontRef idx="minor">
-            <a:schemeClr val="dk1"/>
-          </a:fontRef>
-        </p:style>
-        <p:txBody>
-          <a:bodyPr rtlCol="0" anchor="ctr"/>
-          <a:lstStyle/>
-          <a:p>
-            <a:pPr algn="ctr"/>
-            <a:r>
-              <a:rPr lang="en-GB" dirty="0"/>
-              <a:t>Tickets: Win365. GCP PE Personas, etc</a:t>
-            </a:r>
-            <a:endParaRPr lang="en-IN" dirty="0"/>
-          </a:p>
-        </p:txBody>
-      </p:sp>
-      <p:sp>
-        <p:nvSpPr>
-          <p:cNvPr id="21" name="Rectangle: Rounded Corners 20">
-            <a:extLst>
-              <a:ext uri="{FF2B5EF4-FFF2-40B4-BE49-F238E27FC236}">
-                <a16:creationId xmlns:a16="http://schemas.microsoft.com/office/drawing/2014/main" id="{19DE95FF-3D95-4734-9DE7-7993E0B38FEA}"/>
-              </a:ext>
-            </a:extLst>
-          </p:cNvPr>
-          <p:cNvSpPr/>
-          <p:nvPr/>
-        </p:nvSpPr>
-        <p:spPr>
-          <a:xfrm>
-            <a:off x="9285046" y="5065848"/>
-            <a:ext cx="2429876" cy="609600"/>
-          </a:xfrm>
-          <a:prstGeom prst="roundRect">
-            <a:avLst/>
-          </a:prstGeom>
-        </p:spPr>
-        <p:style>
-          <a:lnRef idx="2">
-            <a:schemeClr val="accent6"/>
-          </a:lnRef>
-          <a:fillRef idx="1">
-            <a:schemeClr val="lt1"/>
-          </a:fillRef>
-          <a:effectRef idx="0">
-            <a:schemeClr val="accent6"/>
-          </a:effectRef>
-          <a:fontRef idx="minor">
-            <a:schemeClr val="dk1"/>
-          </a:fontRef>
-        </p:style>
-        <p:txBody>
-          <a:bodyPr rtlCol="0" anchor="ctr"/>
-          <a:lstStyle/>
-          <a:p>
-            <a:pPr algn="ctr"/>
-            <a:r>
-              <a:rPr lang="en-GB" dirty="0"/>
-              <a:t>Tools: Git, Docker, Java, Terraform, IntelliJ, etc</a:t>
-            </a:r>
-            <a:endParaRPr lang="en-IN" dirty="0"/>
-          </a:p>
-        </p:txBody>
-      </p:sp>
-      <p:cxnSp>
-        <p:nvCxnSpPr>
-          <p:cNvPr id="23" name="Straight Arrow Connector 22">
-            <a:extLst>
-              <a:ext uri="{FF2B5EF4-FFF2-40B4-BE49-F238E27FC236}">
-                <a16:creationId xmlns:a16="http://schemas.microsoft.com/office/drawing/2014/main" id="{B1C81CF5-54C8-479E-8BED-2B708A012B12}"/>
-              </a:ext>
-            </a:extLst>
-          </p:cNvPr>
-          <p:cNvCxnSpPr>
-            <a:stCxn id="4" idx="2"/>
-            <a:endCxn id="8" idx="0"/>
-          </p:cNvCxnSpPr>
-          <p:nvPr/>
-        </p:nvCxnSpPr>
-        <p:spPr>
-          <a:xfrm>
-            <a:off x="1339522" y="2806047"/>
-            <a:ext cx="1" cy="613014"/>
-          </a:xfrm>
-          <a:prstGeom prst="straightConnector1">
-            <a:avLst/>
-          </a:prstGeom>
-          <a:ln>
-            <a:tailEnd type="triangle"/>
-          </a:ln>
-        </p:spPr>
-        <p:style>
-          <a:lnRef idx="1">
-            <a:schemeClr val="accent1"/>
-          </a:lnRef>
-          <a:fillRef idx="0">
-            <a:schemeClr val="accent1"/>
-          </a:fillRef>
-          <a:effectRef idx="0">
-            <a:schemeClr val="accent1"/>
-          </a:effectRef>
-          <a:fontRef idx="minor">
-            <a:schemeClr val="tx1"/>
-          </a:fontRef>
-        </p:style>
-      </p:cxnSp>
-      <p:cxnSp>
-        <p:nvCxnSpPr>
-          <p:cNvPr id="25" name="Straight Arrow Connector 24">
-            <a:extLst>
-              <a:ext uri="{FF2B5EF4-FFF2-40B4-BE49-F238E27FC236}">
-                <a16:creationId xmlns:a16="http://schemas.microsoft.com/office/drawing/2014/main" id="{E83FC331-FCED-4E39-B93F-AFB6506B02D7}"/>
-              </a:ext>
-            </a:extLst>
-          </p:cNvPr>
-          <p:cNvCxnSpPr>
-            <a:stCxn id="8" idx="3"/>
-            <a:endCxn id="7" idx="1"/>
-          </p:cNvCxnSpPr>
-          <p:nvPr/>
-        </p:nvCxnSpPr>
-        <p:spPr>
-          <a:xfrm flipV="1">
-            <a:off x="2137966" y="3723860"/>
-            <a:ext cx="227546" cy="1"/>
-          </a:xfrm>
-          <a:prstGeom prst="straightConnector1">
-            <a:avLst/>
-          </a:prstGeom>
-          <a:ln>
-            <a:tailEnd type="triangle"/>
-          </a:ln>
-        </p:spPr>
-        <p:style>
-          <a:lnRef idx="1">
-            <a:schemeClr val="accent1"/>
-          </a:lnRef>
-          <a:fillRef idx="0">
-            <a:schemeClr val="accent1"/>
-          </a:fillRef>
-          <a:effectRef idx="0">
-            <a:schemeClr val="accent1"/>
-          </a:effectRef>
-          <a:fontRef idx="minor">
-            <a:schemeClr val="tx1"/>
-          </a:fontRef>
-        </p:style>
-      </p:cxnSp>
-      <p:cxnSp>
-        <p:nvCxnSpPr>
-          <p:cNvPr id="27" name="Connector: Elbow 26">
-            <a:extLst>
-              <a:ext uri="{FF2B5EF4-FFF2-40B4-BE49-F238E27FC236}">
-                <a16:creationId xmlns:a16="http://schemas.microsoft.com/office/drawing/2014/main" id="{14E1E0EE-0174-4EA2-BF61-893A5F7B4ABF}"/>
-              </a:ext>
-            </a:extLst>
-          </p:cNvPr>
-          <p:cNvCxnSpPr>
-            <a:cxnSpLocks/>
-          </p:cNvCxnSpPr>
-          <p:nvPr/>
-        </p:nvCxnSpPr>
-        <p:spPr>
-          <a:xfrm rot="16200000" flipH="1">
-            <a:off x="1456455" y="3881860"/>
-            <a:ext cx="732387" cy="1025989"/>
-          </a:xfrm>
-          <a:prstGeom prst="bentConnector2">
-            <a:avLst/>
-          </a:prstGeom>
-          <a:ln>
-            <a:tailEnd type="triangle"/>
-          </a:ln>
-        </p:spPr>
-        <p:style>
-          <a:lnRef idx="1">
-            <a:schemeClr val="accent1"/>
-          </a:lnRef>
-          <a:fillRef idx="0">
-            <a:schemeClr val="accent1"/>
-          </a:fillRef>
-          <a:effectRef idx="0">
-            <a:schemeClr val="accent1"/>
-          </a:effectRef>
-          <a:fontRef idx="minor">
-            <a:schemeClr val="tx1"/>
-          </a:fontRef>
-        </p:style>
-      </p:cxnSp>
-      <p:cxnSp>
-        <p:nvCxnSpPr>
-          <p:cNvPr id="31" name="Connector: Elbow 30">
-            <a:extLst>
-              <a:ext uri="{FF2B5EF4-FFF2-40B4-BE49-F238E27FC236}">
-                <a16:creationId xmlns:a16="http://schemas.microsoft.com/office/drawing/2014/main" id="{D9B106F3-DE6C-488A-8937-DCB0B56E9734}"/>
-              </a:ext>
-            </a:extLst>
-          </p:cNvPr>
-          <p:cNvCxnSpPr>
-            <a:endCxn id="6" idx="1"/>
-          </p:cNvCxnSpPr>
-          <p:nvPr/>
-        </p:nvCxnSpPr>
-        <p:spPr>
-          <a:xfrm>
-            <a:off x="1309653" y="4761048"/>
-            <a:ext cx="1055859" cy="1017310"/>
-          </a:xfrm>
-          <a:prstGeom prst="bentConnector3">
-            <a:avLst>
-              <a:gd name="adj1" fmla="val -204"/>
-            </a:avLst>
-          </a:prstGeom>
-          <a:ln>
-            <a:tailEnd type="triangle"/>
-          </a:ln>
-        </p:spPr>
-        <p:style>
-          <a:lnRef idx="1">
-            <a:schemeClr val="accent1"/>
-          </a:lnRef>
-          <a:fillRef idx="0">
-            <a:schemeClr val="accent1"/>
-          </a:fillRef>
-          <a:effectRef idx="0">
-            <a:schemeClr val="accent1"/>
-          </a:effectRef>
-          <a:fontRef idx="minor">
-            <a:schemeClr val="tx1"/>
-          </a:fontRef>
-        </p:style>
-      </p:cxnSp>
-      <p:cxnSp>
-        <p:nvCxnSpPr>
-          <p:cNvPr id="35" name="Straight Arrow Connector 34">
-            <a:extLst>
-              <a:ext uri="{FF2B5EF4-FFF2-40B4-BE49-F238E27FC236}">
-                <a16:creationId xmlns:a16="http://schemas.microsoft.com/office/drawing/2014/main" id="{96C51EAF-EDDA-4BF9-A2DA-C48BD6BA6E44}"/>
-              </a:ext>
-            </a:extLst>
-          </p:cNvPr>
-          <p:cNvCxnSpPr>
-            <a:stCxn id="7" idx="3"/>
-            <a:endCxn id="11" idx="1"/>
-          </p:cNvCxnSpPr>
-          <p:nvPr/>
-        </p:nvCxnSpPr>
-        <p:spPr>
-          <a:xfrm>
-            <a:off x="3962399" y="3723860"/>
-            <a:ext cx="521574" cy="1"/>
-          </a:xfrm>
-          <a:prstGeom prst="straightConnector1">
-            <a:avLst/>
-          </a:prstGeom>
-          <a:ln>
-            <a:tailEnd type="triangle"/>
-          </a:ln>
-        </p:spPr>
-        <p:style>
-          <a:lnRef idx="1">
-            <a:schemeClr val="accent1"/>
-          </a:lnRef>
-          <a:fillRef idx="0">
-            <a:schemeClr val="accent1"/>
-          </a:fillRef>
-          <a:effectRef idx="0">
-            <a:schemeClr val="accent1"/>
-          </a:effectRef>
-          <a:fontRef idx="minor">
-            <a:schemeClr val="tx1"/>
-          </a:fontRef>
-        </p:style>
-      </p:cxnSp>
-      <p:cxnSp>
-        <p:nvCxnSpPr>
-          <p:cNvPr id="37" name="Connector: Elbow 36">
-            <a:extLst>
-              <a:ext uri="{FF2B5EF4-FFF2-40B4-BE49-F238E27FC236}">
-                <a16:creationId xmlns:a16="http://schemas.microsoft.com/office/drawing/2014/main" id="{59B9318D-EEEA-40EB-80A8-54C083980B70}"/>
-              </a:ext>
-            </a:extLst>
-          </p:cNvPr>
-          <p:cNvCxnSpPr>
-            <a:stCxn id="7" idx="0"/>
-            <a:endCxn id="10" idx="1"/>
-          </p:cNvCxnSpPr>
-          <p:nvPr/>
-        </p:nvCxnSpPr>
-        <p:spPr>
-          <a:xfrm rot="5400000" flipH="1" flipV="1">
-            <a:off x="3518073" y="2316143"/>
-            <a:ext cx="748800" cy="1457035"/>
-          </a:xfrm>
-          <a:prstGeom prst="bentConnector2">
-            <a:avLst/>
-          </a:prstGeom>
-          <a:ln>
-            <a:tailEnd type="triangle"/>
-          </a:ln>
-        </p:spPr>
-        <p:style>
-          <a:lnRef idx="1">
-            <a:schemeClr val="accent1"/>
-          </a:lnRef>
-          <a:fillRef idx="0">
-            <a:schemeClr val="accent1"/>
-          </a:fillRef>
-          <a:effectRef idx="0">
-            <a:schemeClr val="accent1"/>
-          </a:effectRef>
-          <a:fontRef idx="minor">
-            <a:schemeClr val="tx1"/>
-          </a:fontRef>
-        </p:style>
-      </p:cxnSp>
-      <p:cxnSp>
-        <p:nvCxnSpPr>
-          <p:cNvPr id="39" name="Straight Arrow Connector 38">
-            <a:extLst>
-              <a:ext uri="{FF2B5EF4-FFF2-40B4-BE49-F238E27FC236}">
-                <a16:creationId xmlns:a16="http://schemas.microsoft.com/office/drawing/2014/main" id="{7AB80B82-58B1-4AD9-BF3F-0FA13C9BC057}"/>
-              </a:ext>
-            </a:extLst>
-          </p:cNvPr>
-          <p:cNvCxnSpPr>
-            <a:stCxn id="10" idx="3"/>
-            <a:endCxn id="16" idx="1"/>
-          </p:cNvCxnSpPr>
-          <p:nvPr/>
-        </p:nvCxnSpPr>
-        <p:spPr>
-          <a:xfrm>
-            <a:off x="6217878" y="2670260"/>
-            <a:ext cx="735140" cy="6679"/>
-          </a:xfrm>
-          <a:prstGeom prst="straightConnector1">
-            <a:avLst/>
-          </a:prstGeom>
-          <a:ln>
-            <a:tailEnd type="triangle"/>
-          </a:ln>
-        </p:spPr>
-        <p:style>
-          <a:lnRef idx="1">
-            <a:schemeClr val="accent1"/>
-          </a:lnRef>
-          <a:fillRef idx="0">
-            <a:schemeClr val="accent1"/>
-          </a:fillRef>
-          <a:effectRef idx="0">
-            <a:schemeClr val="accent1"/>
-          </a:effectRef>
-          <a:fontRef idx="minor">
-            <a:schemeClr val="tx1"/>
-          </a:fontRef>
-        </p:style>
-      </p:cxnSp>
-      <p:cxnSp>
-        <p:nvCxnSpPr>
-          <p:cNvPr id="43" name="Connector: Elbow 42">
-            <a:extLst>
-              <a:ext uri="{FF2B5EF4-FFF2-40B4-BE49-F238E27FC236}">
-                <a16:creationId xmlns:a16="http://schemas.microsoft.com/office/drawing/2014/main" id="{AE2CF788-17C4-4D69-9CC1-2CABB0D63A28}"/>
-              </a:ext>
-            </a:extLst>
-          </p:cNvPr>
-          <p:cNvCxnSpPr>
-            <a:stCxn id="11" idx="3"/>
-            <a:endCxn id="17" idx="0"/>
-          </p:cNvCxnSpPr>
-          <p:nvPr/>
-        </p:nvCxnSpPr>
-        <p:spPr>
-          <a:xfrm>
-            <a:off x="6354895" y="3723861"/>
-            <a:ext cx="1472065" cy="192208"/>
-          </a:xfrm>
-          <a:prstGeom prst="bentConnector2">
-            <a:avLst/>
-          </a:prstGeom>
-          <a:ln>
-            <a:tailEnd type="triangle"/>
-          </a:ln>
-        </p:spPr>
-        <p:style>
-          <a:lnRef idx="1">
-            <a:schemeClr val="accent1"/>
-          </a:lnRef>
-          <a:fillRef idx="0">
-            <a:schemeClr val="accent1"/>
-          </a:fillRef>
-          <a:effectRef idx="0">
-            <a:schemeClr val="accent1"/>
-          </a:effectRef>
-          <a:fontRef idx="minor">
-            <a:schemeClr val="tx1"/>
-          </a:fontRef>
-        </p:style>
-      </p:cxnSp>
-      <p:cxnSp>
-        <p:nvCxnSpPr>
-          <p:cNvPr id="45" name="Connector: Elbow 44">
-            <a:extLst>
-              <a:ext uri="{FF2B5EF4-FFF2-40B4-BE49-F238E27FC236}">
-                <a16:creationId xmlns:a16="http://schemas.microsoft.com/office/drawing/2014/main" id="{98D5BFE5-C7FF-48F3-88D6-A0C1550EC0D3}"/>
-              </a:ext>
-            </a:extLst>
-          </p:cNvPr>
-          <p:cNvCxnSpPr>
-            <a:stCxn id="11" idx="2"/>
-            <a:endCxn id="19" idx="1"/>
-          </p:cNvCxnSpPr>
-          <p:nvPr/>
-        </p:nvCxnSpPr>
-        <p:spPr>
-          <a:xfrm rot="16200000" flipH="1">
-            <a:off x="5369380" y="4270923"/>
-            <a:ext cx="1633693" cy="1533584"/>
-          </a:xfrm>
-          <a:prstGeom prst="bentConnector2">
-            <a:avLst/>
-          </a:prstGeom>
-          <a:ln>
-            <a:tailEnd type="triangle"/>
-          </a:ln>
-        </p:spPr>
-        <p:style>
-          <a:lnRef idx="1">
-            <a:schemeClr val="accent1"/>
-          </a:lnRef>
-          <a:fillRef idx="0">
-            <a:schemeClr val="accent1"/>
-          </a:fillRef>
-          <a:effectRef idx="0">
-            <a:schemeClr val="accent1"/>
-          </a:effectRef>
-          <a:fontRef idx="minor">
-            <a:schemeClr val="tx1"/>
-          </a:fontRef>
-        </p:style>
-      </p:cxnSp>
-      <p:cxnSp>
-        <p:nvCxnSpPr>
-          <p:cNvPr id="47" name="Connector: Elbow 46">
-            <a:extLst>
-              <a:ext uri="{FF2B5EF4-FFF2-40B4-BE49-F238E27FC236}">
-                <a16:creationId xmlns:a16="http://schemas.microsoft.com/office/drawing/2014/main" id="{3CCB6E92-634C-47D3-9409-3424438DD826}"/>
-              </a:ext>
-            </a:extLst>
-          </p:cNvPr>
-          <p:cNvCxnSpPr>
-            <a:stCxn id="16" idx="3"/>
-            <a:endCxn id="12" idx="1"/>
-          </p:cNvCxnSpPr>
-          <p:nvPr/>
-        </p:nvCxnSpPr>
-        <p:spPr>
-          <a:xfrm flipV="1">
-            <a:off x="8549905" y="2196447"/>
-            <a:ext cx="735142" cy="480492"/>
-          </a:xfrm>
-          <a:prstGeom prst="bentConnector3">
-            <a:avLst/>
-          </a:prstGeom>
-          <a:ln>
-            <a:tailEnd type="triangle"/>
-          </a:ln>
-        </p:spPr>
-        <p:style>
-          <a:lnRef idx="1">
-            <a:schemeClr val="accent1"/>
-          </a:lnRef>
-          <a:fillRef idx="0">
-            <a:schemeClr val="accent1"/>
-          </a:fillRef>
-          <a:effectRef idx="0">
-            <a:schemeClr val="accent1"/>
-          </a:effectRef>
-          <a:fontRef idx="minor">
-            <a:schemeClr val="tx1"/>
-          </a:fontRef>
-        </p:style>
-      </p:cxnSp>
-      <p:cxnSp>
-        <p:nvCxnSpPr>
-          <p:cNvPr id="53" name="Connector: Elbow 52">
-            <a:extLst>
-              <a:ext uri="{FF2B5EF4-FFF2-40B4-BE49-F238E27FC236}">
-                <a16:creationId xmlns:a16="http://schemas.microsoft.com/office/drawing/2014/main" id="{78E3F84E-0B33-4194-A564-0B9E89F741A0}"/>
-              </a:ext>
-            </a:extLst>
-          </p:cNvPr>
-          <p:cNvCxnSpPr>
-            <a:stCxn id="17" idx="3"/>
-            <a:endCxn id="15" idx="1"/>
-          </p:cNvCxnSpPr>
-          <p:nvPr/>
-        </p:nvCxnSpPr>
-        <p:spPr>
-          <a:xfrm flipV="1">
-            <a:off x="8700902" y="3767031"/>
-            <a:ext cx="584146" cy="453838"/>
-          </a:xfrm>
-          <a:prstGeom prst="bentConnector3">
-            <a:avLst/>
-          </a:prstGeom>
-          <a:ln>
-            <a:tailEnd type="triangle"/>
-          </a:ln>
-        </p:spPr>
-        <p:style>
-          <a:lnRef idx="1">
-            <a:schemeClr val="accent1"/>
-          </a:lnRef>
-          <a:fillRef idx="0">
-            <a:schemeClr val="accent1"/>
-          </a:fillRef>
-          <a:effectRef idx="0">
-            <a:schemeClr val="accent1"/>
-          </a:effectRef>
-          <a:fontRef idx="minor">
-            <a:schemeClr val="tx1"/>
-          </a:fontRef>
-        </p:style>
-      </p:cxnSp>
-      <p:cxnSp>
-        <p:nvCxnSpPr>
-          <p:cNvPr id="55" name="Connector: Elbow 54">
-            <a:extLst>
-              <a:ext uri="{FF2B5EF4-FFF2-40B4-BE49-F238E27FC236}">
-                <a16:creationId xmlns:a16="http://schemas.microsoft.com/office/drawing/2014/main" id="{2E29DA6B-25B7-4DF2-8C95-54EE988C1DE6}"/>
-              </a:ext>
-            </a:extLst>
-          </p:cNvPr>
-          <p:cNvCxnSpPr>
-            <a:stCxn id="17" idx="3"/>
-            <a:endCxn id="14" idx="1"/>
-          </p:cNvCxnSpPr>
-          <p:nvPr/>
-        </p:nvCxnSpPr>
-        <p:spPr>
-          <a:xfrm>
-            <a:off x="8700902" y="4220869"/>
-            <a:ext cx="584146" cy="331453"/>
-          </a:xfrm>
-          <a:prstGeom prst="bentConnector3">
-            <a:avLst/>
-          </a:prstGeom>
-          <a:ln>
-            <a:tailEnd type="triangle"/>
-          </a:ln>
-        </p:spPr>
-        <p:style>
-          <a:lnRef idx="1">
-            <a:schemeClr val="accent1"/>
-          </a:lnRef>
-          <a:fillRef idx="0">
-            <a:schemeClr val="accent1"/>
-          </a:fillRef>
-          <a:effectRef idx="0">
-            <a:schemeClr val="accent1"/>
-          </a:effectRef>
-          <a:fontRef idx="minor">
-            <a:schemeClr val="tx1"/>
-          </a:fontRef>
-        </p:style>
-      </p:cxnSp>
-      <p:cxnSp>
-        <p:nvCxnSpPr>
-          <p:cNvPr id="57" name="Connector: Elbow 56">
-            <a:extLst>
-              <a:ext uri="{FF2B5EF4-FFF2-40B4-BE49-F238E27FC236}">
-                <a16:creationId xmlns:a16="http://schemas.microsoft.com/office/drawing/2014/main" id="{94C95BE0-FBE9-433F-89EB-7952E727F529}"/>
-              </a:ext>
-            </a:extLst>
-          </p:cNvPr>
-          <p:cNvCxnSpPr>
-            <a:stCxn id="16" idx="3"/>
-            <a:endCxn id="13" idx="1"/>
-          </p:cNvCxnSpPr>
-          <p:nvPr/>
-        </p:nvCxnSpPr>
-        <p:spPr>
-          <a:xfrm>
-            <a:off x="8549905" y="2676939"/>
-            <a:ext cx="735144" cy="304800"/>
-          </a:xfrm>
-          <a:prstGeom prst="bentConnector3">
-            <a:avLst/>
-          </a:prstGeom>
-          <a:ln>
-            <a:tailEnd type="triangle"/>
-          </a:ln>
-        </p:spPr>
-        <p:style>
-          <a:lnRef idx="1">
-            <a:schemeClr val="accent1"/>
-          </a:lnRef>
-          <a:fillRef idx="0">
-            <a:schemeClr val="accent1"/>
-          </a:fillRef>
-          <a:effectRef idx="0">
-            <a:schemeClr val="accent1"/>
-          </a:effectRef>
-          <a:fontRef idx="minor">
-            <a:schemeClr val="tx1"/>
-          </a:fontRef>
-        </p:style>
-      </p:cxnSp>
-      <p:cxnSp>
-        <p:nvCxnSpPr>
-          <p:cNvPr id="59" name="Connector: Elbow 58">
-            <a:extLst>
-              <a:ext uri="{FF2B5EF4-FFF2-40B4-BE49-F238E27FC236}">
-                <a16:creationId xmlns:a16="http://schemas.microsoft.com/office/drawing/2014/main" id="{72D69DDB-44A0-48C6-A23D-6B9CDCDC44A5}"/>
-              </a:ext>
-            </a:extLst>
-          </p:cNvPr>
-          <p:cNvCxnSpPr>
-            <a:cxnSpLocks/>
-            <a:stCxn id="19" idx="3"/>
-            <a:endCxn id="21" idx="1"/>
-          </p:cNvCxnSpPr>
-          <p:nvPr/>
-        </p:nvCxnSpPr>
-        <p:spPr>
-          <a:xfrm flipV="1">
-            <a:off x="8984974" y="5370648"/>
-            <a:ext cx="300072" cy="483914"/>
-          </a:xfrm>
-          <a:prstGeom prst="bentConnector3">
-            <a:avLst/>
-          </a:prstGeom>
-          <a:ln>
-            <a:tailEnd type="triangle"/>
-          </a:ln>
-        </p:spPr>
-        <p:style>
-          <a:lnRef idx="1">
-            <a:schemeClr val="accent1"/>
-          </a:lnRef>
-          <a:fillRef idx="0">
-            <a:schemeClr val="accent1"/>
-          </a:fillRef>
-          <a:effectRef idx="0">
-            <a:schemeClr val="accent1"/>
-          </a:effectRef>
-          <a:fontRef idx="minor">
-            <a:schemeClr val="tx1"/>
-          </a:fontRef>
-        </p:style>
-      </p:cxnSp>
-      <p:cxnSp>
-        <p:nvCxnSpPr>
-          <p:cNvPr id="61" name="Connector: Elbow 60">
-            <a:extLst>
-              <a:ext uri="{FF2B5EF4-FFF2-40B4-BE49-F238E27FC236}">
-                <a16:creationId xmlns:a16="http://schemas.microsoft.com/office/drawing/2014/main" id="{E42A8575-3F9E-4917-89C3-5B8007370C57}"/>
-              </a:ext>
-            </a:extLst>
-          </p:cNvPr>
-          <p:cNvCxnSpPr>
-            <a:stCxn id="19" idx="3"/>
-            <a:endCxn id="20" idx="1"/>
-          </p:cNvCxnSpPr>
-          <p:nvPr/>
-        </p:nvCxnSpPr>
-        <p:spPr>
-          <a:xfrm>
-            <a:off x="8984974" y="5854562"/>
-            <a:ext cx="300071" cy="334412"/>
-          </a:xfrm>
-          <a:prstGeom prst="bentConnector3">
-            <a:avLst/>
-          </a:prstGeom>
-          <a:ln>
-            <a:tailEnd type="triangle"/>
-          </a:ln>
-        </p:spPr>
-        <p:style>
-          <a:lnRef idx="1">
-            <a:schemeClr val="accent1"/>
-          </a:lnRef>
-          <a:fillRef idx="0">
-            <a:schemeClr val="accent1"/>
-          </a:fillRef>
-          <a:effectRef idx="0">
-            <a:schemeClr val="accent1"/>
-          </a:effectRef>
-          <a:fontRef idx="minor">
-            <a:schemeClr val="tx1"/>
-          </a:fontRef>
-        </p:style>
-      </p:cxnSp>
+              <a:t>	GCP IAM: Compute Engine API and service account</a:t>
+            </a:r>
+          </a:p>
+          <a:p>
+            <a:endParaRPr lang="en-GB" dirty="0"/>
+          </a:p>
+        </p:txBody>
+      </p:sp>
     </p:spTree>
     <p:extLst>
       <p:ext uri="{BB962C8B-B14F-4D97-AF65-F5344CB8AC3E}">
-        <p14:creationId xmlns:p14="http://schemas.microsoft.com/office/powerpoint/2010/main" val="1229178898"/>
+        <p14:creationId xmlns:p14="http://schemas.microsoft.com/office/powerpoint/2010/main" val="1504040330"/>
       </p:ext>
     </p:extLst>
   </p:cSld>
